--- a/slides/ddl-w8l2.pptx
+++ b/slides/ddl-w8l2.pptx
@@ -5,23 +5,17 @@
     <p:sldMasterId id="2147483649" r:id="rId1"/>
   </p:sldMasterIdLst>
   <p:notesMasterIdLst>
-    <p:notesMasterId r:id="rId13"/>
+    <p:notesMasterId r:id="rId7"/>
   </p:notesMasterIdLst>
   <p:handoutMasterIdLst>
-    <p:handoutMasterId r:id="rId14"/>
+    <p:handoutMasterId r:id="rId8"/>
   </p:handoutMasterIdLst>
   <p:sldIdLst>
-    <p:sldId id="256" r:id="rId2"/>
-    <p:sldId id="263" r:id="rId3"/>
-    <p:sldId id="264" r:id="rId4"/>
-    <p:sldId id="265" r:id="rId5"/>
-    <p:sldId id="267" r:id="rId6"/>
-    <p:sldId id="268" r:id="rId7"/>
-    <p:sldId id="269" r:id="rId8"/>
-    <p:sldId id="270" r:id="rId9"/>
-    <p:sldId id="271" r:id="rId10"/>
-    <p:sldId id="272" r:id="rId11"/>
-    <p:sldId id="275" r:id="rId12"/>
+    <p:sldId id="276" r:id="rId2"/>
+    <p:sldId id="277" r:id="rId3"/>
+    <p:sldId id="278" r:id="rId4"/>
+    <p:sldId id="279" r:id="rId5"/>
+    <p:sldId id="280" r:id="rId6"/>
   </p:sldIdLst>
   <p:sldSz cx="9144000" cy="6858000" type="screen4x3"/>
   <p:notesSz cx="6858000" cy="9144000"/>
@@ -150,6 +144,40 @@
       </a:defRPr>
     </a:lvl9pPr>
   </p:defaultTextStyle>
+  <p:extLst>
+    <p:ext uri="{EFAFB233-063F-42B5-8137-9DF3F51BA10A}">
+      <p15:sldGuideLst xmlns:p15="http://schemas.microsoft.com/office/powerpoint/2012/main">
+        <p15:guide id="1" orient="horz" pos="2160">
+          <p15:clr>
+            <a:srgbClr val="A4A3A4"/>
+          </p15:clr>
+        </p15:guide>
+        <p15:guide id="2" orient="horz" pos="866">
+          <p15:clr>
+            <a:srgbClr val="A4A3A4"/>
+          </p15:clr>
+        </p15:guide>
+        <p15:guide id="3" pos="2880">
+          <p15:clr>
+            <a:srgbClr val="A4A3A4"/>
+          </p15:clr>
+        </p15:guide>
+        <p15:guide id="4" pos="476">
+          <p15:clr>
+            <a:srgbClr val="A4A3A4"/>
+          </p15:clr>
+        </p15:guide>
+        <p15:guide id="5" pos="1111">
+          <p15:clr>
+            <a:srgbClr val="A4A3A4"/>
+          </p15:clr>
+        </p15:guide>
+      </p15:sldGuideLst>
+    </p:ext>
+    <p:ext uri="{2D200454-40CA-4A62-9FC3-DE9A4176ACB9}">
+      <p15:notesGuideLst xmlns:p15="http://schemas.microsoft.com/office/powerpoint/2012/main"/>
+    </p:ext>
+  </p:extLst>
 </p:presentation>
 </file>
 
@@ -266,7 +294,7 @@
             <a:fld id="{373F1B60-BDF4-4D63-AD79-99D5A5B1DF99}" type="datetime1">
               <a:rPr lang="en-US"/>
               <a:pPr/>
-              <a:t>2/19/2013</a:t>
+              <a:t>12/12/2018</a:t>
             </a:fld>
             <a:endParaRPr lang="en-US"/>
           </a:p>
@@ -485,7 +513,7 @@
             <a:fld id="{4387A7AA-DFE9-4771-BEDE-3294FCEBFB02}" type="datetime1">
               <a:rPr lang="en-US"/>
               <a:pPr/>
-              <a:t>2/19/2013</a:t>
+              <a:t>12/12/2018</a:t>
             </a:fld>
             <a:endParaRPr lang="en-US"/>
           </a:p>
@@ -495,7 +523,7 @@
         <p:nvSpPr>
           <p:cNvPr id="50180" name="Rectangle 4"/>
           <p:cNvSpPr>
-            <a:spLocks noRot="1" noChangeArrowheads="1" noTextEdit="1"/>
+            <a:spLocks noGrp="1" noRot="1" noChangeAspect="1" noChangeArrowheads="1" noTextEdit="1"/>
           </p:cNvSpPr>
           <p:nvPr>
             <p:ph type="sldImg" idx="2"/>
@@ -876,7 +904,7 @@
             <a:fld id="{8541E2CD-DBF4-40F9-B6F8-EEFD0DF8A138}" type="datetime1">
               <a:rPr lang="en-US"/>
               <a:pPr/>
-              <a:t>2/19/2013</a:t>
+              <a:t>12/12/2018</a:t>
             </a:fld>
             <a:endParaRPr lang="en-US"/>
           </a:p>
@@ -936,7 +964,7 @@
         <p:nvSpPr>
           <p:cNvPr id="182274" name="Rectangle 2"/>
           <p:cNvSpPr>
-            <a:spLocks noRot="1" noChangeArrowheads="1" noTextEdit="1"/>
+            <a:spLocks noGrp="1" noRot="1" noChangeAspect="1" noChangeArrowheads="1" noTextEdit="1"/>
           </p:cNvSpPr>
           <p:nvPr>
             <p:ph type="sldImg"/>
@@ -966,1586 +994,11 @@
         </p:txBody>
       </p:sp>
     </p:spTree>
-  </p:cSld>
-  <p:clrMapOvr>
-    <a:masterClrMapping/>
-  </p:clrMapOvr>
-</p:notes>
-</file>
-
-<file path=ppt/notesSlides/notesSlide10.xml><?xml version="1.0" encoding="utf-8"?>
-<p:notes xmlns:a="http://schemas.openxmlformats.org/drawingml/2006/main" xmlns:r="http://schemas.openxmlformats.org/officeDocument/2006/relationships" xmlns:p="http://schemas.openxmlformats.org/presentationml/2006/main">
-  <p:cSld>
-    <p:spTree>
-      <p:nvGrpSpPr>
-        <p:cNvPr id="1" name=""/>
-        <p:cNvGrpSpPr/>
-        <p:nvPr/>
-      </p:nvGrpSpPr>
-      <p:grpSpPr>
-        <a:xfrm>
-          <a:off x="0" y="0"/>
-          <a:ext cx="0" cy="0"/>
-          <a:chOff x="0" y="0"/>
-          <a:chExt cx="0" cy="0"/>
-        </a:xfrm>
-      </p:grpSpPr>
-      <p:sp>
-        <p:nvSpPr>
-          <p:cNvPr id="4" name="Rectangle 2"/>
-          <p:cNvSpPr>
-            <a:spLocks noGrp="1" noChangeArrowheads="1"/>
-          </p:cNvSpPr>
-          <p:nvPr>
-            <p:ph type="hdr" sz="quarter"/>
-          </p:nvPr>
-        </p:nvSpPr>
-        <p:spPr>
-          <a:ln/>
-        </p:spPr>
-        <p:txBody>
-          <a:bodyPr/>
-          <a:lstStyle/>
-          <a:p>
-            <a:r>
-              <a:rPr lang="en-US"/>
-              <a:t>xxxxxxxxxxxxxxx</a:t>
-            </a:r>
-          </a:p>
-        </p:txBody>
-      </p:sp>
-      <p:sp>
-        <p:nvSpPr>
-          <p:cNvPr id="5" name="Rectangle 3"/>
-          <p:cNvSpPr>
-            <a:spLocks noGrp="1" noChangeArrowheads="1"/>
-          </p:cNvSpPr>
-          <p:nvPr>
-            <p:ph type="dt" idx="1"/>
-          </p:nvPr>
-        </p:nvSpPr>
-        <p:spPr>
-          <a:ln/>
-        </p:spPr>
-        <p:txBody>
-          <a:bodyPr/>
-          <a:lstStyle/>
-          <a:p>
-            <a:fld id="{A3734206-9E0D-45A8-9A9C-E9E820231454}" type="datetime1">
-              <a:rPr lang="en-US"/>
-              <a:pPr/>
-              <a:t>2/19/2013</a:t>
-            </a:fld>
-            <a:endParaRPr lang="en-US"/>
-          </a:p>
-        </p:txBody>
-      </p:sp>
-      <p:sp>
-        <p:nvSpPr>
-          <p:cNvPr id="6" name="Rectangle 6"/>
-          <p:cNvSpPr>
-            <a:spLocks noGrp="1" noChangeArrowheads="1"/>
-          </p:cNvSpPr>
-          <p:nvPr>
-            <p:ph type="ftr" sz="quarter" idx="4"/>
-          </p:nvPr>
-        </p:nvSpPr>
-        <p:spPr>
-          <a:ln/>
-        </p:spPr>
-        <p:txBody>
-          <a:bodyPr/>
-          <a:lstStyle/>
-          <a:p>
-            <a:r>
-              <a:rPr lang="en-US"/>
-              <a:t>xxxxxxxxxxxxx</a:t>
-            </a:r>
-          </a:p>
-        </p:txBody>
-      </p:sp>
-      <p:sp>
-        <p:nvSpPr>
-          <p:cNvPr id="7" name="Rectangle 7"/>
-          <p:cNvSpPr>
-            <a:spLocks noGrp="1" noChangeArrowheads="1"/>
-          </p:cNvSpPr>
-          <p:nvPr>
-            <p:ph type="sldNum" sz="quarter" idx="5"/>
-          </p:nvPr>
-        </p:nvSpPr>
-        <p:spPr>
-          <a:ln/>
-        </p:spPr>
-        <p:txBody>
-          <a:bodyPr/>
-          <a:lstStyle/>
-          <a:p>
-            <a:fld id="{3E24F508-BEE9-43B6-9C9C-05A1D82BD706}" type="slidenum">
-              <a:rPr lang="en-US"/>
-              <a:pPr/>
-              <a:t>10</a:t>
-            </a:fld>
-            <a:endParaRPr lang="en-US"/>
-          </a:p>
-        </p:txBody>
-      </p:sp>
-      <p:sp>
-        <p:nvSpPr>
-          <p:cNvPr id="191490" name="Rectangle 2"/>
-          <p:cNvSpPr>
-            <a:spLocks noRot="1" noChangeArrowheads="1" noTextEdit="1"/>
-          </p:cNvSpPr>
-          <p:nvPr>
-            <p:ph type="sldImg"/>
-          </p:nvPr>
-        </p:nvSpPr>
-        <p:spPr>
-          <a:ln/>
-        </p:spPr>
-      </p:sp>
-      <p:sp>
-        <p:nvSpPr>
-          <p:cNvPr id="191491" name="Rectangle 3"/>
-          <p:cNvSpPr>
-            <a:spLocks noGrp="1" noChangeArrowheads="1"/>
-          </p:cNvSpPr>
-          <p:nvPr>
-            <p:ph type="body" idx="1"/>
-          </p:nvPr>
-        </p:nvSpPr>
-        <p:spPr/>
-        <p:txBody>
-          <a:bodyPr/>
-          <a:lstStyle/>
-          <a:p>
-            <a:endParaRPr lang="nl-NL"/>
-          </a:p>
-        </p:txBody>
-      </p:sp>
-    </p:spTree>
-  </p:cSld>
-  <p:clrMapOvr>
-    <a:masterClrMapping/>
-  </p:clrMapOvr>
-</p:notes>
-</file>
-
-<file path=ppt/notesSlides/notesSlide11.xml><?xml version="1.0" encoding="utf-8"?>
-<p:notes xmlns:a="http://schemas.openxmlformats.org/drawingml/2006/main" xmlns:r="http://schemas.openxmlformats.org/officeDocument/2006/relationships" xmlns:p="http://schemas.openxmlformats.org/presentationml/2006/main">
-  <p:cSld>
-    <p:spTree>
-      <p:nvGrpSpPr>
-        <p:cNvPr id="1" name=""/>
-        <p:cNvGrpSpPr/>
-        <p:nvPr/>
-      </p:nvGrpSpPr>
-      <p:grpSpPr>
-        <a:xfrm>
-          <a:off x="0" y="0"/>
-          <a:ext cx="0" cy="0"/>
-          <a:chOff x="0" y="0"/>
-          <a:chExt cx="0" cy="0"/>
-        </a:xfrm>
-      </p:grpSpPr>
-      <p:sp>
-        <p:nvSpPr>
-          <p:cNvPr id="4" name="Rectangle 2"/>
-          <p:cNvSpPr>
-            <a:spLocks noGrp="1" noChangeArrowheads="1"/>
-          </p:cNvSpPr>
-          <p:nvPr>
-            <p:ph type="hdr" sz="quarter"/>
-          </p:nvPr>
-        </p:nvSpPr>
-        <p:spPr>
-          <a:ln/>
-        </p:spPr>
-        <p:txBody>
-          <a:bodyPr/>
-          <a:lstStyle/>
-          <a:p>
-            <a:r>
-              <a:rPr lang="en-US"/>
-              <a:t>xxxxxxxxxxxxxxx</a:t>
-            </a:r>
-          </a:p>
-        </p:txBody>
-      </p:sp>
-      <p:sp>
-        <p:nvSpPr>
-          <p:cNvPr id="5" name="Rectangle 3"/>
-          <p:cNvSpPr>
-            <a:spLocks noGrp="1" noChangeArrowheads="1"/>
-          </p:cNvSpPr>
-          <p:nvPr>
-            <p:ph type="dt" idx="1"/>
-          </p:nvPr>
-        </p:nvSpPr>
-        <p:spPr>
-          <a:ln/>
-        </p:spPr>
-        <p:txBody>
-          <a:bodyPr/>
-          <a:lstStyle/>
-          <a:p>
-            <a:fld id="{E01E3979-3EA1-4091-9A9F-0CDBD48FB10C}" type="datetime1">
-              <a:rPr lang="en-US"/>
-              <a:pPr/>
-              <a:t>2/19/2013</a:t>
-            </a:fld>
-            <a:endParaRPr lang="en-US"/>
-          </a:p>
-        </p:txBody>
-      </p:sp>
-      <p:sp>
-        <p:nvSpPr>
-          <p:cNvPr id="6" name="Rectangle 6"/>
-          <p:cNvSpPr>
-            <a:spLocks noGrp="1" noChangeArrowheads="1"/>
-          </p:cNvSpPr>
-          <p:nvPr>
-            <p:ph type="ftr" sz="quarter" idx="4"/>
-          </p:nvPr>
-        </p:nvSpPr>
-        <p:spPr>
-          <a:ln/>
-        </p:spPr>
-        <p:txBody>
-          <a:bodyPr/>
-          <a:lstStyle/>
-          <a:p>
-            <a:r>
-              <a:rPr lang="en-US"/>
-              <a:t>xxxxxxxxxxxxx</a:t>
-            </a:r>
-          </a:p>
-        </p:txBody>
-      </p:sp>
-      <p:sp>
-        <p:nvSpPr>
-          <p:cNvPr id="7" name="Rectangle 7"/>
-          <p:cNvSpPr>
-            <a:spLocks noGrp="1" noChangeArrowheads="1"/>
-          </p:cNvSpPr>
-          <p:nvPr>
-            <p:ph type="sldNum" sz="quarter" idx="5"/>
-          </p:nvPr>
-        </p:nvSpPr>
-        <p:spPr>
-          <a:ln/>
-        </p:spPr>
-        <p:txBody>
-          <a:bodyPr/>
-          <a:lstStyle/>
-          <a:p>
-            <a:fld id="{66654B76-19AB-4A8A-A997-35CF46824B95}" type="slidenum">
-              <a:rPr lang="en-US"/>
-              <a:pPr/>
-              <a:t>11</a:t>
-            </a:fld>
-            <a:endParaRPr lang="en-US"/>
-          </a:p>
-        </p:txBody>
-      </p:sp>
-      <p:sp>
-        <p:nvSpPr>
-          <p:cNvPr id="192514" name="Rectangle 2"/>
-          <p:cNvSpPr>
-            <a:spLocks noRot="1" noChangeArrowheads="1" noTextEdit="1"/>
-          </p:cNvSpPr>
-          <p:nvPr>
-            <p:ph type="sldImg"/>
-          </p:nvPr>
-        </p:nvSpPr>
-        <p:spPr>
-          <a:ln/>
-        </p:spPr>
-      </p:sp>
-      <p:sp>
-        <p:nvSpPr>
-          <p:cNvPr id="192515" name="Rectangle 3"/>
-          <p:cNvSpPr>
-            <a:spLocks noGrp="1" noChangeArrowheads="1"/>
-          </p:cNvSpPr>
-          <p:nvPr>
-            <p:ph type="body" idx="1"/>
-          </p:nvPr>
-        </p:nvSpPr>
-        <p:spPr/>
-        <p:txBody>
-          <a:bodyPr/>
-          <a:lstStyle/>
-          <a:p>
-            <a:endParaRPr lang="nl-NL"/>
-          </a:p>
-        </p:txBody>
-      </p:sp>
-    </p:spTree>
-  </p:cSld>
-  <p:clrMapOvr>
-    <a:masterClrMapping/>
-  </p:clrMapOvr>
-</p:notes>
-</file>
-
-<file path=ppt/notesSlides/notesSlide2.xml><?xml version="1.0" encoding="utf-8"?>
-<p:notes xmlns:a="http://schemas.openxmlformats.org/drawingml/2006/main" xmlns:r="http://schemas.openxmlformats.org/officeDocument/2006/relationships" xmlns:p="http://schemas.openxmlformats.org/presentationml/2006/main">
-  <p:cSld>
-    <p:spTree>
-      <p:nvGrpSpPr>
-        <p:cNvPr id="1" name=""/>
-        <p:cNvGrpSpPr/>
-        <p:nvPr/>
-      </p:nvGrpSpPr>
-      <p:grpSpPr>
-        <a:xfrm>
-          <a:off x="0" y="0"/>
-          <a:ext cx="0" cy="0"/>
-          <a:chOff x="0" y="0"/>
-          <a:chExt cx="0" cy="0"/>
-        </a:xfrm>
-      </p:grpSpPr>
-      <p:sp>
-        <p:nvSpPr>
-          <p:cNvPr id="4" name="Rectangle 2"/>
-          <p:cNvSpPr>
-            <a:spLocks noGrp="1" noChangeArrowheads="1"/>
-          </p:cNvSpPr>
-          <p:nvPr>
-            <p:ph type="hdr" sz="quarter"/>
-          </p:nvPr>
-        </p:nvSpPr>
-        <p:spPr>
-          <a:ln/>
-        </p:spPr>
-        <p:txBody>
-          <a:bodyPr/>
-          <a:lstStyle/>
-          <a:p>
-            <a:r>
-              <a:rPr lang="en-US"/>
-              <a:t>xxxxxxxxxxxxxxx</a:t>
-            </a:r>
-          </a:p>
-        </p:txBody>
-      </p:sp>
-      <p:sp>
-        <p:nvSpPr>
-          <p:cNvPr id="5" name="Rectangle 3"/>
-          <p:cNvSpPr>
-            <a:spLocks noGrp="1" noChangeArrowheads="1"/>
-          </p:cNvSpPr>
-          <p:nvPr>
-            <p:ph type="dt" idx="1"/>
-          </p:nvPr>
-        </p:nvSpPr>
-        <p:spPr>
-          <a:ln/>
-        </p:spPr>
-        <p:txBody>
-          <a:bodyPr/>
-          <a:lstStyle/>
-          <a:p>
-            <a:fld id="{D75D9CB6-A154-4961-BE96-B8A670095A3E}" type="datetime1">
-              <a:rPr lang="en-US"/>
-              <a:pPr/>
-              <a:t>2/19/2013</a:t>
-            </a:fld>
-            <a:endParaRPr lang="en-US"/>
-          </a:p>
-        </p:txBody>
-      </p:sp>
-      <p:sp>
-        <p:nvSpPr>
-          <p:cNvPr id="6" name="Rectangle 6"/>
-          <p:cNvSpPr>
-            <a:spLocks noGrp="1" noChangeArrowheads="1"/>
-          </p:cNvSpPr>
-          <p:nvPr>
-            <p:ph type="ftr" sz="quarter" idx="4"/>
-          </p:nvPr>
-        </p:nvSpPr>
-        <p:spPr>
-          <a:ln/>
-        </p:spPr>
-        <p:txBody>
-          <a:bodyPr/>
-          <a:lstStyle/>
-          <a:p>
-            <a:r>
-              <a:rPr lang="en-US"/>
-              <a:t>xxxxxxxxxxxxx</a:t>
-            </a:r>
-          </a:p>
-        </p:txBody>
-      </p:sp>
-      <p:sp>
-        <p:nvSpPr>
-          <p:cNvPr id="7" name="Rectangle 7"/>
-          <p:cNvSpPr>
-            <a:spLocks noGrp="1" noChangeArrowheads="1"/>
-          </p:cNvSpPr>
-          <p:nvPr>
-            <p:ph type="sldNum" sz="quarter" idx="5"/>
-          </p:nvPr>
-        </p:nvSpPr>
-        <p:spPr>
-          <a:ln/>
-        </p:spPr>
-        <p:txBody>
-          <a:bodyPr/>
-          <a:lstStyle/>
-          <a:p>
-            <a:fld id="{9670D17F-B3A3-4718-8A92-DA29315C8C76}" type="slidenum">
-              <a:rPr lang="en-US"/>
-              <a:pPr/>
-              <a:t>2</a:t>
-            </a:fld>
-            <a:endParaRPr lang="en-US"/>
-          </a:p>
-        </p:txBody>
-      </p:sp>
-      <p:sp>
-        <p:nvSpPr>
-          <p:cNvPr id="183298" name="Rectangle 2"/>
-          <p:cNvSpPr>
-            <a:spLocks noRot="1" noChangeArrowheads="1" noTextEdit="1"/>
-          </p:cNvSpPr>
-          <p:nvPr>
-            <p:ph type="sldImg"/>
-          </p:nvPr>
-        </p:nvSpPr>
-        <p:spPr>
-          <a:ln/>
-        </p:spPr>
-      </p:sp>
-      <p:sp>
-        <p:nvSpPr>
-          <p:cNvPr id="183299" name="Rectangle 3"/>
-          <p:cNvSpPr>
-            <a:spLocks noGrp="1" noChangeArrowheads="1"/>
-          </p:cNvSpPr>
-          <p:nvPr>
-            <p:ph type="body" idx="1"/>
-          </p:nvPr>
-        </p:nvSpPr>
-        <p:spPr/>
-        <p:txBody>
-          <a:bodyPr/>
-          <a:lstStyle/>
-          <a:p>
-            <a:endParaRPr lang="nl-NL"/>
-          </a:p>
-        </p:txBody>
-      </p:sp>
-    </p:spTree>
-  </p:cSld>
-  <p:clrMapOvr>
-    <a:masterClrMapping/>
-  </p:clrMapOvr>
-</p:notes>
-</file>
-
-<file path=ppt/notesSlides/notesSlide3.xml><?xml version="1.0" encoding="utf-8"?>
-<p:notes xmlns:a="http://schemas.openxmlformats.org/drawingml/2006/main" xmlns:r="http://schemas.openxmlformats.org/officeDocument/2006/relationships" xmlns:p="http://schemas.openxmlformats.org/presentationml/2006/main">
-  <p:cSld>
-    <p:spTree>
-      <p:nvGrpSpPr>
-        <p:cNvPr id="1" name=""/>
-        <p:cNvGrpSpPr/>
-        <p:nvPr/>
-      </p:nvGrpSpPr>
-      <p:grpSpPr>
-        <a:xfrm>
-          <a:off x="0" y="0"/>
-          <a:ext cx="0" cy="0"/>
-          <a:chOff x="0" y="0"/>
-          <a:chExt cx="0" cy="0"/>
-        </a:xfrm>
-      </p:grpSpPr>
-      <p:sp>
-        <p:nvSpPr>
-          <p:cNvPr id="4" name="Rectangle 2"/>
-          <p:cNvSpPr>
-            <a:spLocks noGrp="1" noChangeArrowheads="1"/>
-          </p:cNvSpPr>
-          <p:nvPr>
-            <p:ph type="hdr" sz="quarter"/>
-          </p:nvPr>
-        </p:nvSpPr>
-        <p:spPr>
-          <a:ln/>
-        </p:spPr>
-        <p:txBody>
-          <a:bodyPr/>
-          <a:lstStyle/>
-          <a:p>
-            <a:r>
-              <a:rPr lang="en-US"/>
-              <a:t>xxxxxxxxxxxxxxx</a:t>
-            </a:r>
-          </a:p>
-        </p:txBody>
-      </p:sp>
-      <p:sp>
-        <p:nvSpPr>
-          <p:cNvPr id="5" name="Rectangle 3"/>
-          <p:cNvSpPr>
-            <a:spLocks noGrp="1" noChangeArrowheads="1"/>
-          </p:cNvSpPr>
-          <p:nvPr>
-            <p:ph type="dt" idx="1"/>
-          </p:nvPr>
-        </p:nvSpPr>
-        <p:spPr>
-          <a:ln/>
-        </p:spPr>
-        <p:txBody>
-          <a:bodyPr/>
-          <a:lstStyle/>
-          <a:p>
-            <a:fld id="{FE64602E-BCD2-4C79-9F9B-2C05BD27637D}" type="datetime1">
-              <a:rPr lang="en-US"/>
-              <a:pPr/>
-              <a:t>2/19/2013</a:t>
-            </a:fld>
-            <a:endParaRPr lang="en-US"/>
-          </a:p>
-        </p:txBody>
-      </p:sp>
-      <p:sp>
-        <p:nvSpPr>
-          <p:cNvPr id="6" name="Rectangle 6"/>
-          <p:cNvSpPr>
-            <a:spLocks noGrp="1" noChangeArrowheads="1"/>
-          </p:cNvSpPr>
-          <p:nvPr>
-            <p:ph type="ftr" sz="quarter" idx="4"/>
-          </p:nvPr>
-        </p:nvSpPr>
-        <p:spPr>
-          <a:ln/>
-        </p:spPr>
-        <p:txBody>
-          <a:bodyPr/>
-          <a:lstStyle/>
-          <a:p>
-            <a:r>
-              <a:rPr lang="en-US"/>
-              <a:t>xxxxxxxxxxxxx</a:t>
-            </a:r>
-          </a:p>
-        </p:txBody>
-      </p:sp>
-      <p:sp>
-        <p:nvSpPr>
-          <p:cNvPr id="7" name="Rectangle 7"/>
-          <p:cNvSpPr>
-            <a:spLocks noGrp="1" noChangeArrowheads="1"/>
-          </p:cNvSpPr>
-          <p:nvPr>
-            <p:ph type="sldNum" sz="quarter" idx="5"/>
-          </p:nvPr>
-        </p:nvSpPr>
-        <p:spPr>
-          <a:ln/>
-        </p:spPr>
-        <p:txBody>
-          <a:bodyPr/>
-          <a:lstStyle/>
-          <a:p>
-            <a:fld id="{CDD309D1-08CF-441E-9DB4-960ECFE49892}" type="slidenum">
-              <a:rPr lang="en-US"/>
-              <a:pPr/>
-              <a:t>3</a:t>
-            </a:fld>
-            <a:endParaRPr lang="en-US"/>
-          </a:p>
-        </p:txBody>
-      </p:sp>
-      <p:sp>
-        <p:nvSpPr>
-          <p:cNvPr id="184322" name="Rectangle 2"/>
-          <p:cNvSpPr>
-            <a:spLocks noRot="1" noChangeArrowheads="1" noTextEdit="1"/>
-          </p:cNvSpPr>
-          <p:nvPr>
-            <p:ph type="sldImg"/>
-          </p:nvPr>
-        </p:nvSpPr>
-        <p:spPr>
-          <a:ln/>
-        </p:spPr>
-      </p:sp>
-      <p:sp>
-        <p:nvSpPr>
-          <p:cNvPr id="184323" name="Rectangle 3"/>
-          <p:cNvSpPr>
-            <a:spLocks noGrp="1" noChangeArrowheads="1"/>
-          </p:cNvSpPr>
-          <p:nvPr>
-            <p:ph type="body" idx="1"/>
-          </p:nvPr>
-        </p:nvSpPr>
-        <p:spPr/>
-        <p:txBody>
-          <a:bodyPr/>
-          <a:lstStyle/>
-          <a:p>
-            <a:endParaRPr lang="nl-NL"/>
-          </a:p>
-        </p:txBody>
-      </p:sp>
-    </p:spTree>
-  </p:cSld>
-  <p:clrMapOvr>
-    <a:masterClrMapping/>
-  </p:clrMapOvr>
-</p:notes>
-</file>
-
-<file path=ppt/notesSlides/notesSlide4.xml><?xml version="1.0" encoding="utf-8"?>
-<p:notes xmlns:a="http://schemas.openxmlformats.org/drawingml/2006/main" xmlns:r="http://schemas.openxmlformats.org/officeDocument/2006/relationships" xmlns:p="http://schemas.openxmlformats.org/presentationml/2006/main">
-  <p:cSld>
-    <p:spTree>
-      <p:nvGrpSpPr>
-        <p:cNvPr id="1" name=""/>
-        <p:cNvGrpSpPr/>
-        <p:nvPr/>
-      </p:nvGrpSpPr>
-      <p:grpSpPr>
-        <a:xfrm>
-          <a:off x="0" y="0"/>
-          <a:ext cx="0" cy="0"/>
-          <a:chOff x="0" y="0"/>
-          <a:chExt cx="0" cy="0"/>
-        </a:xfrm>
-      </p:grpSpPr>
-      <p:sp>
-        <p:nvSpPr>
-          <p:cNvPr id="4" name="Rectangle 2"/>
-          <p:cNvSpPr>
-            <a:spLocks noGrp="1" noChangeArrowheads="1"/>
-          </p:cNvSpPr>
-          <p:nvPr>
-            <p:ph type="hdr" sz="quarter"/>
-          </p:nvPr>
-        </p:nvSpPr>
-        <p:spPr>
-          <a:ln/>
-        </p:spPr>
-        <p:txBody>
-          <a:bodyPr/>
-          <a:lstStyle/>
-          <a:p>
-            <a:r>
-              <a:rPr lang="en-US"/>
-              <a:t>xxxxxxxxxxxxxxx</a:t>
-            </a:r>
-          </a:p>
-        </p:txBody>
-      </p:sp>
-      <p:sp>
-        <p:nvSpPr>
-          <p:cNvPr id="5" name="Rectangle 3"/>
-          <p:cNvSpPr>
-            <a:spLocks noGrp="1" noChangeArrowheads="1"/>
-          </p:cNvSpPr>
-          <p:nvPr>
-            <p:ph type="dt" idx="1"/>
-          </p:nvPr>
-        </p:nvSpPr>
-        <p:spPr>
-          <a:ln/>
-        </p:spPr>
-        <p:txBody>
-          <a:bodyPr/>
-          <a:lstStyle/>
-          <a:p>
-            <a:fld id="{3A9285C3-5D65-4A73-97EF-F314E52DFB4D}" type="datetime1">
-              <a:rPr lang="en-US"/>
-              <a:pPr/>
-              <a:t>2/19/2013</a:t>
-            </a:fld>
-            <a:endParaRPr lang="en-US"/>
-          </a:p>
-        </p:txBody>
-      </p:sp>
-      <p:sp>
-        <p:nvSpPr>
-          <p:cNvPr id="6" name="Rectangle 6"/>
-          <p:cNvSpPr>
-            <a:spLocks noGrp="1" noChangeArrowheads="1"/>
-          </p:cNvSpPr>
-          <p:nvPr>
-            <p:ph type="ftr" sz="quarter" idx="4"/>
-          </p:nvPr>
-        </p:nvSpPr>
-        <p:spPr>
-          <a:ln/>
-        </p:spPr>
-        <p:txBody>
-          <a:bodyPr/>
-          <a:lstStyle/>
-          <a:p>
-            <a:r>
-              <a:rPr lang="en-US"/>
-              <a:t>xxxxxxxxxxxxx</a:t>
-            </a:r>
-          </a:p>
-        </p:txBody>
-      </p:sp>
-      <p:sp>
-        <p:nvSpPr>
-          <p:cNvPr id="7" name="Rectangle 7"/>
-          <p:cNvSpPr>
-            <a:spLocks noGrp="1" noChangeArrowheads="1"/>
-          </p:cNvSpPr>
-          <p:nvPr>
-            <p:ph type="sldNum" sz="quarter" idx="5"/>
-          </p:nvPr>
-        </p:nvSpPr>
-        <p:spPr>
-          <a:ln/>
-        </p:spPr>
-        <p:txBody>
-          <a:bodyPr/>
-          <a:lstStyle/>
-          <a:p>
-            <a:fld id="{228D5BC3-B994-462F-A11D-9C2A0A52EDDD}" type="slidenum">
-              <a:rPr lang="en-US"/>
-              <a:pPr/>
-              <a:t>4</a:t>
-            </a:fld>
-            <a:endParaRPr lang="en-US"/>
-          </a:p>
-        </p:txBody>
-      </p:sp>
-      <p:sp>
-        <p:nvSpPr>
-          <p:cNvPr id="185346" name="Rectangle 2"/>
-          <p:cNvSpPr>
-            <a:spLocks noRot="1" noChangeArrowheads="1" noTextEdit="1"/>
-          </p:cNvSpPr>
-          <p:nvPr>
-            <p:ph type="sldImg"/>
-          </p:nvPr>
-        </p:nvSpPr>
-        <p:spPr>
-          <a:ln/>
-        </p:spPr>
-      </p:sp>
-      <p:sp>
-        <p:nvSpPr>
-          <p:cNvPr id="185347" name="Rectangle 3"/>
-          <p:cNvSpPr>
-            <a:spLocks noGrp="1" noChangeArrowheads="1"/>
-          </p:cNvSpPr>
-          <p:nvPr>
-            <p:ph type="body" idx="1"/>
-          </p:nvPr>
-        </p:nvSpPr>
-        <p:spPr/>
-        <p:txBody>
-          <a:bodyPr/>
-          <a:lstStyle/>
-          <a:p>
-            <a:endParaRPr lang="nl-NL"/>
-          </a:p>
-        </p:txBody>
-      </p:sp>
-    </p:spTree>
-  </p:cSld>
-  <p:clrMapOvr>
-    <a:masterClrMapping/>
-  </p:clrMapOvr>
-</p:notes>
-</file>
-
-<file path=ppt/notesSlides/notesSlide5.xml><?xml version="1.0" encoding="utf-8"?>
-<p:notes xmlns:a="http://schemas.openxmlformats.org/drawingml/2006/main" xmlns:r="http://schemas.openxmlformats.org/officeDocument/2006/relationships" xmlns:p="http://schemas.openxmlformats.org/presentationml/2006/main">
-  <p:cSld>
-    <p:spTree>
-      <p:nvGrpSpPr>
-        <p:cNvPr id="1" name=""/>
-        <p:cNvGrpSpPr/>
-        <p:nvPr/>
-      </p:nvGrpSpPr>
-      <p:grpSpPr>
-        <a:xfrm>
-          <a:off x="0" y="0"/>
-          <a:ext cx="0" cy="0"/>
-          <a:chOff x="0" y="0"/>
-          <a:chExt cx="0" cy="0"/>
-        </a:xfrm>
-      </p:grpSpPr>
-      <p:sp>
-        <p:nvSpPr>
-          <p:cNvPr id="4" name="Rectangle 2"/>
-          <p:cNvSpPr>
-            <a:spLocks noGrp="1" noChangeArrowheads="1"/>
-          </p:cNvSpPr>
-          <p:nvPr>
-            <p:ph type="hdr" sz="quarter"/>
-          </p:nvPr>
-        </p:nvSpPr>
-        <p:spPr>
-          <a:ln/>
-        </p:spPr>
-        <p:txBody>
-          <a:bodyPr/>
-          <a:lstStyle/>
-          <a:p>
-            <a:r>
-              <a:rPr lang="en-US"/>
-              <a:t>xxxxxxxxxxxxxxx</a:t>
-            </a:r>
-          </a:p>
-        </p:txBody>
-      </p:sp>
-      <p:sp>
-        <p:nvSpPr>
-          <p:cNvPr id="5" name="Rectangle 3"/>
-          <p:cNvSpPr>
-            <a:spLocks noGrp="1" noChangeArrowheads="1"/>
-          </p:cNvSpPr>
-          <p:nvPr>
-            <p:ph type="dt" idx="1"/>
-          </p:nvPr>
-        </p:nvSpPr>
-        <p:spPr>
-          <a:ln/>
-        </p:spPr>
-        <p:txBody>
-          <a:bodyPr/>
-          <a:lstStyle/>
-          <a:p>
-            <a:fld id="{A4B8657F-9B7B-42B4-A71A-56C1FB299691}" type="datetime1">
-              <a:rPr lang="en-US"/>
-              <a:pPr/>
-              <a:t>2/19/2013</a:t>
-            </a:fld>
-            <a:endParaRPr lang="en-US"/>
-          </a:p>
-        </p:txBody>
-      </p:sp>
-      <p:sp>
-        <p:nvSpPr>
-          <p:cNvPr id="6" name="Rectangle 6"/>
-          <p:cNvSpPr>
-            <a:spLocks noGrp="1" noChangeArrowheads="1"/>
-          </p:cNvSpPr>
-          <p:nvPr>
-            <p:ph type="ftr" sz="quarter" idx="4"/>
-          </p:nvPr>
-        </p:nvSpPr>
-        <p:spPr>
-          <a:ln/>
-        </p:spPr>
-        <p:txBody>
-          <a:bodyPr/>
-          <a:lstStyle/>
-          <a:p>
-            <a:r>
-              <a:rPr lang="en-US"/>
-              <a:t>xxxxxxxxxxxxx</a:t>
-            </a:r>
-          </a:p>
-        </p:txBody>
-      </p:sp>
-      <p:sp>
-        <p:nvSpPr>
-          <p:cNvPr id="7" name="Rectangle 7"/>
-          <p:cNvSpPr>
-            <a:spLocks noGrp="1" noChangeArrowheads="1"/>
-          </p:cNvSpPr>
-          <p:nvPr>
-            <p:ph type="sldNum" sz="quarter" idx="5"/>
-          </p:nvPr>
-        </p:nvSpPr>
-        <p:spPr>
-          <a:ln/>
-        </p:spPr>
-        <p:txBody>
-          <a:bodyPr/>
-          <a:lstStyle/>
-          <a:p>
-            <a:fld id="{98A3F1F1-1BE1-4826-8E66-04F9BEBFBA7E}" type="slidenum">
-              <a:rPr lang="en-US"/>
-              <a:pPr/>
-              <a:t>5</a:t>
-            </a:fld>
-            <a:endParaRPr lang="en-US"/>
-          </a:p>
-        </p:txBody>
-      </p:sp>
-      <p:sp>
-        <p:nvSpPr>
-          <p:cNvPr id="186370" name="Rectangle 2"/>
-          <p:cNvSpPr>
-            <a:spLocks noRot="1" noChangeArrowheads="1" noTextEdit="1"/>
-          </p:cNvSpPr>
-          <p:nvPr>
-            <p:ph type="sldImg"/>
-          </p:nvPr>
-        </p:nvSpPr>
-        <p:spPr>
-          <a:ln/>
-        </p:spPr>
-      </p:sp>
-      <p:sp>
-        <p:nvSpPr>
-          <p:cNvPr id="186371" name="Rectangle 3"/>
-          <p:cNvSpPr>
-            <a:spLocks noGrp="1" noChangeArrowheads="1"/>
-          </p:cNvSpPr>
-          <p:nvPr>
-            <p:ph type="body" idx="1"/>
-          </p:nvPr>
-        </p:nvSpPr>
-        <p:spPr/>
-        <p:txBody>
-          <a:bodyPr/>
-          <a:lstStyle/>
-          <a:p>
-            <a:endParaRPr lang="nl-NL"/>
-          </a:p>
-        </p:txBody>
-      </p:sp>
-    </p:spTree>
-  </p:cSld>
-  <p:clrMapOvr>
-    <a:masterClrMapping/>
-  </p:clrMapOvr>
-</p:notes>
-</file>
-
-<file path=ppt/notesSlides/notesSlide6.xml><?xml version="1.0" encoding="utf-8"?>
-<p:notes xmlns:a="http://schemas.openxmlformats.org/drawingml/2006/main" xmlns:r="http://schemas.openxmlformats.org/officeDocument/2006/relationships" xmlns:p="http://schemas.openxmlformats.org/presentationml/2006/main">
-  <p:cSld>
-    <p:spTree>
-      <p:nvGrpSpPr>
-        <p:cNvPr id="1" name=""/>
-        <p:cNvGrpSpPr/>
-        <p:nvPr/>
-      </p:nvGrpSpPr>
-      <p:grpSpPr>
-        <a:xfrm>
-          <a:off x="0" y="0"/>
-          <a:ext cx="0" cy="0"/>
-          <a:chOff x="0" y="0"/>
-          <a:chExt cx="0" cy="0"/>
-        </a:xfrm>
-      </p:grpSpPr>
-      <p:sp>
-        <p:nvSpPr>
-          <p:cNvPr id="4" name="Rectangle 2"/>
-          <p:cNvSpPr>
-            <a:spLocks noGrp="1" noChangeArrowheads="1"/>
-          </p:cNvSpPr>
-          <p:nvPr>
-            <p:ph type="hdr" sz="quarter"/>
-          </p:nvPr>
-        </p:nvSpPr>
-        <p:spPr>
-          <a:ln/>
-        </p:spPr>
-        <p:txBody>
-          <a:bodyPr/>
-          <a:lstStyle/>
-          <a:p>
-            <a:r>
-              <a:rPr lang="en-US"/>
-              <a:t>xxxxxxxxxxxxxxx</a:t>
-            </a:r>
-          </a:p>
-        </p:txBody>
-      </p:sp>
-      <p:sp>
-        <p:nvSpPr>
-          <p:cNvPr id="5" name="Rectangle 3"/>
-          <p:cNvSpPr>
-            <a:spLocks noGrp="1" noChangeArrowheads="1"/>
-          </p:cNvSpPr>
-          <p:nvPr>
-            <p:ph type="dt" idx="1"/>
-          </p:nvPr>
-        </p:nvSpPr>
-        <p:spPr>
-          <a:ln/>
-        </p:spPr>
-        <p:txBody>
-          <a:bodyPr/>
-          <a:lstStyle/>
-          <a:p>
-            <a:fld id="{2A04ECD9-CD1F-48DC-A3FA-02E8247F768F}" type="datetime1">
-              <a:rPr lang="en-US"/>
-              <a:pPr/>
-              <a:t>2/19/2013</a:t>
-            </a:fld>
-            <a:endParaRPr lang="en-US"/>
-          </a:p>
-        </p:txBody>
-      </p:sp>
-      <p:sp>
-        <p:nvSpPr>
-          <p:cNvPr id="6" name="Rectangle 6"/>
-          <p:cNvSpPr>
-            <a:spLocks noGrp="1" noChangeArrowheads="1"/>
-          </p:cNvSpPr>
-          <p:nvPr>
-            <p:ph type="ftr" sz="quarter" idx="4"/>
-          </p:nvPr>
-        </p:nvSpPr>
-        <p:spPr>
-          <a:ln/>
-        </p:spPr>
-        <p:txBody>
-          <a:bodyPr/>
-          <a:lstStyle/>
-          <a:p>
-            <a:r>
-              <a:rPr lang="en-US"/>
-              <a:t>xxxxxxxxxxxxx</a:t>
-            </a:r>
-          </a:p>
-        </p:txBody>
-      </p:sp>
-      <p:sp>
-        <p:nvSpPr>
-          <p:cNvPr id="7" name="Rectangle 7"/>
-          <p:cNvSpPr>
-            <a:spLocks noGrp="1" noChangeArrowheads="1"/>
-          </p:cNvSpPr>
-          <p:nvPr>
-            <p:ph type="sldNum" sz="quarter" idx="5"/>
-          </p:nvPr>
-        </p:nvSpPr>
-        <p:spPr>
-          <a:ln/>
-        </p:spPr>
-        <p:txBody>
-          <a:bodyPr/>
-          <a:lstStyle/>
-          <a:p>
-            <a:fld id="{A54D6D3A-60B6-4E2F-96FF-5A0A1570CE34}" type="slidenum">
-              <a:rPr lang="en-US"/>
-              <a:pPr/>
-              <a:t>6</a:t>
-            </a:fld>
-            <a:endParaRPr lang="en-US"/>
-          </a:p>
-        </p:txBody>
-      </p:sp>
-      <p:sp>
-        <p:nvSpPr>
-          <p:cNvPr id="187394" name="Rectangle 2"/>
-          <p:cNvSpPr>
-            <a:spLocks noRot="1" noChangeArrowheads="1" noTextEdit="1"/>
-          </p:cNvSpPr>
-          <p:nvPr>
-            <p:ph type="sldImg"/>
-          </p:nvPr>
-        </p:nvSpPr>
-        <p:spPr>
-          <a:ln/>
-        </p:spPr>
-      </p:sp>
-      <p:sp>
-        <p:nvSpPr>
-          <p:cNvPr id="187395" name="Rectangle 3"/>
-          <p:cNvSpPr>
-            <a:spLocks noGrp="1" noChangeArrowheads="1"/>
-          </p:cNvSpPr>
-          <p:nvPr>
-            <p:ph type="body" idx="1"/>
-          </p:nvPr>
-        </p:nvSpPr>
-        <p:spPr/>
-        <p:txBody>
-          <a:bodyPr/>
-          <a:lstStyle/>
-          <a:p>
-            <a:endParaRPr lang="nl-NL"/>
-          </a:p>
-        </p:txBody>
-      </p:sp>
-    </p:spTree>
-  </p:cSld>
-  <p:clrMapOvr>
-    <a:masterClrMapping/>
-  </p:clrMapOvr>
-</p:notes>
-</file>
-
-<file path=ppt/notesSlides/notesSlide7.xml><?xml version="1.0" encoding="utf-8"?>
-<p:notes xmlns:a="http://schemas.openxmlformats.org/drawingml/2006/main" xmlns:r="http://schemas.openxmlformats.org/officeDocument/2006/relationships" xmlns:p="http://schemas.openxmlformats.org/presentationml/2006/main">
-  <p:cSld>
-    <p:spTree>
-      <p:nvGrpSpPr>
-        <p:cNvPr id="1" name=""/>
-        <p:cNvGrpSpPr/>
-        <p:nvPr/>
-      </p:nvGrpSpPr>
-      <p:grpSpPr>
-        <a:xfrm>
-          <a:off x="0" y="0"/>
-          <a:ext cx="0" cy="0"/>
-          <a:chOff x="0" y="0"/>
-          <a:chExt cx="0" cy="0"/>
-        </a:xfrm>
-      </p:grpSpPr>
-      <p:sp>
-        <p:nvSpPr>
-          <p:cNvPr id="4" name="Rectangle 2"/>
-          <p:cNvSpPr>
-            <a:spLocks noGrp="1" noChangeArrowheads="1"/>
-          </p:cNvSpPr>
-          <p:nvPr>
-            <p:ph type="hdr" sz="quarter"/>
-          </p:nvPr>
-        </p:nvSpPr>
-        <p:spPr>
-          <a:ln/>
-        </p:spPr>
-        <p:txBody>
-          <a:bodyPr/>
-          <a:lstStyle/>
-          <a:p>
-            <a:r>
-              <a:rPr lang="en-US"/>
-              <a:t>xxxxxxxxxxxxxxx</a:t>
-            </a:r>
-          </a:p>
-        </p:txBody>
-      </p:sp>
-      <p:sp>
-        <p:nvSpPr>
-          <p:cNvPr id="5" name="Rectangle 3"/>
-          <p:cNvSpPr>
-            <a:spLocks noGrp="1" noChangeArrowheads="1"/>
-          </p:cNvSpPr>
-          <p:nvPr>
-            <p:ph type="dt" idx="1"/>
-          </p:nvPr>
-        </p:nvSpPr>
-        <p:spPr>
-          <a:ln/>
-        </p:spPr>
-        <p:txBody>
-          <a:bodyPr/>
-          <a:lstStyle/>
-          <a:p>
-            <a:fld id="{44D02D24-DF92-4868-A617-AFB17E64FD83}" type="datetime1">
-              <a:rPr lang="en-US"/>
-              <a:pPr/>
-              <a:t>2/19/2013</a:t>
-            </a:fld>
-            <a:endParaRPr lang="en-US"/>
-          </a:p>
-        </p:txBody>
-      </p:sp>
-      <p:sp>
-        <p:nvSpPr>
-          <p:cNvPr id="6" name="Rectangle 6"/>
-          <p:cNvSpPr>
-            <a:spLocks noGrp="1" noChangeArrowheads="1"/>
-          </p:cNvSpPr>
-          <p:nvPr>
-            <p:ph type="ftr" sz="quarter" idx="4"/>
-          </p:nvPr>
-        </p:nvSpPr>
-        <p:spPr>
-          <a:ln/>
-        </p:spPr>
-        <p:txBody>
-          <a:bodyPr/>
-          <a:lstStyle/>
-          <a:p>
-            <a:r>
-              <a:rPr lang="en-US"/>
-              <a:t>xxxxxxxxxxxxx</a:t>
-            </a:r>
-          </a:p>
-        </p:txBody>
-      </p:sp>
-      <p:sp>
-        <p:nvSpPr>
-          <p:cNvPr id="7" name="Rectangle 7"/>
-          <p:cNvSpPr>
-            <a:spLocks noGrp="1" noChangeArrowheads="1"/>
-          </p:cNvSpPr>
-          <p:nvPr>
-            <p:ph type="sldNum" sz="quarter" idx="5"/>
-          </p:nvPr>
-        </p:nvSpPr>
-        <p:spPr>
-          <a:ln/>
-        </p:spPr>
-        <p:txBody>
-          <a:bodyPr/>
-          <a:lstStyle/>
-          <a:p>
-            <a:fld id="{1CE20ECD-122A-431E-9180-D0AF6053AA97}" type="slidenum">
-              <a:rPr lang="en-US"/>
-              <a:pPr/>
-              <a:t>7</a:t>
-            </a:fld>
-            <a:endParaRPr lang="en-US"/>
-          </a:p>
-        </p:txBody>
-      </p:sp>
-      <p:sp>
-        <p:nvSpPr>
-          <p:cNvPr id="188418" name="Rectangle 2"/>
-          <p:cNvSpPr>
-            <a:spLocks noRot="1" noChangeArrowheads="1" noTextEdit="1"/>
-          </p:cNvSpPr>
-          <p:nvPr>
-            <p:ph type="sldImg"/>
-          </p:nvPr>
-        </p:nvSpPr>
-        <p:spPr>
-          <a:ln/>
-        </p:spPr>
-      </p:sp>
-      <p:sp>
-        <p:nvSpPr>
-          <p:cNvPr id="188419" name="Rectangle 3"/>
-          <p:cNvSpPr>
-            <a:spLocks noGrp="1" noChangeArrowheads="1"/>
-          </p:cNvSpPr>
-          <p:nvPr>
-            <p:ph type="body" idx="1"/>
-          </p:nvPr>
-        </p:nvSpPr>
-        <p:spPr/>
-        <p:txBody>
-          <a:bodyPr/>
-          <a:lstStyle/>
-          <a:p>
-            <a:endParaRPr lang="nl-NL"/>
-          </a:p>
-        </p:txBody>
-      </p:sp>
-    </p:spTree>
-  </p:cSld>
-  <p:clrMapOvr>
-    <a:masterClrMapping/>
-  </p:clrMapOvr>
-</p:notes>
-</file>
-
-<file path=ppt/notesSlides/notesSlide8.xml><?xml version="1.0" encoding="utf-8"?>
-<p:notes xmlns:a="http://schemas.openxmlformats.org/drawingml/2006/main" xmlns:r="http://schemas.openxmlformats.org/officeDocument/2006/relationships" xmlns:p="http://schemas.openxmlformats.org/presentationml/2006/main">
-  <p:cSld>
-    <p:spTree>
-      <p:nvGrpSpPr>
-        <p:cNvPr id="1" name=""/>
-        <p:cNvGrpSpPr/>
-        <p:nvPr/>
-      </p:nvGrpSpPr>
-      <p:grpSpPr>
-        <a:xfrm>
-          <a:off x="0" y="0"/>
-          <a:ext cx="0" cy="0"/>
-          <a:chOff x="0" y="0"/>
-          <a:chExt cx="0" cy="0"/>
-        </a:xfrm>
-      </p:grpSpPr>
-      <p:sp>
-        <p:nvSpPr>
-          <p:cNvPr id="4" name="Rectangle 2"/>
-          <p:cNvSpPr>
-            <a:spLocks noGrp="1" noChangeArrowheads="1"/>
-          </p:cNvSpPr>
-          <p:nvPr>
-            <p:ph type="hdr" sz="quarter"/>
-          </p:nvPr>
-        </p:nvSpPr>
-        <p:spPr>
-          <a:ln/>
-        </p:spPr>
-        <p:txBody>
-          <a:bodyPr/>
-          <a:lstStyle/>
-          <a:p>
-            <a:r>
-              <a:rPr lang="en-US"/>
-              <a:t>xxxxxxxxxxxxxxx</a:t>
-            </a:r>
-          </a:p>
-        </p:txBody>
-      </p:sp>
-      <p:sp>
-        <p:nvSpPr>
-          <p:cNvPr id="5" name="Rectangle 3"/>
-          <p:cNvSpPr>
-            <a:spLocks noGrp="1" noChangeArrowheads="1"/>
-          </p:cNvSpPr>
-          <p:nvPr>
-            <p:ph type="dt" idx="1"/>
-          </p:nvPr>
-        </p:nvSpPr>
-        <p:spPr>
-          <a:ln/>
-        </p:spPr>
-        <p:txBody>
-          <a:bodyPr/>
-          <a:lstStyle/>
-          <a:p>
-            <a:fld id="{65156C2C-AC52-4106-9D3A-30D2E7496094}" type="datetime1">
-              <a:rPr lang="en-US"/>
-              <a:pPr/>
-              <a:t>2/19/2013</a:t>
-            </a:fld>
-            <a:endParaRPr lang="en-US"/>
-          </a:p>
-        </p:txBody>
-      </p:sp>
-      <p:sp>
-        <p:nvSpPr>
-          <p:cNvPr id="6" name="Rectangle 6"/>
-          <p:cNvSpPr>
-            <a:spLocks noGrp="1" noChangeArrowheads="1"/>
-          </p:cNvSpPr>
-          <p:nvPr>
-            <p:ph type="ftr" sz="quarter" idx="4"/>
-          </p:nvPr>
-        </p:nvSpPr>
-        <p:spPr>
-          <a:ln/>
-        </p:spPr>
-        <p:txBody>
-          <a:bodyPr/>
-          <a:lstStyle/>
-          <a:p>
-            <a:r>
-              <a:rPr lang="en-US"/>
-              <a:t>xxxxxxxxxxxxx</a:t>
-            </a:r>
-          </a:p>
-        </p:txBody>
-      </p:sp>
-      <p:sp>
-        <p:nvSpPr>
-          <p:cNvPr id="7" name="Rectangle 7"/>
-          <p:cNvSpPr>
-            <a:spLocks noGrp="1" noChangeArrowheads="1"/>
-          </p:cNvSpPr>
-          <p:nvPr>
-            <p:ph type="sldNum" sz="quarter" idx="5"/>
-          </p:nvPr>
-        </p:nvSpPr>
-        <p:spPr>
-          <a:ln/>
-        </p:spPr>
-        <p:txBody>
-          <a:bodyPr/>
-          <a:lstStyle/>
-          <a:p>
-            <a:fld id="{22015A77-993A-47B7-8DFA-A8FC7083A1A9}" type="slidenum">
-              <a:rPr lang="en-US"/>
-              <a:pPr/>
-              <a:t>8</a:t>
-            </a:fld>
-            <a:endParaRPr lang="en-US"/>
-          </a:p>
-        </p:txBody>
-      </p:sp>
-      <p:sp>
-        <p:nvSpPr>
-          <p:cNvPr id="189442" name="Rectangle 2"/>
-          <p:cNvSpPr>
-            <a:spLocks noRot="1" noChangeArrowheads="1" noTextEdit="1"/>
-          </p:cNvSpPr>
-          <p:nvPr>
-            <p:ph type="sldImg"/>
-          </p:nvPr>
-        </p:nvSpPr>
-        <p:spPr>
-          <a:ln/>
-        </p:spPr>
-      </p:sp>
-      <p:sp>
-        <p:nvSpPr>
-          <p:cNvPr id="189443" name="Rectangle 3"/>
-          <p:cNvSpPr>
-            <a:spLocks noGrp="1" noChangeArrowheads="1"/>
-          </p:cNvSpPr>
-          <p:nvPr>
-            <p:ph type="body" idx="1"/>
-          </p:nvPr>
-        </p:nvSpPr>
-        <p:spPr/>
-        <p:txBody>
-          <a:bodyPr/>
-          <a:lstStyle/>
-          <a:p>
-            <a:endParaRPr lang="nl-NL"/>
-          </a:p>
-        </p:txBody>
-      </p:sp>
-    </p:spTree>
-  </p:cSld>
-  <p:clrMapOvr>
-    <a:masterClrMapping/>
-  </p:clrMapOvr>
-</p:notes>
-</file>
-
-<file path=ppt/notesSlides/notesSlide9.xml><?xml version="1.0" encoding="utf-8"?>
-<p:notes xmlns:a="http://schemas.openxmlformats.org/drawingml/2006/main" xmlns:r="http://schemas.openxmlformats.org/officeDocument/2006/relationships" xmlns:p="http://schemas.openxmlformats.org/presentationml/2006/main">
-  <p:cSld>
-    <p:spTree>
-      <p:nvGrpSpPr>
-        <p:cNvPr id="1" name=""/>
-        <p:cNvGrpSpPr/>
-        <p:nvPr/>
-      </p:nvGrpSpPr>
-      <p:grpSpPr>
-        <a:xfrm>
-          <a:off x="0" y="0"/>
-          <a:ext cx="0" cy="0"/>
-          <a:chOff x="0" y="0"/>
-          <a:chExt cx="0" cy="0"/>
-        </a:xfrm>
-      </p:grpSpPr>
-      <p:sp>
-        <p:nvSpPr>
-          <p:cNvPr id="4" name="Rectangle 2"/>
-          <p:cNvSpPr>
-            <a:spLocks noGrp="1" noChangeArrowheads="1"/>
-          </p:cNvSpPr>
-          <p:nvPr>
-            <p:ph type="hdr" sz="quarter"/>
-          </p:nvPr>
-        </p:nvSpPr>
-        <p:spPr>
-          <a:ln/>
-        </p:spPr>
-        <p:txBody>
-          <a:bodyPr/>
-          <a:lstStyle/>
-          <a:p>
-            <a:r>
-              <a:rPr lang="en-US"/>
-              <a:t>xxxxxxxxxxxxxxx</a:t>
-            </a:r>
-          </a:p>
-        </p:txBody>
-      </p:sp>
-      <p:sp>
-        <p:nvSpPr>
-          <p:cNvPr id="5" name="Rectangle 3"/>
-          <p:cNvSpPr>
-            <a:spLocks noGrp="1" noChangeArrowheads="1"/>
-          </p:cNvSpPr>
-          <p:nvPr>
-            <p:ph type="dt" idx="1"/>
-          </p:nvPr>
-        </p:nvSpPr>
-        <p:spPr>
-          <a:ln/>
-        </p:spPr>
-        <p:txBody>
-          <a:bodyPr/>
-          <a:lstStyle/>
-          <a:p>
-            <a:fld id="{6D2115F2-323E-4739-AAA5-A0527194E8D9}" type="datetime1">
-              <a:rPr lang="en-US"/>
-              <a:pPr/>
-              <a:t>2/19/2013</a:t>
-            </a:fld>
-            <a:endParaRPr lang="en-US"/>
-          </a:p>
-        </p:txBody>
-      </p:sp>
-      <p:sp>
-        <p:nvSpPr>
-          <p:cNvPr id="6" name="Rectangle 6"/>
-          <p:cNvSpPr>
-            <a:spLocks noGrp="1" noChangeArrowheads="1"/>
-          </p:cNvSpPr>
-          <p:nvPr>
-            <p:ph type="ftr" sz="quarter" idx="4"/>
-          </p:nvPr>
-        </p:nvSpPr>
-        <p:spPr>
-          <a:ln/>
-        </p:spPr>
-        <p:txBody>
-          <a:bodyPr/>
-          <a:lstStyle/>
-          <a:p>
-            <a:r>
-              <a:rPr lang="en-US"/>
-              <a:t>xxxxxxxxxxxxx</a:t>
-            </a:r>
-          </a:p>
-        </p:txBody>
-      </p:sp>
-      <p:sp>
-        <p:nvSpPr>
-          <p:cNvPr id="7" name="Rectangle 7"/>
-          <p:cNvSpPr>
-            <a:spLocks noGrp="1" noChangeArrowheads="1"/>
-          </p:cNvSpPr>
-          <p:nvPr>
-            <p:ph type="sldNum" sz="quarter" idx="5"/>
-          </p:nvPr>
-        </p:nvSpPr>
-        <p:spPr>
-          <a:ln/>
-        </p:spPr>
-        <p:txBody>
-          <a:bodyPr/>
-          <a:lstStyle/>
-          <a:p>
-            <a:fld id="{AD2C158C-A258-478D-9F91-4BA9D35DE1F3}" type="slidenum">
-              <a:rPr lang="en-US"/>
-              <a:pPr/>
-              <a:t>9</a:t>
-            </a:fld>
-            <a:endParaRPr lang="en-US"/>
-          </a:p>
-        </p:txBody>
-      </p:sp>
-      <p:sp>
-        <p:nvSpPr>
-          <p:cNvPr id="190466" name="Rectangle 2"/>
-          <p:cNvSpPr>
-            <a:spLocks noRot="1" noChangeArrowheads="1" noTextEdit="1"/>
-          </p:cNvSpPr>
-          <p:nvPr>
-            <p:ph type="sldImg"/>
-          </p:nvPr>
-        </p:nvSpPr>
-        <p:spPr>
-          <a:ln/>
-        </p:spPr>
-      </p:sp>
-      <p:sp>
-        <p:nvSpPr>
-          <p:cNvPr id="190467" name="Rectangle 3"/>
-          <p:cNvSpPr>
-            <a:spLocks noGrp="1" noChangeArrowheads="1"/>
-          </p:cNvSpPr>
-          <p:nvPr>
-            <p:ph type="body" idx="1"/>
-          </p:nvPr>
-        </p:nvSpPr>
-        <p:spPr/>
-        <p:txBody>
-          <a:bodyPr/>
-          <a:lstStyle/>
-          <a:p>
-            <a:endParaRPr lang="nl-NL"/>
-          </a:p>
-        </p:txBody>
-      </p:sp>
-    </p:spTree>
+    <p:extLst>
+      <p:ext uri="{BB962C8B-B14F-4D97-AF65-F5344CB8AC3E}">
+        <p14:creationId xmlns:p14="http://schemas.microsoft.com/office/powerpoint/2010/main" val="1439662102"/>
+      </p:ext>
+    </p:extLst>
   </p:cSld>
   <p:clrMapOvr>
     <a:masterClrMapping/>
@@ -2671,7 +1124,7 @@
             <a:fld id="{93F21019-3A00-48AC-9663-40DF67A83229}" type="datetime1">
               <a:rPr lang="en-US"/>
               <a:pPr/>
-              <a:t>2/19/2013</a:t>
+              <a:t>12/12/2018</a:t>
             </a:fld>
             <a:endParaRPr lang="en-US">
               <a:solidFill>
@@ -2857,7 +1310,7 @@
             <a:fld id="{8B2EF9C8-0AC3-4A53-9A61-1834A571F420}" type="datetime1">
               <a:rPr lang="en-US"/>
               <a:pPr/>
-              <a:t>2/19/2013</a:t>
+              <a:t>12/12/2018</a:t>
             </a:fld>
             <a:endParaRPr lang="en-US" sz="1400">
               <a:solidFill>
@@ -3054,7 +1507,7 @@
             <a:fld id="{F02960F3-A385-4905-A491-FDC17E063DD1}" type="datetime1">
               <a:rPr lang="en-US"/>
               <a:pPr/>
-              <a:t>2/19/2013</a:t>
+              <a:t>12/12/2018</a:t>
             </a:fld>
             <a:endParaRPr lang="en-US" sz="1400">
               <a:solidFill>
@@ -3313,7 +1766,7 @@
             <a:fld id="{CD3AD70A-8E2A-47B5-AC18-ABBB5A8E737D}" type="datetime1">
               <a:rPr lang="en-US"/>
               <a:pPr/>
-              <a:t>2/19/2013</a:t>
+              <a:t>12/12/2018</a:t>
             </a:fld>
             <a:endParaRPr lang="en-US" sz="1400">
               <a:solidFill>
@@ -3549,7 +2002,7 @@
             <a:fld id="{07008C2E-9BD6-496B-BFC3-B4A975EBC85E}" type="datetime1">
               <a:rPr lang="en-US"/>
               <a:pPr/>
-              <a:t>2/19/2013</a:t>
+              <a:t>12/12/2018</a:t>
             </a:fld>
             <a:endParaRPr lang="en-US" sz="1400">
               <a:solidFill>
@@ -3728,7 +2181,7 @@
             <a:fld id="{1AA2C3CF-866C-4FDE-B76D-4E9536901630}" type="datetime1">
               <a:rPr lang="en-US"/>
               <a:pPr/>
-              <a:t>2/19/2013</a:t>
+              <a:t>12/12/2018</a:t>
             </a:fld>
             <a:endParaRPr lang="en-US" sz="1400">
               <a:solidFill>
@@ -3907,7 +2360,7 @@
             <a:fld id="{555EE259-FE08-4558-B721-B189FFE77284}" type="datetime1">
               <a:rPr lang="en-US"/>
               <a:pPr/>
-              <a:t>2/19/2013</a:t>
+              <a:t>12/12/2018</a:t>
             </a:fld>
             <a:endParaRPr lang="en-US" sz="1400">
               <a:solidFill>
@@ -4176,7 +2629,7 @@
             <a:fld id="{0AF4064E-5624-49AB-B7C6-E301A8F6B1FF}" type="datetime1">
               <a:rPr lang="en-US"/>
               <a:pPr/>
-              <a:t>2/19/2013</a:t>
+              <a:t>12/12/2018</a:t>
             </a:fld>
             <a:endParaRPr lang="en-US" sz="1400">
               <a:solidFill>
@@ -4373,7 +2826,7 @@
             <a:fld id="{CBC97FCD-6C54-4833-B032-BFBCDFA8379D}" type="datetime1">
               <a:rPr lang="en-US"/>
               <a:pPr/>
-              <a:t>2/19/2013</a:t>
+              <a:t>12/12/2018</a:t>
             </a:fld>
             <a:endParaRPr lang="en-US" sz="1400">
               <a:solidFill>
@@ -4582,7 +3035,7 @@
             <a:fld id="{F04AA577-515A-431F-98B6-3B03494ABB11}" type="datetime1">
               <a:rPr lang="en-US"/>
               <a:pPr/>
-              <a:t>2/19/2013</a:t>
+              <a:t>12/12/2018</a:t>
             </a:fld>
             <a:endParaRPr lang="en-US" sz="1400">
               <a:solidFill>
@@ -4887,7 +3340,7 @@
             <a:fld id="{6475F1A4-C474-4345-A800-2F40B0E4E70C}" type="datetime1">
               <a:rPr lang="en-US"/>
               <a:pPr/>
-              <a:t>2/19/2013</a:t>
+              <a:t>12/12/2018</a:t>
             </a:fld>
             <a:endParaRPr lang="en-US" sz="1400">
               <a:solidFill>
@@ -5331,7 +3784,7 @@
             <a:fld id="{7BA535AB-820E-4207-9DA8-5F37106C7AF4}" type="datetime1">
               <a:rPr lang="en-US"/>
               <a:pPr/>
-              <a:t>2/19/2013</a:t>
+              <a:t>12/12/2018</a:t>
             </a:fld>
             <a:endParaRPr lang="en-US" sz="1400">
               <a:solidFill>
@@ -5466,7 +3919,7 @@
             <a:fld id="{0A7E69FA-D7EE-42C0-9117-1971B541885F}" type="datetime1">
               <a:rPr lang="en-US"/>
               <a:pPr/>
-              <a:t>2/19/2013</a:t>
+              <a:t>12/12/2018</a:t>
             </a:fld>
             <a:endParaRPr lang="en-US" sz="1400">
               <a:solidFill>
@@ -5578,7 +4031,7 @@
             <a:fld id="{10D7644E-1B5D-4325-BA79-338DF2B89B56}" type="datetime1">
               <a:rPr lang="en-US"/>
               <a:pPr/>
-              <a:t>2/19/2013</a:t>
+              <a:t>12/12/2018</a:t>
             </a:fld>
             <a:endParaRPr lang="en-US" sz="1400">
               <a:solidFill>
@@ -5872,7 +4325,7 @@
             <a:fld id="{B790C882-0B74-4932-8998-E9ABB8AF1740}" type="datetime1">
               <a:rPr lang="en-US"/>
               <a:pPr/>
-              <a:t>2/19/2013</a:t>
+              <a:t>12/12/2018</a:t>
             </a:fld>
             <a:endParaRPr lang="en-US" sz="1400">
               <a:solidFill>
@@ -6142,7 +4595,7 @@
             <a:fld id="{9DC585DC-AE7D-44C1-90AB-C3A391DEA065}" type="datetime1">
               <a:rPr lang="en-US"/>
               <a:pPr/>
-              <a:t>2/19/2013</a:t>
+              <a:t>12/12/2018</a:t>
             </a:fld>
             <a:endParaRPr lang="en-US" sz="1400">
               <a:solidFill>
@@ -6406,7 +4859,7 @@
             <a:fld id="{256CE565-1940-4E5F-9190-C0815CEAAA9D}" type="datetime1">
               <a:rPr lang="en-US"/>
               <a:pPr/>
-              <a:t>2/19/2013</a:t>
+              <a:t>12/12/2018</a:t>
             </a:fld>
             <a:endParaRPr lang="en-US"/>
           </a:p>
@@ -6976,15 +5429,42 @@
             <p:ph type="ctrTitle"/>
           </p:nvPr>
         </p:nvSpPr>
-        <p:spPr/>
+        <p:spPr>
+          <a:xfrm>
+            <a:off x="1798638" y="2286000"/>
+            <a:ext cx="6583362" cy="1569660"/>
+          </a:xfrm>
+        </p:spPr>
         <p:txBody>
           <a:bodyPr/>
           <a:lstStyle/>
           <a:p>
             <a:r>
-              <a:rPr lang="en-US"/>
-              <a:t>HU powerpoint-presentatie</a:t>
-            </a:r>
+              <a:rPr lang="en-US" dirty="0" smtClean="0"/>
+              <a:t>Data-driven learning</a:t>
+            </a:r>
+            <a:br>
+              <a:rPr lang="en-US" dirty="0" smtClean="0"/>
+            </a:br>
+            <a:r>
+              <a:rPr lang="en-US" sz="2400" dirty="0" smtClean="0"/>
+              <a:t>W8 L2:</a:t>
+            </a:r>
+            <a:r>
+              <a:rPr lang="en-US" sz="2400" smtClean="0"/>
+              <a:t/>
+            </a:r>
+            <a:br>
+              <a:rPr lang="en-US" sz="2400" smtClean="0"/>
+            </a:br>
+            <a:r>
+              <a:rPr lang="en-US" sz="2000" dirty="0" smtClean="0"/>
+              <a:t/>
+            </a:r>
+            <a:br>
+              <a:rPr lang="en-US" sz="2000" dirty="0" smtClean="0"/>
+            </a:br>
+            <a:endParaRPr lang="en-US" sz="2000" dirty="0"/>
           </a:p>
         </p:txBody>
       </p:sp>
@@ -7001,1682 +5481,39 @@
         <p:spPr>
           <a:xfrm>
             <a:off x="1798638" y="3886200"/>
-            <a:ext cx="6583362" cy="336550"/>
+            <a:ext cx="6583362" cy="1569660"/>
           </a:xfrm>
         </p:spPr>
         <p:txBody>
           <a:bodyPr/>
           <a:lstStyle/>
           <a:p>
-            <a:r>
-              <a:rPr lang="en-US"/>
-              <a:t>Voorbeelden en suggesties</a:t>
-            </a:r>
+            <a:endParaRPr lang="en-US" dirty="0" smtClean="0"/>
+          </a:p>
+          <a:p>
+            <a:endParaRPr lang="en-US" dirty="0"/>
+          </a:p>
+          <a:p>
+            <a:endParaRPr lang="en-US" dirty="0" smtClean="0"/>
+          </a:p>
+          <a:p>
+            <a:endParaRPr lang="en-US" dirty="0"/>
+          </a:p>
+          <a:p>
+            <a:r>
+              <a:rPr lang="en-US" dirty="0" smtClean="0"/>
+              <a:t>Jonas Moons</a:t>
+            </a:r>
+            <a:endParaRPr lang="en-US" dirty="0"/>
           </a:p>
         </p:txBody>
       </p:sp>
     </p:spTree>
-  </p:cSld>
-  <p:clrMapOvr>
-    <a:masterClrMapping/>
-  </p:clrMapOvr>
-  <p:timing>
-    <p:tnLst>
-      <p:par>
-        <p:cTn id="1" dur="indefinite" restart="never" nodeType="tmRoot"/>
-      </p:par>
-    </p:tnLst>
-  </p:timing>
-</p:sld>
-</file>
-
-<file path=ppt/slides/slide10.xml><?xml version="1.0" encoding="utf-8"?>
-<p:sld xmlns:a="http://schemas.openxmlformats.org/drawingml/2006/main" xmlns:r="http://schemas.openxmlformats.org/officeDocument/2006/relationships" xmlns:p="http://schemas.openxmlformats.org/presentationml/2006/main">
-  <p:cSld>
-    <p:spTree>
-      <p:nvGrpSpPr>
-        <p:cNvPr id="1" name=""/>
-        <p:cNvGrpSpPr/>
-        <p:nvPr/>
-      </p:nvGrpSpPr>
-      <p:grpSpPr>
-        <a:xfrm>
-          <a:off x="0" y="0"/>
-          <a:ext cx="0" cy="0"/>
-          <a:chOff x="0" y="0"/>
-          <a:chExt cx="0" cy="0"/>
-        </a:xfrm>
-      </p:grpSpPr>
-      <p:sp>
-        <p:nvSpPr>
-          <p:cNvPr id="176130" name="Rectangle 2"/>
-          <p:cNvSpPr>
-            <a:spLocks noGrp="1" noChangeArrowheads="1"/>
-          </p:cNvSpPr>
-          <p:nvPr>
-            <p:ph type="title"/>
-          </p:nvPr>
-        </p:nvSpPr>
-        <p:spPr/>
-        <p:txBody>
-          <a:bodyPr/>
-          <a:lstStyle/>
-          <a:p>
-            <a:r>
-              <a:rPr lang="en-US"/>
-              <a:t>HU ppt [tabel]</a:t>
-            </a:r>
-          </a:p>
-        </p:txBody>
-      </p:sp>
-      <p:graphicFrame>
-        <p:nvGraphicFramePr>
-          <p:cNvPr id="176488" name="Group 360"/>
-          <p:cNvGraphicFramePr>
-            <a:graphicFrameLocks noGrp="1"/>
-          </p:cNvGraphicFramePr>
-          <p:nvPr>
-            <p:ph type="tbl" idx="1"/>
-          </p:nvPr>
-        </p:nvGraphicFramePr>
-        <p:xfrm>
-          <a:off x="762000" y="1762125"/>
-          <a:ext cx="7620000" cy="2540002"/>
-        </p:xfrm>
-        <a:graphic>
-          <a:graphicData uri="http://schemas.openxmlformats.org/drawingml/2006/table">
-            <a:tbl>
-              <a:tblPr/>
-              <a:tblGrid>
-                <a:gridCol w="1905000"/>
-                <a:gridCol w="1905000"/>
-                <a:gridCol w="1905000"/>
-                <a:gridCol w="1905000"/>
-              </a:tblGrid>
-              <a:tr h="636588">
-                <a:tc>
-                  <a:txBody>
-                    <a:bodyPr/>
-                    <a:lstStyle/>
-                    <a:p>
-                      <a:pPr marL="0" marR="0" lvl="0" indent="0" algn="l" defTabSz="914400" rtl="0" eaLnBrk="1" fontAlgn="base" latinLnBrk="0" hangingPunct="1">
-                        <a:lnSpc>
-                          <a:spcPct val="100000"/>
-                        </a:lnSpc>
-                        <a:spcBef>
-                          <a:spcPct val="20000"/>
-                        </a:spcBef>
-                        <a:spcAft>
-                          <a:spcPct val="0"/>
-                        </a:spcAft>
-                        <a:buClr>
-                          <a:srgbClr val="ED0010"/>
-                        </a:buClr>
-                        <a:buSzPct val="60000"/>
-                        <a:buFont typeface="Zapf Dingbats" charset="2"/>
-                        <a:buNone/>
-                        <a:tabLst/>
-                      </a:pPr>
-                      <a:endParaRPr kumimoji="0" lang="nl-NL" sz="2400" b="0" i="0" u="none" strike="noStrike" cap="none" normalizeH="0" baseline="0" smtClean="0">
-                        <a:ln>
-                          <a:noFill/>
-                        </a:ln>
-                        <a:solidFill>
-                          <a:srgbClr val="000000"/>
-                        </a:solidFill>
-                        <a:effectLst/>
-                        <a:latin typeface="Arial" charset="0"/>
-                      </a:endParaRPr>
-                    </a:p>
-                  </a:txBody>
-                  <a:tcPr horzOverflow="overflow">
-                    <a:lnL w="12700" cap="flat" cmpd="sng" algn="ctr">
-                      <a:solidFill>
-                        <a:schemeClr val="bg1"/>
-                      </a:solidFill>
-                      <a:prstDash val="solid"/>
-                      <a:round/>
-                      <a:headEnd type="none" w="med" len="med"/>
-                      <a:tailEnd type="none" w="med" len="med"/>
-                    </a:lnL>
-                    <a:lnR w="28575" cap="flat" cmpd="sng" algn="ctr">
-                      <a:solidFill>
-                        <a:schemeClr val="bg1"/>
-                      </a:solidFill>
-                      <a:prstDash val="solid"/>
-                      <a:round/>
-                      <a:headEnd type="none" w="med" len="med"/>
-                      <a:tailEnd type="none" w="med" len="med"/>
-                    </a:lnR>
-                    <a:lnT w="12700" cap="flat" cmpd="sng" algn="ctr">
-                      <a:solidFill>
-                        <a:schemeClr val="bg1"/>
-                      </a:solidFill>
-                      <a:prstDash val="solid"/>
-                      <a:round/>
-                      <a:headEnd type="none" w="med" len="med"/>
-                      <a:tailEnd type="none" w="med" len="med"/>
-                    </a:lnT>
-                    <a:lnB w="28575" cap="flat" cmpd="sng" algn="ctr">
-                      <a:solidFill>
-                        <a:schemeClr val="bg1"/>
-                      </a:solidFill>
-                      <a:prstDash val="solid"/>
-                      <a:round/>
-                      <a:headEnd type="none" w="med" len="med"/>
-                      <a:tailEnd type="none" w="med" len="med"/>
-                    </a:lnB>
-                    <a:lnTlToBr>
-                      <a:noFill/>
-                    </a:lnTlToBr>
-                    <a:lnBlToTr>
-                      <a:noFill/>
-                    </a:lnBlToTr>
-                    <a:solidFill>
-                      <a:schemeClr val="accent1"/>
-                    </a:solidFill>
-                  </a:tcPr>
-                </a:tc>
-                <a:tc>
-                  <a:txBody>
-                    <a:bodyPr/>
-                    <a:lstStyle/>
-                    <a:p>
-                      <a:pPr marL="0" marR="0" lvl="0" indent="0" algn="l" defTabSz="914400" rtl="0" eaLnBrk="1" fontAlgn="base" latinLnBrk="0" hangingPunct="1">
-                        <a:lnSpc>
-                          <a:spcPct val="100000"/>
-                        </a:lnSpc>
-                        <a:spcBef>
-                          <a:spcPct val="20000"/>
-                        </a:spcBef>
-                        <a:spcAft>
-                          <a:spcPct val="0"/>
-                        </a:spcAft>
-                        <a:buClr>
-                          <a:srgbClr val="ED0010"/>
-                        </a:buClr>
-                        <a:buSzPct val="60000"/>
-                        <a:buFont typeface="Zapf Dingbats" charset="2"/>
-                        <a:buNone/>
-                        <a:tabLst/>
-                      </a:pPr>
-                      <a:r>
-                        <a:rPr kumimoji="0" lang="en-US" sz="2400" b="1" i="0" u="none" strike="noStrike" cap="none" normalizeH="0" baseline="0" smtClean="0">
-                          <a:ln>
-                            <a:noFill/>
-                          </a:ln>
-                          <a:solidFill>
-                            <a:srgbClr val="000000"/>
-                          </a:solidFill>
-                          <a:effectLst/>
-                          <a:latin typeface="Arial" charset="0"/>
-                        </a:rPr>
-                        <a:t>Instituut</a:t>
-                      </a:r>
-                      <a:endParaRPr kumimoji="0" lang="en-US" sz="2400" b="0" i="0" u="none" strike="noStrike" cap="none" normalizeH="0" baseline="0" smtClean="0">
-                        <a:ln>
-                          <a:noFill/>
-                        </a:ln>
-                        <a:solidFill>
-                          <a:srgbClr val="000000"/>
-                        </a:solidFill>
-                        <a:effectLst/>
-                        <a:latin typeface="Arial" charset="0"/>
-                      </a:endParaRPr>
-                    </a:p>
-                  </a:txBody>
-                  <a:tcPr horzOverflow="overflow">
-                    <a:lnL w="28575" cap="flat" cmpd="sng" algn="ctr">
-                      <a:solidFill>
-                        <a:schemeClr val="bg1"/>
-                      </a:solidFill>
-                      <a:prstDash val="solid"/>
-                      <a:round/>
-                      <a:headEnd type="none" w="med" len="med"/>
-                      <a:tailEnd type="none" w="med" len="med"/>
-                    </a:lnL>
-                    <a:lnR w="28575" cap="flat" cmpd="sng" algn="ctr">
-                      <a:solidFill>
-                        <a:schemeClr val="bg1"/>
-                      </a:solidFill>
-                      <a:prstDash val="solid"/>
-                      <a:round/>
-                      <a:headEnd type="none" w="med" len="med"/>
-                      <a:tailEnd type="none" w="med" len="med"/>
-                    </a:lnR>
-                    <a:lnT w="12700" cap="flat" cmpd="sng" algn="ctr">
-                      <a:solidFill>
-                        <a:schemeClr val="bg1"/>
-                      </a:solidFill>
-                      <a:prstDash val="solid"/>
-                      <a:round/>
-                      <a:headEnd type="none" w="med" len="med"/>
-                      <a:tailEnd type="none" w="med" len="med"/>
-                    </a:lnT>
-                    <a:lnB w="28575" cap="flat" cmpd="sng" algn="ctr">
-                      <a:solidFill>
-                        <a:schemeClr val="bg1"/>
-                      </a:solidFill>
-                      <a:prstDash val="solid"/>
-                      <a:round/>
-                      <a:headEnd type="none" w="med" len="med"/>
-                      <a:tailEnd type="none" w="med" len="med"/>
-                    </a:lnB>
-                    <a:lnTlToBr>
-                      <a:noFill/>
-                    </a:lnTlToBr>
-                    <a:lnBlToTr>
-                      <a:noFill/>
-                    </a:lnBlToTr>
-                    <a:solidFill>
-                      <a:schemeClr val="accent1"/>
-                    </a:solidFill>
-                  </a:tcPr>
-                </a:tc>
-                <a:tc>
-                  <a:txBody>
-                    <a:bodyPr/>
-                    <a:lstStyle/>
-                    <a:p>
-                      <a:pPr marL="0" marR="0" lvl="0" indent="0" algn="l" defTabSz="914400" rtl="0" eaLnBrk="1" fontAlgn="base" latinLnBrk="0" hangingPunct="1">
-                        <a:lnSpc>
-                          <a:spcPct val="100000"/>
-                        </a:lnSpc>
-                        <a:spcBef>
-                          <a:spcPct val="20000"/>
-                        </a:spcBef>
-                        <a:spcAft>
-                          <a:spcPct val="0"/>
-                        </a:spcAft>
-                        <a:buClr>
-                          <a:srgbClr val="ED0010"/>
-                        </a:buClr>
-                        <a:buSzPct val="60000"/>
-                        <a:buFont typeface="Zapf Dingbats" charset="2"/>
-                        <a:buNone/>
-                        <a:tabLst/>
-                      </a:pPr>
-                      <a:r>
-                        <a:rPr kumimoji="0" lang="en-US" sz="2400" b="1" i="0" u="none" strike="noStrike" cap="none" normalizeH="0" baseline="0" smtClean="0">
-                          <a:ln>
-                            <a:noFill/>
-                          </a:ln>
-                          <a:solidFill>
-                            <a:srgbClr val="000000"/>
-                          </a:solidFill>
-                          <a:effectLst/>
-                          <a:latin typeface="Arial" charset="0"/>
-                        </a:rPr>
-                        <a:t>academie</a:t>
-                      </a:r>
-                    </a:p>
-                  </a:txBody>
-                  <a:tcPr horzOverflow="overflow">
-                    <a:lnL w="28575" cap="flat" cmpd="sng" algn="ctr">
-                      <a:solidFill>
-                        <a:schemeClr val="bg1"/>
-                      </a:solidFill>
-                      <a:prstDash val="solid"/>
-                      <a:round/>
-                      <a:headEnd type="none" w="med" len="med"/>
-                      <a:tailEnd type="none" w="med" len="med"/>
-                    </a:lnL>
-                    <a:lnR w="28575" cap="flat" cmpd="sng" algn="ctr">
-                      <a:solidFill>
-                        <a:schemeClr val="bg1"/>
-                      </a:solidFill>
-                      <a:prstDash val="solid"/>
-                      <a:round/>
-                      <a:headEnd type="none" w="med" len="med"/>
-                      <a:tailEnd type="none" w="med" len="med"/>
-                    </a:lnR>
-                    <a:lnT w="12700" cap="flat" cmpd="sng" algn="ctr">
-                      <a:solidFill>
-                        <a:schemeClr val="bg1"/>
-                      </a:solidFill>
-                      <a:prstDash val="solid"/>
-                      <a:round/>
-                      <a:headEnd type="none" w="med" len="med"/>
-                      <a:tailEnd type="none" w="med" len="med"/>
-                    </a:lnT>
-                    <a:lnB w="28575" cap="flat" cmpd="sng" algn="ctr">
-                      <a:solidFill>
-                        <a:schemeClr val="bg1"/>
-                      </a:solidFill>
-                      <a:prstDash val="solid"/>
-                      <a:round/>
-                      <a:headEnd type="none" w="med" len="med"/>
-                      <a:tailEnd type="none" w="med" len="med"/>
-                    </a:lnB>
-                    <a:lnTlToBr>
-                      <a:noFill/>
-                    </a:lnTlToBr>
-                    <a:lnBlToTr>
-                      <a:noFill/>
-                    </a:lnBlToTr>
-                    <a:solidFill>
-                      <a:schemeClr val="accent1"/>
-                    </a:solidFill>
-                  </a:tcPr>
-                </a:tc>
-                <a:tc>
-                  <a:txBody>
-                    <a:bodyPr/>
-                    <a:lstStyle/>
-                    <a:p>
-                      <a:pPr marL="0" marR="0" lvl="0" indent="0" algn="l" defTabSz="914400" rtl="0" eaLnBrk="1" fontAlgn="base" latinLnBrk="0" hangingPunct="1">
-                        <a:lnSpc>
-                          <a:spcPct val="100000"/>
-                        </a:lnSpc>
-                        <a:spcBef>
-                          <a:spcPct val="20000"/>
-                        </a:spcBef>
-                        <a:spcAft>
-                          <a:spcPct val="0"/>
-                        </a:spcAft>
-                        <a:buClr>
-                          <a:srgbClr val="ED0010"/>
-                        </a:buClr>
-                        <a:buSzPct val="60000"/>
-                        <a:buFont typeface="Zapf Dingbats" charset="2"/>
-                        <a:buNone/>
-                        <a:tabLst/>
-                      </a:pPr>
-                      <a:r>
-                        <a:rPr kumimoji="0" lang="en-US" sz="2400" b="1" i="0" u="none" strike="noStrike" cap="none" normalizeH="0" baseline="0" smtClean="0">
-                          <a:ln>
-                            <a:noFill/>
-                          </a:ln>
-                          <a:solidFill>
-                            <a:srgbClr val="000000"/>
-                          </a:solidFill>
-                          <a:effectLst/>
-                          <a:latin typeface="Arial" charset="0"/>
-                        </a:rPr>
-                        <a:t>centrum</a:t>
-                      </a:r>
-                    </a:p>
-                  </a:txBody>
-                  <a:tcPr horzOverflow="overflow">
-                    <a:lnL w="28575" cap="flat" cmpd="sng" algn="ctr">
-                      <a:solidFill>
-                        <a:schemeClr val="bg1"/>
-                      </a:solidFill>
-                      <a:prstDash val="solid"/>
-                      <a:round/>
-                      <a:headEnd type="none" w="med" len="med"/>
-                      <a:tailEnd type="none" w="med" len="med"/>
-                    </a:lnL>
-                    <a:lnR w="12700" cap="flat" cmpd="sng" algn="ctr">
-                      <a:solidFill>
-                        <a:schemeClr val="bg1"/>
-                      </a:solidFill>
-                      <a:prstDash val="solid"/>
-                      <a:round/>
-                      <a:headEnd type="none" w="med" len="med"/>
-                      <a:tailEnd type="none" w="med" len="med"/>
-                    </a:lnR>
-                    <a:lnT w="12700" cap="flat" cmpd="sng" algn="ctr">
-                      <a:solidFill>
-                        <a:schemeClr val="bg1"/>
-                      </a:solidFill>
-                      <a:prstDash val="solid"/>
-                      <a:round/>
-                      <a:headEnd type="none" w="med" len="med"/>
-                      <a:tailEnd type="none" w="med" len="med"/>
-                    </a:lnT>
-                    <a:lnB w="28575" cap="flat" cmpd="sng" algn="ctr">
-                      <a:solidFill>
-                        <a:schemeClr val="bg1"/>
-                      </a:solidFill>
-                      <a:prstDash val="solid"/>
-                      <a:round/>
-                      <a:headEnd type="none" w="med" len="med"/>
-                      <a:tailEnd type="none" w="med" len="med"/>
-                    </a:lnB>
-                    <a:lnTlToBr>
-                      <a:noFill/>
-                    </a:lnTlToBr>
-                    <a:lnBlToTr>
-                      <a:noFill/>
-                    </a:lnBlToTr>
-                    <a:solidFill>
-                      <a:schemeClr val="accent1"/>
-                    </a:solidFill>
-                  </a:tcPr>
-                </a:tc>
-              </a:tr>
-              <a:tr h="633413">
-                <a:tc>
-                  <a:txBody>
-                    <a:bodyPr/>
-                    <a:lstStyle/>
-                    <a:p>
-                      <a:pPr marL="0" marR="0" lvl="0" indent="0" algn="l" defTabSz="914400" rtl="0" eaLnBrk="1" fontAlgn="base" latinLnBrk="0" hangingPunct="1">
-                        <a:lnSpc>
-                          <a:spcPct val="100000"/>
-                        </a:lnSpc>
-                        <a:spcBef>
-                          <a:spcPct val="20000"/>
-                        </a:spcBef>
-                        <a:spcAft>
-                          <a:spcPct val="0"/>
-                        </a:spcAft>
-                        <a:buClr>
-                          <a:srgbClr val="ED0010"/>
-                        </a:buClr>
-                        <a:buSzPct val="60000"/>
-                        <a:buFont typeface="Zapf Dingbats" charset="2"/>
-                        <a:buNone/>
-                        <a:tabLst/>
-                      </a:pPr>
-                      <a:r>
-                        <a:rPr kumimoji="0" lang="en-US" sz="2400" b="1" i="0" u="none" strike="noStrike" cap="none" normalizeH="0" baseline="0" smtClean="0">
-                          <a:ln>
-                            <a:noFill/>
-                          </a:ln>
-                          <a:solidFill>
-                            <a:srgbClr val="000000"/>
-                          </a:solidFill>
-                          <a:effectLst/>
-                          <a:latin typeface="Arial" charset="0"/>
-                        </a:rPr>
-                        <a:t>2003</a:t>
-                      </a:r>
-                      <a:endParaRPr kumimoji="0" lang="en-US" sz="2400" b="0" i="0" u="none" strike="noStrike" cap="none" normalizeH="0" baseline="0" smtClean="0">
-                        <a:ln>
-                          <a:noFill/>
-                        </a:ln>
-                        <a:solidFill>
-                          <a:srgbClr val="000000"/>
-                        </a:solidFill>
-                        <a:effectLst/>
-                        <a:latin typeface="Arial" charset="0"/>
-                      </a:endParaRPr>
-                    </a:p>
-                  </a:txBody>
-                  <a:tcPr horzOverflow="overflow">
-                    <a:lnL w="12700" cap="flat" cmpd="sng" algn="ctr">
-                      <a:solidFill>
-                        <a:schemeClr val="bg1"/>
-                      </a:solidFill>
-                      <a:prstDash val="solid"/>
-                      <a:round/>
-                      <a:headEnd type="none" w="med" len="med"/>
-                      <a:tailEnd type="none" w="med" len="med"/>
-                    </a:lnL>
-                    <a:lnR w="28575" cap="flat" cmpd="sng" algn="ctr">
-                      <a:solidFill>
-                        <a:schemeClr val="bg1"/>
-                      </a:solidFill>
-                      <a:prstDash val="solid"/>
-                      <a:round/>
-                      <a:headEnd type="none" w="med" len="med"/>
-                      <a:tailEnd type="none" w="med" len="med"/>
-                    </a:lnR>
-                    <a:lnT w="28575" cap="flat" cmpd="sng" algn="ctr">
-                      <a:solidFill>
-                        <a:schemeClr val="bg1"/>
-                      </a:solidFill>
-                      <a:prstDash val="solid"/>
-                      <a:round/>
-                      <a:headEnd type="none" w="med" len="med"/>
-                      <a:tailEnd type="none" w="med" len="med"/>
-                    </a:lnT>
-                    <a:lnB w="28575" cap="flat" cmpd="sng" algn="ctr">
-                      <a:solidFill>
-                        <a:schemeClr val="bg1"/>
-                      </a:solidFill>
-                      <a:prstDash val="solid"/>
-                      <a:round/>
-                      <a:headEnd type="none" w="med" len="med"/>
-                      <a:tailEnd type="none" w="med" len="med"/>
-                    </a:lnB>
-                    <a:lnTlToBr>
-                      <a:noFill/>
-                    </a:lnTlToBr>
-                    <a:lnBlToTr>
-                      <a:noFill/>
-                    </a:lnBlToTr>
-                    <a:solidFill>
-                      <a:schemeClr val="accent1"/>
-                    </a:solidFill>
-                  </a:tcPr>
-                </a:tc>
-                <a:tc>
-                  <a:txBody>
-                    <a:bodyPr/>
-                    <a:lstStyle/>
-                    <a:p>
-                      <a:pPr marL="0" marR="0" lvl="0" indent="0" algn="l" defTabSz="914400" rtl="0" eaLnBrk="1" fontAlgn="base" latinLnBrk="0" hangingPunct="1">
-                        <a:lnSpc>
-                          <a:spcPct val="100000"/>
-                        </a:lnSpc>
-                        <a:spcBef>
-                          <a:spcPct val="20000"/>
-                        </a:spcBef>
-                        <a:spcAft>
-                          <a:spcPct val="0"/>
-                        </a:spcAft>
-                        <a:buClr>
-                          <a:srgbClr val="ED0010"/>
-                        </a:buClr>
-                        <a:buSzPct val="60000"/>
-                        <a:buFont typeface="Zapf Dingbats" charset="2"/>
-                        <a:buNone/>
-                        <a:tabLst/>
-                      </a:pPr>
-                      <a:r>
-                        <a:rPr kumimoji="0" lang="en-US" sz="2400" b="0" i="0" u="none" strike="noStrike" cap="none" normalizeH="0" baseline="0" smtClean="0">
-                          <a:ln>
-                            <a:noFill/>
-                          </a:ln>
-                          <a:solidFill>
-                            <a:srgbClr val="000000"/>
-                          </a:solidFill>
-                          <a:effectLst/>
-                          <a:latin typeface="Arial" charset="0"/>
-                        </a:rPr>
-                        <a:t>30%</a:t>
-                      </a:r>
-                    </a:p>
-                  </a:txBody>
-                  <a:tcPr horzOverflow="overflow">
-                    <a:lnL w="28575" cap="flat" cmpd="sng" algn="ctr">
-                      <a:solidFill>
-                        <a:schemeClr val="bg1"/>
-                      </a:solidFill>
-                      <a:prstDash val="solid"/>
-                      <a:round/>
-                      <a:headEnd type="none" w="med" len="med"/>
-                      <a:tailEnd type="none" w="med" len="med"/>
-                    </a:lnL>
-                    <a:lnR w="28575" cap="flat" cmpd="sng" algn="ctr">
-                      <a:solidFill>
-                        <a:schemeClr val="bg1"/>
-                      </a:solidFill>
-                      <a:prstDash val="solid"/>
-                      <a:round/>
-                      <a:headEnd type="none" w="med" len="med"/>
-                      <a:tailEnd type="none" w="med" len="med"/>
-                    </a:lnR>
-                    <a:lnT w="28575" cap="flat" cmpd="sng" algn="ctr">
-                      <a:solidFill>
-                        <a:schemeClr val="bg1"/>
-                      </a:solidFill>
-                      <a:prstDash val="solid"/>
-                      <a:round/>
-                      <a:headEnd type="none" w="med" len="med"/>
-                      <a:tailEnd type="none" w="med" len="med"/>
-                    </a:lnT>
-                    <a:lnB w="28575" cap="flat" cmpd="sng" algn="ctr">
-                      <a:solidFill>
-                        <a:schemeClr val="bg1"/>
-                      </a:solidFill>
-                      <a:prstDash val="solid"/>
-                      <a:round/>
-                      <a:headEnd type="none" w="med" len="med"/>
-                      <a:tailEnd type="none" w="med" len="med"/>
-                    </a:lnB>
-                    <a:lnTlToBr>
-                      <a:noFill/>
-                    </a:lnTlToBr>
-                    <a:lnBlToTr>
-                      <a:noFill/>
-                    </a:lnBlToTr>
-                    <a:solidFill>
-                      <a:schemeClr val="accent1"/>
-                    </a:solidFill>
-                  </a:tcPr>
-                </a:tc>
-                <a:tc>
-                  <a:txBody>
-                    <a:bodyPr/>
-                    <a:lstStyle/>
-                    <a:p>
-                      <a:pPr marL="0" marR="0" lvl="0" indent="0" algn="l" defTabSz="914400" rtl="0" eaLnBrk="1" fontAlgn="base" latinLnBrk="0" hangingPunct="1">
-                        <a:lnSpc>
-                          <a:spcPct val="100000"/>
-                        </a:lnSpc>
-                        <a:spcBef>
-                          <a:spcPct val="20000"/>
-                        </a:spcBef>
-                        <a:spcAft>
-                          <a:spcPct val="0"/>
-                        </a:spcAft>
-                        <a:buClr>
-                          <a:srgbClr val="ED0010"/>
-                        </a:buClr>
-                        <a:buSzPct val="60000"/>
-                        <a:buFont typeface="Zapf Dingbats" charset="2"/>
-                        <a:buNone/>
-                        <a:tabLst/>
-                      </a:pPr>
-                      <a:r>
-                        <a:rPr kumimoji="0" lang="en-US" sz="2400" b="0" i="0" u="none" strike="noStrike" cap="none" normalizeH="0" baseline="0" smtClean="0">
-                          <a:ln>
-                            <a:noFill/>
-                          </a:ln>
-                          <a:solidFill>
-                            <a:srgbClr val="000000"/>
-                          </a:solidFill>
-                          <a:effectLst/>
-                          <a:latin typeface="Arial" charset="0"/>
-                        </a:rPr>
-                        <a:t>28%</a:t>
-                      </a:r>
-                    </a:p>
-                  </a:txBody>
-                  <a:tcPr horzOverflow="overflow">
-                    <a:lnL w="28575" cap="flat" cmpd="sng" algn="ctr">
-                      <a:solidFill>
-                        <a:schemeClr val="bg1"/>
-                      </a:solidFill>
-                      <a:prstDash val="solid"/>
-                      <a:round/>
-                      <a:headEnd type="none" w="med" len="med"/>
-                      <a:tailEnd type="none" w="med" len="med"/>
-                    </a:lnL>
-                    <a:lnR w="28575" cap="flat" cmpd="sng" algn="ctr">
-                      <a:solidFill>
-                        <a:schemeClr val="bg1"/>
-                      </a:solidFill>
-                      <a:prstDash val="solid"/>
-                      <a:round/>
-                      <a:headEnd type="none" w="med" len="med"/>
-                      <a:tailEnd type="none" w="med" len="med"/>
-                    </a:lnR>
-                    <a:lnT w="28575" cap="flat" cmpd="sng" algn="ctr">
-                      <a:solidFill>
-                        <a:schemeClr val="bg1"/>
-                      </a:solidFill>
-                      <a:prstDash val="solid"/>
-                      <a:round/>
-                      <a:headEnd type="none" w="med" len="med"/>
-                      <a:tailEnd type="none" w="med" len="med"/>
-                    </a:lnT>
-                    <a:lnB w="28575" cap="flat" cmpd="sng" algn="ctr">
-                      <a:solidFill>
-                        <a:schemeClr val="bg1"/>
-                      </a:solidFill>
-                      <a:prstDash val="solid"/>
-                      <a:round/>
-                      <a:headEnd type="none" w="med" len="med"/>
-                      <a:tailEnd type="none" w="med" len="med"/>
-                    </a:lnB>
-                    <a:lnTlToBr>
-                      <a:noFill/>
-                    </a:lnTlToBr>
-                    <a:lnBlToTr>
-                      <a:noFill/>
-                    </a:lnBlToTr>
-                    <a:solidFill>
-                      <a:schemeClr val="accent1"/>
-                    </a:solidFill>
-                  </a:tcPr>
-                </a:tc>
-                <a:tc>
-                  <a:txBody>
-                    <a:bodyPr/>
-                    <a:lstStyle/>
-                    <a:p>
-                      <a:pPr marL="0" marR="0" lvl="0" indent="0" algn="l" defTabSz="914400" rtl="0" eaLnBrk="1" fontAlgn="base" latinLnBrk="0" hangingPunct="1">
-                        <a:lnSpc>
-                          <a:spcPct val="100000"/>
-                        </a:lnSpc>
-                        <a:spcBef>
-                          <a:spcPct val="20000"/>
-                        </a:spcBef>
-                        <a:spcAft>
-                          <a:spcPct val="0"/>
-                        </a:spcAft>
-                        <a:buClr>
-                          <a:srgbClr val="ED0010"/>
-                        </a:buClr>
-                        <a:buSzPct val="60000"/>
-                        <a:buFont typeface="Zapf Dingbats" charset="2"/>
-                        <a:buNone/>
-                        <a:tabLst/>
-                      </a:pPr>
-                      <a:r>
-                        <a:rPr kumimoji="0" lang="en-US" sz="2400" b="0" i="0" u="none" strike="noStrike" cap="none" normalizeH="0" baseline="0" smtClean="0">
-                          <a:ln>
-                            <a:noFill/>
-                          </a:ln>
-                          <a:solidFill>
-                            <a:srgbClr val="000000"/>
-                          </a:solidFill>
-                          <a:effectLst/>
-                          <a:latin typeface="Arial" charset="0"/>
-                        </a:rPr>
-                        <a:t>32%</a:t>
-                      </a:r>
-                    </a:p>
-                  </a:txBody>
-                  <a:tcPr horzOverflow="overflow">
-                    <a:lnL w="28575" cap="flat" cmpd="sng" algn="ctr">
-                      <a:solidFill>
-                        <a:schemeClr val="bg1"/>
-                      </a:solidFill>
-                      <a:prstDash val="solid"/>
-                      <a:round/>
-                      <a:headEnd type="none" w="med" len="med"/>
-                      <a:tailEnd type="none" w="med" len="med"/>
-                    </a:lnL>
-                    <a:lnR w="12700" cap="flat" cmpd="sng" algn="ctr">
-                      <a:solidFill>
-                        <a:schemeClr val="bg1"/>
-                      </a:solidFill>
-                      <a:prstDash val="solid"/>
-                      <a:round/>
-                      <a:headEnd type="none" w="med" len="med"/>
-                      <a:tailEnd type="none" w="med" len="med"/>
-                    </a:lnR>
-                    <a:lnT w="28575" cap="flat" cmpd="sng" algn="ctr">
-                      <a:solidFill>
-                        <a:schemeClr val="bg1"/>
-                      </a:solidFill>
-                      <a:prstDash val="solid"/>
-                      <a:round/>
-                      <a:headEnd type="none" w="med" len="med"/>
-                      <a:tailEnd type="none" w="med" len="med"/>
-                    </a:lnT>
-                    <a:lnB w="28575" cap="flat" cmpd="sng" algn="ctr">
-                      <a:solidFill>
-                        <a:schemeClr val="bg1"/>
-                      </a:solidFill>
-                      <a:prstDash val="solid"/>
-                      <a:round/>
-                      <a:headEnd type="none" w="med" len="med"/>
-                      <a:tailEnd type="none" w="med" len="med"/>
-                    </a:lnB>
-                    <a:lnTlToBr>
-                      <a:noFill/>
-                    </a:lnTlToBr>
-                    <a:lnBlToTr>
-                      <a:noFill/>
-                    </a:lnBlToTr>
-                    <a:solidFill>
-                      <a:schemeClr val="accent1"/>
-                    </a:solidFill>
-                  </a:tcPr>
-                </a:tc>
-              </a:tr>
-              <a:tr h="636588">
-                <a:tc>
-                  <a:txBody>
-                    <a:bodyPr/>
-                    <a:lstStyle/>
-                    <a:p>
-                      <a:pPr marL="0" marR="0" lvl="0" indent="0" algn="l" defTabSz="914400" rtl="0" eaLnBrk="1" fontAlgn="base" latinLnBrk="0" hangingPunct="1">
-                        <a:lnSpc>
-                          <a:spcPct val="100000"/>
-                        </a:lnSpc>
-                        <a:spcBef>
-                          <a:spcPct val="20000"/>
-                        </a:spcBef>
-                        <a:spcAft>
-                          <a:spcPct val="0"/>
-                        </a:spcAft>
-                        <a:buClr>
-                          <a:srgbClr val="ED0010"/>
-                        </a:buClr>
-                        <a:buSzPct val="60000"/>
-                        <a:buFont typeface="Zapf Dingbats" charset="2"/>
-                        <a:buNone/>
-                        <a:tabLst/>
-                      </a:pPr>
-                      <a:r>
-                        <a:rPr kumimoji="0" lang="en-US" sz="2400" b="1" i="0" u="none" strike="noStrike" cap="none" normalizeH="0" baseline="0" smtClean="0">
-                          <a:ln>
-                            <a:noFill/>
-                          </a:ln>
-                          <a:solidFill>
-                            <a:srgbClr val="000000"/>
-                          </a:solidFill>
-                          <a:effectLst/>
-                          <a:latin typeface="Arial" charset="0"/>
-                        </a:rPr>
-                        <a:t>2004</a:t>
-                      </a:r>
-                      <a:endParaRPr kumimoji="0" lang="en-US" sz="2400" b="0" i="0" u="none" strike="noStrike" cap="none" normalizeH="0" baseline="0" smtClean="0">
-                        <a:ln>
-                          <a:noFill/>
-                        </a:ln>
-                        <a:solidFill>
-                          <a:srgbClr val="000000"/>
-                        </a:solidFill>
-                        <a:effectLst/>
-                        <a:latin typeface="Arial" charset="0"/>
-                      </a:endParaRPr>
-                    </a:p>
-                  </a:txBody>
-                  <a:tcPr horzOverflow="overflow">
-                    <a:lnL w="12700" cap="flat" cmpd="sng" algn="ctr">
-                      <a:solidFill>
-                        <a:schemeClr val="bg1"/>
-                      </a:solidFill>
-                      <a:prstDash val="solid"/>
-                      <a:round/>
-                      <a:headEnd type="none" w="med" len="med"/>
-                      <a:tailEnd type="none" w="med" len="med"/>
-                    </a:lnL>
-                    <a:lnR w="28575" cap="flat" cmpd="sng" algn="ctr">
-                      <a:solidFill>
-                        <a:schemeClr val="bg1"/>
-                      </a:solidFill>
-                      <a:prstDash val="solid"/>
-                      <a:round/>
-                      <a:headEnd type="none" w="med" len="med"/>
-                      <a:tailEnd type="none" w="med" len="med"/>
-                    </a:lnR>
-                    <a:lnT w="28575" cap="flat" cmpd="sng" algn="ctr">
-                      <a:solidFill>
-                        <a:schemeClr val="bg1"/>
-                      </a:solidFill>
-                      <a:prstDash val="solid"/>
-                      <a:round/>
-                      <a:headEnd type="none" w="med" len="med"/>
-                      <a:tailEnd type="none" w="med" len="med"/>
-                    </a:lnT>
-                    <a:lnB w="28575" cap="flat" cmpd="sng" algn="ctr">
-                      <a:solidFill>
-                        <a:schemeClr val="bg1"/>
-                      </a:solidFill>
-                      <a:prstDash val="solid"/>
-                      <a:round/>
-                      <a:headEnd type="none" w="med" len="med"/>
-                      <a:tailEnd type="none" w="med" len="med"/>
-                    </a:lnB>
-                    <a:lnTlToBr>
-                      <a:noFill/>
-                    </a:lnTlToBr>
-                    <a:lnBlToTr>
-                      <a:noFill/>
-                    </a:lnBlToTr>
-                    <a:solidFill>
-                      <a:schemeClr val="accent1"/>
-                    </a:solidFill>
-                  </a:tcPr>
-                </a:tc>
-                <a:tc>
-                  <a:txBody>
-                    <a:bodyPr/>
-                    <a:lstStyle/>
-                    <a:p>
-                      <a:pPr marL="0" marR="0" lvl="0" indent="0" algn="l" defTabSz="914400" rtl="0" eaLnBrk="1" fontAlgn="base" latinLnBrk="0" hangingPunct="1">
-                        <a:lnSpc>
-                          <a:spcPct val="100000"/>
-                        </a:lnSpc>
-                        <a:spcBef>
-                          <a:spcPct val="20000"/>
-                        </a:spcBef>
-                        <a:spcAft>
-                          <a:spcPct val="0"/>
-                        </a:spcAft>
-                        <a:buClr>
-                          <a:srgbClr val="ED0010"/>
-                        </a:buClr>
-                        <a:buSzPct val="60000"/>
-                        <a:buFont typeface="Zapf Dingbats" charset="2"/>
-                        <a:buNone/>
-                        <a:tabLst/>
-                      </a:pPr>
-                      <a:r>
-                        <a:rPr kumimoji="0" lang="en-US" sz="2400" b="0" i="0" u="none" strike="noStrike" cap="none" normalizeH="0" baseline="0" smtClean="0">
-                          <a:ln>
-                            <a:noFill/>
-                          </a:ln>
-                          <a:solidFill>
-                            <a:srgbClr val="000000"/>
-                          </a:solidFill>
-                          <a:effectLst/>
-                          <a:latin typeface="Arial" charset="0"/>
-                        </a:rPr>
-                        <a:t>28%</a:t>
-                      </a:r>
-                    </a:p>
-                  </a:txBody>
-                  <a:tcPr horzOverflow="overflow">
-                    <a:lnL w="28575" cap="flat" cmpd="sng" algn="ctr">
-                      <a:solidFill>
-                        <a:schemeClr val="bg1"/>
-                      </a:solidFill>
-                      <a:prstDash val="solid"/>
-                      <a:round/>
-                      <a:headEnd type="none" w="med" len="med"/>
-                      <a:tailEnd type="none" w="med" len="med"/>
-                    </a:lnL>
-                    <a:lnR w="28575" cap="flat" cmpd="sng" algn="ctr">
-                      <a:solidFill>
-                        <a:schemeClr val="bg1"/>
-                      </a:solidFill>
-                      <a:prstDash val="solid"/>
-                      <a:round/>
-                      <a:headEnd type="none" w="med" len="med"/>
-                      <a:tailEnd type="none" w="med" len="med"/>
-                    </a:lnR>
-                    <a:lnT w="28575" cap="flat" cmpd="sng" algn="ctr">
-                      <a:solidFill>
-                        <a:schemeClr val="bg1"/>
-                      </a:solidFill>
-                      <a:prstDash val="solid"/>
-                      <a:round/>
-                      <a:headEnd type="none" w="med" len="med"/>
-                      <a:tailEnd type="none" w="med" len="med"/>
-                    </a:lnT>
-                    <a:lnB w="28575" cap="flat" cmpd="sng" algn="ctr">
-                      <a:solidFill>
-                        <a:schemeClr val="bg1"/>
-                      </a:solidFill>
-                      <a:prstDash val="solid"/>
-                      <a:round/>
-                      <a:headEnd type="none" w="med" len="med"/>
-                      <a:tailEnd type="none" w="med" len="med"/>
-                    </a:lnB>
-                    <a:lnTlToBr>
-                      <a:noFill/>
-                    </a:lnTlToBr>
-                    <a:lnBlToTr>
-                      <a:noFill/>
-                    </a:lnBlToTr>
-                    <a:solidFill>
-                      <a:schemeClr val="accent1"/>
-                    </a:solidFill>
-                  </a:tcPr>
-                </a:tc>
-                <a:tc>
-                  <a:txBody>
-                    <a:bodyPr/>
-                    <a:lstStyle/>
-                    <a:p>
-                      <a:pPr marL="0" marR="0" lvl="0" indent="0" algn="l" defTabSz="914400" rtl="0" eaLnBrk="1" fontAlgn="base" latinLnBrk="0" hangingPunct="1">
-                        <a:lnSpc>
-                          <a:spcPct val="100000"/>
-                        </a:lnSpc>
-                        <a:spcBef>
-                          <a:spcPct val="20000"/>
-                        </a:spcBef>
-                        <a:spcAft>
-                          <a:spcPct val="0"/>
-                        </a:spcAft>
-                        <a:buClr>
-                          <a:srgbClr val="ED0010"/>
-                        </a:buClr>
-                        <a:buSzPct val="60000"/>
-                        <a:buFont typeface="Zapf Dingbats" charset="2"/>
-                        <a:buNone/>
-                        <a:tabLst/>
-                      </a:pPr>
-                      <a:r>
-                        <a:rPr kumimoji="0" lang="en-US" sz="2400" b="0" i="0" u="none" strike="noStrike" cap="none" normalizeH="0" baseline="0" smtClean="0">
-                          <a:ln>
-                            <a:noFill/>
-                          </a:ln>
-                          <a:solidFill>
-                            <a:srgbClr val="000000"/>
-                          </a:solidFill>
-                          <a:effectLst/>
-                          <a:latin typeface="Arial" charset="0"/>
-                        </a:rPr>
-                        <a:t>32%</a:t>
-                      </a:r>
-                    </a:p>
-                  </a:txBody>
-                  <a:tcPr horzOverflow="overflow">
-                    <a:lnL w="28575" cap="flat" cmpd="sng" algn="ctr">
-                      <a:solidFill>
-                        <a:schemeClr val="bg1"/>
-                      </a:solidFill>
-                      <a:prstDash val="solid"/>
-                      <a:round/>
-                      <a:headEnd type="none" w="med" len="med"/>
-                      <a:tailEnd type="none" w="med" len="med"/>
-                    </a:lnL>
-                    <a:lnR w="28575" cap="flat" cmpd="sng" algn="ctr">
-                      <a:solidFill>
-                        <a:schemeClr val="bg1"/>
-                      </a:solidFill>
-                      <a:prstDash val="solid"/>
-                      <a:round/>
-                      <a:headEnd type="none" w="med" len="med"/>
-                      <a:tailEnd type="none" w="med" len="med"/>
-                    </a:lnR>
-                    <a:lnT w="28575" cap="flat" cmpd="sng" algn="ctr">
-                      <a:solidFill>
-                        <a:schemeClr val="bg1"/>
-                      </a:solidFill>
-                      <a:prstDash val="solid"/>
-                      <a:round/>
-                      <a:headEnd type="none" w="med" len="med"/>
-                      <a:tailEnd type="none" w="med" len="med"/>
-                    </a:lnT>
-                    <a:lnB w="28575" cap="flat" cmpd="sng" algn="ctr">
-                      <a:solidFill>
-                        <a:schemeClr val="bg1"/>
-                      </a:solidFill>
-                      <a:prstDash val="solid"/>
-                      <a:round/>
-                      <a:headEnd type="none" w="med" len="med"/>
-                      <a:tailEnd type="none" w="med" len="med"/>
-                    </a:lnB>
-                    <a:lnTlToBr>
-                      <a:noFill/>
-                    </a:lnTlToBr>
-                    <a:lnBlToTr>
-                      <a:noFill/>
-                    </a:lnBlToTr>
-                    <a:solidFill>
-                      <a:schemeClr val="accent1"/>
-                    </a:solidFill>
-                  </a:tcPr>
-                </a:tc>
-                <a:tc>
-                  <a:txBody>
-                    <a:bodyPr/>
-                    <a:lstStyle/>
-                    <a:p>
-                      <a:pPr marL="0" marR="0" lvl="0" indent="0" algn="l" defTabSz="914400" rtl="0" eaLnBrk="1" fontAlgn="base" latinLnBrk="0" hangingPunct="1">
-                        <a:lnSpc>
-                          <a:spcPct val="100000"/>
-                        </a:lnSpc>
-                        <a:spcBef>
-                          <a:spcPct val="20000"/>
-                        </a:spcBef>
-                        <a:spcAft>
-                          <a:spcPct val="0"/>
-                        </a:spcAft>
-                        <a:buClr>
-                          <a:srgbClr val="ED0010"/>
-                        </a:buClr>
-                        <a:buSzPct val="60000"/>
-                        <a:buFont typeface="Zapf Dingbats" charset="2"/>
-                        <a:buNone/>
-                        <a:tabLst/>
-                      </a:pPr>
-                      <a:r>
-                        <a:rPr kumimoji="0" lang="en-US" sz="2400" b="0" i="0" u="none" strike="noStrike" cap="none" normalizeH="0" baseline="0" smtClean="0">
-                          <a:ln>
-                            <a:noFill/>
-                          </a:ln>
-                          <a:solidFill>
-                            <a:srgbClr val="000000"/>
-                          </a:solidFill>
-                          <a:effectLst/>
-                          <a:latin typeface="Arial" charset="0"/>
-                        </a:rPr>
-                        <a:t>30%</a:t>
-                      </a:r>
-                    </a:p>
-                  </a:txBody>
-                  <a:tcPr horzOverflow="overflow">
-                    <a:lnL w="28575" cap="flat" cmpd="sng" algn="ctr">
-                      <a:solidFill>
-                        <a:schemeClr val="bg1"/>
-                      </a:solidFill>
-                      <a:prstDash val="solid"/>
-                      <a:round/>
-                      <a:headEnd type="none" w="med" len="med"/>
-                      <a:tailEnd type="none" w="med" len="med"/>
-                    </a:lnL>
-                    <a:lnR w="12700" cap="flat" cmpd="sng" algn="ctr">
-                      <a:solidFill>
-                        <a:schemeClr val="bg1"/>
-                      </a:solidFill>
-                      <a:prstDash val="solid"/>
-                      <a:round/>
-                      <a:headEnd type="none" w="med" len="med"/>
-                      <a:tailEnd type="none" w="med" len="med"/>
-                    </a:lnR>
-                    <a:lnT w="28575" cap="flat" cmpd="sng" algn="ctr">
-                      <a:solidFill>
-                        <a:schemeClr val="bg1"/>
-                      </a:solidFill>
-                      <a:prstDash val="solid"/>
-                      <a:round/>
-                      <a:headEnd type="none" w="med" len="med"/>
-                      <a:tailEnd type="none" w="med" len="med"/>
-                    </a:lnT>
-                    <a:lnB w="28575" cap="flat" cmpd="sng" algn="ctr">
-                      <a:solidFill>
-                        <a:schemeClr val="bg1"/>
-                      </a:solidFill>
-                      <a:prstDash val="solid"/>
-                      <a:round/>
-                      <a:headEnd type="none" w="med" len="med"/>
-                      <a:tailEnd type="none" w="med" len="med"/>
-                    </a:lnB>
-                    <a:lnTlToBr>
-                      <a:noFill/>
-                    </a:lnTlToBr>
-                    <a:lnBlToTr>
-                      <a:noFill/>
-                    </a:lnBlToTr>
-                    <a:solidFill>
-                      <a:schemeClr val="accent1"/>
-                    </a:solidFill>
-                  </a:tcPr>
-                </a:tc>
-              </a:tr>
-              <a:tr h="633413">
-                <a:tc>
-                  <a:txBody>
-                    <a:bodyPr/>
-                    <a:lstStyle/>
-                    <a:p>
-                      <a:pPr marL="0" marR="0" lvl="0" indent="0" algn="l" defTabSz="914400" rtl="0" eaLnBrk="1" fontAlgn="base" latinLnBrk="0" hangingPunct="1">
-                        <a:lnSpc>
-                          <a:spcPct val="100000"/>
-                        </a:lnSpc>
-                        <a:spcBef>
-                          <a:spcPct val="20000"/>
-                        </a:spcBef>
-                        <a:spcAft>
-                          <a:spcPct val="0"/>
-                        </a:spcAft>
-                        <a:buClr>
-                          <a:srgbClr val="ED0010"/>
-                        </a:buClr>
-                        <a:buSzPct val="60000"/>
-                        <a:buFont typeface="Zapf Dingbats" charset="2"/>
-                        <a:buNone/>
-                        <a:tabLst/>
-                      </a:pPr>
-                      <a:r>
-                        <a:rPr kumimoji="0" lang="en-US" sz="2400" b="1" i="0" u="none" strike="noStrike" cap="none" normalizeH="0" baseline="0" smtClean="0">
-                          <a:ln>
-                            <a:noFill/>
-                          </a:ln>
-                          <a:solidFill>
-                            <a:srgbClr val="000000"/>
-                          </a:solidFill>
-                          <a:effectLst/>
-                          <a:latin typeface="Arial" charset="0"/>
-                        </a:rPr>
-                        <a:t>2005</a:t>
-                      </a:r>
-                      <a:endParaRPr kumimoji="0" lang="en-US" sz="2400" b="0" i="0" u="none" strike="noStrike" cap="none" normalizeH="0" baseline="0" smtClean="0">
-                        <a:ln>
-                          <a:noFill/>
-                        </a:ln>
-                        <a:solidFill>
-                          <a:srgbClr val="000000"/>
-                        </a:solidFill>
-                        <a:effectLst/>
-                        <a:latin typeface="Arial" charset="0"/>
-                      </a:endParaRPr>
-                    </a:p>
-                  </a:txBody>
-                  <a:tcPr horzOverflow="overflow">
-                    <a:lnL w="12700" cap="flat" cmpd="sng" algn="ctr">
-                      <a:solidFill>
-                        <a:schemeClr val="bg1"/>
-                      </a:solidFill>
-                      <a:prstDash val="solid"/>
-                      <a:round/>
-                      <a:headEnd type="none" w="med" len="med"/>
-                      <a:tailEnd type="none" w="med" len="med"/>
-                    </a:lnL>
-                    <a:lnR w="28575" cap="flat" cmpd="sng" algn="ctr">
-                      <a:solidFill>
-                        <a:schemeClr val="bg1"/>
-                      </a:solidFill>
-                      <a:prstDash val="solid"/>
-                      <a:round/>
-                      <a:headEnd type="none" w="med" len="med"/>
-                      <a:tailEnd type="none" w="med" len="med"/>
-                    </a:lnR>
-                    <a:lnT w="28575" cap="flat" cmpd="sng" algn="ctr">
-                      <a:solidFill>
-                        <a:schemeClr val="bg1"/>
-                      </a:solidFill>
-                      <a:prstDash val="solid"/>
-                      <a:round/>
-                      <a:headEnd type="none" w="med" len="med"/>
-                      <a:tailEnd type="none" w="med" len="med"/>
-                    </a:lnT>
-                    <a:lnB w="12700" cap="flat" cmpd="sng" algn="ctr">
-                      <a:solidFill>
-                        <a:schemeClr val="bg1"/>
-                      </a:solidFill>
-                      <a:prstDash val="solid"/>
-                      <a:round/>
-                      <a:headEnd type="none" w="med" len="med"/>
-                      <a:tailEnd type="none" w="med" len="med"/>
-                    </a:lnB>
-                    <a:lnTlToBr>
-                      <a:noFill/>
-                    </a:lnTlToBr>
-                    <a:lnBlToTr>
-                      <a:noFill/>
-                    </a:lnBlToTr>
-                    <a:solidFill>
-                      <a:schemeClr val="accent1"/>
-                    </a:solidFill>
-                  </a:tcPr>
-                </a:tc>
-                <a:tc>
-                  <a:txBody>
-                    <a:bodyPr/>
-                    <a:lstStyle/>
-                    <a:p>
-                      <a:pPr marL="0" marR="0" lvl="0" indent="0" algn="l" defTabSz="914400" rtl="0" eaLnBrk="1" fontAlgn="base" latinLnBrk="0" hangingPunct="1">
-                        <a:lnSpc>
-                          <a:spcPct val="100000"/>
-                        </a:lnSpc>
-                        <a:spcBef>
-                          <a:spcPct val="20000"/>
-                        </a:spcBef>
-                        <a:spcAft>
-                          <a:spcPct val="0"/>
-                        </a:spcAft>
-                        <a:buClr>
-                          <a:srgbClr val="ED0010"/>
-                        </a:buClr>
-                        <a:buSzPct val="60000"/>
-                        <a:buFont typeface="Zapf Dingbats" charset="2"/>
-                        <a:buNone/>
-                        <a:tabLst/>
-                      </a:pPr>
-                      <a:r>
-                        <a:rPr kumimoji="0" lang="en-US" sz="2400" b="0" i="0" u="none" strike="noStrike" cap="none" normalizeH="0" baseline="0" smtClean="0">
-                          <a:ln>
-                            <a:noFill/>
-                          </a:ln>
-                          <a:solidFill>
-                            <a:srgbClr val="000000"/>
-                          </a:solidFill>
-                          <a:effectLst/>
-                          <a:latin typeface="Arial" charset="0"/>
-                        </a:rPr>
-                        <a:t>32%</a:t>
-                      </a:r>
-                    </a:p>
-                  </a:txBody>
-                  <a:tcPr horzOverflow="overflow">
-                    <a:lnL w="28575" cap="flat" cmpd="sng" algn="ctr">
-                      <a:solidFill>
-                        <a:schemeClr val="bg1"/>
-                      </a:solidFill>
-                      <a:prstDash val="solid"/>
-                      <a:round/>
-                      <a:headEnd type="none" w="med" len="med"/>
-                      <a:tailEnd type="none" w="med" len="med"/>
-                    </a:lnL>
-                    <a:lnR w="28575" cap="flat" cmpd="sng" algn="ctr">
-                      <a:solidFill>
-                        <a:schemeClr val="bg1"/>
-                      </a:solidFill>
-                      <a:prstDash val="solid"/>
-                      <a:round/>
-                      <a:headEnd type="none" w="med" len="med"/>
-                      <a:tailEnd type="none" w="med" len="med"/>
-                    </a:lnR>
-                    <a:lnT w="28575" cap="flat" cmpd="sng" algn="ctr">
-                      <a:solidFill>
-                        <a:schemeClr val="bg1"/>
-                      </a:solidFill>
-                      <a:prstDash val="solid"/>
-                      <a:round/>
-                      <a:headEnd type="none" w="med" len="med"/>
-                      <a:tailEnd type="none" w="med" len="med"/>
-                    </a:lnT>
-                    <a:lnB w="12700" cap="flat" cmpd="sng" algn="ctr">
-                      <a:solidFill>
-                        <a:schemeClr val="bg1"/>
-                      </a:solidFill>
-                      <a:prstDash val="solid"/>
-                      <a:round/>
-                      <a:headEnd type="none" w="med" len="med"/>
-                      <a:tailEnd type="none" w="med" len="med"/>
-                    </a:lnB>
-                    <a:lnTlToBr>
-                      <a:noFill/>
-                    </a:lnTlToBr>
-                    <a:lnBlToTr>
-                      <a:noFill/>
-                    </a:lnBlToTr>
-                    <a:solidFill>
-                      <a:schemeClr val="accent1"/>
-                    </a:solidFill>
-                  </a:tcPr>
-                </a:tc>
-                <a:tc>
-                  <a:txBody>
-                    <a:bodyPr/>
-                    <a:lstStyle/>
-                    <a:p>
-                      <a:pPr marL="0" marR="0" lvl="0" indent="0" algn="l" defTabSz="914400" rtl="0" eaLnBrk="1" fontAlgn="base" latinLnBrk="0" hangingPunct="1">
-                        <a:lnSpc>
-                          <a:spcPct val="100000"/>
-                        </a:lnSpc>
-                        <a:spcBef>
-                          <a:spcPct val="20000"/>
-                        </a:spcBef>
-                        <a:spcAft>
-                          <a:spcPct val="0"/>
-                        </a:spcAft>
-                        <a:buClr>
-                          <a:srgbClr val="ED0010"/>
-                        </a:buClr>
-                        <a:buSzPct val="60000"/>
-                        <a:buFont typeface="Zapf Dingbats" charset="2"/>
-                        <a:buNone/>
-                        <a:tabLst/>
-                      </a:pPr>
-                      <a:r>
-                        <a:rPr kumimoji="0" lang="en-US" sz="2400" b="0" i="0" u="none" strike="noStrike" cap="none" normalizeH="0" baseline="0" smtClean="0">
-                          <a:ln>
-                            <a:noFill/>
-                          </a:ln>
-                          <a:solidFill>
-                            <a:srgbClr val="000000"/>
-                          </a:solidFill>
-                          <a:effectLst/>
-                          <a:latin typeface="Arial" charset="0"/>
-                        </a:rPr>
-                        <a:t>30%</a:t>
-                      </a:r>
-                    </a:p>
-                  </a:txBody>
-                  <a:tcPr horzOverflow="overflow">
-                    <a:lnL w="28575" cap="flat" cmpd="sng" algn="ctr">
-                      <a:solidFill>
-                        <a:schemeClr val="bg1"/>
-                      </a:solidFill>
-                      <a:prstDash val="solid"/>
-                      <a:round/>
-                      <a:headEnd type="none" w="med" len="med"/>
-                      <a:tailEnd type="none" w="med" len="med"/>
-                    </a:lnL>
-                    <a:lnR w="28575" cap="flat" cmpd="sng" algn="ctr">
-                      <a:solidFill>
-                        <a:schemeClr val="bg1"/>
-                      </a:solidFill>
-                      <a:prstDash val="solid"/>
-                      <a:round/>
-                      <a:headEnd type="none" w="med" len="med"/>
-                      <a:tailEnd type="none" w="med" len="med"/>
-                    </a:lnR>
-                    <a:lnT w="28575" cap="flat" cmpd="sng" algn="ctr">
-                      <a:solidFill>
-                        <a:schemeClr val="bg1"/>
-                      </a:solidFill>
-                      <a:prstDash val="solid"/>
-                      <a:round/>
-                      <a:headEnd type="none" w="med" len="med"/>
-                      <a:tailEnd type="none" w="med" len="med"/>
-                    </a:lnT>
-                    <a:lnB w="12700" cap="flat" cmpd="sng" algn="ctr">
-                      <a:solidFill>
-                        <a:schemeClr val="bg1"/>
-                      </a:solidFill>
-                      <a:prstDash val="solid"/>
-                      <a:round/>
-                      <a:headEnd type="none" w="med" len="med"/>
-                      <a:tailEnd type="none" w="med" len="med"/>
-                    </a:lnB>
-                    <a:lnTlToBr>
-                      <a:noFill/>
-                    </a:lnTlToBr>
-                    <a:lnBlToTr>
-                      <a:noFill/>
-                    </a:lnBlToTr>
-                    <a:solidFill>
-                      <a:schemeClr val="accent1"/>
-                    </a:solidFill>
-                  </a:tcPr>
-                </a:tc>
-                <a:tc>
-                  <a:txBody>
-                    <a:bodyPr/>
-                    <a:lstStyle/>
-                    <a:p>
-                      <a:pPr marL="0" marR="0" lvl="0" indent="0" algn="l" defTabSz="914400" rtl="0" eaLnBrk="1" fontAlgn="base" latinLnBrk="0" hangingPunct="1">
-                        <a:lnSpc>
-                          <a:spcPct val="100000"/>
-                        </a:lnSpc>
-                        <a:spcBef>
-                          <a:spcPct val="20000"/>
-                        </a:spcBef>
-                        <a:spcAft>
-                          <a:spcPct val="0"/>
-                        </a:spcAft>
-                        <a:buClr>
-                          <a:srgbClr val="ED0010"/>
-                        </a:buClr>
-                        <a:buSzPct val="60000"/>
-                        <a:buFont typeface="Zapf Dingbats" charset="2"/>
-                        <a:buNone/>
-                        <a:tabLst/>
-                      </a:pPr>
-                      <a:r>
-                        <a:rPr kumimoji="0" lang="en-US" sz="2400" b="0" i="0" u="none" strike="noStrike" cap="none" normalizeH="0" baseline="0" smtClean="0">
-                          <a:ln>
-                            <a:noFill/>
-                          </a:ln>
-                          <a:solidFill>
-                            <a:srgbClr val="000000"/>
-                          </a:solidFill>
-                          <a:effectLst/>
-                          <a:latin typeface="Arial" charset="0"/>
-                        </a:rPr>
-                        <a:t>28%</a:t>
-                      </a:r>
-                    </a:p>
-                  </a:txBody>
-                  <a:tcPr horzOverflow="overflow">
-                    <a:lnL w="28575" cap="flat" cmpd="sng" algn="ctr">
-                      <a:solidFill>
-                        <a:schemeClr val="bg1"/>
-                      </a:solidFill>
-                      <a:prstDash val="solid"/>
-                      <a:round/>
-                      <a:headEnd type="none" w="med" len="med"/>
-                      <a:tailEnd type="none" w="med" len="med"/>
-                    </a:lnL>
-                    <a:lnR w="12700" cap="flat" cmpd="sng" algn="ctr">
-                      <a:solidFill>
-                        <a:schemeClr val="bg1"/>
-                      </a:solidFill>
-                      <a:prstDash val="solid"/>
-                      <a:round/>
-                      <a:headEnd type="none" w="med" len="med"/>
-                      <a:tailEnd type="none" w="med" len="med"/>
-                    </a:lnR>
-                    <a:lnT w="28575" cap="flat" cmpd="sng" algn="ctr">
-                      <a:solidFill>
-                        <a:schemeClr val="bg1"/>
-                      </a:solidFill>
-                      <a:prstDash val="solid"/>
-                      <a:round/>
-                      <a:headEnd type="none" w="med" len="med"/>
-                      <a:tailEnd type="none" w="med" len="med"/>
-                    </a:lnT>
-                    <a:lnB w="12700" cap="flat" cmpd="sng" algn="ctr">
-                      <a:solidFill>
-                        <a:schemeClr val="bg1"/>
-                      </a:solidFill>
-                      <a:prstDash val="solid"/>
-                      <a:round/>
-                      <a:headEnd type="none" w="med" len="med"/>
-                      <a:tailEnd type="none" w="med" len="med"/>
-                    </a:lnB>
-                    <a:lnTlToBr>
-                      <a:noFill/>
-                    </a:lnTlToBr>
-                    <a:lnBlToTr>
-                      <a:noFill/>
-                    </a:lnBlToTr>
-                    <a:solidFill>
-                      <a:schemeClr val="accent1"/>
-                    </a:solidFill>
-                  </a:tcPr>
-                </a:tc>
-              </a:tr>
-            </a:tbl>
-          </a:graphicData>
-        </a:graphic>
-      </p:graphicFrame>
-    </p:spTree>
-  </p:cSld>
-  <p:clrMapOvr>
-    <a:masterClrMapping/>
-  </p:clrMapOvr>
-  <p:timing>
-    <p:tnLst>
-      <p:par>
-        <p:cTn id="1" dur="indefinite" restart="never" nodeType="tmRoot"/>
-      </p:par>
-    </p:tnLst>
-  </p:timing>
-</p:sld>
-</file>
-
-<file path=ppt/slides/slide11.xml><?xml version="1.0" encoding="utf-8"?>
-<p:sld xmlns:a="http://schemas.openxmlformats.org/drawingml/2006/main" xmlns:r="http://schemas.openxmlformats.org/officeDocument/2006/relationships" xmlns:p="http://schemas.openxmlformats.org/presentationml/2006/main">
-  <p:cSld>
-    <p:spTree>
-      <p:nvGrpSpPr>
-        <p:cNvPr id="1" name=""/>
-        <p:cNvGrpSpPr/>
-        <p:nvPr/>
-      </p:nvGrpSpPr>
-      <p:grpSpPr>
-        <a:xfrm>
-          <a:off x="0" y="0"/>
-          <a:ext cx="0" cy="0"/>
-          <a:chOff x="0" y="0"/>
-          <a:chExt cx="0" cy="0"/>
-        </a:xfrm>
-      </p:grpSpPr>
-      <p:sp>
-        <p:nvSpPr>
-          <p:cNvPr id="5" name="Tijdelijke aanduiding voor dianummer 5"/>
-          <p:cNvSpPr>
-            <a:spLocks noGrp="1"/>
-          </p:cNvSpPr>
-          <p:nvPr>
-            <p:ph type="sldNum" sz="quarter" idx="11"/>
-          </p:nvPr>
-        </p:nvSpPr>
-        <p:spPr/>
-        <p:txBody>
-          <a:bodyPr/>
-          <a:lstStyle/>
-          <a:p>
-            <a:fld id="{E1AE7EA4-5A90-44E6-8B58-0534BBE8B606}" type="slidenum">
-              <a:rPr lang="en-US"/>
-              <a:pPr/>
-              <a:t>11</a:t>
-            </a:fld>
-            <a:endParaRPr lang="en-US"/>
-          </a:p>
-        </p:txBody>
-      </p:sp>
-      <p:sp>
-        <p:nvSpPr>
-          <p:cNvPr id="6" name="Tijdelijke aanduiding voor voettekst 6"/>
-          <p:cNvSpPr>
-            <a:spLocks noGrp="1"/>
-          </p:cNvSpPr>
-          <p:nvPr>
-            <p:ph type="ftr" sz="quarter" idx="12"/>
-          </p:nvPr>
-        </p:nvSpPr>
-        <p:spPr/>
-        <p:txBody>
-          <a:bodyPr/>
-          <a:lstStyle/>
-          <a:p>
-            <a:r>
-              <a:rPr lang="en-US"/>
-              <a:t>HU powerpoint template</a:t>
-            </a:r>
-            <a:endParaRPr lang="en-US" sz="1400"/>
-          </a:p>
-        </p:txBody>
-      </p:sp>
-      <p:sp>
-        <p:nvSpPr>
-          <p:cNvPr id="179202" name="Rectangle 2"/>
-          <p:cNvSpPr>
-            <a:spLocks noGrp="1" noChangeArrowheads="1"/>
-          </p:cNvSpPr>
-          <p:nvPr>
-            <p:ph type="title"/>
-          </p:nvPr>
-        </p:nvSpPr>
-        <p:spPr/>
-        <p:txBody>
-          <a:bodyPr/>
-          <a:lstStyle/>
-          <a:p>
-            <a:r>
-              <a:rPr lang="en-US"/>
-              <a:t>HU ppt [kop- en voetregels]</a:t>
-            </a:r>
-          </a:p>
-        </p:txBody>
-      </p:sp>
-      <p:sp>
-        <p:nvSpPr>
-          <p:cNvPr id="179203" name="Rectangle 3"/>
-          <p:cNvSpPr>
-            <a:spLocks noGrp="1" noChangeAspect="1" noChangeArrowheads="1"/>
-          </p:cNvSpPr>
-          <p:nvPr>
-            <p:ph type="body" sz="half" idx="1"/>
-          </p:nvPr>
-        </p:nvSpPr>
-        <p:spPr>
-          <a:xfrm>
-            <a:off x="457200" y="1762125"/>
-            <a:ext cx="4168775" cy="1552575"/>
-          </a:xfrm>
-        </p:spPr>
-        <p:txBody>
-          <a:bodyPr/>
-          <a:lstStyle/>
-          <a:p>
-            <a:pPr>
-              <a:buFont typeface="Zapf Dingbats" charset="2"/>
-              <a:buNone/>
-            </a:pPr>
-            <a:r>
-              <a:rPr lang="en-US" sz="2400"/>
-              <a:t>	Door ‘Footer’ te activeren in het hiernaast getoonde venster kunt u voetregels activeren</a:t>
-            </a:r>
-          </a:p>
-        </p:txBody>
-      </p:sp>
-      <p:pic>
-        <p:nvPicPr>
-          <p:cNvPr id="179209" name="Picture 9" descr="kop en voet.pdf                                                000C6298Macintosh HD                   BB707946:"/>
-          <p:cNvPicPr>
-            <a:picLocks noChangeAspect="1" noChangeArrowheads="1"/>
-          </p:cNvPicPr>
-          <p:nvPr/>
-        </p:nvPicPr>
-        <p:blipFill>
-          <a:blip r:embed="rId3" r:link="rId4" cstate="print"/>
-          <a:srcRect/>
-          <a:stretch>
-            <a:fillRect/>
-          </a:stretch>
-        </p:blipFill>
-        <p:spPr bwMode="auto">
-          <a:xfrm>
-            <a:off x="4876800" y="1828800"/>
-            <a:ext cx="3482975" cy="3657600"/>
-          </a:xfrm>
-          <a:prstGeom prst="rect">
-            <a:avLst/>
-          </a:prstGeom>
-          <a:noFill/>
-        </p:spPr>
-      </p:pic>
-    </p:spTree>
+    <p:extLst>
+      <p:ext uri="{BB962C8B-B14F-4D97-AF65-F5344CB8AC3E}">
+        <p14:creationId xmlns:p14="http://schemas.microsoft.com/office/powerpoint/2010/main" val="2509182502"/>
+      </p:ext>
+    </p:extLst>
   </p:cSld>
   <p:clrMapOvr>
     <a:masterClrMapping/>
@@ -8710,9 +5547,9 @@
       </p:grpSpPr>
       <p:sp>
         <p:nvSpPr>
-          <p:cNvPr id="164866" name="Rectangle 2"/>
-          <p:cNvSpPr>
-            <a:spLocks noGrp="1" noChangeArrowheads="1"/>
+          <p:cNvPr id="2" name="Titel 1"/>
+          <p:cNvSpPr>
+            <a:spLocks noGrp="1"/>
           </p:cNvSpPr>
           <p:nvPr>
             <p:ph type="title"/>
@@ -8724,66 +5561,110 @@
           <a:lstStyle/>
           <a:p>
             <a:r>
-              <a:rPr lang="en-US"/>
-              <a:t>HU-ppt [bullets 1 kolom]</a:t>
-            </a:r>
-          </a:p>
-        </p:txBody>
-      </p:sp>
-      <p:sp>
-        <p:nvSpPr>
-          <p:cNvPr id="164867" name="Rectangle 3"/>
-          <p:cNvSpPr>
-            <a:spLocks noGrp="1" noChangeAspect="1" noChangeArrowheads="1"/>
-          </p:cNvSpPr>
-          <p:nvPr>
-            <p:ph type="body" idx="1"/>
-          </p:nvPr>
-        </p:nvSpPr>
+              <a:rPr lang="nl-NL" dirty="0" smtClean="0"/>
+              <a:t>Check-in</a:t>
+            </a:r>
+            <a:endParaRPr lang="nl-NL" dirty="0"/>
+          </a:p>
+        </p:txBody>
+      </p:sp>
+      <p:sp>
+        <p:nvSpPr>
+          <p:cNvPr id="9" name="Tijdelijke aanduiding voor inhoud 8"/>
+          <p:cNvSpPr>
+            <a:spLocks noGrp="1"/>
+          </p:cNvSpPr>
+          <p:nvPr>
+            <p:ph idx="1"/>
+          </p:nvPr>
+        </p:nvSpPr>
+        <p:spPr/>
+        <p:txBody>
+          <a:bodyPr/>
+          <a:lstStyle/>
+          <a:p>
+            <a:endParaRPr lang="nl-NL"/>
+          </a:p>
+        </p:txBody>
+      </p:sp>
+      <p:pic>
+        <p:nvPicPr>
+          <p:cNvPr id="12" name="Afbeelding 11"/>
+          <p:cNvPicPr>
+            <a:picLocks noChangeAspect="1"/>
+          </p:cNvPicPr>
+          <p:nvPr/>
+        </p:nvPicPr>
+        <p:blipFill>
+          <a:blip r:embed="rId2"/>
+          <a:stretch>
+            <a:fillRect/>
+          </a:stretch>
+        </p:blipFill>
         <p:spPr>
           <a:xfrm>
-            <a:off x="762000" y="1762125"/>
-            <a:ext cx="7881938" cy="1947863"/>
+            <a:off x="6156176" y="2492896"/>
+            <a:ext cx="2253070" cy="2016224"/>
           </a:xfrm>
+          <a:prstGeom prst="rect">
+            <a:avLst/>
+          </a:prstGeom>
         </p:spPr>
-        <p:txBody>
-          <a:bodyPr/>
-          <a:lstStyle/>
-          <a:p>
-            <a:pPr>
-              <a:buClr>
-                <a:schemeClr val="accent2"/>
-              </a:buClr>
-            </a:pPr>
-            <a:r>
-              <a:rPr lang="en-US"/>
-              <a:t>HU huisstijl kernbegrippen </a:t>
-            </a:r>
-          </a:p>
-          <a:p>
-            <a:pPr lvl="1"/>
-            <a:r>
-              <a:rPr lang="en-US"/>
-              <a:t>krachtig</a:t>
-            </a:r>
-          </a:p>
-          <a:p>
-            <a:pPr lvl="1"/>
-            <a:r>
-              <a:rPr lang="en-US"/>
-              <a:t>vriendelijk</a:t>
-            </a:r>
-          </a:p>
-          <a:p>
-            <a:pPr lvl="1"/>
-            <a:r>
-              <a:rPr lang="en-US"/>
-              <a:t>helder</a:t>
-            </a:r>
-          </a:p>
-        </p:txBody>
-      </p:sp>
+      </p:pic>
+      <p:pic>
+        <p:nvPicPr>
+          <p:cNvPr id="13" name="Afbeelding 12"/>
+          <p:cNvPicPr>
+            <a:picLocks noChangeAspect="1"/>
+          </p:cNvPicPr>
+          <p:nvPr/>
+        </p:nvPicPr>
+        <p:blipFill>
+          <a:blip r:embed="rId3"/>
+          <a:stretch>
+            <a:fillRect/>
+          </a:stretch>
+        </p:blipFill>
+        <p:spPr>
+          <a:xfrm>
+            <a:off x="3491880" y="2616786"/>
+            <a:ext cx="2129219" cy="1988089"/>
+          </a:xfrm>
+          <a:prstGeom prst="rect">
+            <a:avLst/>
+          </a:prstGeom>
+        </p:spPr>
+      </p:pic>
+      <p:pic>
+        <p:nvPicPr>
+          <p:cNvPr id="14" name="Afbeelding 13"/>
+          <p:cNvPicPr>
+            <a:picLocks noChangeAspect="1"/>
+          </p:cNvPicPr>
+          <p:nvPr/>
+        </p:nvPicPr>
+        <p:blipFill>
+          <a:blip r:embed="rId4"/>
+          <a:stretch>
+            <a:fillRect/>
+          </a:stretch>
+        </p:blipFill>
+        <p:spPr>
+          <a:xfrm>
+            <a:off x="869217" y="2712543"/>
+            <a:ext cx="1873659" cy="1796577"/>
+          </a:xfrm>
+          <a:prstGeom prst="rect">
+            <a:avLst/>
+          </a:prstGeom>
+        </p:spPr>
+      </p:pic>
     </p:spTree>
+    <p:extLst>
+      <p:ext uri="{BB962C8B-B14F-4D97-AF65-F5344CB8AC3E}">
+        <p14:creationId xmlns:p14="http://schemas.microsoft.com/office/powerpoint/2010/main" val="98998698"/>
+      </p:ext>
+    </p:extLst>
   </p:cSld>
   <p:clrMapOvr>
     <a:masterClrMapping/>
@@ -8817,9 +5698,9 @@
       </p:grpSpPr>
       <p:sp>
         <p:nvSpPr>
-          <p:cNvPr id="165890" name="Rectangle 2"/>
-          <p:cNvSpPr>
-            <a:spLocks noGrp="1" noChangeArrowheads="1"/>
+          <p:cNvPr id="2" name="Titel 1"/>
+          <p:cNvSpPr>
+            <a:spLocks noGrp="1"/>
           </p:cNvSpPr>
           <p:nvPr>
             <p:ph type="title"/>
@@ -8831,240 +5712,42 @@
           <a:lstStyle/>
           <a:p>
             <a:r>
-              <a:rPr lang="en-US"/>
-              <a:t>HU-ppt [bullets 2 kolommen]</a:t>
-            </a:r>
-          </a:p>
-        </p:txBody>
-      </p:sp>
-      <p:sp>
-        <p:nvSpPr>
-          <p:cNvPr id="165891" name="Rectangle 3"/>
-          <p:cNvSpPr>
-            <a:spLocks noGrp="1" noChangeAspect="1" noChangeArrowheads="1"/>
-          </p:cNvSpPr>
-          <p:nvPr>
-            <p:ph type="body" sz="half" idx="1"/>
-          </p:nvPr>
-        </p:nvSpPr>
-        <p:spPr>
-          <a:xfrm>
-            <a:off x="762000" y="1762125"/>
-            <a:ext cx="3863975" cy="2465388"/>
-          </a:xfrm>
-        </p:spPr>
+              <a:rPr lang="nl-NL" dirty="0" smtClean="0"/>
+              <a:t>Intro</a:t>
+            </a:r>
+            <a:endParaRPr lang="nl-NL" dirty="0"/>
+          </a:p>
+        </p:txBody>
+      </p:sp>
+      <p:sp>
+        <p:nvSpPr>
+          <p:cNvPr id="3" name="Tijdelijke aanduiding voor inhoud 2"/>
+          <p:cNvSpPr>
+            <a:spLocks noGrp="1"/>
+          </p:cNvSpPr>
+          <p:nvPr>
+            <p:ph idx="1"/>
+          </p:nvPr>
+        </p:nvSpPr>
+        <p:spPr/>
         <p:txBody>
           <a:bodyPr/>
           <a:lstStyle/>
           <a:p>
-            <a:pPr>
-              <a:buClr>
-                <a:schemeClr val="accent2"/>
-              </a:buClr>
-            </a:pPr>
-            <a:r>
-              <a:rPr lang="en-US" sz="2400"/>
-              <a:t>HU Blauw</a:t>
-            </a:r>
-          </a:p>
-          <a:p>
-            <a:pPr lvl="1"/>
-            <a:r>
-              <a:rPr lang="en-US" sz="2200"/>
-              <a:t>PMS 639</a:t>
-            </a:r>
-          </a:p>
-          <a:p>
-            <a:pPr lvl="1"/>
-            <a:r>
-              <a:rPr lang="en-US" sz="2200"/>
-              <a:t>CMYK 100/0/5/5</a:t>
-            </a:r>
-          </a:p>
-          <a:p>
-            <a:pPr lvl="1"/>
-            <a:r>
-              <a:rPr lang="en-US" sz="2200"/>
-              <a:t>RGB 0/160/210</a:t>
-            </a:r>
-          </a:p>
-          <a:p>
-            <a:pPr lvl="1"/>
-            <a:r>
-              <a:rPr lang="en-US" sz="2200"/>
-              <a:t>RAL Himmelblau</a:t>
-            </a:r>
-          </a:p>
-          <a:p>
-            <a:pPr lvl="1"/>
-            <a:endParaRPr lang="en-US" sz="2200"/>
-          </a:p>
-        </p:txBody>
-      </p:sp>
-      <p:sp>
-        <p:nvSpPr>
-          <p:cNvPr id="165892" name="Rectangle 4"/>
-          <p:cNvSpPr>
-            <a:spLocks noGrp="1" noChangeAspect="1" noChangeArrowheads="1"/>
-          </p:cNvSpPr>
-          <p:nvPr>
-            <p:ph type="body" sz="half" idx="2"/>
-          </p:nvPr>
-        </p:nvSpPr>
-        <p:spPr>
-          <a:xfrm>
-            <a:off x="4778375" y="1762125"/>
-            <a:ext cx="3865563" cy="2063750"/>
-          </a:xfrm>
-        </p:spPr>
-        <p:txBody>
-          <a:bodyPr/>
-          <a:lstStyle/>
-          <a:p>
-            <a:pPr>
-              <a:buClr>
-                <a:schemeClr val="accent2"/>
-              </a:buClr>
-            </a:pPr>
-            <a:r>
-              <a:rPr lang="en-US" sz="2400"/>
-              <a:t>HU Rood</a:t>
-            </a:r>
-          </a:p>
-          <a:p>
-            <a:pPr lvl="1"/>
-            <a:r>
-              <a:rPr lang="en-US" sz="2200"/>
-              <a:t>PMS 485</a:t>
-            </a:r>
-          </a:p>
-          <a:p>
-            <a:pPr lvl="1"/>
-            <a:r>
-              <a:rPr lang="en-US" sz="2200"/>
-              <a:t>CMYK 0/85/100/0</a:t>
-            </a:r>
-          </a:p>
-          <a:p>
-            <a:pPr lvl="1"/>
-            <a:r>
-              <a:rPr lang="en-US" sz="2200"/>
-              <a:t>RGB 237/0/16</a:t>
-            </a:r>
-          </a:p>
-          <a:p>
-            <a:pPr lvl="1"/>
-            <a:r>
-              <a:rPr lang="en-US" sz="2200"/>
-              <a:t>RAL 2002 Blutorange</a:t>
-            </a:r>
-          </a:p>
-        </p:txBody>
-      </p:sp>
-      <p:sp>
-        <p:nvSpPr>
-          <p:cNvPr id="165893" name="Rectangle 5"/>
-          <p:cNvSpPr>
-            <a:spLocks noChangeArrowheads="1"/>
-          </p:cNvSpPr>
-          <p:nvPr/>
-        </p:nvSpPr>
-        <p:spPr bwMode="auto">
-          <a:xfrm>
-            <a:off x="914400" y="4114800"/>
-            <a:ext cx="2133600" cy="2133600"/>
-          </a:xfrm>
-          <a:prstGeom prst="rect">
-            <a:avLst/>
-          </a:prstGeom>
-          <a:solidFill>
-            <a:schemeClr val="bg1"/>
-          </a:solidFill>
-          <a:ln w="9525">
-            <a:solidFill>
-              <a:schemeClr val="tx1"/>
-            </a:solidFill>
-            <a:miter lim="800000"/>
-            <a:headEnd/>
-            <a:tailEnd/>
-          </a:ln>
-          <a:effectLst>
-            <a:outerShdw dist="35921" dir="2700000" algn="ctr" rotWithShape="0">
-              <a:schemeClr val="bg2"/>
-            </a:outerShdw>
-          </a:effectLst>
-        </p:spPr>
-        <p:txBody>
-          <a:bodyPr wrap="none" anchor="ctr"/>
-          <a:lstStyle/>
-          <a:p>
-            <a:pPr algn="ctr"/>
-            <a:endParaRPr lang="nl-NL">
-              <a:solidFill>
-                <a:schemeClr val="accent2"/>
-              </a:solidFill>
-            </a:endParaRPr>
-          </a:p>
-        </p:txBody>
-      </p:sp>
-      <p:sp>
-        <p:nvSpPr>
-          <p:cNvPr id="165895" name="Rectangle 7"/>
-          <p:cNvSpPr>
-            <a:spLocks noChangeArrowheads="1"/>
-          </p:cNvSpPr>
-          <p:nvPr/>
-        </p:nvSpPr>
-        <p:spPr bwMode="auto">
-          <a:xfrm>
-            <a:off x="4876800" y="4114800"/>
-            <a:ext cx="2133600" cy="2133600"/>
-          </a:xfrm>
-          <a:prstGeom prst="rect">
-            <a:avLst/>
-          </a:prstGeom>
-          <a:solidFill>
-            <a:schemeClr val="accent2"/>
-          </a:solidFill>
-          <a:ln w="9525">
-            <a:solidFill>
-              <a:schemeClr val="accent2"/>
-            </a:solidFill>
-            <a:miter lim="800000"/>
-            <a:headEnd/>
-            <a:tailEnd/>
-          </a:ln>
-          <a:effectLst>
-            <a:outerShdw dist="35921" dir="2700000" algn="ctr" rotWithShape="0">
-              <a:schemeClr val="bg2"/>
-            </a:outerShdw>
-          </a:effectLst>
-        </p:spPr>
-        <p:txBody>
-          <a:bodyPr wrap="none" anchor="ctr"/>
-          <a:lstStyle/>
-          <a:p>
-            <a:pPr algn="ctr"/>
-            <a:endParaRPr lang="nl-NL">
-              <a:solidFill>
-                <a:schemeClr val="accent2"/>
-              </a:solidFill>
-            </a:endParaRPr>
+            <a:endParaRPr lang="nl-NL"/>
           </a:p>
         </p:txBody>
       </p:sp>
     </p:spTree>
+    <p:extLst>
+      <p:ext uri="{BB962C8B-B14F-4D97-AF65-F5344CB8AC3E}">
+        <p14:creationId xmlns:p14="http://schemas.microsoft.com/office/powerpoint/2010/main" val="3850590273"/>
+      </p:ext>
+    </p:extLst>
   </p:cSld>
   <p:clrMapOvr>
     <a:masterClrMapping/>
   </p:clrMapOvr>
-  <p:timing>
-    <p:tnLst>
-      <p:par>
-        <p:cTn id="1" dur="indefinite" restart="never" nodeType="tmRoot"/>
-      </p:par>
-    </p:tnLst>
-  </p:timing>
 </p:sld>
 </file>
 
@@ -9087,9 +5770,9 @@
       </p:grpSpPr>
       <p:sp>
         <p:nvSpPr>
-          <p:cNvPr id="166914" name="Rectangle 2"/>
-          <p:cNvSpPr>
-            <a:spLocks noGrp="1" noChangeArrowheads="1"/>
+          <p:cNvPr id="2" name="Titel 1"/>
+          <p:cNvSpPr>
+            <a:spLocks noGrp="1"/>
           </p:cNvSpPr>
           <p:nvPr>
             <p:ph type="title"/>
@@ -9101,82 +5784,42 @@
           <a:lstStyle/>
           <a:p>
             <a:r>
-              <a:rPr lang="en-US"/>
-              <a:t>Hu ppt [fotografie]</a:t>
-            </a:r>
-          </a:p>
-        </p:txBody>
-      </p:sp>
-      <p:sp>
-        <p:nvSpPr>
-          <p:cNvPr id="166915" name="Rectangle 3"/>
-          <p:cNvSpPr>
-            <a:spLocks noGrp="1" noChangeAspect="1" noChangeArrowheads="1"/>
-          </p:cNvSpPr>
-          <p:nvPr>
-            <p:ph type="body" idx="1"/>
-          </p:nvPr>
-        </p:nvSpPr>
-        <p:spPr>
-          <a:xfrm>
-            <a:off x="3962400" y="3206750"/>
-            <a:ext cx="3843338" cy="946150"/>
-          </a:xfrm>
-          <a:noFill/>
-        </p:spPr>
+              <a:rPr lang="nl-NL" dirty="0" smtClean="0"/>
+              <a:t>Feedback</a:t>
+            </a:r>
+            <a:endParaRPr lang="nl-NL" dirty="0"/>
+          </a:p>
+        </p:txBody>
+      </p:sp>
+      <p:sp>
+        <p:nvSpPr>
+          <p:cNvPr id="3" name="Tijdelijke aanduiding voor inhoud 2"/>
+          <p:cNvSpPr>
+            <a:spLocks noGrp="1"/>
+          </p:cNvSpPr>
+          <p:nvPr>
+            <p:ph idx="1"/>
+          </p:nvPr>
+        </p:nvSpPr>
+        <p:spPr/>
         <p:txBody>
           <a:bodyPr/>
           <a:lstStyle/>
           <a:p>
-            <a:pPr>
-              <a:buFont typeface="Zapf Dingbats" charset="2"/>
-              <a:buNone/>
-            </a:pPr>
-            <a:r>
-              <a:rPr lang="en-US"/>
-              <a:t>	foto’s bij voorkeur aflopend plaatsen</a:t>
-            </a:r>
-          </a:p>
-        </p:txBody>
-      </p:sp>
-      <p:pic>
-        <p:nvPicPr>
-          <p:cNvPr id="166923" name="Picture 11" descr="fotografie.pdf                                                 000C6298Macintosh HD                   BB707946:"/>
-          <p:cNvPicPr>
-            <a:picLocks noChangeAspect="1" noChangeArrowheads="1"/>
-          </p:cNvPicPr>
-          <p:nvPr/>
-        </p:nvPicPr>
-        <p:blipFill>
-          <a:blip r:embed="rId3" r:link="rId4" cstate="print"/>
-          <a:srcRect/>
-          <a:stretch>
-            <a:fillRect/>
-          </a:stretch>
-        </p:blipFill>
-        <p:spPr bwMode="auto">
-          <a:xfrm>
-            <a:off x="-63500" y="1371600"/>
-            <a:ext cx="3949700" cy="5715000"/>
-          </a:xfrm>
-          <a:prstGeom prst="rect">
-            <a:avLst/>
-          </a:prstGeom>
-          <a:noFill/>
-        </p:spPr>
-      </p:pic>
+            <a:endParaRPr lang="nl-NL"/>
+          </a:p>
+        </p:txBody>
+      </p:sp>
     </p:spTree>
+    <p:extLst>
+      <p:ext uri="{BB962C8B-B14F-4D97-AF65-F5344CB8AC3E}">
+        <p14:creationId xmlns:p14="http://schemas.microsoft.com/office/powerpoint/2010/main" val="3095502339"/>
+      </p:ext>
+    </p:extLst>
   </p:cSld>
   <p:clrMapOvr>
     <a:masterClrMapping/>
   </p:clrMapOvr>
-  <p:timing>
-    <p:tnLst>
-      <p:par>
-        <p:cTn id="1" dur="indefinite" restart="never" nodeType="tmRoot"/>
-      </p:par>
-    </p:tnLst>
-  </p:timing>
 </p:sld>
 </file>
 
@@ -9199,9 +5842,9 @@
       </p:grpSpPr>
       <p:sp>
         <p:nvSpPr>
-          <p:cNvPr id="169986" name="Rectangle 2"/>
-          <p:cNvSpPr>
-            <a:spLocks noGrp="1" noChangeArrowheads="1"/>
+          <p:cNvPr id="2" name="Titel 1"/>
+          <p:cNvSpPr>
+            <a:spLocks noGrp="1"/>
           </p:cNvSpPr>
           <p:nvPr>
             <p:ph type="title"/>
@@ -9213,558 +5856,42 @@
           <a:lstStyle/>
           <a:p>
             <a:r>
-              <a:rPr lang="en-US"/>
-              <a:t>HU ppt kleurenschema</a:t>
-            </a:r>
-          </a:p>
-        </p:txBody>
-      </p:sp>
-      <p:sp>
-        <p:nvSpPr>
-          <p:cNvPr id="169988" name="Rectangle 4"/>
-          <p:cNvSpPr>
-            <a:spLocks noGrp="1" noChangeAspect="1" noChangeArrowheads="1"/>
-          </p:cNvSpPr>
-          <p:nvPr>
-            <p:ph type="body" sz="half" idx="2"/>
-          </p:nvPr>
-        </p:nvSpPr>
-        <p:spPr>
-          <a:xfrm>
-            <a:off x="4191000" y="3111500"/>
-            <a:ext cx="4724400" cy="1552575"/>
-          </a:xfrm>
-        </p:spPr>
+              <a:rPr lang="nl-NL" dirty="0" smtClean="0"/>
+              <a:t>Topics</a:t>
+            </a:r>
+            <a:endParaRPr lang="nl-NL" dirty="0"/>
+          </a:p>
+        </p:txBody>
+      </p:sp>
+      <p:sp>
+        <p:nvSpPr>
+          <p:cNvPr id="3" name="Tijdelijke aanduiding voor inhoud 2"/>
+          <p:cNvSpPr>
+            <a:spLocks noGrp="1"/>
+          </p:cNvSpPr>
+          <p:nvPr>
+            <p:ph idx="1"/>
+          </p:nvPr>
+        </p:nvSpPr>
+        <p:spPr/>
         <p:txBody>
           <a:bodyPr/>
           <a:lstStyle/>
           <a:p>
-            <a:pPr>
-              <a:buClr>
-                <a:schemeClr val="tx1"/>
-              </a:buClr>
-              <a:buSzPct val="70000"/>
-              <a:buFont typeface="Wingdings" pitchFamily="2" charset="2"/>
-              <a:buNone/>
-            </a:pPr>
-            <a:r>
-              <a:rPr lang="en-US" sz="2400"/>
-              <a:t>	Het hiernaast weergegeven kleurenschema is in de        HU-template ingesteld als voorkeursschema</a:t>
-            </a:r>
-          </a:p>
-        </p:txBody>
-      </p:sp>
-      <p:pic>
-        <p:nvPicPr>
-          <p:cNvPr id="169993" name="Picture 9" descr="kleurenschema.pdf                                              000C6298Macintosh HD                   BB707946:"/>
-          <p:cNvPicPr>
-            <a:picLocks noGrp="1" noChangeAspect="1" noChangeArrowheads="1"/>
-          </p:cNvPicPr>
-          <p:nvPr>
-            <p:ph sz="half" idx="1"/>
-          </p:nvPr>
-        </p:nvPicPr>
-        <p:blipFill>
-          <a:blip r:embed="rId3" r:link="rId4" cstate="print"/>
-          <a:srcRect/>
-          <a:stretch>
-            <a:fillRect/>
-          </a:stretch>
-        </p:blipFill>
-        <p:spPr>
-          <a:xfrm>
-            <a:off x="928688" y="1752600"/>
-            <a:ext cx="3262312" cy="3810000"/>
-          </a:xfrm>
-        </p:spPr>
-      </p:pic>
+            <a:endParaRPr lang="nl-NL" dirty="0"/>
+          </a:p>
+        </p:txBody>
+      </p:sp>
     </p:spTree>
+    <p:extLst>
+      <p:ext uri="{BB962C8B-B14F-4D97-AF65-F5344CB8AC3E}">
+        <p14:creationId xmlns:p14="http://schemas.microsoft.com/office/powerpoint/2010/main" val="3178313802"/>
+      </p:ext>
+    </p:extLst>
   </p:cSld>
   <p:clrMapOvr>
     <a:masterClrMapping/>
   </p:clrMapOvr>
-  <p:timing>
-    <p:tnLst>
-      <p:par>
-        <p:cTn id="1" dur="indefinite" restart="never" nodeType="tmRoot"/>
-      </p:par>
-    </p:tnLst>
-  </p:timing>
-</p:sld>
-</file>
-
-<file path=ppt/slides/slide6.xml><?xml version="1.0" encoding="utf-8"?>
-<p:sld xmlns:a="http://schemas.openxmlformats.org/drawingml/2006/main" xmlns:r="http://schemas.openxmlformats.org/officeDocument/2006/relationships" xmlns:p="http://schemas.openxmlformats.org/presentationml/2006/main">
-  <p:cSld>
-    <p:spTree>
-      <p:nvGrpSpPr>
-        <p:cNvPr id="1" name=""/>
-        <p:cNvGrpSpPr/>
-        <p:nvPr/>
-      </p:nvGrpSpPr>
-      <p:grpSpPr>
-        <a:xfrm>
-          <a:off x="0" y="0"/>
-          <a:ext cx="0" cy="0"/>
-          <a:chOff x="0" y="0"/>
-          <a:chExt cx="0" cy="0"/>
-        </a:xfrm>
-      </p:grpSpPr>
-      <p:sp>
-        <p:nvSpPr>
-          <p:cNvPr id="171010" name="Rectangle 2"/>
-          <p:cNvSpPr>
-            <a:spLocks noGrp="1" noChangeArrowheads="1"/>
-          </p:cNvSpPr>
-          <p:nvPr>
-            <p:ph type="title"/>
-          </p:nvPr>
-        </p:nvSpPr>
-        <p:spPr/>
-        <p:txBody>
-          <a:bodyPr/>
-          <a:lstStyle/>
-          <a:p>
-            <a:r>
-              <a:rPr lang="en-US"/>
-              <a:t>HU ppt [taart]</a:t>
-            </a:r>
-          </a:p>
-        </p:txBody>
-      </p:sp>
-      <p:graphicFrame>
-        <p:nvGraphicFramePr>
-          <p:cNvPr id="171011" name="Object 3"/>
-          <p:cNvGraphicFramePr>
-            <a:graphicFrameLocks noChangeAspect="1"/>
-          </p:cNvGraphicFramePr>
-          <p:nvPr>
-            <p:ph type="chart" sz="half" idx="1"/>
-          </p:nvPr>
-        </p:nvGraphicFramePr>
-        <p:xfrm>
-          <a:off x="-1219200" y="1219200"/>
-          <a:ext cx="5943600" cy="3406775"/>
-        </p:xfrm>
-        <a:graphic>
-          <a:graphicData uri="http://schemas.openxmlformats.org/presentationml/2006/ole">
-            <p:oleObj spid="_x0000_s171011" name="Chart" r:id="rId4" imgW="8991600" imgH="5152934" progId="MSGraph.Chart.8">
-              <p:embed followColorScheme="full"/>
-            </p:oleObj>
-          </a:graphicData>
-        </a:graphic>
-      </p:graphicFrame>
-      <p:sp>
-        <p:nvSpPr>
-          <p:cNvPr id="171012" name="Rectangle 4"/>
-          <p:cNvSpPr>
-            <a:spLocks noGrp="1" noChangeAspect="1" noChangeArrowheads="1"/>
-          </p:cNvSpPr>
-          <p:nvPr>
-            <p:ph type="body" sz="half" idx="2"/>
-          </p:nvPr>
-        </p:nvSpPr>
-        <p:spPr>
-          <a:xfrm>
-            <a:off x="381000" y="4953000"/>
-            <a:ext cx="8262938" cy="822325"/>
-          </a:xfrm>
-        </p:spPr>
-        <p:txBody>
-          <a:bodyPr/>
-          <a:lstStyle/>
-          <a:p>
-            <a:pPr>
-              <a:buFont typeface="Zapf Dingbats" charset="2"/>
-              <a:buNone/>
-            </a:pPr>
-            <a:r>
-              <a:rPr lang="en-US" sz="2400"/>
-              <a:t>	Door dubbel te klikken op de ‘taart’ kunt u deze toevoegen aan uw persoonlijke voorkeuren</a:t>
-            </a:r>
-          </a:p>
-        </p:txBody>
-      </p:sp>
-      <p:pic>
-        <p:nvPicPr>
-          <p:cNvPr id="171015" name="Picture 7" descr="hu-taart.pdf                                                   000C6298Macintosh HD                   BB707946:"/>
-          <p:cNvPicPr>
-            <a:picLocks noChangeAspect="1" noChangeArrowheads="1"/>
-          </p:cNvPicPr>
-          <p:nvPr/>
-        </p:nvPicPr>
-        <p:blipFill>
-          <a:blip r:embed="rId5" r:link="rId6" cstate="print"/>
-          <a:srcRect/>
-          <a:stretch>
-            <a:fillRect/>
-          </a:stretch>
-        </p:blipFill>
-        <p:spPr bwMode="auto">
-          <a:xfrm>
-            <a:off x="4953000" y="1828800"/>
-            <a:ext cx="2328863" cy="2514600"/>
-          </a:xfrm>
-          <a:prstGeom prst="rect">
-            <a:avLst/>
-          </a:prstGeom>
-          <a:noFill/>
-        </p:spPr>
-      </p:pic>
-    </p:spTree>
-  </p:cSld>
-  <p:clrMapOvr>
-    <a:masterClrMapping/>
-  </p:clrMapOvr>
-  <p:timing>
-    <p:tnLst>
-      <p:par>
-        <p:cTn id="1" dur="indefinite" restart="never" nodeType="tmRoot"/>
-      </p:par>
-    </p:tnLst>
-  </p:timing>
-</p:sld>
-</file>
-
-<file path=ppt/slides/slide7.xml><?xml version="1.0" encoding="utf-8"?>
-<p:sld xmlns:a="http://schemas.openxmlformats.org/drawingml/2006/main" xmlns:r="http://schemas.openxmlformats.org/officeDocument/2006/relationships" xmlns:p="http://schemas.openxmlformats.org/presentationml/2006/main">
-  <p:cSld>
-    <p:spTree>
-      <p:nvGrpSpPr>
-        <p:cNvPr id="1" name=""/>
-        <p:cNvGrpSpPr/>
-        <p:nvPr/>
-      </p:nvGrpSpPr>
-      <p:grpSpPr>
-        <a:xfrm>
-          <a:off x="0" y="0"/>
-          <a:ext cx="0" cy="0"/>
-          <a:chOff x="0" y="0"/>
-          <a:chExt cx="0" cy="0"/>
-        </a:xfrm>
-      </p:grpSpPr>
-      <p:sp>
-        <p:nvSpPr>
-          <p:cNvPr id="172034" name="Rectangle 2"/>
-          <p:cNvSpPr>
-            <a:spLocks noGrp="1" noChangeArrowheads="1"/>
-          </p:cNvSpPr>
-          <p:nvPr>
-            <p:ph type="title"/>
-          </p:nvPr>
-        </p:nvSpPr>
-        <p:spPr/>
-        <p:txBody>
-          <a:bodyPr/>
-          <a:lstStyle/>
-          <a:p>
-            <a:r>
-              <a:rPr lang="en-US"/>
-              <a:t>HU ppt [staaf]</a:t>
-            </a:r>
-          </a:p>
-        </p:txBody>
-      </p:sp>
-      <p:graphicFrame>
-        <p:nvGraphicFramePr>
-          <p:cNvPr id="172035" name="Object 3"/>
-          <p:cNvGraphicFramePr>
-            <a:graphicFrameLocks noChangeAspect="1"/>
-          </p:cNvGraphicFramePr>
-          <p:nvPr>
-            <p:ph type="chart" sz="half" idx="1"/>
-          </p:nvPr>
-        </p:nvGraphicFramePr>
-        <p:xfrm>
-          <a:off x="-1295400" y="1681163"/>
-          <a:ext cx="6096000" cy="3494087"/>
-        </p:xfrm>
-        <a:graphic>
-          <a:graphicData uri="http://schemas.openxmlformats.org/presentationml/2006/ole">
-            <p:oleObj spid="_x0000_s172035" name="Chart" r:id="rId4" imgW="8991600" imgH="5152934" progId="MSGraph.Chart.8">
-              <p:embed followColorScheme="full"/>
-            </p:oleObj>
-          </a:graphicData>
-        </a:graphic>
-      </p:graphicFrame>
-      <p:sp>
-        <p:nvSpPr>
-          <p:cNvPr id="172036" name="Rectangle 4"/>
-          <p:cNvSpPr>
-            <a:spLocks noGrp="1" noChangeAspect="1" noChangeArrowheads="1"/>
-          </p:cNvSpPr>
-          <p:nvPr>
-            <p:ph type="body" sz="half" idx="2"/>
-          </p:nvPr>
-        </p:nvSpPr>
-        <p:spPr>
-          <a:xfrm>
-            <a:off x="457200" y="4953000"/>
-            <a:ext cx="8262938" cy="822325"/>
-          </a:xfrm>
-        </p:spPr>
-        <p:txBody>
-          <a:bodyPr/>
-          <a:lstStyle/>
-          <a:p>
-            <a:pPr>
-              <a:buFont typeface="Zapf Dingbats" charset="2"/>
-              <a:buNone/>
-            </a:pPr>
-            <a:r>
-              <a:rPr lang="en-US" sz="2400"/>
-              <a:t>	Door dubbel te klikken op de ‘staafdiagram’ kunt u deze toevoegen aan uw persoonlijke voorkeuren</a:t>
-            </a:r>
-          </a:p>
-        </p:txBody>
-      </p:sp>
-      <p:pic>
-        <p:nvPicPr>
-          <p:cNvPr id="172040" name="Picture 8" descr=" staaf.pdf                                                      000C6298Macintosh HD                   BB707946:"/>
-          <p:cNvPicPr>
-            <a:picLocks noChangeAspect="1" noChangeArrowheads="1"/>
-          </p:cNvPicPr>
-          <p:nvPr/>
-        </p:nvPicPr>
-        <p:blipFill>
-          <a:blip r:embed="rId5" r:link="rId6" cstate="print"/>
-          <a:srcRect/>
-          <a:stretch>
-            <a:fillRect/>
-          </a:stretch>
-        </p:blipFill>
-        <p:spPr bwMode="auto">
-          <a:xfrm>
-            <a:off x="4953000" y="1828800"/>
-            <a:ext cx="2654300" cy="2819400"/>
-          </a:xfrm>
-          <a:prstGeom prst="rect">
-            <a:avLst/>
-          </a:prstGeom>
-          <a:noFill/>
-        </p:spPr>
-      </p:pic>
-    </p:spTree>
-  </p:cSld>
-  <p:clrMapOvr>
-    <a:masterClrMapping/>
-  </p:clrMapOvr>
-  <p:timing>
-    <p:tnLst>
-      <p:par>
-        <p:cTn id="1" dur="indefinite" restart="never" nodeType="tmRoot"/>
-      </p:par>
-    </p:tnLst>
-  </p:timing>
-</p:sld>
-</file>
-
-<file path=ppt/slides/slide8.xml><?xml version="1.0" encoding="utf-8"?>
-<p:sld xmlns:a="http://schemas.openxmlformats.org/drawingml/2006/main" xmlns:r="http://schemas.openxmlformats.org/officeDocument/2006/relationships" xmlns:p="http://schemas.openxmlformats.org/presentationml/2006/main">
-  <p:cSld>
-    <p:spTree>
-      <p:nvGrpSpPr>
-        <p:cNvPr id="1" name=""/>
-        <p:cNvGrpSpPr/>
-        <p:nvPr/>
-      </p:nvGrpSpPr>
-      <p:grpSpPr>
-        <a:xfrm>
-          <a:off x="0" y="0"/>
-          <a:ext cx="0" cy="0"/>
-          <a:chOff x="0" y="0"/>
-          <a:chExt cx="0" cy="0"/>
-        </a:xfrm>
-      </p:grpSpPr>
-      <p:sp>
-        <p:nvSpPr>
-          <p:cNvPr id="173058" name="Rectangle 2"/>
-          <p:cNvSpPr>
-            <a:spLocks noGrp="1" noChangeArrowheads="1"/>
-          </p:cNvSpPr>
-          <p:nvPr>
-            <p:ph type="title"/>
-          </p:nvPr>
-        </p:nvSpPr>
-        <p:spPr/>
-        <p:txBody>
-          <a:bodyPr/>
-          <a:lstStyle/>
-          <a:p>
-            <a:r>
-              <a:rPr lang="en-US"/>
-              <a:t>HU ppt [lijn]</a:t>
-            </a:r>
-          </a:p>
-        </p:txBody>
-      </p:sp>
-      <p:graphicFrame>
-        <p:nvGraphicFramePr>
-          <p:cNvPr id="173059" name="Object 3"/>
-          <p:cNvGraphicFramePr>
-            <a:graphicFrameLocks noChangeAspect="1"/>
-          </p:cNvGraphicFramePr>
-          <p:nvPr>
-            <p:ph type="chart" sz="half" idx="1"/>
-          </p:nvPr>
-        </p:nvGraphicFramePr>
-        <p:xfrm>
-          <a:off x="-1219200" y="1681163"/>
-          <a:ext cx="6096000" cy="3494087"/>
-        </p:xfrm>
-        <a:graphic>
-          <a:graphicData uri="http://schemas.openxmlformats.org/presentationml/2006/ole">
-            <p:oleObj spid="_x0000_s173059" name="Chart" r:id="rId4" imgW="8991600" imgH="5152934" progId="MSGraph.Chart.8">
-              <p:embed followColorScheme="full"/>
-            </p:oleObj>
-          </a:graphicData>
-        </a:graphic>
-      </p:graphicFrame>
-      <p:sp>
-        <p:nvSpPr>
-          <p:cNvPr id="173060" name="Rectangle 4"/>
-          <p:cNvSpPr>
-            <a:spLocks noGrp="1" noChangeAspect="1" noChangeArrowheads="1"/>
-          </p:cNvSpPr>
-          <p:nvPr>
-            <p:ph type="body" sz="half" idx="2"/>
-          </p:nvPr>
-        </p:nvSpPr>
-        <p:spPr>
-          <a:xfrm>
-            <a:off x="457200" y="4953000"/>
-            <a:ext cx="8262938" cy="822325"/>
-          </a:xfrm>
-        </p:spPr>
-        <p:txBody>
-          <a:bodyPr/>
-          <a:lstStyle/>
-          <a:p>
-            <a:pPr>
-              <a:buFont typeface="Zapf Dingbats" charset="2"/>
-              <a:buNone/>
-            </a:pPr>
-            <a:r>
-              <a:rPr lang="en-US" sz="2400"/>
-              <a:t>	Door dubbel te klikken op de ‘lijndiagram’ kunt u deze toevoegen aan uw persoonlijke voorkeuren</a:t>
-            </a:r>
-          </a:p>
-        </p:txBody>
-      </p:sp>
-      <p:pic>
-        <p:nvPicPr>
-          <p:cNvPr id="173063" name="Picture 7" descr="lijn.pdf                                                       000C6298Macintosh HD                   BB707946:"/>
-          <p:cNvPicPr>
-            <a:picLocks noChangeAspect="1" noChangeArrowheads="1"/>
-          </p:cNvPicPr>
-          <p:nvPr/>
-        </p:nvPicPr>
-        <p:blipFill>
-          <a:blip r:embed="rId5" r:link="rId6" cstate="print"/>
-          <a:srcRect/>
-          <a:stretch>
-            <a:fillRect/>
-          </a:stretch>
-        </p:blipFill>
-        <p:spPr bwMode="auto">
-          <a:xfrm>
-            <a:off x="4875213" y="1828800"/>
-            <a:ext cx="2617787" cy="2819400"/>
-          </a:xfrm>
-          <a:prstGeom prst="rect">
-            <a:avLst/>
-          </a:prstGeom>
-          <a:noFill/>
-        </p:spPr>
-      </p:pic>
-    </p:spTree>
-  </p:cSld>
-  <p:clrMapOvr>
-    <a:masterClrMapping/>
-  </p:clrMapOvr>
-  <p:timing>
-    <p:tnLst>
-      <p:par>
-        <p:cTn id="1" dur="indefinite" restart="never" nodeType="tmRoot"/>
-      </p:par>
-    </p:tnLst>
-  </p:timing>
-</p:sld>
-</file>
-
-<file path=ppt/slides/slide9.xml><?xml version="1.0" encoding="utf-8"?>
-<p:sld xmlns:a="http://schemas.openxmlformats.org/drawingml/2006/main" xmlns:r="http://schemas.openxmlformats.org/officeDocument/2006/relationships" xmlns:p="http://schemas.openxmlformats.org/presentationml/2006/main">
-  <p:cSld>
-    <p:spTree>
-      <p:nvGrpSpPr>
-        <p:cNvPr id="1" name=""/>
-        <p:cNvGrpSpPr/>
-        <p:nvPr/>
-      </p:nvGrpSpPr>
-      <p:grpSpPr>
-        <a:xfrm>
-          <a:off x="0" y="0"/>
-          <a:ext cx="0" cy="0"/>
-          <a:chOff x="0" y="0"/>
-          <a:chExt cx="0" cy="0"/>
-        </a:xfrm>
-      </p:grpSpPr>
-      <p:sp>
-        <p:nvSpPr>
-          <p:cNvPr id="175106" name="Rectangle 2"/>
-          <p:cNvSpPr>
-            <a:spLocks noGrp="1" noChangeArrowheads="1"/>
-          </p:cNvSpPr>
-          <p:nvPr>
-            <p:ph type="title"/>
-          </p:nvPr>
-        </p:nvSpPr>
-        <p:spPr/>
-        <p:txBody>
-          <a:bodyPr/>
-          <a:lstStyle/>
-          <a:p>
-            <a:r>
-              <a:rPr lang="en-US"/>
-              <a:t>HU ppt [organisatieschema]</a:t>
-            </a:r>
-          </a:p>
-        </p:txBody>
-      </p:sp>
-      <p:graphicFrame>
-        <p:nvGraphicFramePr>
-          <p:cNvPr id="175107" name="Object 3"/>
-          <p:cNvGraphicFramePr>
-            <a:graphicFrameLocks noChangeAspect="1"/>
-          </p:cNvGraphicFramePr>
-          <p:nvPr>
-            <p:ph type="dgm" idx="1"/>
-          </p:nvPr>
-        </p:nvGraphicFramePr>
-        <p:xfrm>
-          <a:off x="1187450" y="2060575"/>
-          <a:ext cx="6769100" cy="1368425"/>
-        </p:xfrm>
-        <a:graphic>
-          <a:graphicData uri="http://schemas.openxmlformats.org/presentationml/2006/ole">
-            <p:oleObj spid="_x0000_s175107" name="Microsoft Organization Chart" r:id="rId4" imgW="9550400" imgH="2667000" progId="MSOrgChart.2">
-              <p:embed followColorScheme="full"/>
-            </p:oleObj>
-          </a:graphicData>
-        </a:graphic>
-      </p:graphicFrame>
-    </p:spTree>
-  </p:cSld>
-  <p:clrMapOvr>
-    <a:masterClrMapping/>
-  </p:clrMapOvr>
-  <p:timing>
-    <p:tnLst>
-      <p:par>
-        <p:cTn id="1" dur="indefinite" restart="never" nodeType="tmRoot"/>
-      </p:par>
-    </p:tnLst>
-  </p:timing>
 </p:sld>
 </file>
 

--- a/slides/ddl-w8l2.pptx
+++ b/slides/ddl-w8l2.pptx
@@ -5,10 +5,10 @@
     <p:sldMasterId id="2147483649" r:id="rId1"/>
   </p:sldMasterIdLst>
   <p:notesMasterIdLst>
-    <p:notesMasterId r:id="rId7"/>
+    <p:notesMasterId r:id="rId8"/>
   </p:notesMasterIdLst>
   <p:handoutMasterIdLst>
-    <p:handoutMasterId r:id="rId8"/>
+    <p:handoutMasterId r:id="rId9"/>
   </p:handoutMasterIdLst>
   <p:sldIdLst>
     <p:sldId id="276" r:id="rId2"/>
@@ -16,6 +16,7 @@
     <p:sldId id="278" r:id="rId4"/>
     <p:sldId id="279" r:id="rId5"/>
     <p:sldId id="280" r:id="rId6"/>
+    <p:sldId id="281" r:id="rId7"/>
   </p:sldIdLst>
   <p:sldSz cx="9144000" cy="6858000" type="screen4x3"/>
   <p:notesSz cx="6858000" cy="9144000"/>
@@ -294,7 +295,7 @@
             <a:fld id="{373F1B60-BDF4-4D63-AD79-99D5A5B1DF99}" type="datetime1">
               <a:rPr lang="en-US"/>
               <a:pPr/>
-              <a:t>12/12/2018</a:t>
+              <a:t>1/4/2019</a:t>
             </a:fld>
             <a:endParaRPr lang="en-US"/>
           </a:p>
@@ -513,7 +514,7 @@
             <a:fld id="{4387A7AA-DFE9-4771-BEDE-3294FCEBFB02}" type="datetime1">
               <a:rPr lang="en-US"/>
               <a:pPr/>
-              <a:t>12/12/2018</a:t>
+              <a:t>1/4/2019</a:t>
             </a:fld>
             <a:endParaRPr lang="en-US"/>
           </a:p>
@@ -904,7 +905,7 @@
             <a:fld id="{8541E2CD-DBF4-40F9-B6F8-EEFD0DF8A138}" type="datetime1">
               <a:rPr lang="en-US"/>
               <a:pPr/>
-              <a:t>12/12/2018</a:t>
+              <a:t>1/4/2019</a:t>
             </a:fld>
             <a:endParaRPr lang="en-US"/>
           </a:p>
@@ -1124,7 +1125,7 @@
             <a:fld id="{93F21019-3A00-48AC-9663-40DF67A83229}" type="datetime1">
               <a:rPr lang="en-US"/>
               <a:pPr/>
-              <a:t>12/12/2018</a:t>
+              <a:t>1/4/2019</a:t>
             </a:fld>
             <a:endParaRPr lang="en-US">
               <a:solidFill>
@@ -1310,7 +1311,7 @@
             <a:fld id="{8B2EF9C8-0AC3-4A53-9A61-1834A571F420}" type="datetime1">
               <a:rPr lang="en-US"/>
               <a:pPr/>
-              <a:t>12/12/2018</a:t>
+              <a:t>1/4/2019</a:t>
             </a:fld>
             <a:endParaRPr lang="en-US" sz="1400">
               <a:solidFill>
@@ -1507,7 +1508,7 @@
             <a:fld id="{F02960F3-A385-4905-A491-FDC17E063DD1}" type="datetime1">
               <a:rPr lang="en-US"/>
               <a:pPr/>
-              <a:t>12/12/2018</a:t>
+              <a:t>1/4/2019</a:t>
             </a:fld>
             <a:endParaRPr lang="en-US" sz="1400">
               <a:solidFill>
@@ -1766,7 +1767,7 @@
             <a:fld id="{CD3AD70A-8E2A-47B5-AC18-ABBB5A8E737D}" type="datetime1">
               <a:rPr lang="en-US"/>
               <a:pPr/>
-              <a:t>12/12/2018</a:t>
+              <a:t>1/4/2019</a:t>
             </a:fld>
             <a:endParaRPr lang="en-US" sz="1400">
               <a:solidFill>
@@ -2002,7 +2003,7 @@
             <a:fld id="{07008C2E-9BD6-496B-BFC3-B4A975EBC85E}" type="datetime1">
               <a:rPr lang="en-US"/>
               <a:pPr/>
-              <a:t>12/12/2018</a:t>
+              <a:t>1/4/2019</a:t>
             </a:fld>
             <a:endParaRPr lang="en-US" sz="1400">
               <a:solidFill>
@@ -2181,7 +2182,7 @@
             <a:fld id="{1AA2C3CF-866C-4FDE-B76D-4E9536901630}" type="datetime1">
               <a:rPr lang="en-US"/>
               <a:pPr/>
-              <a:t>12/12/2018</a:t>
+              <a:t>1/4/2019</a:t>
             </a:fld>
             <a:endParaRPr lang="en-US" sz="1400">
               <a:solidFill>
@@ -2360,7 +2361,7 @@
             <a:fld id="{555EE259-FE08-4558-B721-B189FFE77284}" type="datetime1">
               <a:rPr lang="en-US"/>
               <a:pPr/>
-              <a:t>12/12/2018</a:t>
+              <a:t>1/4/2019</a:t>
             </a:fld>
             <a:endParaRPr lang="en-US" sz="1400">
               <a:solidFill>
@@ -2629,7 +2630,7 @@
             <a:fld id="{0AF4064E-5624-49AB-B7C6-E301A8F6B1FF}" type="datetime1">
               <a:rPr lang="en-US"/>
               <a:pPr/>
-              <a:t>12/12/2018</a:t>
+              <a:t>1/4/2019</a:t>
             </a:fld>
             <a:endParaRPr lang="en-US" sz="1400">
               <a:solidFill>
@@ -2826,7 +2827,7 @@
             <a:fld id="{CBC97FCD-6C54-4833-B032-BFBCDFA8379D}" type="datetime1">
               <a:rPr lang="en-US"/>
               <a:pPr/>
-              <a:t>12/12/2018</a:t>
+              <a:t>1/4/2019</a:t>
             </a:fld>
             <a:endParaRPr lang="en-US" sz="1400">
               <a:solidFill>
@@ -3035,7 +3036,7 @@
             <a:fld id="{F04AA577-515A-431F-98B6-3B03494ABB11}" type="datetime1">
               <a:rPr lang="en-US"/>
               <a:pPr/>
-              <a:t>12/12/2018</a:t>
+              <a:t>1/4/2019</a:t>
             </a:fld>
             <a:endParaRPr lang="en-US" sz="1400">
               <a:solidFill>
@@ -3340,7 +3341,7 @@
             <a:fld id="{6475F1A4-C474-4345-A800-2F40B0E4E70C}" type="datetime1">
               <a:rPr lang="en-US"/>
               <a:pPr/>
-              <a:t>12/12/2018</a:t>
+              <a:t>1/4/2019</a:t>
             </a:fld>
             <a:endParaRPr lang="en-US" sz="1400">
               <a:solidFill>
@@ -3784,7 +3785,7 @@
             <a:fld id="{7BA535AB-820E-4207-9DA8-5F37106C7AF4}" type="datetime1">
               <a:rPr lang="en-US"/>
               <a:pPr/>
-              <a:t>12/12/2018</a:t>
+              <a:t>1/4/2019</a:t>
             </a:fld>
             <a:endParaRPr lang="en-US" sz="1400">
               <a:solidFill>
@@ -3919,7 +3920,7 @@
             <a:fld id="{0A7E69FA-D7EE-42C0-9117-1971B541885F}" type="datetime1">
               <a:rPr lang="en-US"/>
               <a:pPr/>
-              <a:t>12/12/2018</a:t>
+              <a:t>1/4/2019</a:t>
             </a:fld>
             <a:endParaRPr lang="en-US" sz="1400">
               <a:solidFill>
@@ -4031,7 +4032,7 @@
             <a:fld id="{10D7644E-1B5D-4325-BA79-338DF2B89B56}" type="datetime1">
               <a:rPr lang="en-US"/>
               <a:pPr/>
-              <a:t>12/12/2018</a:t>
+              <a:t>1/4/2019</a:t>
             </a:fld>
             <a:endParaRPr lang="en-US" sz="1400">
               <a:solidFill>
@@ -4325,7 +4326,7 @@
             <a:fld id="{B790C882-0B74-4932-8998-E9ABB8AF1740}" type="datetime1">
               <a:rPr lang="en-US"/>
               <a:pPr/>
-              <a:t>12/12/2018</a:t>
+              <a:t>1/4/2019</a:t>
             </a:fld>
             <a:endParaRPr lang="en-US" sz="1400">
               <a:solidFill>
@@ -4595,7 +4596,7 @@
             <a:fld id="{9DC585DC-AE7D-44C1-90AB-C3A391DEA065}" type="datetime1">
               <a:rPr lang="en-US"/>
               <a:pPr/>
-              <a:t>12/12/2018</a:t>
+              <a:t>1/4/2019</a:t>
             </a:fld>
             <a:endParaRPr lang="en-US" sz="1400">
               <a:solidFill>
@@ -4859,7 +4860,7 @@
             <a:fld id="{256CE565-1940-4E5F-9190-C0815CEAAA9D}" type="datetime1">
               <a:rPr lang="en-US"/>
               <a:pPr/>
-              <a:t>12/12/2018</a:t>
+              <a:t>1/4/2019</a:t>
             </a:fld>
             <a:endParaRPr lang="en-US"/>
           </a:p>
@@ -5432,7 +5433,7 @@
         <p:spPr>
           <a:xfrm>
             <a:off x="1798638" y="2286000"/>
-            <a:ext cx="6583362" cy="1569660"/>
+            <a:ext cx="6583362" cy="2677656"/>
           </a:xfrm>
         </p:spPr>
         <p:txBody>
@@ -5448,14 +5449,43 @@
             </a:br>
             <a:r>
               <a:rPr lang="en-US" sz="2400" dirty="0" smtClean="0"/>
-              <a:t>W8 L2:</a:t>
-            </a:r>
-            <a:r>
-              <a:rPr lang="en-US" sz="2400" smtClean="0"/>
+              <a:t>W8 L2: </a:t>
+            </a:r>
+            <a:r>
+              <a:rPr lang="en-US" sz="2400" dirty="0" smtClean="0"/>
               <a:t/>
             </a:r>
             <a:br>
-              <a:rPr lang="en-US" sz="2400" smtClean="0"/>
+              <a:rPr lang="en-US" sz="2400" dirty="0" smtClean="0"/>
+            </a:br>
+            <a:r>
+              <a:rPr lang="en-US" sz="2400" dirty="0" smtClean="0"/>
+              <a:t>Overview</a:t>
+            </a:r>
+            <a:br>
+              <a:rPr lang="en-US" sz="2400" dirty="0" smtClean="0"/>
+            </a:br>
+            <a:r>
+              <a:rPr lang="en-US" sz="2400" dirty="0" smtClean="0"/>
+              <a:t>Text </a:t>
+            </a:r>
+            <a:r>
+              <a:rPr lang="en-US" sz="2400" dirty="0" smtClean="0"/>
+              <a:t>mining: </a:t>
+            </a:r>
+            <a:r>
+              <a:rPr lang="en-US" sz="2400" dirty="0" smtClean="0"/>
+              <a:t>evaluation</a:t>
+            </a:r>
+            <a:br>
+              <a:rPr lang="en-US" sz="2400" dirty="0" smtClean="0"/>
+            </a:br>
+            <a:r>
+              <a:rPr lang="en-US" sz="2400" dirty="0" smtClean="0"/>
+              <a:t/>
+            </a:r>
+            <a:br>
+              <a:rPr lang="en-US" sz="2400" dirty="0" smtClean="0"/>
             </a:br>
             <a:r>
               <a:rPr lang="en-US" sz="2000" dirty="0" smtClean="0"/>
@@ -5886,6 +5916,374 @@
     <p:extLst>
       <p:ext uri="{BB962C8B-B14F-4D97-AF65-F5344CB8AC3E}">
         <p14:creationId xmlns:p14="http://schemas.microsoft.com/office/powerpoint/2010/main" val="3178313802"/>
+      </p:ext>
+    </p:extLst>
+  </p:cSld>
+  <p:clrMapOvr>
+    <a:masterClrMapping/>
+  </p:clrMapOvr>
+</p:sld>
+</file>
+
+<file path=ppt/slides/slide6.xml><?xml version="1.0" encoding="utf-8"?>
+<p:sld xmlns:a="http://schemas.openxmlformats.org/drawingml/2006/main" xmlns:r="http://schemas.openxmlformats.org/officeDocument/2006/relationships" xmlns:p="http://schemas.openxmlformats.org/presentationml/2006/main">
+  <p:cSld>
+    <p:spTree>
+      <p:nvGrpSpPr>
+        <p:cNvPr id="1" name=""/>
+        <p:cNvGrpSpPr/>
+        <p:nvPr/>
+      </p:nvGrpSpPr>
+      <p:grpSpPr>
+        <a:xfrm>
+          <a:off x="0" y="0"/>
+          <a:ext cx="0" cy="0"/>
+          <a:chOff x="0" y="0"/>
+          <a:chExt cx="0" cy="0"/>
+        </a:xfrm>
+      </p:grpSpPr>
+      <p:sp>
+        <p:nvSpPr>
+          <p:cNvPr id="2" name="Titel 1"/>
+          <p:cNvSpPr>
+            <a:spLocks noGrp="1"/>
+          </p:cNvSpPr>
+          <p:nvPr>
+            <p:ph type="title"/>
+          </p:nvPr>
+        </p:nvSpPr>
+        <p:spPr/>
+        <p:txBody>
+          <a:bodyPr/>
+          <a:lstStyle/>
+          <a:p>
+            <a:r>
+              <a:rPr lang="nl-NL" dirty="0" err="1" smtClean="0"/>
+              <a:t>Exercise</a:t>
+            </a:r>
+            <a:r>
+              <a:rPr lang="nl-NL" dirty="0" smtClean="0"/>
+              <a:t> 1: </a:t>
+            </a:r>
+            <a:r>
+              <a:rPr lang="nl-NL" dirty="0" err="1" smtClean="0"/>
+              <a:t>evaluation</a:t>
+            </a:r>
+            <a:endParaRPr lang="nl-NL" dirty="0"/>
+          </a:p>
+        </p:txBody>
+      </p:sp>
+      <p:sp>
+        <p:nvSpPr>
+          <p:cNvPr id="4" name="Tijdelijke aanduiding voor inhoud 2"/>
+          <p:cNvSpPr txBox="1">
+            <a:spLocks noGrp="1"/>
+          </p:cNvSpPr>
+          <p:nvPr>
+            <p:ph idx="1"/>
+          </p:nvPr>
+        </p:nvSpPr>
+        <p:spPr bwMode="auto">
+          <a:xfrm>
+            <a:off x="762000" y="1762125"/>
+            <a:ext cx="7881938" cy="1600438"/>
+          </a:xfrm>
+          <a:prstGeom prst="rect">
+            <a:avLst/>
+          </a:prstGeom>
+          <a:noFill/>
+          <a:ln w="9525">
+            <a:noFill/>
+            <a:miter lim="800000"/>
+            <a:headEnd/>
+            <a:tailEnd/>
+          </a:ln>
+          <a:effectLst/>
+        </p:spPr>
+        <p:txBody>
+          <a:bodyPr vert="horz" wrap="square" lIns="91440" tIns="45720" rIns="91440" bIns="45720" numCol="1" anchor="t" anchorCtr="0" compatLnSpc="1">
+            <a:prstTxWarp prst="textNoShape">
+              <a:avLst/>
+            </a:prstTxWarp>
+            <a:spAutoFit/>
+          </a:bodyPr>
+          <a:lstStyle>
+            <a:lvl1pPr marL="342900" indent="-342900" algn="l" rtl="0" fontAlgn="base">
+              <a:spcBef>
+                <a:spcPct val="20000"/>
+              </a:spcBef>
+              <a:spcAft>
+                <a:spcPct val="0"/>
+              </a:spcAft>
+              <a:buClr>
+                <a:srgbClr val="ED0010"/>
+              </a:buClr>
+              <a:buSzPct val="60000"/>
+              <a:buFont typeface="Zapf Dingbats" charset="2"/>
+              <a:buChar char="n"/>
+              <a:defRPr sz="2800">
+                <a:solidFill>
+                  <a:srgbClr val="000000"/>
+                </a:solidFill>
+                <a:latin typeface="+mn-lt"/>
+                <a:ea typeface="+mn-ea"/>
+                <a:cs typeface="+mn-cs"/>
+              </a:defRPr>
+            </a:lvl1pPr>
+            <a:lvl2pPr marL="819150" indent="-285750" algn="l" rtl="0" fontAlgn="base">
+              <a:spcBef>
+                <a:spcPct val="20000"/>
+              </a:spcBef>
+              <a:spcAft>
+                <a:spcPct val="0"/>
+              </a:spcAft>
+              <a:buClr>
+                <a:schemeClr val="accent1"/>
+              </a:buClr>
+              <a:buSzPct val="60000"/>
+              <a:buFont typeface="Zapf Dingbats" charset="2"/>
+              <a:buChar char="n"/>
+              <a:defRPr sz="2600">
+                <a:solidFill>
+                  <a:srgbClr val="000000"/>
+                </a:solidFill>
+                <a:latin typeface="+mn-lt"/>
+              </a:defRPr>
+            </a:lvl2pPr>
+            <a:lvl3pPr marL="1143000" indent="-228600" algn="l" rtl="0" fontAlgn="base">
+              <a:spcBef>
+                <a:spcPct val="20000"/>
+              </a:spcBef>
+              <a:spcAft>
+                <a:spcPct val="0"/>
+              </a:spcAft>
+              <a:buClr>
+                <a:schemeClr val="accent1"/>
+              </a:buClr>
+              <a:buSzPct val="60000"/>
+              <a:buFont typeface="Zapf Dingbats" charset="2"/>
+              <a:buChar char="n"/>
+              <a:defRPr sz="2400">
+                <a:solidFill>
+                  <a:srgbClr val="000000"/>
+                </a:solidFill>
+                <a:latin typeface="+mn-lt"/>
+              </a:defRPr>
+            </a:lvl3pPr>
+            <a:lvl4pPr marL="1562100" indent="-228600" algn="l" rtl="0" fontAlgn="base">
+              <a:spcBef>
+                <a:spcPct val="20000"/>
+              </a:spcBef>
+              <a:spcAft>
+                <a:spcPct val="0"/>
+              </a:spcAft>
+              <a:buClr>
+                <a:schemeClr val="accent1"/>
+              </a:buClr>
+              <a:buSzPct val="60000"/>
+              <a:buFont typeface="Zapf Dingbats" charset="2"/>
+              <a:buChar char="n"/>
+              <a:defRPr sz="2200">
+                <a:solidFill>
+                  <a:srgbClr val="000000"/>
+                </a:solidFill>
+                <a:latin typeface="+mn-lt"/>
+              </a:defRPr>
+            </a:lvl4pPr>
+            <a:lvl5pPr marL="1981200" indent="-228600" algn="l" rtl="0" fontAlgn="base">
+              <a:spcBef>
+                <a:spcPct val="20000"/>
+              </a:spcBef>
+              <a:spcAft>
+                <a:spcPct val="0"/>
+              </a:spcAft>
+              <a:buClr>
+                <a:schemeClr val="accent1"/>
+              </a:buClr>
+              <a:buSzPct val="60000"/>
+              <a:buFont typeface="Zapf Dingbats" charset="2"/>
+              <a:buChar char="n"/>
+              <a:defRPr sz="2000">
+                <a:solidFill>
+                  <a:srgbClr val="000000"/>
+                </a:solidFill>
+                <a:latin typeface="+mn-lt"/>
+              </a:defRPr>
+            </a:lvl5pPr>
+            <a:lvl6pPr marL="2438400" indent="-228600" algn="l" rtl="0" fontAlgn="base">
+              <a:spcBef>
+                <a:spcPct val="20000"/>
+              </a:spcBef>
+              <a:spcAft>
+                <a:spcPct val="0"/>
+              </a:spcAft>
+              <a:buClr>
+                <a:schemeClr val="accent1"/>
+              </a:buClr>
+              <a:buSzPct val="60000"/>
+              <a:buFont typeface="Zapf Dingbats" charset="2"/>
+              <a:buChar char="n"/>
+              <a:defRPr sz="2000">
+                <a:solidFill>
+                  <a:srgbClr val="000000"/>
+                </a:solidFill>
+                <a:latin typeface="+mn-lt"/>
+              </a:defRPr>
+            </a:lvl6pPr>
+            <a:lvl7pPr marL="2895600" indent="-228600" algn="l" rtl="0" fontAlgn="base">
+              <a:spcBef>
+                <a:spcPct val="20000"/>
+              </a:spcBef>
+              <a:spcAft>
+                <a:spcPct val="0"/>
+              </a:spcAft>
+              <a:buClr>
+                <a:schemeClr val="accent1"/>
+              </a:buClr>
+              <a:buSzPct val="60000"/>
+              <a:buFont typeface="Zapf Dingbats" charset="2"/>
+              <a:buChar char="n"/>
+              <a:defRPr sz="2000">
+                <a:solidFill>
+                  <a:srgbClr val="000000"/>
+                </a:solidFill>
+                <a:latin typeface="+mn-lt"/>
+              </a:defRPr>
+            </a:lvl7pPr>
+            <a:lvl8pPr marL="3352800" indent="-228600" algn="l" rtl="0" fontAlgn="base">
+              <a:spcBef>
+                <a:spcPct val="20000"/>
+              </a:spcBef>
+              <a:spcAft>
+                <a:spcPct val="0"/>
+              </a:spcAft>
+              <a:buClr>
+                <a:schemeClr val="accent1"/>
+              </a:buClr>
+              <a:buSzPct val="60000"/>
+              <a:buFont typeface="Zapf Dingbats" charset="2"/>
+              <a:buChar char="n"/>
+              <a:defRPr sz="2000">
+                <a:solidFill>
+                  <a:srgbClr val="000000"/>
+                </a:solidFill>
+                <a:latin typeface="+mn-lt"/>
+              </a:defRPr>
+            </a:lvl8pPr>
+            <a:lvl9pPr marL="3810000" indent="-228600" algn="l" rtl="0" fontAlgn="base">
+              <a:spcBef>
+                <a:spcPct val="20000"/>
+              </a:spcBef>
+              <a:spcAft>
+                <a:spcPct val="0"/>
+              </a:spcAft>
+              <a:buClr>
+                <a:schemeClr val="accent1"/>
+              </a:buClr>
+              <a:buSzPct val="60000"/>
+              <a:buFont typeface="Zapf Dingbats" charset="2"/>
+              <a:buChar char="n"/>
+              <a:defRPr sz="2000">
+                <a:solidFill>
+                  <a:srgbClr val="000000"/>
+                </a:solidFill>
+                <a:latin typeface="+mn-lt"/>
+              </a:defRPr>
+            </a:lvl9pPr>
+          </a:lstStyle>
+          <a:p>
+            <a:pPr marL="0" indent="0">
+              <a:buNone/>
+            </a:pPr>
+            <a:r>
+              <a:rPr lang="nl-NL" sz="1400" dirty="0" err="1" smtClean="0">
+                <a:latin typeface="Courier New" panose="02070309020205020404" pitchFamily="49" charset="0"/>
+                <a:cs typeface="Courier New" panose="02070309020205020404" pitchFamily="49" charset="0"/>
+              </a:rPr>
+              <a:t>When</a:t>
+            </a:r>
+            <a:r>
+              <a:rPr lang="nl-NL" sz="1400" dirty="0" smtClean="0">
+                <a:latin typeface="Courier New" panose="02070309020205020404" pitchFamily="49" charset="0"/>
+                <a:cs typeface="Courier New" panose="02070309020205020404" pitchFamily="49" charset="0"/>
+              </a:rPr>
+              <a:t> we </a:t>
+            </a:r>
+            <a:r>
+              <a:rPr lang="nl-NL" sz="1400" dirty="0" err="1" smtClean="0">
+                <a:latin typeface="Courier New" panose="02070309020205020404" pitchFamily="49" charset="0"/>
+                <a:cs typeface="Courier New" panose="02070309020205020404" pitchFamily="49" charset="0"/>
+              </a:rPr>
+              <a:t>trained</a:t>
+            </a:r>
+            <a:r>
+              <a:rPr lang="nl-NL" sz="1400" dirty="0" smtClean="0">
+                <a:latin typeface="Courier New" panose="02070309020205020404" pitchFamily="49" charset="0"/>
+                <a:cs typeface="Courier New" panose="02070309020205020404" pitchFamily="49" charset="0"/>
+              </a:rPr>
+              <a:t> the Bart Simpson </a:t>
+            </a:r>
+            <a:endParaRPr lang="nl-NL" sz="1400" kern="0" dirty="0">
+              <a:latin typeface="Courier New" panose="02070309020205020404" pitchFamily="49" charset="0"/>
+              <a:cs typeface="Courier New" panose="02070309020205020404" pitchFamily="49" charset="0"/>
+            </a:endParaRPr>
+          </a:p>
+          <a:p>
+            <a:pPr>
+              <a:buFont typeface="+mj-lt"/>
+              <a:buAutoNum type="arabicPeriod"/>
+            </a:pPr>
+            <a:endParaRPr lang="nl-NL" sz="1400" kern="0" dirty="0" smtClean="0">
+              <a:latin typeface="Courier New" panose="02070309020205020404" pitchFamily="49" charset="0"/>
+              <a:cs typeface="Courier New" panose="02070309020205020404" pitchFamily="49" charset="0"/>
+            </a:endParaRPr>
+          </a:p>
+          <a:p>
+            <a:pPr marL="0" indent="0">
+              <a:buFont typeface="Zapf Dingbats" charset="2"/>
+              <a:buNone/>
+            </a:pPr>
+            <a:endParaRPr lang="nl-NL" sz="1400" kern="0" dirty="0">
+              <a:latin typeface="Courier New" panose="02070309020205020404" pitchFamily="49" charset="0"/>
+              <a:cs typeface="Courier New" panose="02070309020205020404" pitchFamily="49" charset="0"/>
+            </a:endParaRPr>
+          </a:p>
+          <a:p>
+            <a:pPr marL="0" indent="0">
+              <a:buFont typeface="Zapf Dingbats" charset="2"/>
+              <a:buNone/>
+            </a:pPr>
+            <a:endParaRPr lang="nl-NL" sz="1400" kern="0" dirty="0" smtClean="0">
+              <a:latin typeface="Courier New" panose="02070309020205020404" pitchFamily="49" charset="0"/>
+              <a:cs typeface="Courier New" panose="02070309020205020404" pitchFamily="49" charset="0"/>
+            </a:endParaRPr>
+          </a:p>
+          <a:p>
+            <a:pPr marL="0" indent="0">
+              <a:buFont typeface="Zapf Dingbats" charset="2"/>
+              <a:buNone/>
+            </a:pPr>
+            <a:endParaRPr lang="nl-NL" sz="1400" kern="0" dirty="0">
+              <a:latin typeface="Courier New" panose="02070309020205020404" pitchFamily="49" charset="0"/>
+              <a:cs typeface="Courier New" panose="02070309020205020404" pitchFamily="49" charset="0"/>
+            </a:endParaRPr>
+          </a:p>
+          <a:p>
+            <a:pPr marL="0" indent="0">
+              <a:buFont typeface="Zapf Dingbats" charset="2"/>
+              <a:buNone/>
+            </a:pPr>
+            <a:endParaRPr lang="nl-NL" sz="1400" kern="0" dirty="0" smtClean="0">
+              <a:latin typeface="Courier New" panose="02070309020205020404" pitchFamily="49" charset="0"/>
+              <a:cs typeface="Courier New" panose="02070309020205020404" pitchFamily="49" charset="0"/>
+            </a:endParaRPr>
+          </a:p>
+        </p:txBody>
+      </p:sp>
+    </p:spTree>
+    <p:extLst>
+      <p:ext uri="{BB962C8B-B14F-4D97-AF65-F5344CB8AC3E}">
+        <p14:creationId xmlns:p14="http://schemas.microsoft.com/office/powerpoint/2010/main" val="3390120369"/>
       </p:ext>
     </p:extLst>
   </p:cSld>

--- a/slides/ddl-w8l2.pptx
+++ b/slides/ddl-w8l2.pptx
@@ -5,18 +5,19 @@
     <p:sldMasterId id="2147483649" r:id="rId1"/>
   </p:sldMasterIdLst>
   <p:notesMasterIdLst>
-    <p:notesMasterId r:id="rId8"/>
+    <p:notesMasterId r:id="rId9"/>
   </p:notesMasterIdLst>
   <p:handoutMasterIdLst>
-    <p:handoutMasterId r:id="rId9"/>
+    <p:handoutMasterId r:id="rId10"/>
   </p:handoutMasterIdLst>
   <p:sldIdLst>
     <p:sldId id="276" r:id="rId2"/>
     <p:sldId id="277" r:id="rId3"/>
     <p:sldId id="278" r:id="rId4"/>
     <p:sldId id="279" r:id="rId5"/>
-    <p:sldId id="280" r:id="rId6"/>
-    <p:sldId id="281" r:id="rId7"/>
+    <p:sldId id="284" r:id="rId6"/>
+    <p:sldId id="282" r:id="rId7"/>
+    <p:sldId id="281" r:id="rId8"/>
   </p:sldIdLst>
   <p:sldSz cx="9144000" cy="6858000" type="screen4x3"/>
   <p:notesSz cx="6858000" cy="9144000"/>
@@ -295,7 +296,7 @@
             <a:fld id="{373F1B60-BDF4-4D63-AD79-99D5A5B1DF99}" type="datetime1">
               <a:rPr lang="en-US"/>
               <a:pPr/>
-              <a:t>1/4/2019</a:t>
+              <a:t>1/12/2019</a:t>
             </a:fld>
             <a:endParaRPr lang="en-US"/>
           </a:p>
@@ -514,7 +515,7 @@
             <a:fld id="{4387A7AA-DFE9-4771-BEDE-3294FCEBFB02}" type="datetime1">
               <a:rPr lang="en-US"/>
               <a:pPr/>
-              <a:t>1/4/2019</a:t>
+              <a:t>1/12/2019</a:t>
             </a:fld>
             <a:endParaRPr lang="en-US"/>
           </a:p>
@@ -905,7 +906,7 @@
             <a:fld id="{8541E2CD-DBF4-40F9-B6F8-EEFD0DF8A138}" type="datetime1">
               <a:rPr lang="en-US"/>
               <a:pPr/>
-              <a:t>1/4/2019</a:t>
+              <a:t>1/12/2019</a:t>
             </a:fld>
             <a:endParaRPr lang="en-US"/>
           </a:p>
@@ -1125,7 +1126,7 @@
             <a:fld id="{93F21019-3A00-48AC-9663-40DF67A83229}" type="datetime1">
               <a:rPr lang="en-US"/>
               <a:pPr/>
-              <a:t>1/4/2019</a:t>
+              <a:t>1/12/2019</a:t>
             </a:fld>
             <a:endParaRPr lang="en-US">
               <a:solidFill>
@@ -1311,7 +1312,7 @@
             <a:fld id="{8B2EF9C8-0AC3-4A53-9A61-1834A571F420}" type="datetime1">
               <a:rPr lang="en-US"/>
               <a:pPr/>
-              <a:t>1/4/2019</a:t>
+              <a:t>1/12/2019</a:t>
             </a:fld>
             <a:endParaRPr lang="en-US" sz="1400">
               <a:solidFill>
@@ -1508,7 +1509,7 @@
             <a:fld id="{F02960F3-A385-4905-A491-FDC17E063DD1}" type="datetime1">
               <a:rPr lang="en-US"/>
               <a:pPr/>
-              <a:t>1/4/2019</a:t>
+              <a:t>1/12/2019</a:t>
             </a:fld>
             <a:endParaRPr lang="en-US" sz="1400">
               <a:solidFill>
@@ -1767,7 +1768,7 @@
             <a:fld id="{CD3AD70A-8E2A-47B5-AC18-ABBB5A8E737D}" type="datetime1">
               <a:rPr lang="en-US"/>
               <a:pPr/>
-              <a:t>1/4/2019</a:t>
+              <a:t>1/12/2019</a:t>
             </a:fld>
             <a:endParaRPr lang="en-US" sz="1400">
               <a:solidFill>
@@ -2003,7 +2004,7 @@
             <a:fld id="{07008C2E-9BD6-496B-BFC3-B4A975EBC85E}" type="datetime1">
               <a:rPr lang="en-US"/>
               <a:pPr/>
-              <a:t>1/4/2019</a:t>
+              <a:t>1/12/2019</a:t>
             </a:fld>
             <a:endParaRPr lang="en-US" sz="1400">
               <a:solidFill>
@@ -2182,7 +2183,7 @@
             <a:fld id="{1AA2C3CF-866C-4FDE-B76D-4E9536901630}" type="datetime1">
               <a:rPr lang="en-US"/>
               <a:pPr/>
-              <a:t>1/4/2019</a:t>
+              <a:t>1/12/2019</a:t>
             </a:fld>
             <a:endParaRPr lang="en-US" sz="1400">
               <a:solidFill>
@@ -2361,7 +2362,7 @@
             <a:fld id="{555EE259-FE08-4558-B721-B189FFE77284}" type="datetime1">
               <a:rPr lang="en-US"/>
               <a:pPr/>
-              <a:t>1/4/2019</a:t>
+              <a:t>1/12/2019</a:t>
             </a:fld>
             <a:endParaRPr lang="en-US" sz="1400">
               <a:solidFill>
@@ -2630,7 +2631,7 @@
             <a:fld id="{0AF4064E-5624-49AB-B7C6-E301A8F6B1FF}" type="datetime1">
               <a:rPr lang="en-US"/>
               <a:pPr/>
-              <a:t>1/4/2019</a:t>
+              <a:t>1/12/2019</a:t>
             </a:fld>
             <a:endParaRPr lang="en-US" sz="1400">
               <a:solidFill>
@@ -2827,7 +2828,7 @@
             <a:fld id="{CBC97FCD-6C54-4833-B032-BFBCDFA8379D}" type="datetime1">
               <a:rPr lang="en-US"/>
               <a:pPr/>
-              <a:t>1/4/2019</a:t>
+              <a:t>1/12/2019</a:t>
             </a:fld>
             <a:endParaRPr lang="en-US" sz="1400">
               <a:solidFill>
@@ -3036,7 +3037,7 @@
             <a:fld id="{F04AA577-515A-431F-98B6-3B03494ABB11}" type="datetime1">
               <a:rPr lang="en-US"/>
               <a:pPr/>
-              <a:t>1/4/2019</a:t>
+              <a:t>1/12/2019</a:t>
             </a:fld>
             <a:endParaRPr lang="en-US" sz="1400">
               <a:solidFill>
@@ -3341,7 +3342,7 @@
             <a:fld id="{6475F1A4-C474-4345-A800-2F40B0E4E70C}" type="datetime1">
               <a:rPr lang="en-US"/>
               <a:pPr/>
-              <a:t>1/4/2019</a:t>
+              <a:t>1/12/2019</a:t>
             </a:fld>
             <a:endParaRPr lang="en-US" sz="1400">
               <a:solidFill>
@@ -3785,7 +3786,7 @@
             <a:fld id="{7BA535AB-820E-4207-9DA8-5F37106C7AF4}" type="datetime1">
               <a:rPr lang="en-US"/>
               <a:pPr/>
-              <a:t>1/4/2019</a:t>
+              <a:t>1/12/2019</a:t>
             </a:fld>
             <a:endParaRPr lang="en-US" sz="1400">
               <a:solidFill>
@@ -3920,7 +3921,7 @@
             <a:fld id="{0A7E69FA-D7EE-42C0-9117-1971B541885F}" type="datetime1">
               <a:rPr lang="en-US"/>
               <a:pPr/>
-              <a:t>1/4/2019</a:t>
+              <a:t>1/12/2019</a:t>
             </a:fld>
             <a:endParaRPr lang="en-US" sz="1400">
               <a:solidFill>
@@ -4032,7 +4033,7 @@
             <a:fld id="{10D7644E-1B5D-4325-BA79-338DF2B89B56}" type="datetime1">
               <a:rPr lang="en-US"/>
               <a:pPr/>
-              <a:t>1/4/2019</a:t>
+              <a:t>1/12/2019</a:t>
             </a:fld>
             <a:endParaRPr lang="en-US" sz="1400">
               <a:solidFill>
@@ -4326,7 +4327,7 @@
             <a:fld id="{B790C882-0B74-4932-8998-E9ABB8AF1740}" type="datetime1">
               <a:rPr lang="en-US"/>
               <a:pPr/>
-              <a:t>1/4/2019</a:t>
+              <a:t>1/12/2019</a:t>
             </a:fld>
             <a:endParaRPr lang="en-US" sz="1400">
               <a:solidFill>
@@ -4596,7 +4597,7 @@
             <a:fld id="{9DC585DC-AE7D-44C1-90AB-C3A391DEA065}" type="datetime1">
               <a:rPr lang="en-US"/>
               <a:pPr/>
-              <a:t>1/4/2019</a:t>
+              <a:t>1/12/2019</a:t>
             </a:fld>
             <a:endParaRPr lang="en-US" sz="1400">
               <a:solidFill>
@@ -4860,7 +4861,7 @@
             <a:fld id="{256CE565-1940-4E5F-9190-C0815CEAAA9D}" type="datetime1">
               <a:rPr lang="en-US"/>
               <a:pPr/>
-              <a:t>1/4/2019</a:t>
+              <a:t>1/12/2019</a:t>
             </a:fld>
             <a:endParaRPr lang="en-US"/>
           </a:p>
@@ -5433,7 +5434,7 @@
         <p:spPr>
           <a:xfrm>
             <a:off x="1798638" y="2286000"/>
-            <a:ext cx="6583362" cy="2677656"/>
+            <a:ext cx="6583362" cy="2308324"/>
           </a:xfrm>
         </p:spPr>
         <p:txBody>
@@ -5451,38 +5452,19 @@
               <a:rPr lang="en-US" sz="2400" dirty="0" smtClean="0"/>
               <a:t>W8 L2: </a:t>
             </a:r>
-            <a:r>
-              <a:rPr lang="en-US" sz="2400" dirty="0" smtClean="0"/>
-              <a:t/>
-            </a:r>
             <a:br>
               <a:rPr lang="en-US" sz="2400" dirty="0" smtClean="0"/>
             </a:br>
             <a:r>
               <a:rPr lang="en-US" sz="2400" dirty="0" smtClean="0"/>
-              <a:t>Overview</a:t>
+              <a:t>Text mining: evaluation</a:t>
             </a:r>
             <a:br>
               <a:rPr lang="en-US" sz="2400" dirty="0" smtClean="0"/>
             </a:br>
             <a:r>
               <a:rPr lang="en-US" sz="2400" dirty="0" smtClean="0"/>
-              <a:t>Text </a:t>
-            </a:r>
-            <a:r>
-              <a:rPr lang="en-US" sz="2400" dirty="0" smtClean="0"/>
-              <a:t>mining: </a:t>
-            </a:r>
-            <a:r>
-              <a:rPr lang="en-US" sz="2400" dirty="0" smtClean="0"/>
-              <a:t>evaluation</a:t>
-            </a:r>
-            <a:br>
-              <a:rPr lang="en-US" sz="2400" dirty="0" smtClean="0"/>
-            </a:br>
-            <a:r>
-              <a:rPr lang="en-US" sz="2400" dirty="0" smtClean="0"/>
-              <a:t/>
+              <a:t>Working on assignments</a:t>
             </a:r>
             <a:br>
               <a:rPr lang="en-US" sz="2400" dirty="0" smtClean="0"/>
@@ -5595,25 +5577,6 @@
               <a:t>Check-in</a:t>
             </a:r>
             <a:endParaRPr lang="nl-NL" dirty="0"/>
-          </a:p>
-        </p:txBody>
-      </p:sp>
-      <p:sp>
-        <p:nvSpPr>
-          <p:cNvPr id="9" name="Tijdelijke aanduiding voor inhoud 8"/>
-          <p:cNvSpPr>
-            <a:spLocks noGrp="1"/>
-          </p:cNvSpPr>
-          <p:nvPr>
-            <p:ph idx="1"/>
-          </p:nvPr>
-        </p:nvSpPr>
-        <p:spPr/>
-        <p:txBody>
-          <a:bodyPr/>
-          <a:lstStyle/>
-          <a:p>
-            <a:endParaRPr lang="nl-NL"/>
           </a:p>
         </p:txBody>
       </p:sp>
@@ -5886,8 +5849,8 @@
           <a:lstStyle/>
           <a:p>
             <a:r>
-              <a:rPr lang="nl-NL" dirty="0" smtClean="0"/>
-              <a:t>Topics</a:t>
+              <a:rPr lang="nl-NL" dirty="0" err="1" smtClean="0"/>
+              <a:t>Classification</a:t>
             </a:r>
             <a:endParaRPr lang="nl-NL" dirty="0"/>
           </a:p>
@@ -5903,19 +5866,195 @@
             <p:ph idx="1"/>
           </p:nvPr>
         </p:nvSpPr>
-        <p:spPr/>
+        <p:spPr>
+          <a:xfrm>
+            <a:off x="762000" y="1762125"/>
+            <a:ext cx="7881938" cy="4302716"/>
+          </a:xfrm>
+        </p:spPr>
         <p:txBody>
           <a:bodyPr/>
           <a:lstStyle/>
           <a:p>
-            <a:endParaRPr lang="nl-NL" dirty="0"/>
+            <a:r>
+              <a:rPr lang="nl-NL" sz="2400" dirty="0" smtClean="0"/>
+              <a:t>The output of the </a:t>
+            </a:r>
+            <a:r>
+              <a:rPr lang="nl-NL" sz="2400" dirty="0" err="1" smtClean="0"/>
+              <a:t>Naive</a:t>
+            </a:r>
+            <a:r>
+              <a:rPr lang="nl-NL" sz="2400" dirty="0" smtClean="0"/>
+              <a:t> Bayes </a:t>
+            </a:r>
+            <a:r>
+              <a:rPr lang="nl-NL" sz="2400" dirty="0" err="1" smtClean="0"/>
+              <a:t>algorithm</a:t>
+            </a:r>
+            <a:r>
+              <a:rPr lang="nl-NL" sz="2400" dirty="0" smtClean="0"/>
+              <a:t> is </a:t>
+            </a:r>
+            <a:r>
+              <a:rPr lang="nl-NL" sz="2400" dirty="0" err="1" smtClean="0"/>
+              <a:t>not</a:t>
+            </a:r>
+            <a:r>
+              <a:rPr lang="nl-NL" sz="2400" dirty="0" smtClean="0"/>
+              <a:t> </a:t>
+            </a:r>
+            <a:r>
+              <a:rPr lang="nl-NL" sz="2400" dirty="0" err="1" smtClean="0"/>
+              <a:t>actually</a:t>
+            </a:r>
+            <a:r>
+              <a:rPr lang="nl-NL" sz="2400" dirty="0" smtClean="0"/>
+              <a:t> a class</a:t>
+            </a:r>
+          </a:p>
+          <a:p>
+            <a:endParaRPr lang="nl-NL" sz="2400" dirty="0"/>
+          </a:p>
+          <a:p>
+            <a:r>
+              <a:rPr lang="nl-NL" sz="2400" dirty="0" err="1" smtClean="0"/>
+              <a:t>Instead</a:t>
+            </a:r>
+            <a:r>
+              <a:rPr lang="nl-NL" sz="2400" dirty="0" smtClean="0"/>
+              <a:t>, </a:t>
+            </a:r>
+            <a:r>
+              <a:rPr lang="nl-NL" sz="2400" dirty="0" err="1" smtClean="0"/>
+              <a:t>it</a:t>
+            </a:r>
+            <a:r>
+              <a:rPr lang="nl-NL" sz="2400" dirty="0" smtClean="0"/>
+              <a:t> </a:t>
+            </a:r>
+            <a:r>
+              <a:rPr lang="nl-NL" sz="2400" dirty="0" err="1" smtClean="0"/>
+              <a:t>gives</a:t>
+            </a:r>
+            <a:r>
+              <a:rPr lang="nl-NL" sz="2400" dirty="0" smtClean="0"/>
+              <a:t> </a:t>
+            </a:r>
+            <a:r>
+              <a:rPr lang="nl-NL" sz="2400" dirty="0" err="1" smtClean="0"/>
+              <a:t>probabilities</a:t>
+            </a:r>
+            <a:r>
+              <a:rPr lang="nl-NL" sz="2400" dirty="0" smtClean="0"/>
+              <a:t> </a:t>
+            </a:r>
+            <a:r>
+              <a:rPr lang="nl-NL" sz="2400" dirty="0" err="1" smtClean="0"/>
+              <a:t>for</a:t>
+            </a:r>
+            <a:r>
+              <a:rPr lang="nl-NL" sz="2400" dirty="0" smtClean="0"/>
+              <a:t> </a:t>
+            </a:r>
+            <a:r>
+              <a:rPr lang="nl-NL" sz="2400" dirty="0" err="1" smtClean="0"/>
+              <a:t>each</a:t>
+            </a:r>
+            <a:r>
+              <a:rPr lang="nl-NL" sz="2400" dirty="0" smtClean="0"/>
+              <a:t> class </a:t>
+            </a:r>
+            <a:r>
+              <a:rPr lang="nl-NL" sz="2400" dirty="0" err="1" smtClean="0"/>
+              <a:t>C</a:t>
+            </a:r>
+            <a:r>
+              <a:rPr lang="nl-NL" sz="2400" baseline="-25000" dirty="0" err="1" smtClean="0"/>
+              <a:t>i</a:t>
+            </a:r>
+            <a:r>
+              <a:rPr lang="nl-NL" sz="2400" dirty="0" smtClean="0"/>
+              <a:t>:</a:t>
+            </a:r>
+          </a:p>
+          <a:p>
+            <a:endParaRPr lang="nl-NL" sz="2400" dirty="0"/>
+          </a:p>
+          <a:p>
+            <a:pPr marL="0" indent="0">
+              <a:buNone/>
+            </a:pPr>
+            <a:r>
+              <a:rPr lang="nl-NL" sz="2400" dirty="0" smtClean="0"/>
+              <a:t>P(Y = </a:t>
+            </a:r>
+            <a:r>
+              <a:rPr lang="nl-NL" sz="2400" dirty="0" err="1" smtClean="0"/>
+              <a:t>C</a:t>
+            </a:r>
+            <a:r>
+              <a:rPr lang="nl-NL" sz="2400" baseline="-25000" dirty="0" err="1" smtClean="0"/>
+              <a:t>i</a:t>
+            </a:r>
+            <a:r>
+              <a:rPr lang="nl-NL" sz="2400" baseline="-25000" dirty="0" smtClean="0"/>
+              <a:t> </a:t>
+            </a:r>
+            <a:r>
+              <a:rPr lang="nl-NL" sz="2400" dirty="0" smtClean="0"/>
+              <a:t> | X)</a:t>
+            </a:r>
+          </a:p>
+          <a:p>
+            <a:pPr marL="0" indent="0">
+              <a:buNone/>
+            </a:pPr>
+            <a:endParaRPr lang="nl-NL" sz="2400" dirty="0" smtClean="0"/>
+          </a:p>
+          <a:p>
+            <a:r>
+              <a:rPr lang="nl-NL" sz="2400" dirty="0" err="1" smtClean="0"/>
+              <a:t>Typically</a:t>
+            </a:r>
+            <a:r>
+              <a:rPr lang="nl-NL" sz="2400" dirty="0" smtClean="0"/>
+              <a:t>, the </a:t>
+            </a:r>
+            <a:r>
+              <a:rPr lang="nl-NL" sz="2400" dirty="0" err="1" smtClean="0"/>
+              <a:t>classification</a:t>
+            </a:r>
+            <a:r>
+              <a:rPr lang="nl-NL" sz="2400" dirty="0" smtClean="0"/>
+              <a:t> takes the </a:t>
+            </a:r>
+            <a:r>
+              <a:rPr lang="nl-NL" sz="2400" dirty="0" err="1" smtClean="0"/>
+              <a:t>highest</a:t>
+            </a:r>
+            <a:r>
+              <a:rPr lang="nl-NL" sz="2400" dirty="0" smtClean="0"/>
+              <a:t> </a:t>
+            </a:r>
+            <a:r>
+              <a:rPr lang="nl-NL" sz="2400" dirty="0" err="1" smtClean="0"/>
+              <a:t>probability</a:t>
+            </a:r>
+            <a:endParaRPr lang="nl-NL" sz="2400" dirty="0"/>
+          </a:p>
+          <a:p>
+            <a:pPr marL="0" indent="0">
+              <a:buNone/>
+            </a:pPr>
+            <a:endParaRPr lang="nl-NL" sz="2400" dirty="0"/>
           </a:p>
         </p:txBody>
       </p:sp>
     </p:spTree>
     <p:extLst>
       <p:ext uri="{BB962C8B-B14F-4D97-AF65-F5344CB8AC3E}">
-        <p14:creationId xmlns:p14="http://schemas.microsoft.com/office/powerpoint/2010/main" val="3178313802"/>
+        <p14:creationId xmlns:p14="http://schemas.microsoft.com/office/powerpoint/2010/main" val="1198794132"/>
       </p:ext>
     </p:extLst>
   </p:cSld>
@@ -5958,6 +6097,973 @@
           <a:lstStyle/>
           <a:p>
             <a:r>
+              <a:rPr lang="nl-NL" dirty="0" smtClean="0"/>
+              <a:t>Evaluation of </a:t>
+            </a:r>
+            <a:r>
+              <a:rPr lang="nl-NL" dirty="0" err="1" smtClean="0"/>
+              <a:t>classification</a:t>
+            </a:r>
+            <a:endParaRPr lang="nl-NL" dirty="0"/>
+          </a:p>
+        </p:txBody>
+      </p:sp>
+      <mc:AlternateContent xmlns:mc="http://schemas.openxmlformats.org/markup-compatibility/2006" xmlns:a14="http://schemas.microsoft.com/office/drawing/2010/main">
+        <mc:Choice Requires="a14">
+          <p:sp>
+            <p:nvSpPr>
+              <p:cNvPr id="4" name="Tekstvak 3"/>
+              <p:cNvSpPr txBox="1"/>
+              <p:nvPr/>
+            </p:nvSpPr>
+            <p:spPr>
+              <a:xfrm>
+                <a:off x="3851920" y="3740638"/>
+                <a:ext cx="4691156" cy="530594"/>
+              </a:xfrm>
+              <a:prstGeom prst="rect">
+                <a:avLst/>
+              </a:prstGeom>
+              <a:noFill/>
+            </p:spPr>
+            <p:txBody>
+              <a:bodyPr wrap="none" lIns="0" tIns="0" rIns="0" bIns="0" rtlCol="0">
+                <a:spAutoFit/>
+              </a:bodyPr>
+              <a:lstStyle/>
+              <a:p>
+                <a:pPr/>
+                <a14:m>
+                  <m:oMathPara xmlns:m="http://schemas.openxmlformats.org/officeDocument/2006/math">
+                    <m:oMathParaPr>
+                      <m:jc m:val="centerGroup"/>
+                    </m:oMathParaPr>
+                    <m:oMath xmlns:m="http://schemas.openxmlformats.org/officeDocument/2006/math">
+                      <m:r>
+                        <a:rPr lang="nl-NL" sz="1800" b="0" i="1" smtClean="0">
+                          <a:latin typeface="Cambria Math" panose="02040503050406030204" pitchFamily="18" charset="0"/>
+                        </a:rPr>
+                        <m:t>𝑎𝑐𝑐𝑢𝑟𝑎𝑐𝑦</m:t>
+                      </m:r>
+                      <m:r>
+                        <a:rPr lang="nl-NL" sz="1800" b="0" i="1" smtClean="0">
+                          <a:latin typeface="Cambria Math" panose="02040503050406030204" pitchFamily="18" charset="0"/>
+                        </a:rPr>
+                        <m:t>= </m:t>
+                      </m:r>
+                      <m:f>
+                        <m:fPr>
+                          <m:ctrlPr>
+                            <a:rPr lang="nl-NL" sz="1800" b="0" i="1" smtClean="0">
+                              <a:latin typeface="Cambria Math" panose="02040503050406030204" pitchFamily="18" charset="0"/>
+                            </a:rPr>
+                          </m:ctrlPr>
+                        </m:fPr>
+                        <m:num>
+                          <m:r>
+                            <a:rPr lang="nl-NL" sz="1800" b="0" i="1" smtClean="0">
+                              <a:latin typeface="Cambria Math" panose="02040503050406030204" pitchFamily="18" charset="0"/>
+                            </a:rPr>
+                            <m:t>20+50</m:t>
+                          </m:r>
+                        </m:num>
+                        <m:den>
+                          <m:r>
+                            <a:rPr lang="nl-NL" sz="1800" b="0" i="1" smtClean="0">
+                              <a:latin typeface="Cambria Math" panose="02040503050406030204" pitchFamily="18" charset="0"/>
+                            </a:rPr>
+                            <m:t>20+30+10+50</m:t>
+                          </m:r>
+                        </m:den>
+                      </m:f>
+                      <m:r>
+                        <a:rPr lang="nl-NL" sz="1800" b="0" i="1" smtClean="0">
+                          <a:latin typeface="Cambria Math" panose="02040503050406030204" pitchFamily="18" charset="0"/>
+                        </a:rPr>
+                        <m:t>=</m:t>
+                      </m:r>
+                      <m:f>
+                        <m:fPr>
+                          <m:ctrlPr>
+                            <a:rPr lang="nl-NL" sz="1800" b="0" i="1" smtClean="0">
+                              <a:latin typeface="Cambria Math" panose="02040503050406030204" pitchFamily="18" charset="0"/>
+                            </a:rPr>
+                          </m:ctrlPr>
+                        </m:fPr>
+                        <m:num>
+                          <m:r>
+                            <a:rPr lang="nl-NL" sz="1800" b="0" i="1" smtClean="0">
+                              <a:latin typeface="Cambria Math" panose="02040503050406030204" pitchFamily="18" charset="0"/>
+                            </a:rPr>
+                            <m:t>70</m:t>
+                          </m:r>
+                        </m:num>
+                        <m:den>
+                          <m:r>
+                            <a:rPr lang="nl-NL" sz="1800" b="0" i="1" smtClean="0">
+                              <a:latin typeface="Cambria Math" panose="02040503050406030204" pitchFamily="18" charset="0"/>
+                            </a:rPr>
+                            <m:t>110</m:t>
+                          </m:r>
+                        </m:den>
+                      </m:f>
+                      <m:r>
+                        <a:rPr lang="nl-NL" sz="1800" b="0" i="1" smtClean="0">
+                          <a:latin typeface="Cambria Math" panose="02040503050406030204" pitchFamily="18" charset="0"/>
+                        </a:rPr>
+                        <m:t>=0.63 </m:t>
+                      </m:r>
+                    </m:oMath>
+                  </m:oMathPara>
+                </a14:m>
+                <a:endParaRPr lang="nl-NL" sz="1800" dirty="0"/>
+              </a:p>
+            </p:txBody>
+          </p:sp>
+        </mc:Choice>
+        <mc:Fallback xmlns="">
+          <p:sp>
+            <p:nvSpPr>
+              <p:cNvPr id="4" name="Tekstvak 3"/>
+              <p:cNvSpPr txBox="1">
+                <a:spLocks noRot="1" noChangeAspect="1" noMove="1" noResize="1" noEditPoints="1" noAdjustHandles="1" noChangeArrowheads="1" noChangeShapeType="1" noTextEdit="1"/>
+              </p:cNvSpPr>
+              <p:nvPr/>
+            </p:nvSpPr>
+            <p:spPr>
+              <a:xfrm>
+                <a:off x="3851920" y="3740638"/>
+                <a:ext cx="4691156" cy="530594"/>
+              </a:xfrm>
+              <a:prstGeom prst="rect">
+                <a:avLst/>
+              </a:prstGeom>
+              <a:blipFill>
+                <a:blip r:embed="rId2"/>
+                <a:stretch>
+                  <a:fillRect/>
+                </a:stretch>
+              </a:blipFill>
+            </p:spPr>
+            <p:txBody>
+              <a:bodyPr/>
+              <a:lstStyle/>
+              <a:p>
+                <a:r>
+                  <a:rPr lang="nl-NL">
+                    <a:noFill/>
+                  </a:rPr>
+                  <a:t> </a:t>
+                </a:r>
+              </a:p>
+            </p:txBody>
+          </p:sp>
+        </mc:Fallback>
+      </mc:AlternateContent>
+      <mc:AlternateContent xmlns:mc="http://schemas.openxmlformats.org/markup-compatibility/2006" xmlns:a14="http://schemas.microsoft.com/office/drawing/2010/main">
+        <mc:Choice Requires="a14">
+          <p:sp>
+            <p:nvSpPr>
+              <p:cNvPr id="5" name="Tekstvak 4"/>
+              <p:cNvSpPr txBox="1"/>
+              <p:nvPr/>
+            </p:nvSpPr>
+            <p:spPr>
+              <a:xfrm>
+                <a:off x="3851920" y="4705073"/>
+                <a:ext cx="3572260" cy="530594"/>
+              </a:xfrm>
+              <a:prstGeom prst="rect">
+                <a:avLst/>
+              </a:prstGeom>
+              <a:noFill/>
+            </p:spPr>
+            <p:txBody>
+              <a:bodyPr wrap="none" lIns="0" tIns="0" rIns="0" bIns="0" rtlCol="0">
+                <a:spAutoFit/>
+              </a:bodyPr>
+              <a:lstStyle/>
+              <a:p>
+                <a:pPr/>
+                <a14:m>
+                  <m:oMathPara xmlns:m="http://schemas.openxmlformats.org/officeDocument/2006/math">
+                    <m:oMathParaPr>
+                      <m:jc m:val="centerGroup"/>
+                    </m:oMathParaPr>
+                    <m:oMath xmlns:m="http://schemas.openxmlformats.org/officeDocument/2006/math">
+                      <m:r>
+                        <a:rPr lang="nl-NL" sz="1800" b="0" i="1" smtClean="0">
+                          <a:latin typeface="Cambria Math" panose="02040503050406030204" pitchFamily="18" charset="0"/>
+                        </a:rPr>
+                        <m:t>𝑝𝑟𝑒𝑐𝑖𝑠𝑖𝑜𝑛</m:t>
+                      </m:r>
+                      <m:r>
+                        <a:rPr lang="nl-NL" sz="1800" b="0" i="1" smtClean="0">
+                          <a:latin typeface="Cambria Math" panose="02040503050406030204" pitchFamily="18" charset="0"/>
+                        </a:rPr>
+                        <m:t>= </m:t>
+                      </m:r>
+                      <m:f>
+                        <m:fPr>
+                          <m:ctrlPr>
+                            <a:rPr lang="nl-NL" sz="1800" b="0" i="1" smtClean="0">
+                              <a:latin typeface="Cambria Math" panose="02040503050406030204" pitchFamily="18" charset="0"/>
+                            </a:rPr>
+                          </m:ctrlPr>
+                        </m:fPr>
+                        <m:num>
+                          <m:r>
+                            <a:rPr lang="nl-NL" sz="1800" b="0" i="1" smtClean="0">
+                              <a:latin typeface="Cambria Math" panose="02040503050406030204" pitchFamily="18" charset="0"/>
+                            </a:rPr>
+                            <m:t>50</m:t>
+                          </m:r>
+                        </m:num>
+                        <m:den>
+                          <m:r>
+                            <a:rPr lang="nl-NL" sz="1800" b="0" i="1" smtClean="0">
+                              <a:latin typeface="Cambria Math" panose="02040503050406030204" pitchFamily="18" charset="0"/>
+                            </a:rPr>
+                            <m:t>50+10</m:t>
+                          </m:r>
+                        </m:den>
+                      </m:f>
+                      <m:r>
+                        <a:rPr lang="nl-NL" sz="1800" b="0" i="1" smtClean="0">
+                          <a:latin typeface="Cambria Math" panose="02040503050406030204" pitchFamily="18" charset="0"/>
+                        </a:rPr>
+                        <m:t>=</m:t>
+                      </m:r>
+                      <m:f>
+                        <m:fPr>
+                          <m:ctrlPr>
+                            <a:rPr lang="nl-NL" sz="1800" b="0" i="1" smtClean="0">
+                              <a:latin typeface="Cambria Math" panose="02040503050406030204" pitchFamily="18" charset="0"/>
+                            </a:rPr>
+                          </m:ctrlPr>
+                        </m:fPr>
+                        <m:num>
+                          <m:r>
+                            <a:rPr lang="nl-NL" sz="1800" b="0" i="1" smtClean="0">
+                              <a:latin typeface="Cambria Math" panose="02040503050406030204" pitchFamily="18" charset="0"/>
+                            </a:rPr>
+                            <m:t>50</m:t>
+                          </m:r>
+                        </m:num>
+                        <m:den>
+                          <m:r>
+                            <a:rPr lang="nl-NL" sz="1800" b="0" i="1" smtClean="0">
+                              <a:latin typeface="Cambria Math" panose="02040503050406030204" pitchFamily="18" charset="0"/>
+                            </a:rPr>
+                            <m:t>60</m:t>
+                          </m:r>
+                        </m:den>
+                      </m:f>
+                      <m:r>
+                        <a:rPr lang="nl-NL" sz="1800" b="0" i="1" smtClean="0">
+                          <a:latin typeface="Cambria Math" panose="02040503050406030204" pitchFamily="18" charset="0"/>
+                        </a:rPr>
+                        <m:t>= 0.83 </m:t>
+                      </m:r>
+                    </m:oMath>
+                  </m:oMathPara>
+                </a14:m>
+                <a:endParaRPr lang="nl-NL" sz="1800" dirty="0"/>
+              </a:p>
+            </p:txBody>
+          </p:sp>
+        </mc:Choice>
+        <mc:Fallback xmlns="">
+          <p:sp>
+            <p:nvSpPr>
+              <p:cNvPr id="5" name="Tekstvak 4"/>
+              <p:cNvSpPr txBox="1">
+                <a:spLocks noRot="1" noChangeAspect="1" noMove="1" noResize="1" noEditPoints="1" noAdjustHandles="1" noChangeArrowheads="1" noChangeShapeType="1" noTextEdit="1"/>
+              </p:cNvSpPr>
+              <p:nvPr/>
+            </p:nvSpPr>
+            <p:spPr>
+              <a:xfrm>
+                <a:off x="3851920" y="4705073"/>
+                <a:ext cx="3572260" cy="530594"/>
+              </a:xfrm>
+              <a:prstGeom prst="rect">
+                <a:avLst/>
+              </a:prstGeom>
+              <a:blipFill>
+                <a:blip r:embed="rId3"/>
+                <a:stretch>
+                  <a:fillRect/>
+                </a:stretch>
+              </a:blipFill>
+            </p:spPr>
+            <p:txBody>
+              <a:bodyPr/>
+              <a:lstStyle/>
+              <a:p>
+                <a:r>
+                  <a:rPr lang="nl-NL">
+                    <a:noFill/>
+                  </a:rPr>
+                  <a:t> </a:t>
+                </a:r>
+              </a:p>
+            </p:txBody>
+          </p:sp>
+        </mc:Fallback>
+      </mc:AlternateContent>
+      <mc:AlternateContent xmlns:mc="http://schemas.openxmlformats.org/markup-compatibility/2006" xmlns:a14="http://schemas.microsoft.com/office/drawing/2010/main">
+        <mc:Choice Requires="a14">
+          <p:sp>
+            <p:nvSpPr>
+              <p:cNvPr id="6" name="Tekstvak 5"/>
+              <p:cNvSpPr txBox="1"/>
+              <p:nvPr/>
+            </p:nvSpPr>
+            <p:spPr>
+              <a:xfrm>
+                <a:off x="3851920" y="5656179"/>
+                <a:ext cx="3157211" cy="530594"/>
+              </a:xfrm>
+              <a:prstGeom prst="rect">
+                <a:avLst/>
+              </a:prstGeom>
+              <a:noFill/>
+            </p:spPr>
+            <p:txBody>
+              <a:bodyPr wrap="none" lIns="0" tIns="0" rIns="0" bIns="0" rtlCol="0">
+                <a:spAutoFit/>
+              </a:bodyPr>
+              <a:lstStyle/>
+              <a:p>
+                <a:pPr/>
+                <a14:m>
+                  <m:oMathPara xmlns:m="http://schemas.openxmlformats.org/officeDocument/2006/math">
+                    <m:oMathParaPr>
+                      <m:jc m:val="centerGroup"/>
+                    </m:oMathParaPr>
+                    <m:oMath xmlns:m="http://schemas.openxmlformats.org/officeDocument/2006/math">
+                      <m:r>
+                        <a:rPr lang="nl-NL" sz="1800" b="0" i="1" smtClean="0">
+                          <a:latin typeface="Cambria Math" panose="02040503050406030204" pitchFamily="18" charset="0"/>
+                        </a:rPr>
+                        <m:t>𝑟𝑒𝑐𝑎𝑙𝑙</m:t>
+                      </m:r>
+                      <m:r>
+                        <a:rPr lang="nl-NL" sz="1800" b="0" i="1" smtClean="0">
+                          <a:latin typeface="Cambria Math" panose="02040503050406030204" pitchFamily="18" charset="0"/>
+                        </a:rPr>
+                        <m:t>= </m:t>
+                      </m:r>
+                      <m:f>
+                        <m:fPr>
+                          <m:ctrlPr>
+                            <a:rPr lang="nl-NL" sz="1800" b="0" i="1" smtClean="0">
+                              <a:latin typeface="Cambria Math" panose="02040503050406030204" pitchFamily="18" charset="0"/>
+                            </a:rPr>
+                          </m:ctrlPr>
+                        </m:fPr>
+                        <m:num>
+                          <m:r>
+                            <a:rPr lang="nl-NL" sz="1800" b="0" i="1" smtClean="0">
+                              <a:latin typeface="Cambria Math" panose="02040503050406030204" pitchFamily="18" charset="0"/>
+                            </a:rPr>
+                            <m:t>50</m:t>
+                          </m:r>
+                        </m:num>
+                        <m:den>
+                          <m:r>
+                            <a:rPr lang="nl-NL" sz="1800" b="0" i="1" smtClean="0">
+                              <a:latin typeface="Cambria Math" panose="02040503050406030204" pitchFamily="18" charset="0"/>
+                            </a:rPr>
+                            <m:t>30+50</m:t>
+                          </m:r>
+                        </m:den>
+                      </m:f>
+                      <m:r>
+                        <a:rPr lang="nl-NL" sz="1800" b="0" i="1" smtClean="0">
+                          <a:latin typeface="Cambria Math" panose="02040503050406030204" pitchFamily="18" charset="0"/>
+                        </a:rPr>
+                        <m:t>=</m:t>
+                      </m:r>
+                      <m:f>
+                        <m:fPr>
+                          <m:ctrlPr>
+                            <a:rPr lang="nl-NL" sz="1800" b="0" i="1" smtClean="0">
+                              <a:latin typeface="Cambria Math" panose="02040503050406030204" pitchFamily="18" charset="0"/>
+                            </a:rPr>
+                          </m:ctrlPr>
+                        </m:fPr>
+                        <m:num>
+                          <m:r>
+                            <a:rPr lang="nl-NL" sz="1800" b="0" i="1" smtClean="0">
+                              <a:latin typeface="Cambria Math" panose="02040503050406030204" pitchFamily="18" charset="0"/>
+                            </a:rPr>
+                            <m:t>50</m:t>
+                          </m:r>
+                        </m:num>
+                        <m:den>
+                          <m:r>
+                            <a:rPr lang="nl-NL" sz="1800" b="0" i="1" smtClean="0">
+                              <a:latin typeface="Cambria Math" panose="02040503050406030204" pitchFamily="18" charset="0"/>
+                            </a:rPr>
+                            <m:t>80</m:t>
+                          </m:r>
+                        </m:den>
+                      </m:f>
+                      <m:r>
+                        <a:rPr lang="nl-NL" sz="1800" b="0" i="1" smtClean="0">
+                          <a:latin typeface="Cambria Math" panose="02040503050406030204" pitchFamily="18" charset="0"/>
+                        </a:rPr>
+                        <m:t>=0.63 </m:t>
+                      </m:r>
+                    </m:oMath>
+                  </m:oMathPara>
+                </a14:m>
+                <a:endParaRPr lang="nl-NL" sz="1800" dirty="0"/>
+              </a:p>
+            </p:txBody>
+          </p:sp>
+        </mc:Choice>
+        <mc:Fallback xmlns="">
+          <p:sp>
+            <p:nvSpPr>
+              <p:cNvPr id="6" name="Tekstvak 5"/>
+              <p:cNvSpPr txBox="1">
+                <a:spLocks noRot="1" noChangeAspect="1" noMove="1" noResize="1" noEditPoints="1" noAdjustHandles="1" noChangeArrowheads="1" noChangeShapeType="1" noTextEdit="1"/>
+              </p:cNvSpPr>
+              <p:nvPr/>
+            </p:nvSpPr>
+            <p:spPr>
+              <a:xfrm>
+                <a:off x="3851920" y="5656179"/>
+                <a:ext cx="3157211" cy="530594"/>
+              </a:xfrm>
+              <a:prstGeom prst="rect">
+                <a:avLst/>
+              </a:prstGeom>
+              <a:blipFill>
+                <a:blip r:embed="rId4"/>
+                <a:stretch>
+                  <a:fillRect/>
+                </a:stretch>
+              </a:blipFill>
+            </p:spPr>
+            <p:txBody>
+              <a:bodyPr/>
+              <a:lstStyle/>
+              <a:p>
+                <a:r>
+                  <a:rPr lang="nl-NL">
+                    <a:noFill/>
+                  </a:rPr>
+                  <a:t> </a:t>
+                </a:r>
+              </a:p>
+            </p:txBody>
+          </p:sp>
+        </mc:Fallback>
+      </mc:AlternateContent>
+      <p:sp>
+        <p:nvSpPr>
+          <p:cNvPr id="7" name="Tekstvak 6"/>
+          <p:cNvSpPr txBox="1"/>
+          <p:nvPr/>
+        </p:nvSpPr>
+        <p:spPr>
+          <a:xfrm>
+            <a:off x="454048" y="2883999"/>
+            <a:ext cx="2683748" cy="830997"/>
+          </a:xfrm>
+          <a:prstGeom prst="rect">
+            <a:avLst/>
+          </a:prstGeom>
+          <a:noFill/>
+        </p:spPr>
+        <p:txBody>
+          <a:bodyPr wrap="none" rtlCol="0">
+            <a:spAutoFit/>
+          </a:bodyPr>
+          <a:lstStyle/>
+          <a:p>
+            <a:r>
+              <a:rPr lang="nl-NL" sz="1600" dirty="0" err="1" smtClean="0"/>
+              <a:t>What</a:t>
+            </a:r>
+            <a:r>
+              <a:rPr lang="nl-NL" sz="1600" dirty="0" smtClean="0"/>
+              <a:t> </a:t>
+            </a:r>
+            <a:r>
+              <a:rPr lang="nl-NL" sz="1600" dirty="0" err="1" smtClean="0"/>
+              <a:t>proportion</a:t>
+            </a:r>
+            <a:r>
+              <a:rPr lang="nl-NL" sz="1600" dirty="0" smtClean="0"/>
+              <a:t> is </a:t>
+            </a:r>
+            <a:r>
+              <a:rPr lang="nl-NL" sz="1600" dirty="0" err="1" smtClean="0"/>
+              <a:t>correctly</a:t>
+            </a:r>
+            <a:endParaRPr lang="nl-NL" sz="1600" dirty="0" smtClean="0"/>
+          </a:p>
+          <a:p>
+            <a:r>
+              <a:rPr lang="nl-NL" sz="1600" dirty="0" err="1" smtClean="0"/>
+              <a:t>predicted</a:t>
+            </a:r>
+            <a:r>
+              <a:rPr lang="nl-NL" sz="1600" dirty="0" smtClean="0"/>
+              <a:t>?</a:t>
+            </a:r>
+          </a:p>
+          <a:p>
+            <a:endParaRPr lang="nl-NL" sz="1600" dirty="0"/>
+          </a:p>
+        </p:txBody>
+      </p:sp>
+      <p:sp>
+        <p:nvSpPr>
+          <p:cNvPr id="8" name="Tekstvak 7"/>
+          <p:cNvSpPr txBox="1"/>
+          <p:nvPr/>
+        </p:nvSpPr>
+        <p:spPr>
+          <a:xfrm>
+            <a:off x="395536" y="4740753"/>
+            <a:ext cx="3020317" cy="584775"/>
+          </a:xfrm>
+          <a:prstGeom prst="rect">
+            <a:avLst/>
+          </a:prstGeom>
+          <a:noFill/>
+        </p:spPr>
+        <p:txBody>
+          <a:bodyPr wrap="square" rtlCol="0">
+            <a:spAutoFit/>
+          </a:bodyPr>
+          <a:lstStyle/>
+          <a:p>
+            <a:r>
+              <a:rPr lang="nl-NL" sz="1600" dirty="0" smtClean="0"/>
+              <a:t>How </a:t>
+            </a:r>
+            <a:r>
+              <a:rPr lang="nl-NL" sz="1600" dirty="0" err="1" smtClean="0"/>
+              <a:t>much</a:t>
+            </a:r>
+            <a:r>
+              <a:rPr lang="nl-NL" sz="1600" dirty="0" smtClean="0"/>
+              <a:t> of the </a:t>
+            </a:r>
+            <a:r>
+              <a:rPr lang="nl-NL" sz="1600" dirty="0" err="1" smtClean="0"/>
+              <a:t>predicted</a:t>
+            </a:r>
+            <a:r>
+              <a:rPr lang="nl-NL" sz="1600" dirty="0" smtClean="0"/>
+              <a:t> ‘spam’ is </a:t>
+            </a:r>
+            <a:r>
+              <a:rPr lang="nl-NL" sz="1600" dirty="0" err="1" smtClean="0"/>
+              <a:t>actually</a:t>
+            </a:r>
+            <a:r>
+              <a:rPr lang="nl-NL" sz="1600" dirty="0" smtClean="0"/>
+              <a:t> spam? </a:t>
+            </a:r>
+            <a:endParaRPr lang="nl-NL" sz="1600" dirty="0"/>
+          </a:p>
+        </p:txBody>
+      </p:sp>
+      <p:sp>
+        <p:nvSpPr>
+          <p:cNvPr id="9" name="Tekstvak 8"/>
+          <p:cNvSpPr txBox="1"/>
+          <p:nvPr/>
+        </p:nvSpPr>
+        <p:spPr>
+          <a:xfrm>
+            <a:off x="395536" y="5656179"/>
+            <a:ext cx="3020317" cy="584775"/>
+          </a:xfrm>
+          <a:prstGeom prst="rect">
+            <a:avLst/>
+          </a:prstGeom>
+          <a:noFill/>
+        </p:spPr>
+        <p:txBody>
+          <a:bodyPr wrap="square" rtlCol="0">
+            <a:spAutoFit/>
+          </a:bodyPr>
+          <a:lstStyle/>
+          <a:p>
+            <a:r>
+              <a:rPr lang="nl-NL" sz="1600" dirty="0" smtClean="0"/>
+              <a:t>How </a:t>
+            </a:r>
+            <a:r>
+              <a:rPr lang="nl-NL" sz="1600" dirty="0" err="1" smtClean="0"/>
+              <a:t>much</a:t>
+            </a:r>
+            <a:r>
+              <a:rPr lang="nl-NL" sz="1600" dirty="0" smtClean="0"/>
+              <a:t> of the real spam is </a:t>
+            </a:r>
+            <a:r>
+              <a:rPr lang="nl-NL" sz="1600" dirty="0" err="1" smtClean="0"/>
+              <a:t>predicted</a:t>
+            </a:r>
+            <a:r>
+              <a:rPr lang="nl-NL" sz="1600" dirty="0" smtClean="0"/>
+              <a:t> as spam?</a:t>
+            </a:r>
+            <a:endParaRPr lang="nl-NL" sz="1600" dirty="0"/>
+          </a:p>
+        </p:txBody>
+      </p:sp>
+      <p:sp>
+        <p:nvSpPr>
+          <p:cNvPr id="10" name="Tekstvak 9"/>
+          <p:cNvSpPr txBox="1"/>
+          <p:nvPr/>
+        </p:nvSpPr>
+        <p:spPr>
+          <a:xfrm>
+            <a:off x="505344" y="1710954"/>
+            <a:ext cx="2581156" cy="461665"/>
+          </a:xfrm>
+          <a:prstGeom prst="rect">
+            <a:avLst/>
+          </a:prstGeom>
+          <a:noFill/>
+        </p:spPr>
+        <p:txBody>
+          <a:bodyPr wrap="none" rtlCol="0">
+            <a:spAutoFit/>
+          </a:bodyPr>
+          <a:lstStyle/>
+          <a:p>
+            <a:r>
+              <a:rPr lang="nl-NL" sz="2400" dirty="0" err="1" smtClean="0"/>
+              <a:t>Confusion</a:t>
+            </a:r>
+            <a:r>
+              <a:rPr lang="nl-NL" sz="2400" dirty="0" smtClean="0"/>
+              <a:t> matrix:</a:t>
+            </a:r>
+            <a:endParaRPr lang="nl-NL" sz="2400" dirty="0"/>
+          </a:p>
+        </p:txBody>
+      </p:sp>
+      <p:graphicFrame>
+        <p:nvGraphicFramePr>
+          <p:cNvPr id="11" name="Tabel 10"/>
+          <p:cNvGraphicFramePr>
+            <a:graphicFrameLocks noGrp="1"/>
+          </p:cNvGraphicFramePr>
+          <p:nvPr>
+            <p:extLst>
+              <p:ext uri="{D42A27DB-BD31-4B8C-83A1-F6EECF244321}">
+                <p14:modId xmlns:p14="http://schemas.microsoft.com/office/powerpoint/2010/main" val="835273256"/>
+              </p:ext>
+            </p:extLst>
+          </p:nvPr>
+        </p:nvGraphicFramePr>
+        <p:xfrm>
+          <a:off x="3605210" y="1441408"/>
+          <a:ext cx="5184576" cy="1981200"/>
+        </p:xfrm>
+        <a:graphic>
+          <a:graphicData uri="http://schemas.openxmlformats.org/drawingml/2006/table">
+            <a:tbl>
+              <a:tblPr firstRow="1" firstCol="1" bandRow="1">
+                <a:tableStyleId>{5C22544A-7EE6-4342-B048-85BDC9FD1C3A}</a:tableStyleId>
+              </a:tblPr>
+              <a:tblGrid>
+                <a:gridCol w="1577915">
+                  <a:extLst>
+                    <a:ext uri="{9D8B030D-6E8A-4147-A177-3AD203B41FA5}">
+                      <a16:colId xmlns:a16="http://schemas.microsoft.com/office/drawing/2014/main" val="26041744"/>
+                    </a:ext>
+                  </a:extLst>
+                </a:gridCol>
+                <a:gridCol w="1653053">
+                  <a:extLst>
+                    <a:ext uri="{9D8B030D-6E8A-4147-A177-3AD203B41FA5}">
+                      <a16:colId xmlns:a16="http://schemas.microsoft.com/office/drawing/2014/main" val="2902479022"/>
+                    </a:ext>
+                  </a:extLst>
+                </a:gridCol>
+                <a:gridCol w="1953608">
+                  <a:extLst>
+                    <a:ext uri="{9D8B030D-6E8A-4147-A177-3AD203B41FA5}">
+                      <a16:colId xmlns:a16="http://schemas.microsoft.com/office/drawing/2014/main" val="1314794491"/>
+                    </a:ext>
+                  </a:extLst>
+                </a:gridCol>
+              </a:tblGrid>
+              <a:tr h="426936">
+                <a:tc>
+                  <a:txBody>
+                    <a:bodyPr/>
+                    <a:lstStyle/>
+                    <a:p>
+                      <a:pPr algn="r"/>
+                      <a:endParaRPr lang="nl-NL" sz="1600" dirty="0"/>
+                    </a:p>
+                  </a:txBody>
+                  <a:tcPr/>
+                </a:tc>
+                <a:tc>
+                  <a:txBody>
+                    <a:bodyPr/>
+                    <a:lstStyle/>
+                    <a:p>
+                      <a:pPr algn="l"/>
+                      <a:r>
+                        <a:rPr lang="nl-NL" sz="1600" dirty="0" err="1" smtClean="0"/>
+                        <a:t>Predicted</a:t>
+                      </a:r>
+                      <a:r>
+                        <a:rPr lang="nl-NL" sz="1600" dirty="0" smtClean="0"/>
+                        <a:t>: </a:t>
+                      </a:r>
+                    </a:p>
+                    <a:p>
+                      <a:pPr algn="l"/>
+                      <a:r>
+                        <a:rPr lang="nl-NL" sz="1600" dirty="0" err="1" smtClean="0"/>
+                        <a:t>Not</a:t>
+                      </a:r>
+                      <a:r>
+                        <a:rPr lang="nl-NL" sz="1600" baseline="0" dirty="0" smtClean="0"/>
+                        <a:t> s</a:t>
+                      </a:r>
+                      <a:r>
+                        <a:rPr lang="nl-NL" sz="1600" dirty="0" smtClean="0"/>
+                        <a:t>pam</a:t>
+                      </a:r>
+                      <a:endParaRPr lang="nl-NL" sz="1600" dirty="0"/>
+                    </a:p>
+                  </a:txBody>
+                  <a:tcPr/>
+                </a:tc>
+                <a:tc>
+                  <a:txBody>
+                    <a:bodyPr/>
+                    <a:lstStyle/>
+                    <a:p>
+                      <a:pPr algn="l"/>
+                      <a:r>
+                        <a:rPr lang="nl-NL" sz="1600" dirty="0" err="1" smtClean="0"/>
+                        <a:t>Predicted</a:t>
+                      </a:r>
+                      <a:r>
+                        <a:rPr lang="nl-NL" sz="1600" dirty="0" smtClean="0"/>
+                        <a:t>: </a:t>
+                      </a:r>
+                    </a:p>
+                    <a:p>
+                      <a:pPr algn="l"/>
+                      <a:r>
+                        <a:rPr lang="nl-NL" sz="1600" dirty="0" smtClean="0"/>
+                        <a:t>Spam</a:t>
+                      </a:r>
+                      <a:endParaRPr lang="nl-NL" sz="1600" dirty="0"/>
+                    </a:p>
+                  </a:txBody>
+                  <a:tcPr/>
+                </a:tc>
+                <a:extLst>
+                  <a:ext uri="{0D108BD9-81ED-4DB2-BD59-A6C34878D82A}">
+                    <a16:rowId xmlns:a16="http://schemas.microsoft.com/office/drawing/2014/main" val="3305753543"/>
+                  </a:ext>
+                </a:extLst>
+              </a:tr>
+              <a:tr h="426936">
+                <a:tc>
+                  <a:txBody>
+                    <a:bodyPr/>
+                    <a:lstStyle/>
+                    <a:p>
+                      <a:pPr algn="l"/>
+                      <a:r>
+                        <a:rPr lang="nl-NL" sz="1600" dirty="0" err="1" smtClean="0"/>
+                        <a:t>Actual</a:t>
+                      </a:r>
+                      <a:r>
+                        <a:rPr lang="nl-NL" sz="1600" dirty="0" smtClean="0"/>
+                        <a:t>:</a:t>
+                      </a:r>
+                    </a:p>
+                    <a:p>
+                      <a:pPr algn="l"/>
+                      <a:r>
+                        <a:rPr lang="nl-NL" sz="1600" dirty="0" err="1" smtClean="0"/>
+                        <a:t>Not</a:t>
+                      </a:r>
+                      <a:r>
+                        <a:rPr lang="nl-NL" sz="1600" dirty="0" smtClean="0"/>
+                        <a:t> spam</a:t>
+                      </a:r>
+                    </a:p>
+                  </a:txBody>
+                  <a:tcPr/>
+                </a:tc>
+                <a:tc>
+                  <a:txBody>
+                    <a:bodyPr/>
+                    <a:lstStyle/>
+                    <a:p>
+                      <a:pPr algn="r"/>
+                      <a:r>
+                        <a:rPr lang="nl-NL" sz="1600" dirty="0" smtClean="0"/>
+                        <a:t>20</a:t>
+                      </a:r>
+                      <a:endParaRPr lang="nl-NL" sz="1600" dirty="0"/>
+                    </a:p>
+                  </a:txBody>
+                  <a:tcPr/>
+                </a:tc>
+                <a:tc>
+                  <a:txBody>
+                    <a:bodyPr/>
+                    <a:lstStyle/>
+                    <a:p>
+                      <a:pPr algn="r"/>
+                      <a:r>
+                        <a:rPr lang="nl-NL" sz="1600" dirty="0" smtClean="0"/>
+                        <a:t>10</a:t>
+                      </a:r>
+                      <a:endParaRPr lang="nl-NL" sz="1600" dirty="0"/>
+                    </a:p>
+                  </a:txBody>
+                  <a:tcPr/>
+                </a:tc>
+                <a:extLst>
+                  <a:ext uri="{0D108BD9-81ED-4DB2-BD59-A6C34878D82A}">
+                    <a16:rowId xmlns:a16="http://schemas.microsoft.com/office/drawing/2014/main" val="2835981045"/>
+                  </a:ext>
+                </a:extLst>
+              </a:tr>
+              <a:tr h="514278">
+                <a:tc>
+                  <a:txBody>
+                    <a:bodyPr/>
+                    <a:lstStyle/>
+                    <a:p>
+                      <a:pPr algn="l"/>
+                      <a:r>
+                        <a:rPr lang="nl-NL" sz="1600" dirty="0" err="1" smtClean="0"/>
+                        <a:t>Actual</a:t>
+                      </a:r>
+                      <a:r>
+                        <a:rPr lang="nl-NL" sz="1600" dirty="0" smtClean="0"/>
+                        <a:t>:</a:t>
+                      </a:r>
+                    </a:p>
+                    <a:p>
+                      <a:pPr algn="l"/>
+                      <a:r>
+                        <a:rPr lang="nl-NL" sz="1600" dirty="0" smtClean="0"/>
+                        <a:t>Spam</a:t>
+                      </a:r>
+                    </a:p>
+                    <a:p>
+                      <a:pPr algn="l"/>
+                      <a:endParaRPr lang="nl-NL" sz="1600" dirty="0"/>
+                    </a:p>
+                  </a:txBody>
+                  <a:tcPr/>
+                </a:tc>
+                <a:tc>
+                  <a:txBody>
+                    <a:bodyPr/>
+                    <a:lstStyle/>
+                    <a:p>
+                      <a:pPr algn="r"/>
+                      <a:r>
+                        <a:rPr lang="nl-NL" sz="1600" dirty="0" smtClean="0"/>
+                        <a:t>30</a:t>
+                      </a:r>
+                      <a:endParaRPr lang="nl-NL" sz="1600" dirty="0"/>
+                    </a:p>
+                  </a:txBody>
+                  <a:tcPr/>
+                </a:tc>
+                <a:tc>
+                  <a:txBody>
+                    <a:bodyPr/>
+                    <a:lstStyle/>
+                    <a:p>
+                      <a:pPr algn="r"/>
+                      <a:r>
+                        <a:rPr lang="nl-NL" sz="1600" dirty="0" smtClean="0"/>
+                        <a:t>50</a:t>
+                      </a:r>
+                      <a:endParaRPr lang="nl-NL" sz="1600" dirty="0"/>
+                    </a:p>
+                  </a:txBody>
+                  <a:tcPr/>
+                </a:tc>
+                <a:extLst>
+                  <a:ext uri="{0D108BD9-81ED-4DB2-BD59-A6C34878D82A}">
+                    <a16:rowId xmlns:a16="http://schemas.microsoft.com/office/drawing/2014/main" val="1156060425"/>
+                  </a:ext>
+                </a:extLst>
+              </a:tr>
+            </a:tbl>
+          </a:graphicData>
+        </a:graphic>
+      </p:graphicFrame>
+    </p:spTree>
+    <p:extLst>
+      <p:ext uri="{BB962C8B-B14F-4D97-AF65-F5344CB8AC3E}">
+        <p14:creationId xmlns:p14="http://schemas.microsoft.com/office/powerpoint/2010/main" val="923315867"/>
+      </p:ext>
+    </p:extLst>
+  </p:cSld>
+  <p:clrMapOvr>
+    <a:masterClrMapping/>
+  </p:clrMapOvr>
+</p:sld>
+</file>
+
+<file path=ppt/slides/slide7.xml><?xml version="1.0" encoding="utf-8"?>
+<p:sld xmlns:a="http://schemas.openxmlformats.org/drawingml/2006/main" xmlns:r="http://schemas.openxmlformats.org/officeDocument/2006/relationships" xmlns:p="http://schemas.openxmlformats.org/presentationml/2006/main">
+  <p:cSld>
+    <p:spTree>
+      <p:nvGrpSpPr>
+        <p:cNvPr id="1" name=""/>
+        <p:cNvGrpSpPr/>
+        <p:nvPr/>
+      </p:nvGrpSpPr>
+      <p:grpSpPr>
+        <a:xfrm>
+          <a:off x="0" y="0"/>
+          <a:ext cx="0" cy="0"/>
+          <a:chOff x="0" y="0"/>
+          <a:chExt cx="0" cy="0"/>
+        </a:xfrm>
+      </p:grpSpPr>
+      <p:sp>
+        <p:nvSpPr>
+          <p:cNvPr id="2" name="Titel 1"/>
+          <p:cNvSpPr>
+            <a:spLocks noGrp="1"/>
+          </p:cNvSpPr>
+          <p:nvPr>
+            <p:ph type="title"/>
+          </p:nvPr>
+        </p:nvSpPr>
+        <p:spPr/>
+        <p:txBody>
+          <a:bodyPr/>
+          <a:lstStyle/>
+          <a:p>
+            <a:r>
               <a:rPr lang="nl-NL" dirty="0" err="1" smtClean="0"/>
               <a:t>Exercise</a:t>
             </a:r>
@@ -5985,8 +7091,8 @@
         </p:nvSpPr>
         <p:spPr bwMode="auto">
           <a:xfrm>
-            <a:off x="762000" y="1762125"/>
-            <a:ext cx="7881938" cy="1600438"/>
+            <a:off x="838200" y="1484784"/>
+            <a:ext cx="7881938" cy="7029617"/>
           </a:xfrm>
           <a:prstGeom prst="rect">
             <a:avLst/>
@@ -6196,11 +7302,18 @@
               <a:buNone/>
             </a:pPr>
             <a:r>
+              <a:rPr lang="nl-NL" sz="1400" dirty="0" smtClean="0">
+                <a:latin typeface="Courier New" panose="02070309020205020404" pitchFamily="49" charset="0"/>
+                <a:cs typeface="Courier New" panose="02070309020205020404" pitchFamily="49" charset="0"/>
+              </a:rPr>
+              <a:t>In this </a:t>
+            </a:r>
+            <a:r>
               <a:rPr lang="nl-NL" sz="1400" dirty="0" err="1" smtClean="0">
                 <a:latin typeface="Courier New" panose="02070309020205020404" pitchFamily="49" charset="0"/>
                 <a:cs typeface="Courier New" panose="02070309020205020404" pitchFamily="49" charset="0"/>
               </a:rPr>
-              <a:t>When</a:t>
+              <a:t>exercise</a:t>
             </a:r>
             <a:r>
               <a:rPr lang="nl-NL" sz="1400" dirty="0" smtClean="0">
@@ -6214,15 +7327,1018 @@
                 <a:latin typeface="Courier New" panose="02070309020205020404" pitchFamily="49" charset="0"/>
                 <a:cs typeface="Courier New" panose="02070309020205020404" pitchFamily="49" charset="0"/>
               </a:rPr>
-              <a:t>trained</a:t>
+              <a:t>will</a:t>
             </a:r>
             <a:r>
               <a:rPr lang="nl-NL" sz="1400" dirty="0" smtClean="0">
                 <a:latin typeface="Courier New" panose="02070309020205020404" pitchFamily="49" charset="0"/>
                 <a:cs typeface="Courier New" panose="02070309020205020404" pitchFamily="49" charset="0"/>
               </a:rPr>
-              <a:t> the Bart Simpson </a:t>
-            </a:r>
+              <a:t> </a:t>
+            </a:r>
+            <a:r>
+              <a:rPr lang="nl-NL" sz="1400" dirty="0" err="1" smtClean="0">
+                <a:latin typeface="Courier New" panose="02070309020205020404" pitchFamily="49" charset="0"/>
+                <a:cs typeface="Courier New" panose="02070309020205020404" pitchFamily="49" charset="0"/>
+              </a:rPr>
+              <a:t>evaluate</a:t>
+            </a:r>
+            <a:r>
+              <a:rPr lang="nl-NL" sz="1400" dirty="0" smtClean="0">
+                <a:latin typeface="Courier New" panose="02070309020205020404" pitchFamily="49" charset="0"/>
+                <a:cs typeface="Courier New" panose="02070309020205020404" pitchFamily="49" charset="0"/>
+              </a:rPr>
+              <a:t> the model </a:t>
+            </a:r>
+            <a:r>
+              <a:rPr lang="nl-NL" sz="1400" dirty="0" err="1" smtClean="0">
+                <a:latin typeface="Courier New" panose="02070309020205020404" pitchFamily="49" charset="0"/>
+                <a:cs typeface="Courier New" panose="02070309020205020404" pitchFamily="49" charset="0"/>
+              </a:rPr>
+              <a:t>and</a:t>
+            </a:r>
+            <a:r>
+              <a:rPr lang="nl-NL" sz="1400" dirty="0" smtClean="0">
+                <a:latin typeface="Courier New" panose="02070309020205020404" pitchFamily="49" charset="0"/>
+                <a:cs typeface="Courier New" panose="02070309020205020404" pitchFamily="49" charset="0"/>
+              </a:rPr>
+              <a:t> </a:t>
+            </a:r>
+            <a:r>
+              <a:rPr lang="nl-NL" sz="1400" dirty="0" err="1" smtClean="0">
+                <a:latin typeface="Courier New" panose="02070309020205020404" pitchFamily="49" charset="0"/>
+                <a:cs typeface="Courier New" panose="02070309020205020404" pitchFamily="49" charset="0"/>
+              </a:rPr>
+              <a:t>delve</a:t>
+            </a:r>
+            <a:r>
+              <a:rPr lang="nl-NL" sz="1400" dirty="0" smtClean="0">
+                <a:latin typeface="Courier New" panose="02070309020205020404" pitchFamily="49" charset="0"/>
+                <a:cs typeface="Courier New" panose="02070309020205020404" pitchFamily="49" charset="0"/>
+              </a:rPr>
+              <a:t> </a:t>
+            </a:r>
+            <a:r>
+              <a:rPr lang="nl-NL" sz="1400" dirty="0" err="1" smtClean="0">
+                <a:latin typeface="Courier New" panose="02070309020205020404" pitchFamily="49" charset="0"/>
+                <a:cs typeface="Courier New" panose="02070309020205020404" pitchFamily="49" charset="0"/>
+              </a:rPr>
+              <a:t>further</a:t>
+            </a:r>
+            <a:r>
+              <a:rPr lang="nl-NL" sz="1400" dirty="0" smtClean="0">
+                <a:latin typeface="Courier New" panose="02070309020205020404" pitchFamily="49" charset="0"/>
+                <a:cs typeface="Courier New" panose="02070309020205020404" pitchFamily="49" charset="0"/>
+              </a:rPr>
+              <a:t> </a:t>
+            </a:r>
+            <a:r>
+              <a:rPr lang="nl-NL" sz="1400" dirty="0" err="1" smtClean="0">
+                <a:latin typeface="Courier New" panose="02070309020205020404" pitchFamily="49" charset="0"/>
+                <a:cs typeface="Courier New" panose="02070309020205020404" pitchFamily="49" charset="0"/>
+              </a:rPr>
+              <a:t>into</a:t>
+            </a:r>
+            <a:r>
+              <a:rPr lang="nl-NL" sz="1400" dirty="0" smtClean="0">
+                <a:latin typeface="Courier New" panose="02070309020205020404" pitchFamily="49" charset="0"/>
+                <a:cs typeface="Courier New" panose="02070309020205020404" pitchFamily="49" charset="0"/>
+              </a:rPr>
+              <a:t> the data. </a:t>
+            </a:r>
+            <a:r>
+              <a:rPr lang="nl-NL" sz="1400" dirty="0" err="1" smtClean="0">
+                <a:latin typeface="Courier New" panose="02070309020205020404" pitchFamily="49" charset="0"/>
+                <a:cs typeface="Courier New" panose="02070309020205020404" pitchFamily="49" charset="0"/>
+              </a:rPr>
+              <a:t>Remember</a:t>
+            </a:r>
+            <a:r>
+              <a:rPr lang="nl-NL" sz="1400" dirty="0" smtClean="0">
+                <a:latin typeface="Courier New" panose="02070309020205020404" pitchFamily="49" charset="0"/>
+                <a:cs typeface="Courier New" panose="02070309020205020404" pitchFamily="49" charset="0"/>
+              </a:rPr>
+              <a:t> </a:t>
+            </a:r>
+            <a:r>
+              <a:rPr lang="nl-NL" sz="1400" dirty="0" err="1" smtClean="0">
+                <a:latin typeface="Courier New" panose="02070309020205020404" pitchFamily="49" charset="0"/>
+                <a:cs typeface="Courier New" panose="02070309020205020404" pitchFamily="49" charset="0"/>
+              </a:rPr>
+              <a:t>that</a:t>
+            </a:r>
+            <a:r>
+              <a:rPr lang="nl-NL" sz="1400" dirty="0" smtClean="0">
+                <a:latin typeface="Courier New" panose="02070309020205020404" pitchFamily="49" charset="0"/>
+                <a:cs typeface="Courier New" panose="02070309020205020404" pitchFamily="49" charset="0"/>
+              </a:rPr>
+              <a:t> </a:t>
+            </a:r>
+            <a:r>
+              <a:rPr lang="nl-NL" sz="1400" dirty="0" err="1" smtClean="0">
+                <a:latin typeface="Courier New" panose="02070309020205020404" pitchFamily="49" charset="0"/>
+                <a:cs typeface="Courier New" panose="02070309020205020404" pitchFamily="49" charset="0"/>
+              </a:rPr>
+              <a:t>you</a:t>
+            </a:r>
+            <a:r>
+              <a:rPr lang="nl-NL" sz="1400" dirty="0" smtClean="0">
+                <a:latin typeface="Courier New" panose="02070309020205020404" pitchFamily="49" charset="0"/>
+                <a:cs typeface="Courier New" panose="02070309020205020404" pitchFamily="49" charset="0"/>
+              </a:rPr>
+              <a:t> </a:t>
+            </a:r>
+            <a:r>
+              <a:rPr lang="nl-NL" sz="1400" dirty="0" err="1" smtClean="0">
+                <a:latin typeface="Courier New" panose="02070309020205020404" pitchFamily="49" charset="0"/>
+                <a:cs typeface="Courier New" panose="02070309020205020404" pitchFamily="49" charset="0"/>
+              </a:rPr>
+              <a:t>can</a:t>
+            </a:r>
+            <a:r>
+              <a:rPr lang="nl-NL" sz="1400" dirty="0" smtClean="0">
+                <a:latin typeface="Courier New" panose="02070309020205020404" pitchFamily="49" charset="0"/>
+                <a:cs typeface="Courier New" panose="02070309020205020404" pitchFamily="49" charset="0"/>
+              </a:rPr>
+              <a:t> </a:t>
+            </a:r>
+            <a:r>
+              <a:rPr lang="nl-NL" sz="1400" dirty="0" err="1" smtClean="0">
+                <a:latin typeface="Courier New" panose="02070309020205020404" pitchFamily="49" charset="0"/>
+                <a:cs typeface="Courier New" panose="02070309020205020404" pitchFamily="49" charset="0"/>
+              </a:rPr>
+              <a:t>use</a:t>
+            </a:r>
+            <a:r>
+              <a:rPr lang="nl-NL" sz="1400" dirty="0" smtClean="0">
+                <a:latin typeface="Courier New" panose="02070309020205020404" pitchFamily="49" charset="0"/>
+                <a:cs typeface="Courier New" panose="02070309020205020404" pitchFamily="49" charset="0"/>
+              </a:rPr>
+              <a:t> the </a:t>
+            </a:r>
+            <a:r>
+              <a:rPr lang="nl-NL" sz="1400" i="1" dirty="0" err="1" smtClean="0">
+                <a:latin typeface="Courier New" panose="02070309020205020404" pitchFamily="49" charset="0"/>
+                <a:cs typeface="Courier New" panose="02070309020205020404" pitchFamily="49" charset="0"/>
+              </a:rPr>
+              <a:t>Cookbook</a:t>
+            </a:r>
+            <a:r>
+              <a:rPr lang="nl-NL" sz="1400" i="1" dirty="0" smtClean="0">
+                <a:latin typeface="Courier New" panose="02070309020205020404" pitchFamily="49" charset="0"/>
+                <a:cs typeface="Courier New" panose="02070309020205020404" pitchFamily="49" charset="0"/>
+              </a:rPr>
+              <a:t> </a:t>
+            </a:r>
+            <a:r>
+              <a:rPr lang="nl-NL" sz="1400" dirty="0" err="1" smtClean="0">
+                <a:latin typeface="Courier New" panose="02070309020205020404" pitchFamily="49" charset="0"/>
+                <a:cs typeface="Courier New" panose="02070309020205020404" pitchFamily="49" charset="0"/>
+              </a:rPr>
+              <a:t>for</a:t>
+            </a:r>
+            <a:r>
+              <a:rPr lang="nl-NL" sz="1400" dirty="0" smtClean="0">
+                <a:latin typeface="Courier New" panose="02070309020205020404" pitchFamily="49" charset="0"/>
+                <a:cs typeface="Courier New" panose="02070309020205020404" pitchFamily="49" charset="0"/>
+              </a:rPr>
+              <a:t> </a:t>
+            </a:r>
+            <a:r>
+              <a:rPr lang="nl-NL" sz="1400" dirty="0" err="1" smtClean="0">
+                <a:latin typeface="Courier New" panose="02070309020205020404" pitchFamily="49" charset="0"/>
+                <a:cs typeface="Courier New" panose="02070309020205020404" pitchFamily="49" charset="0"/>
+              </a:rPr>
+              <a:t>examples</a:t>
+            </a:r>
+            <a:r>
+              <a:rPr lang="nl-NL" sz="1400" dirty="0" smtClean="0">
+                <a:latin typeface="Courier New" panose="02070309020205020404" pitchFamily="49" charset="0"/>
+                <a:cs typeface="Courier New" panose="02070309020205020404" pitchFamily="49" charset="0"/>
+              </a:rPr>
+              <a:t> of code.</a:t>
+            </a:r>
+          </a:p>
+          <a:p>
+            <a:pPr marL="0" indent="0">
+              <a:buNone/>
+            </a:pPr>
+            <a:endParaRPr lang="nl-NL" sz="1400" kern="0" dirty="0">
+              <a:latin typeface="Courier New" panose="02070309020205020404" pitchFamily="49" charset="0"/>
+              <a:cs typeface="Courier New" panose="02070309020205020404" pitchFamily="49" charset="0"/>
+            </a:endParaRPr>
+          </a:p>
+          <a:p>
+            <a:pPr>
+              <a:buFont typeface="+mj-lt"/>
+              <a:buAutoNum type="arabicPeriod"/>
+            </a:pPr>
+            <a:r>
+              <a:rPr lang="nl-NL" sz="1400" dirty="0" smtClean="0">
+                <a:latin typeface="Courier New" panose="02070309020205020404" pitchFamily="49" charset="0"/>
+                <a:cs typeface="Courier New" panose="02070309020205020404" pitchFamily="49" charset="0"/>
+              </a:rPr>
+              <a:t>Start </a:t>
+            </a:r>
+            <a:r>
+              <a:rPr lang="nl-NL" sz="1400" dirty="0" err="1" smtClean="0">
+                <a:latin typeface="Courier New" panose="02070309020205020404" pitchFamily="49" charset="0"/>
+                <a:cs typeface="Courier New" panose="02070309020205020404" pitchFamily="49" charset="0"/>
+              </a:rPr>
+              <a:t>where</a:t>
+            </a:r>
+            <a:r>
+              <a:rPr lang="nl-NL" sz="1400" dirty="0" smtClean="0">
+                <a:latin typeface="Courier New" panose="02070309020205020404" pitchFamily="49" charset="0"/>
+                <a:cs typeface="Courier New" panose="02070309020205020404" pitchFamily="49" charset="0"/>
+              </a:rPr>
+              <a:t> </a:t>
+            </a:r>
+            <a:r>
+              <a:rPr lang="nl-NL" sz="1400" dirty="0" err="1" smtClean="0">
+                <a:latin typeface="Courier New" panose="02070309020205020404" pitchFamily="49" charset="0"/>
+                <a:cs typeface="Courier New" panose="02070309020205020404" pitchFamily="49" charset="0"/>
+              </a:rPr>
+              <a:t>you</a:t>
+            </a:r>
+            <a:r>
+              <a:rPr lang="nl-NL" sz="1400" dirty="0" smtClean="0">
+                <a:latin typeface="Courier New" panose="02070309020205020404" pitchFamily="49" charset="0"/>
+                <a:cs typeface="Courier New" panose="02070309020205020404" pitchFamily="49" charset="0"/>
+              </a:rPr>
+              <a:t> </a:t>
+            </a:r>
+            <a:r>
+              <a:rPr lang="nl-NL" sz="1400" dirty="0" err="1" smtClean="0">
+                <a:latin typeface="Courier New" panose="02070309020205020404" pitchFamily="49" charset="0"/>
+                <a:cs typeface="Courier New" panose="02070309020205020404" pitchFamily="49" charset="0"/>
+              </a:rPr>
+              <a:t>left</a:t>
+            </a:r>
+            <a:r>
+              <a:rPr lang="nl-NL" sz="1400" dirty="0" smtClean="0">
+                <a:latin typeface="Courier New" panose="02070309020205020404" pitchFamily="49" charset="0"/>
+                <a:cs typeface="Courier New" panose="02070309020205020404" pitchFamily="49" charset="0"/>
+              </a:rPr>
+              <a:t> off. </a:t>
+            </a:r>
+            <a:r>
+              <a:rPr lang="nl-NL" sz="1400" dirty="0" err="1" smtClean="0">
+                <a:latin typeface="Courier New" panose="02070309020205020404" pitchFamily="49" charset="0"/>
+                <a:cs typeface="Courier New" panose="02070309020205020404" pitchFamily="49" charset="0"/>
+              </a:rPr>
+              <a:t>Create</a:t>
+            </a:r>
+            <a:r>
+              <a:rPr lang="nl-NL" sz="1400" dirty="0" smtClean="0">
+                <a:latin typeface="Courier New" panose="02070309020205020404" pitchFamily="49" charset="0"/>
+                <a:cs typeface="Courier New" panose="02070309020205020404" pitchFamily="49" charset="0"/>
+              </a:rPr>
+              <a:t> a </a:t>
+            </a:r>
+            <a:r>
+              <a:rPr lang="nl-NL" sz="1400" dirty="0" err="1" smtClean="0">
+                <a:latin typeface="Courier New" panose="02070309020205020404" pitchFamily="49" charset="0"/>
+                <a:cs typeface="Courier New" panose="02070309020205020404" pitchFamily="49" charset="0"/>
+              </a:rPr>
+              <a:t>confusion</a:t>
+            </a:r>
+            <a:r>
+              <a:rPr lang="nl-NL" sz="1400" dirty="0" smtClean="0">
+                <a:latin typeface="Courier New" panose="02070309020205020404" pitchFamily="49" charset="0"/>
+                <a:cs typeface="Courier New" panose="02070309020205020404" pitchFamily="49" charset="0"/>
+              </a:rPr>
+              <a:t> matrix.</a:t>
+            </a:r>
+          </a:p>
+          <a:p>
+            <a:pPr>
+              <a:buFont typeface="+mj-lt"/>
+              <a:buAutoNum type="arabicPeriod"/>
+            </a:pPr>
+            <a:endParaRPr lang="nl-NL" sz="1400" dirty="0" smtClean="0">
+              <a:latin typeface="Courier New" panose="02070309020205020404" pitchFamily="49" charset="0"/>
+              <a:cs typeface="Courier New" panose="02070309020205020404" pitchFamily="49" charset="0"/>
+            </a:endParaRPr>
+          </a:p>
+          <a:p>
+            <a:pPr>
+              <a:buFont typeface="+mj-lt"/>
+              <a:buAutoNum type="arabicPeriod"/>
+            </a:pPr>
+            <a:r>
+              <a:rPr lang="nl-NL" sz="1400" dirty="0" err="1" smtClean="0">
+                <a:latin typeface="Courier New" panose="02070309020205020404" pitchFamily="49" charset="0"/>
+                <a:cs typeface="Courier New" panose="02070309020205020404" pitchFamily="49" charset="0"/>
+              </a:rPr>
+              <a:t>Calculate</a:t>
+            </a:r>
+            <a:r>
+              <a:rPr lang="nl-NL" sz="1400" dirty="0" smtClean="0">
+                <a:latin typeface="Courier New" panose="02070309020205020404" pitchFamily="49" charset="0"/>
+                <a:cs typeface="Courier New" panose="02070309020205020404" pitchFamily="49" charset="0"/>
+              </a:rPr>
+              <a:t> the </a:t>
+            </a:r>
+            <a:r>
+              <a:rPr lang="nl-NL" sz="1400" dirty="0" err="1" smtClean="0">
+                <a:latin typeface="Courier New" panose="02070309020205020404" pitchFamily="49" charset="0"/>
+                <a:cs typeface="Courier New" panose="02070309020205020404" pitchFamily="49" charset="0"/>
+              </a:rPr>
+              <a:t>accuracy</a:t>
+            </a:r>
+            <a:r>
+              <a:rPr lang="nl-NL" sz="1400" dirty="0" smtClean="0">
+                <a:latin typeface="Courier New" panose="02070309020205020404" pitchFamily="49" charset="0"/>
+                <a:cs typeface="Courier New" panose="02070309020205020404" pitchFamily="49" charset="0"/>
+              </a:rPr>
+              <a:t> </a:t>
+            </a:r>
+            <a:r>
+              <a:rPr lang="nl-NL" sz="1400" dirty="0" err="1" smtClean="0">
+                <a:latin typeface="Courier New" panose="02070309020205020404" pitchFamily="49" charset="0"/>
+                <a:cs typeface="Courier New" panose="02070309020205020404" pitchFamily="49" charset="0"/>
+              </a:rPr>
+              <a:t>and</a:t>
+            </a:r>
+            <a:r>
+              <a:rPr lang="nl-NL" sz="1400" dirty="0" smtClean="0">
+                <a:latin typeface="Courier New" panose="02070309020205020404" pitchFamily="49" charset="0"/>
+                <a:cs typeface="Courier New" panose="02070309020205020404" pitchFamily="49" charset="0"/>
+              </a:rPr>
+              <a:t> the </a:t>
+            </a:r>
+            <a:r>
+              <a:rPr lang="nl-NL" sz="1400" dirty="0" err="1" smtClean="0">
+                <a:latin typeface="Courier New" panose="02070309020205020404" pitchFamily="49" charset="0"/>
+                <a:cs typeface="Courier New" panose="02070309020205020404" pitchFamily="49" charset="0"/>
+              </a:rPr>
+              <a:t>recall</a:t>
+            </a:r>
+            <a:r>
+              <a:rPr lang="nl-NL" sz="1400" dirty="0" smtClean="0">
+                <a:latin typeface="Courier New" panose="02070309020205020404" pitchFamily="49" charset="0"/>
+                <a:cs typeface="Courier New" panose="02070309020205020404" pitchFamily="49" charset="0"/>
+              </a:rPr>
+              <a:t> </a:t>
+            </a:r>
+            <a:r>
+              <a:rPr lang="nl-NL" sz="1400" dirty="0" err="1" smtClean="0">
+                <a:latin typeface="Courier New" panose="02070309020205020404" pitchFamily="49" charset="0"/>
+                <a:cs typeface="Courier New" panose="02070309020205020404" pitchFamily="49" charset="0"/>
+              </a:rPr>
+              <a:t>and</a:t>
+            </a:r>
+            <a:r>
+              <a:rPr lang="nl-NL" sz="1400" dirty="0" smtClean="0">
+                <a:latin typeface="Courier New" panose="02070309020205020404" pitchFamily="49" charset="0"/>
+                <a:cs typeface="Courier New" panose="02070309020205020404" pitchFamily="49" charset="0"/>
+              </a:rPr>
+              <a:t> </a:t>
+            </a:r>
+            <a:r>
+              <a:rPr lang="nl-NL" sz="1400" dirty="0" err="1" smtClean="0">
+                <a:latin typeface="Courier New" panose="02070309020205020404" pitchFamily="49" charset="0"/>
+                <a:cs typeface="Courier New" panose="02070309020205020404" pitchFamily="49" charset="0"/>
+              </a:rPr>
+              <a:t>precision</a:t>
+            </a:r>
+            <a:r>
+              <a:rPr lang="nl-NL" sz="1400" dirty="0" smtClean="0">
+                <a:latin typeface="Courier New" panose="02070309020205020404" pitchFamily="49" charset="0"/>
+                <a:cs typeface="Courier New" panose="02070309020205020404" pitchFamily="49" charset="0"/>
+              </a:rPr>
+              <a:t> </a:t>
+            </a:r>
+            <a:r>
+              <a:rPr lang="nl-NL" sz="1400" dirty="0" err="1" smtClean="0">
+                <a:latin typeface="Courier New" panose="02070309020205020404" pitchFamily="49" charset="0"/>
+                <a:cs typeface="Courier New" panose="02070309020205020404" pitchFamily="49" charset="0"/>
+              </a:rPr>
+              <a:t>for</a:t>
+            </a:r>
+            <a:r>
+              <a:rPr lang="nl-NL" sz="1400" dirty="0" smtClean="0">
+                <a:latin typeface="Courier New" panose="02070309020205020404" pitchFamily="49" charset="0"/>
+                <a:cs typeface="Courier New" panose="02070309020205020404" pitchFamily="49" charset="0"/>
+              </a:rPr>
+              <a:t> </a:t>
+            </a:r>
+            <a:r>
+              <a:rPr lang="nl-NL" sz="1400" dirty="0" err="1" smtClean="0">
+                <a:latin typeface="Courier New" panose="02070309020205020404" pitchFamily="49" charset="0"/>
+                <a:cs typeface="Courier New" panose="02070309020205020404" pitchFamily="49" charset="0"/>
+              </a:rPr>
+              <a:t>both</a:t>
+            </a:r>
+            <a:r>
+              <a:rPr lang="nl-NL" sz="1400" dirty="0" smtClean="0">
+                <a:latin typeface="Courier New" panose="02070309020205020404" pitchFamily="49" charset="0"/>
+                <a:cs typeface="Courier New" panose="02070309020205020404" pitchFamily="49" charset="0"/>
+              </a:rPr>
+              <a:t> Bart </a:t>
+            </a:r>
+            <a:r>
+              <a:rPr lang="nl-NL" sz="1400" dirty="0" err="1" smtClean="0">
+                <a:latin typeface="Courier New" panose="02070309020205020404" pitchFamily="49" charset="0"/>
+                <a:cs typeface="Courier New" panose="02070309020205020404" pitchFamily="49" charset="0"/>
+              </a:rPr>
+              <a:t>and</a:t>
+            </a:r>
+            <a:r>
+              <a:rPr lang="nl-NL" sz="1400" dirty="0" smtClean="0">
+                <a:latin typeface="Courier New" panose="02070309020205020404" pitchFamily="49" charset="0"/>
+                <a:cs typeface="Courier New" panose="02070309020205020404" pitchFamily="49" charset="0"/>
+              </a:rPr>
+              <a:t> Lisa</a:t>
+            </a:r>
+          </a:p>
+          <a:p>
+            <a:pPr>
+              <a:buFont typeface="+mj-lt"/>
+              <a:buAutoNum type="arabicPeriod"/>
+            </a:pPr>
+            <a:endParaRPr lang="nl-NL" sz="1400" kern="0" dirty="0">
+              <a:latin typeface="Courier New" panose="02070309020205020404" pitchFamily="49" charset="0"/>
+              <a:cs typeface="Courier New" panose="02070309020205020404" pitchFamily="49" charset="0"/>
+            </a:endParaRPr>
+          </a:p>
+          <a:p>
+            <a:pPr>
+              <a:buFont typeface="+mj-lt"/>
+              <a:buAutoNum type="arabicPeriod"/>
+            </a:pPr>
+            <a:r>
+              <a:rPr lang="nl-NL" sz="1400" dirty="0" smtClean="0">
+                <a:latin typeface="Courier New" panose="02070309020205020404" pitchFamily="49" charset="0"/>
+                <a:cs typeface="Courier New" panose="02070309020205020404" pitchFamily="49" charset="0"/>
+              </a:rPr>
+              <a:t>Check out </a:t>
+            </a:r>
+            <a:r>
+              <a:rPr lang="nl-NL" sz="1400" dirty="0" smtClean="0">
+                <a:latin typeface="Courier New" panose="02070309020205020404" pitchFamily="49" charset="0"/>
+                <a:cs typeface="Courier New" panose="02070309020205020404" pitchFamily="49" charset="0"/>
+                <a:hlinkClick r:id="rId2"/>
+              </a:rPr>
+              <a:t>the documentation</a:t>
+            </a:r>
+            <a:r>
+              <a:rPr lang="nl-NL" sz="1400" dirty="0" smtClean="0">
+                <a:latin typeface="Courier New" panose="02070309020205020404" pitchFamily="49" charset="0"/>
+                <a:cs typeface="Courier New" panose="02070309020205020404" pitchFamily="49" charset="0"/>
+              </a:rPr>
+              <a:t> on </a:t>
+            </a:r>
+            <a:r>
+              <a:rPr lang="nl-NL" sz="1400" dirty="0" err="1" smtClean="0">
+                <a:latin typeface="Courier New" panose="02070309020205020404" pitchFamily="49" charset="0"/>
+                <a:cs typeface="Courier New" panose="02070309020205020404" pitchFamily="49" charset="0"/>
+              </a:rPr>
+              <a:t>how</a:t>
+            </a:r>
+            <a:r>
+              <a:rPr lang="nl-NL" sz="1400" dirty="0" smtClean="0">
+                <a:latin typeface="Courier New" panose="02070309020205020404" pitchFamily="49" charset="0"/>
+                <a:cs typeface="Courier New" panose="02070309020205020404" pitchFamily="49" charset="0"/>
+              </a:rPr>
+              <a:t> </a:t>
+            </a:r>
+            <a:r>
+              <a:rPr lang="nl-NL" sz="1400" dirty="0" err="1" smtClean="0">
+                <a:latin typeface="Courier New" panose="02070309020205020404" pitchFamily="49" charset="0"/>
+                <a:cs typeface="Courier New" panose="02070309020205020404" pitchFamily="49" charset="0"/>
+              </a:rPr>
+              <a:t>to</a:t>
+            </a:r>
+            <a:r>
+              <a:rPr lang="nl-NL" sz="1400" dirty="0" smtClean="0">
+                <a:latin typeface="Courier New" panose="02070309020205020404" pitchFamily="49" charset="0"/>
+                <a:cs typeface="Courier New" panose="02070309020205020404" pitchFamily="49" charset="0"/>
+              </a:rPr>
+              <a:t> get the </a:t>
+            </a:r>
+            <a:r>
+              <a:rPr lang="nl-NL" sz="1400" i="1" dirty="0" err="1" smtClean="0">
+                <a:latin typeface="Courier New" panose="02070309020205020404" pitchFamily="49" charset="0"/>
+                <a:cs typeface="Courier New" panose="02070309020205020404" pitchFamily="49" charset="0"/>
+              </a:rPr>
+              <a:t>probabilities</a:t>
+            </a:r>
+            <a:r>
+              <a:rPr lang="nl-NL" sz="1400" i="1" dirty="0" smtClean="0">
+                <a:latin typeface="Courier New" panose="02070309020205020404" pitchFamily="49" charset="0"/>
+                <a:cs typeface="Courier New" panose="02070309020205020404" pitchFamily="49" charset="0"/>
+              </a:rPr>
+              <a:t> </a:t>
+            </a:r>
+            <a:r>
+              <a:rPr lang="nl-NL" sz="1400" dirty="0" err="1" smtClean="0">
+                <a:latin typeface="Courier New" panose="02070309020205020404" pitchFamily="49" charset="0"/>
+                <a:cs typeface="Courier New" panose="02070309020205020404" pitchFamily="49" charset="0"/>
+              </a:rPr>
+              <a:t>for</a:t>
+            </a:r>
+            <a:r>
+              <a:rPr lang="nl-NL" sz="1400" dirty="0" smtClean="0">
+                <a:latin typeface="Courier New" panose="02070309020205020404" pitchFamily="49" charset="0"/>
+                <a:cs typeface="Courier New" panose="02070309020205020404" pitchFamily="49" charset="0"/>
+              </a:rPr>
+              <a:t> a </a:t>
+            </a:r>
+            <a:r>
+              <a:rPr lang="nl-NL" sz="1400" dirty="0" err="1" smtClean="0">
+                <a:latin typeface="Courier New" panose="02070309020205020404" pitchFamily="49" charset="0"/>
+                <a:cs typeface="Courier New" panose="02070309020205020404" pitchFamily="49" charset="0"/>
+              </a:rPr>
+              <a:t>certain</a:t>
+            </a:r>
+            <a:r>
+              <a:rPr lang="nl-NL" sz="1400" dirty="0" smtClean="0">
+                <a:latin typeface="Courier New" panose="02070309020205020404" pitchFamily="49" charset="0"/>
+                <a:cs typeface="Courier New" panose="02070309020205020404" pitchFamily="49" charset="0"/>
+              </a:rPr>
+              <a:t> text, </a:t>
+            </a:r>
+            <a:r>
+              <a:rPr lang="nl-NL" sz="1400" dirty="0" err="1" smtClean="0">
+                <a:latin typeface="Courier New" panose="02070309020205020404" pitchFamily="49" charset="0"/>
+                <a:cs typeface="Courier New" panose="02070309020205020404" pitchFamily="49" charset="0"/>
+              </a:rPr>
+              <a:t>instead</a:t>
+            </a:r>
+            <a:r>
+              <a:rPr lang="nl-NL" sz="1400" dirty="0" smtClean="0">
+                <a:latin typeface="Courier New" panose="02070309020205020404" pitchFamily="49" charset="0"/>
+                <a:cs typeface="Courier New" panose="02070309020205020404" pitchFamily="49" charset="0"/>
+              </a:rPr>
+              <a:t> of a </a:t>
+            </a:r>
+            <a:r>
+              <a:rPr lang="nl-NL" sz="1400" dirty="0" err="1" smtClean="0">
+                <a:latin typeface="Courier New" panose="02070309020205020404" pitchFamily="49" charset="0"/>
+                <a:cs typeface="Courier New" panose="02070309020205020404" pitchFamily="49" charset="0"/>
+              </a:rPr>
+              <a:t>categorization</a:t>
+            </a:r>
+            <a:r>
+              <a:rPr lang="nl-NL" sz="1400" dirty="0" smtClean="0">
+                <a:latin typeface="Courier New" panose="02070309020205020404" pitchFamily="49" charset="0"/>
+                <a:cs typeface="Courier New" panose="02070309020205020404" pitchFamily="49" charset="0"/>
+              </a:rPr>
+              <a:t>. </a:t>
+            </a:r>
+            <a:r>
+              <a:rPr lang="nl-NL" sz="1400" dirty="0" err="1" smtClean="0">
+                <a:latin typeface="Courier New" panose="02070309020205020404" pitchFamily="49" charset="0"/>
+                <a:cs typeface="Courier New" panose="02070309020205020404" pitchFamily="49" charset="0"/>
+              </a:rPr>
+              <a:t>Try</a:t>
+            </a:r>
+            <a:r>
+              <a:rPr lang="nl-NL" sz="1400" dirty="0" smtClean="0">
+                <a:latin typeface="Courier New" panose="02070309020205020404" pitchFamily="49" charset="0"/>
+                <a:cs typeface="Courier New" panose="02070309020205020404" pitchFamily="49" charset="0"/>
+              </a:rPr>
+              <a:t> </a:t>
+            </a:r>
+            <a:r>
+              <a:rPr lang="nl-NL" sz="1400" dirty="0" err="1" smtClean="0">
+                <a:latin typeface="Courier New" panose="02070309020205020404" pitchFamily="49" charset="0"/>
+                <a:cs typeface="Courier New" panose="02070309020205020404" pitchFamily="49" charset="0"/>
+              </a:rPr>
+              <a:t>it</a:t>
+            </a:r>
+            <a:r>
+              <a:rPr lang="nl-NL" sz="1400" dirty="0" smtClean="0">
+                <a:latin typeface="Courier New" panose="02070309020205020404" pitchFamily="49" charset="0"/>
+                <a:cs typeface="Courier New" panose="02070309020205020404" pitchFamily="49" charset="0"/>
+              </a:rPr>
+              <a:t> on a line of </a:t>
+            </a:r>
+            <a:r>
+              <a:rPr lang="nl-NL" sz="1400" dirty="0" err="1" smtClean="0">
+                <a:latin typeface="Courier New" panose="02070309020205020404" pitchFamily="49" charset="0"/>
+                <a:cs typeface="Courier New" panose="02070309020205020404" pitchFamily="49" charset="0"/>
+              </a:rPr>
+              <a:t>dialogue</a:t>
+            </a:r>
+            <a:r>
+              <a:rPr lang="nl-NL" sz="1400" dirty="0" smtClean="0">
+                <a:latin typeface="Courier New" panose="02070309020205020404" pitchFamily="49" charset="0"/>
+                <a:cs typeface="Courier New" panose="02070309020205020404" pitchFamily="49" charset="0"/>
+              </a:rPr>
+              <a:t>.</a:t>
+            </a:r>
+          </a:p>
+          <a:p>
+            <a:pPr>
+              <a:buFont typeface="+mj-lt"/>
+              <a:buAutoNum type="arabicPeriod"/>
+            </a:pPr>
+            <a:endParaRPr lang="nl-NL" sz="1400" dirty="0">
+              <a:latin typeface="Courier New" panose="02070309020205020404" pitchFamily="49" charset="0"/>
+              <a:cs typeface="Courier New" panose="02070309020205020404" pitchFamily="49" charset="0"/>
+            </a:endParaRPr>
+          </a:p>
+          <a:p>
+            <a:pPr>
+              <a:buFont typeface="+mj-lt"/>
+              <a:buAutoNum type="arabicPeriod"/>
+            </a:pPr>
+            <a:r>
+              <a:rPr lang="nl-NL" sz="1400" dirty="0" smtClean="0">
+                <a:latin typeface="Courier New" panose="02070309020205020404" pitchFamily="49" charset="0"/>
+                <a:cs typeface="Courier New" panose="02070309020205020404" pitchFamily="49" charset="0"/>
+              </a:rPr>
+              <a:t>How </a:t>
+            </a:r>
+            <a:r>
+              <a:rPr lang="nl-NL" sz="1400" dirty="0" err="1" smtClean="0">
+                <a:latin typeface="Courier New" panose="02070309020205020404" pitchFamily="49" charset="0"/>
+                <a:cs typeface="Courier New" panose="02070309020205020404" pitchFamily="49" charset="0"/>
+              </a:rPr>
+              <a:t>can</a:t>
+            </a:r>
+            <a:r>
+              <a:rPr lang="nl-NL" sz="1400" dirty="0" smtClean="0">
+                <a:latin typeface="Courier New" panose="02070309020205020404" pitchFamily="49" charset="0"/>
+                <a:cs typeface="Courier New" panose="02070309020205020404" pitchFamily="49" charset="0"/>
+              </a:rPr>
+              <a:t> we </a:t>
+            </a:r>
+            <a:r>
+              <a:rPr lang="nl-NL" sz="1400" dirty="0" err="1" smtClean="0">
+                <a:latin typeface="Courier New" panose="02070309020205020404" pitchFamily="49" charset="0"/>
+                <a:cs typeface="Courier New" panose="02070309020205020404" pitchFamily="49" charset="0"/>
+              </a:rPr>
+              <a:t>interpret</a:t>
+            </a:r>
+            <a:r>
+              <a:rPr lang="nl-NL" sz="1400" dirty="0" smtClean="0">
+                <a:latin typeface="Courier New" panose="02070309020205020404" pitchFamily="49" charset="0"/>
+                <a:cs typeface="Courier New" panose="02070309020205020404" pitchFamily="49" charset="0"/>
+              </a:rPr>
+              <a:t> the </a:t>
+            </a:r>
+            <a:r>
+              <a:rPr lang="nl-NL" sz="1400" i="1" dirty="0" err="1" smtClean="0">
+                <a:latin typeface="Courier New" panose="02070309020205020404" pitchFamily="49" charset="0"/>
+                <a:cs typeface="Courier New" panose="02070309020205020404" pitchFamily="49" charset="0"/>
+              </a:rPr>
+              <a:t>MultinomialNB</a:t>
+            </a:r>
+            <a:r>
+              <a:rPr lang="nl-NL" sz="1400" i="1" dirty="0" smtClean="0">
+                <a:latin typeface="Courier New" panose="02070309020205020404" pitchFamily="49" charset="0"/>
+                <a:cs typeface="Courier New" panose="02070309020205020404" pitchFamily="49" charset="0"/>
+              </a:rPr>
+              <a:t> </a:t>
+            </a:r>
+            <a:r>
+              <a:rPr lang="nl-NL" sz="1400" dirty="0" err="1" smtClean="0">
+                <a:latin typeface="Courier New" panose="02070309020205020404" pitchFamily="49" charset="0"/>
+                <a:cs typeface="Courier New" panose="02070309020205020404" pitchFamily="49" charset="0"/>
+              </a:rPr>
+              <a:t>attribute</a:t>
+            </a:r>
+            <a:r>
+              <a:rPr lang="nl-NL" sz="1400" dirty="0" smtClean="0">
+                <a:latin typeface="Courier New" panose="02070309020205020404" pitchFamily="49" charset="0"/>
+                <a:cs typeface="Courier New" panose="02070309020205020404" pitchFamily="49" charset="0"/>
+              </a:rPr>
+              <a:t> </a:t>
+            </a:r>
+            <a:r>
+              <a:rPr lang="nl-NL" sz="1400" i="1" dirty="0" err="1" smtClean="0">
+                <a:latin typeface="Courier New" panose="02070309020205020404" pitchFamily="49" charset="0"/>
+                <a:cs typeface="Courier New" panose="02070309020205020404" pitchFamily="49" charset="0"/>
+              </a:rPr>
+              <a:t>feature_log_prob</a:t>
+            </a:r>
+            <a:r>
+              <a:rPr lang="nl-NL" sz="1400" i="1" dirty="0" smtClean="0">
+                <a:latin typeface="Courier New" panose="02070309020205020404" pitchFamily="49" charset="0"/>
+                <a:cs typeface="Courier New" panose="02070309020205020404" pitchFamily="49" charset="0"/>
+              </a:rPr>
+              <a:t>_</a:t>
+            </a:r>
+            <a:r>
+              <a:rPr lang="nl-NL" sz="1400" dirty="0" smtClean="0">
+                <a:latin typeface="Courier New" panose="02070309020205020404" pitchFamily="49" charset="0"/>
+                <a:cs typeface="Courier New" panose="02070309020205020404" pitchFamily="49" charset="0"/>
+              </a:rPr>
+              <a:t>? Print </a:t>
+            </a:r>
+            <a:r>
+              <a:rPr lang="nl-NL" sz="1400" dirty="0" err="1" smtClean="0">
+                <a:latin typeface="Courier New" panose="02070309020205020404" pitchFamily="49" charset="0"/>
+                <a:cs typeface="Courier New" panose="02070309020205020404" pitchFamily="49" charset="0"/>
+              </a:rPr>
+              <a:t>it</a:t>
+            </a:r>
+            <a:r>
+              <a:rPr lang="nl-NL" sz="1400" dirty="0" smtClean="0">
+                <a:latin typeface="Courier New" panose="02070309020205020404" pitchFamily="49" charset="0"/>
+                <a:cs typeface="Courier New" panose="02070309020205020404" pitchFamily="49" charset="0"/>
+              </a:rPr>
+              <a:t> </a:t>
+            </a:r>
+            <a:r>
+              <a:rPr lang="nl-NL" sz="1400" dirty="0" err="1" smtClean="0">
+                <a:latin typeface="Courier New" panose="02070309020205020404" pitchFamily="49" charset="0"/>
+                <a:cs typeface="Courier New" panose="02070309020205020404" pitchFamily="49" charset="0"/>
+              </a:rPr>
+              <a:t>and</a:t>
+            </a:r>
+            <a:r>
+              <a:rPr lang="nl-NL" sz="1400" dirty="0" smtClean="0">
+                <a:latin typeface="Courier New" panose="02070309020205020404" pitchFamily="49" charset="0"/>
+                <a:cs typeface="Courier New" panose="02070309020205020404" pitchFamily="49" charset="0"/>
+              </a:rPr>
+              <a:t> </a:t>
+            </a:r>
+            <a:r>
+              <a:rPr lang="nl-NL" sz="1400" dirty="0" err="1" smtClean="0">
+                <a:latin typeface="Courier New" panose="02070309020205020404" pitchFamily="49" charset="0"/>
+                <a:cs typeface="Courier New" panose="02070309020205020404" pitchFamily="49" charset="0"/>
+              </a:rPr>
+              <a:t>see</a:t>
+            </a:r>
+            <a:r>
+              <a:rPr lang="nl-NL" sz="1400" dirty="0" smtClean="0">
+                <a:latin typeface="Courier New" panose="02070309020205020404" pitchFamily="49" charset="0"/>
+                <a:cs typeface="Courier New" panose="02070309020205020404" pitchFamily="49" charset="0"/>
+              </a:rPr>
+              <a:t> </a:t>
+            </a:r>
+            <a:r>
+              <a:rPr lang="nl-NL" sz="1400" dirty="0" err="1" smtClean="0">
+                <a:latin typeface="Courier New" panose="02070309020205020404" pitchFamily="49" charset="0"/>
+                <a:cs typeface="Courier New" panose="02070309020205020404" pitchFamily="49" charset="0"/>
+              </a:rPr>
+              <a:t>if</a:t>
+            </a:r>
+            <a:r>
+              <a:rPr lang="nl-NL" sz="1400" dirty="0" smtClean="0">
+                <a:latin typeface="Courier New" panose="02070309020205020404" pitchFamily="49" charset="0"/>
+                <a:cs typeface="Courier New" panose="02070309020205020404" pitchFamily="49" charset="0"/>
+              </a:rPr>
+              <a:t> </a:t>
+            </a:r>
+            <a:r>
+              <a:rPr lang="nl-NL" sz="1400" dirty="0" err="1" smtClean="0">
+                <a:latin typeface="Courier New" panose="02070309020205020404" pitchFamily="49" charset="0"/>
+                <a:cs typeface="Courier New" panose="02070309020205020404" pitchFamily="49" charset="0"/>
+              </a:rPr>
+              <a:t>you</a:t>
+            </a:r>
+            <a:r>
+              <a:rPr lang="nl-NL" sz="1400" dirty="0" smtClean="0">
+                <a:latin typeface="Courier New" panose="02070309020205020404" pitchFamily="49" charset="0"/>
+                <a:cs typeface="Courier New" panose="02070309020205020404" pitchFamily="49" charset="0"/>
+              </a:rPr>
+              <a:t> </a:t>
+            </a:r>
+            <a:r>
+              <a:rPr lang="nl-NL" sz="1400" dirty="0" err="1" smtClean="0">
+                <a:latin typeface="Courier New" panose="02070309020205020404" pitchFamily="49" charset="0"/>
+                <a:cs typeface="Courier New" panose="02070309020205020404" pitchFamily="49" charset="0"/>
+              </a:rPr>
+              <a:t>can</a:t>
+            </a:r>
+            <a:r>
+              <a:rPr lang="nl-NL" sz="1400" dirty="0" smtClean="0">
+                <a:latin typeface="Courier New" panose="02070309020205020404" pitchFamily="49" charset="0"/>
+                <a:cs typeface="Courier New" panose="02070309020205020404" pitchFamily="49" charset="0"/>
+              </a:rPr>
+              <a:t> </a:t>
+            </a:r>
+            <a:r>
+              <a:rPr lang="nl-NL" sz="1400" dirty="0" err="1" smtClean="0">
+                <a:latin typeface="Courier New" panose="02070309020205020404" pitchFamily="49" charset="0"/>
+                <a:cs typeface="Courier New" panose="02070309020205020404" pitchFamily="49" charset="0"/>
+              </a:rPr>
+              <a:t>understand</a:t>
+            </a:r>
+            <a:r>
+              <a:rPr lang="nl-NL" sz="1400" dirty="0" smtClean="0">
+                <a:latin typeface="Courier New" panose="02070309020205020404" pitchFamily="49" charset="0"/>
+                <a:cs typeface="Courier New" panose="02070309020205020404" pitchFamily="49" charset="0"/>
+              </a:rPr>
+              <a:t> </a:t>
+            </a:r>
+            <a:r>
+              <a:rPr lang="nl-NL" sz="1400" dirty="0" err="1" smtClean="0">
+                <a:latin typeface="Courier New" panose="02070309020205020404" pitchFamily="49" charset="0"/>
+                <a:cs typeface="Courier New" panose="02070309020205020404" pitchFamily="49" charset="0"/>
+              </a:rPr>
+              <a:t>it</a:t>
+            </a:r>
+            <a:r>
+              <a:rPr lang="nl-NL" sz="1400" dirty="0" smtClean="0">
+                <a:latin typeface="Courier New" panose="02070309020205020404" pitchFamily="49" charset="0"/>
+                <a:cs typeface="Courier New" panose="02070309020205020404" pitchFamily="49" charset="0"/>
+              </a:rPr>
+              <a:t> (</a:t>
+            </a:r>
+            <a:r>
+              <a:rPr lang="nl-NL" sz="1400" dirty="0" err="1" smtClean="0">
+                <a:latin typeface="Courier New" panose="02070309020205020404" pitchFamily="49" charset="0"/>
+                <a:cs typeface="Courier New" panose="02070309020205020404" pitchFamily="49" charset="0"/>
+              </a:rPr>
+              <a:t>also</a:t>
+            </a:r>
+            <a:r>
+              <a:rPr lang="nl-NL" sz="1400" dirty="0" smtClean="0">
+                <a:latin typeface="Courier New" panose="02070309020205020404" pitchFamily="49" charset="0"/>
+                <a:cs typeface="Courier New" panose="02070309020205020404" pitchFamily="49" charset="0"/>
+              </a:rPr>
+              <a:t> </a:t>
+            </a:r>
+            <a:r>
+              <a:rPr lang="nl-NL" sz="1400" dirty="0" err="1" smtClean="0">
+                <a:latin typeface="Courier New" panose="02070309020205020404" pitchFamily="49" charset="0"/>
+                <a:cs typeface="Courier New" panose="02070309020205020404" pitchFamily="49" charset="0"/>
+              </a:rPr>
+              <a:t>see</a:t>
+            </a:r>
+            <a:r>
+              <a:rPr lang="nl-NL" sz="1400" dirty="0" smtClean="0">
+                <a:latin typeface="Courier New" panose="02070309020205020404" pitchFamily="49" charset="0"/>
+                <a:cs typeface="Courier New" panose="02070309020205020404" pitchFamily="49" charset="0"/>
+              </a:rPr>
+              <a:t> the documentation). </a:t>
+            </a:r>
+          </a:p>
+          <a:p>
+            <a:pPr>
+              <a:buFont typeface="+mj-lt"/>
+              <a:buAutoNum type="arabicPeriod"/>
+            </a:pPr>
+            <a:endParaRPr lang="nl-NL" sz="1400" dirty="0">
+              <a:latin typeface="Courier New" panose="02070309020205020404" pitchFamily="49" charset="0"/>
+              <a:cs typeface="Courier New" panose="02070309020205020404" pitchFamily="49" charset="0"/>
+            </a:endParaRPr>
+          </a:p>
+          <a:p>
+            <a:pPr>
+              <a:buFont typeface="+mj-lt"/>
+              <a:buAutoNum type="arabicPeriod"/>
+            </a:pPr>
+            <a:r>
+              <a:rPr lang="nl-NL" sz="1400" dirty="0" err="1" smtClean="0">
+                <a:latin typeface="Courier New" panose="02070309020205020404" pitchFamily="49" charset="0"/>
+                <a:cs typeface="Courier New" panose="02070309020205020404" pitchFamily="49" charset="0"/>
+              </a:rPr>
+              <a:t>Find</a:t>
+            </a:r>
+            <a:r>
+              <a:rPr lang="nl-NL" sz="1400" dirty="0" smtClean="0">
+                <a:latin typeface="Courier New" panose="02070309020205020404" pitchFamily="49" charset="0"/>
+                <a:cs typeface="Courier New" panose="02070309020205020404" pitchFamily="49" charset="0"/>
+              </a:rPr>
+              <a:t> out the most </a:t>
+            </a:r>
+            <a:r>
+              <a:rPr lang="nl-NL" sz="1400" dirty="0" err="1" smtClean="0">
+                <a:latin typeface="Courier New" panose="02070309020205020404" pitchFamily="49" charset="0"/>
+                <a:cs typeface="Courier New" panose="02070309020205020404" pitchFamily="49" charset="0"/>
+              </a:rPr>
+              <a:t>predictive</a:t>
+            </a:r>
+            <a:r>
+              <a:rPr lang="nl-NL" sz="1400" dirty="0" smtClean="0">
+                <a:latin typeface="Courier New" panose="02070309020205020404" pitchFamily="49" charset="0"/>
+                <a:cs typeface="Courier New" panose="02070309020205020404" pitchFamily="49" charset="0"/>
+              </a:rPr>
+              <a:t> </a:t>
+            </a:r>
+            <a:r>
+              <a:rPr lang="nl-NL" sz="1400" dirty="0" err="1" smtClean="0">
+                <a:latin typeface="Courier New" panose="02070309020205020404" pitchFamily="49" charset="0"/>
+                <a:cs typeface="Courier New" panose="02070309020205020404" pitchFamily="49" charset="0"/>
+              </a:rPr>
+              <a:t>words</a:t>
+            </a:r>
+            <a:r>
+              <a:rPr lang="nl-NL" sz="1400" dirty="0" smtClean="0">
+                <a:latin typeface="Courier New" panose="02070309020205020404" pitchFamily="49" charset="0"/>
+                <a:cs typeface="Courier New" panose="02070309020205020404" pitchFamily="49" charset="0"/>
+              </a:rPr>
+              <a:t> </a:t>
+            </a:r>
+            <a:r>
+              <a:rPr lang="nl-NL" sz="1400" dirty="0" err="1" smtClean="0">
+                <a:latin typeface="Courier New" panose="02070309020205020404" pitchFamily="49" charset="0"/>
+                <a:cs typeface="Courier New" panose="02070309020205020404" pitchFamily="49" charset="0"/>
+              </a:rPr>
+              <a:t>for</a:t>
+            </a:r>
+            <a:r>
+              <a:rPr lang="nl-NL" sz="1400" dirty="0" smtClean="0">
+                <a:latin typeface="Courier New" panose="02070309020205020404" pitchFamily="49" charset="0"/>
+                <a:cs typeface="Courier New" panose="02070309020205020404" pitchFamily="49" charset="0"/>
+              </a:rPr>
+              <a:t> Bart </a:t>
+            </a:r>
+            <a:r>
+              <a:rPr lang="nl-NL" sz="1400" dirty="0" err="1" smtClean="0">
+                <a:latin typeface="Courier New" panose="02070309020205020404" pitchFamily="49" charset="0"/>
+                <a:cs typeface="Courier New" panose="02070309020205020404" pitchFamily="49" charset="0"/>
+              </a:rPr>
+              <a:t>using</a:t>
+            </a:r>
+            <a:r>
+              <a:rPr lang="nl-NL" sz="1400" dirty="0" smtClean="0">
+                <a:latin typeface="Courier New" panose="02070309020205020404" pitchFamily="49" charset="0"/>
+                <a:cs typeface="Courier New" panose="02070309020205020404" pitchFamily="49" charset="0"/>
+              </a:rPr>
+              <a:t> </a:t>
+            </a:r>
+            <a:r>
+              <a:rPr lang="nl-NL" sz="1400" i="1" dirty="0" err="1" smtClean="0">
+                <a:latin typeface="Courier New" panose="02070309020205020404" pitchFamily="49" charset="0"/>
+                <a:cs typeface="Courier New" panose="02070309020205020404" pitchFamily="49" charset="0"/>
+              </a:rPr>
+              <a:t>feature_log_prob</a:t>
+            </a:r>
+            <a:r>
+              <a:rPr lang="nl-NL" sz="1400" dirty="0" smtClean="0">
+                <a:latin typeface="Courier New" panose="02070309020205020404" pitchFamily="49" charset="0"/>
+                <a:cs typeface="Courier New" panose="02070309020205020404" pitchFamily="49" charset="0"/>
+              </a:rPr>
+              <a:t>.</a:t>
+            </a:r>
+          </a:p>
+          <a:p>
+            <a:pPr>
+              <a:buFont typeface="+mj-lt"/>
+              <a:buAutoNum type="arabicPeriod"/>
+            </a:pPr>
+            <a:endParaRPr lang="nl-NL" sz="1400" dirty="0">
+              <a:latin typeface="Courier New" panose="02070309020205020404" pitchFamily="49" charset="0"/>
+              <a:cs typeface="Courier New" panose="02070309020205020404" pitchFamily="49" charset="0"/>
+            </a:endParaRPr>
+          </a:p>
+          <a:p>
+            <a:pPr marL="0" indent="0">
+              <a:buNone/>
+            </a:pPr>
+            <a:r>
+              <a:rPr lang="nl-NL" sz="1400" dirty="0" smtClean="0">
+                <a:latin typeface="Courier New" panose="02070309020205020404" pitchFamily="49" charset="0"/>
+                <a:cs typeface="Courier New" panose="02070309020205020404" pitchFamily="49" charset="0"/>
+              </a:rPr>
+              <a:t> </a:t>
+            </a:r>
+            <a:r>
+              <a:rPr lang="nl-NL" sz="1400" i="1" dirty="0" smtClean="0">
+                <a:latin typeface="Courier New" panose="02070309020205020404" pitchFamily="49" charset="0"/>
+                <a:cs typeface="Courier New" panose="02070309020205020404" pitchFamily="49" charset="0"/>
+              </a:rPr>
+              <a:t>  </a:t>
+            </a:r>
+            <a:endParaRPr lang="nl-NL" sz="1400" i="1" dirty="0" smtClean="0">
+              <a:latin typeface="Courier New" panose="02070309020205020404" pitchFamily="49" charset="0"/>
+              <a:cs typeface="Courier New" panose="02070309020205020404" pitchFamily="49" charset="0"/>
+            </a:endParaRPr>
+          </a:p>
+          <a:p>
+            <a:pPr>
+              <a:buFont typeface="+mj-lt"/>
+              <a:buAutoNum type="arabicPeriod"/>
+            </a:pPr>
+            <a:endParaRPr lang="nl-NL" sz="1400" dirty="0">
+              <a:latin typeface="Courier New" panose="02070309020205020404" pitchFamily="49" charset="0"/>
+              <a:cs typeface="Courier New" panose="02070309020205020404" pitchFamily="49" charset="0"/>
+            </a:endParaRPr>
+          </a:p>
+          <a:p>
+            <a:pPr>
+              <a:buFont typeface="+mj-lt"/>
+              <a:buAutoNum type="arabicPeriod"/>
+            </a:pPr>
+            <a:endParaRPr lang="nl-NL" sz="1400" dirty="0" smtClean="0">
+              <a:latin typeface="Courier New" panose="02070309020205020404" pitchFamily="49" charset="0"/>
+              <a:cs typeface="Courier New" panose="02070309020205020404" pitchFamily="49" charset="0"/>
+            </a:endParaRPr>
+          </a:p>
+          <a:p>
+            <a:pPr>
+              <a:buFont typeface="+mj-lt"/>
+              <a:buAutoNum type="arabicPeriod"/>
+            </a:pPr>
+            <a:endParaRPr lang="nl-NL" sz="1400" kern="0" dirty="0">
+              <a:latin typeface="Courier New" panose="02070309020205020404" pitchFamily="49" charset="0"/>
+              <a:cs typeface="Courier New" panose="02070309020205020404" pitchFamily="49" charset="0"/>
+            </a:endParaRPr>
+          </a:p>
+          <a:p>
+            <a:pPr>
+              <a:buFont typeface="+mj-lt"/>
+              <a:buAutoNum type="arabicPeriod"/>
+            </a:pPr>
             <a:endParaRPr lang="nl-NL" sz="1400" kern="0" dirty="0">
               <a:latin typeface="Courier New" panose="02070309020205020404" pitchFamily="49" charset="0"/>
               <a:cs typeface="Courier New" panose="02070309020205020404" pitchFamily="49" charset="0"/>

--- a/slides/ddl-w8l2.pptx
+++ b/slides/ddl-w8l2.pptx
@@ -13,8 +13,8 @@
   <p:sldIdLst>
     <p:sldId id="276" r:id="rId2"/>
     <p:sldId id="277" r:id="rId3"/>
-    <p:sldId id="278" r:id="rId4"/>
-    <p:sldId id="279" r:id="rId5"/>
+    <p:sldId id="279" r:id="rId4"/>
+    <p:sldId id="285" r:id="rId5"/>
     <p:sldId id="284" r:id="rId6"/>
     <p:sldId id="282" r:id="rId7"/>
     <p:sldId id="281" r:id="rId8"/>
@@ -296,7 +296,7 @@
             <a:fld id="{373F1B60-BDF4-4D63-AD79-99D5A5B1DF99}" type="datetime1">
               <a:rPr lang="en-US"/>
               <a:pPr/>
-              <a:t>1/12/2019</a:t>
+              <a:t>1/15/2019</a:t>
             </a:fld>
             <a:endParaRPr lang="en-US"/>
           </a:p>
@@ -515,7 +515,7 @@
             <a:fld id="{4387A7AA-DFE9-4771-BEDE-3294FCEBFB02}" type="datetime1">
               <a:rPr lang="en-US"/>
               <a:pPr/>
-              <a:t>1/12/2019</a:t>
+              <a:t>1/15/2019</a:t>
             </a:fld>
             <a:endParaRPr lang="en-US"/>
           </a:p>
@@ -906,7 +906,7 @@
             <a:fld id="{8541E2CD-DBF4-40F9-B6F8-EEFD0DF8A138}" type="datetime1">
               <a:rPr lang="en-US"/>
               <a:pPr/>
-              <a:t>1/12/2019</a:t>
+              <a:t>1/15/2019</a:t>
             </a:fld>
             <a:endParaRPr lang="en-US"/>
           </a:p>
@@ -1126,7 +1126,7 @@
             <a:fld id="{93F21019-3A00-48AC-9663-40DF67A83229}" type="datetime1">
               <a:rPr lang="en-US"/>
               <a:pPr/>
-              <a:t>1/12/2019</a:t>
+              <a:t>1/15/2019</a:t>
             </a:fld>
             <a:endParaRPr lang="en-US">
               <a:solidFill>
@@ -1312,7 +1312,7 @@
             <a:fld id="{8B2EF9C8-0AC3-4A53-9A61-1834A571F420}" type="datetime1">
               <a:rPr lang="en-US"/>
               <a:pPr/>
-              <a:t>1/12/2019</a:t>
+              <a:t>1/15/2019</a:t>
             </a:fld>
             <a:endParaRPr lang="en-US" sz="1400">
               <a:solidFill>
@@ -1509,7 +1509,7 @@
             <a:fld id="{F02960F3-A385-4905-A491-FDC17E063DD1}" type="datetime1">
               <a:rPr lang="en-US"/>
               <a:pPr/>
-              <a:t>1/12/2019</a:t>
+              <a:t>1/15/2019</a:t>
             </a:fld>
             <a:endParaRPr lang="en-US" sz="1400">
               <a:solidFill>
@@ -1768,7 +1768,7 @@
             <a:fld id="{CD3AD70A-8E2A-47B5-AC18-ABBB5A8E737D}" type="datetime1">
               <a:rPr lang="en-US"/>
               <a:pPr/>
-              <a:t>1/12/2019</a:t>
+              <a:t>1/15/2019</a:t>
             </a:fld>
             <a:endParaRPr lang="en-US" sz="1400">
               <a:solidFill>
@@ -2004,7 +2004,7 @@
             <a:fld id="{07008C2E-9BD6-496B-BFC3-B4A975EBC85E}" type="datetime1">
               <a:rPr lang="en-US"/>
               <a:pPr/>
-              <a:t>1/12/2019</a:t>
+              <a:t>1/15/2019</a:t>
             </a:fld>
             <a:endParaRPr lang="en-US" sz="1400">
               <a:solidFill>
@@ -2183,7 +2183,7 @@
             <a:fld id="{1AA2C3CF-866C-4FDE-B76D-4E9536901630}" type="datetime1">
               <a:rPr lang="en-US"/>
               <a:pPr/>
-              <a:t>1/12/2019</a:t>
+              <a:t>1/15/2019</a:t>
             </a:fld>
             <a:endParaRPr lang="en-US" sz="1400">
               <a:solidFill>
@@ -2362,7 +2362,7 @@
             <a:fld id="{555EE259-FE08-4558-B721-B189FFE77284}" type="datetime1">
               <a:rPr lang="en-US"/>
               <a:pPr/>
-              <a:t>1/12/2019</a:t>
+              <a:t>1/15/2019</a:t>
             </a:fld>
             <a:endParaRPr lang="en-US" sz="1400">
               <a:solidFill>
@@ -2631,7 +2631,7 @@
             <a:fld id="{0AF4064E-5624-49AB-B7C6-E301A8F6B1FF}" type="datetime1">
               <a:rPr lang="en-US"/>
               <a:pPr/>
-              <a:t>1/12/2019</a:t>
+              <a:t>1/15/2019</a:t>
             </a:fld>
             <a:endParaRPr lang="en-US" sz="1400">
               <a:solidFill>
@@ -2828,7 +2828,7 @@
             <a:fld id="{CBC97FCD-6C54-4833-B032-BFBCDFA8379D}" type="datetime1">
               <a:rPr lang="en-US"/>
               <a:pPr/>
-              <a:t>1/12/2019</a:t>
+              <a:t>1/15/2019</a:t>
             </a:fld>
             <a:endParaRPr lang="en-US" sz="1400">
               <a:solidFill>
@@ -3037,7 +3037,7 @@
             <a:fld id="{F04AA577-515A-431F-98B6-3B03494ABB11}" type="datetime1">
               <a:rPr lang="en-US"/>
               <a:pPr/>
-              <a:t>1/12/2019</a:t>
+              <a:t>1/15/2019</a:t>
             </a:fld>
             <a:endParaRPr lang="en-US" sz="1400">
               <a:solidFill>
@@ -3342,7 +3342,7 @@
             <a:fld id="{6475F1A4-C474-4345-A800-2F40B0E4E70C}" type="datetime1">
               <a:rPr lang="en-US"/>
               <a:pPr/>
-              <a:t>1/12/2019</a:t>
+              <a:t>1/15/2019</a:t>
             </a:fld>
             <a:endParaRPr lang="en-US" sz="1400">
               <a:solidFill>
@@ -3786,7 +3786,7 @@
             <a:fld id="{7BA535AB-820E-4207-9DA8-5F37106C7AF4}" type="datetime1">
               <a:rPr lang="en-US"/>
               <a:pPr/>
-              <a:t>1/12/2019</a:t>
+              <a:t>1/15/2019</a:t>
             </a:fld>
             <a:endParaRPr lang="en-US" sz="1400">
               <a:solidFill>
@@ -3921,7 +3921,7 @@
             <a:fld id="{0A7E69FA-D7EE-42C0-9117-1971B541885F}" type="datetime1">
               <a:rPr lang="en-US"/>
               <a:pPr/>
-              <a:t>1/12/2019</a:t>
+              <a:t>1/15/2019</a:t>
             </a:fld>
             <a:endParaRPr lang="en-US" sz="1400">
               <a:solidFill>
@@ -4033,7 +4033,7 @@
             <a:fld id="{10D7644E-1B5D-4325-BA79-338DF2B89B56}" type="datetime1">
               <a:rPr lang="en-US"/>
               <a:pPr/>
-              <a:t>1/12/2019</a:t>
+              <a:t>1/15/2019</a:t>
             </a:fld>
             <a:endParaRPr lang="en-US" sz="1400">
               <a:solidFill>
@@ -4327,7 +4327,7 @@
             <a:fld id="{B790C882-0B74-4932-8998-E9ABB8AF1740}" type="datetime1">
               <a:rPr lang="en-US"/>
               <a:pPr/>
-              <a:t>1/12/2019</a:t>
+              <a:t>1/15/2019</a:t>
             </a:fld>
             <a:endParaRPr lang="en-US" sz="1400">
               <a:solidFill>
@@ -4597,7 +4597,7 @@
             <a:fld id="{9DC585DC-AE7D-44C1-90AB-C3A391DEA065}" type="datetime1">
               <a:rPr lang="en-US"/>
               <a:pPr/>
-              <a:t>1/12/2019</a:t>
+              <a:t>1/15/2019</a:t>
             </a:fld>
             <a:endParaRPr lang="en-US" sz="1400">
               <a:solidFill>
@@ -4861,7 +4861,7 @@
             <a:fld id="{256CE565-1940-4E5F-9190-C0815CEAAA9D}" type="datetime1">
               <a:rPr lang="en-US"/>
               <a:pPr/>
-              <a:t>1/12/2019</a:t>
+              <a:t>1/15/2019</a:t>
             </a:fld>
             <a:endParaRPr lang="en-US"/>
           </a:p>
@@ -5706,7 +5706,7 @@
           <a:p>
             <a:r>
               <a:rPr lang="nl-NL" dirty="0" smtClean="0"/>
-              <a:t>Intro</a:t>
+              <a:t>Feedback</a:t>
             </a:r>
             <a:endParaRPr lang="nl-NL" dirty="0"/>
           </a:p>
@@ -5722,19 +5722,328 @@
             <p:ph idx="1"/>
           </p:nvPr>
         </p:nvSpPr>
-        <p:spPr/>
+        <p:spPr>
+          <a:xfrm>
+            <a:off x="762000" y="1762125"/>
+            <a:ext cx="7881938" cy="5484578"/>
+          </a:xfrm>
+        </p:spPr>
         <p:txBody>
           <a:bodyPr/>
           <a:lstStyle/>
           <a:p>
-            <a:endParaRPr lang="nl-NL"/>
-          </a:p>
-        </p:txBody>
-      </p:sp>
+            <a:r>
+              <a:rPr lang="nl-NL" sz="2400" dirty="0" err="1" smtClean="0"/>
+              <a:t>Don’t</a:t>
+            </a:r>
+            <a:r>
+              <a:rPr lang="nl-NL" sz="2400" dirty="0" smtClean="0"/>
+              <a:t> </a:t>
+            </a:r>
+            <a:r>
+              <a:rPr lang="nl-NL" sz="2400" dirty="0" err="1" smtClean="0"/>
+              <a:t>work</a:t>
+            </a:r>
+            <a:r>
+              <a:rPr lang="nl-NL" sz="2400" dirty="0" smtClean="0"/>
+              <a:t> </a:t>
+            </a:r>
+            <a:r>
+              <a:rPr lang="nl-NL" sz="2400" dirty="0" err="1" smtClean="0"/>
+              <a:t>with</a:t>
+            </a:r>
+            <a:r>
+              <a:rPr lang="nl-NL" sz="2400" dirty="0" smtClean="0"/>
+              <a:t> a </a:t>
+            </a:r>
+            <a:r>
+              <a:rPr lang="nl-NL" sz="2400" dirty="0" err="1" smtClean="0"/>
+              <a:t>huge</a:t>
+            </a:r>
+            <a:r>
+              <a:rPr lang="nl-NL" sz="2400" dirty="0" smtClean="0"/>
+              <a:t> </a:t>
+            </a:r>
+            <a:r>
+              <a:rPr lang="nl-NL" sz="2400" dirty="0" err="1" smtClean="0"/>
+              <a:t>DataFrame</a:t>
+            </a:r>
+            <a:r>
+              <a:rPr lang="nl-NL" sz="2400" dirty="0" smtClean="0"/>
+              <a:t> </a:t>
+            </a:r>
+            <a:r>
+              <a:rPr lang="nl-NL" sz="2400" dirty="0" err="1" smtClean="0"/>
+              <a:t>containing</a:t>
+            </a:r>
+            <a:r>
+              <a:rPr lang="nl-NL" sz="2400" dirty="0" smtClean="0"/>
+              <a:t> </a:t>
+            </a:r>
+            <a:r>
+              <a:rPr lang="nl-NL" sz="2400" dirty="0" err="1" smtClean="0"/>
+              <a:t>mostly</a:t>
+            </a:r>
+            <a:r>
+              <a:rPr lang="nl-NL" sz="2400" dirty="0" smtClean="0"/>
+              <a:t> 0’s– </a:t>
+            </a:r>
+            <a:r>
+              <a:rPr lang="nl-NL" sz="2400" dirty="0" err="1" smtClean="0"/>
+              <a:t>that</a:t>
+            </a:r>
+            <a:r>
+              <a:rPr lang="nl-NL" sz="2400" dirty="0" smtClean="0"/>
+              <a:t> was </a:t>
+            </a:r>
+            <a:r>
+              <a:rPr lang="nl-NL" sz="2400" dirty="0" err="1" smtClean="0"/>
+              <a:t>just</a:t>
+            </a:r>
+            <a:r>
+              <a:rPr lang="nl-NL" sz="2400" dirty="0" smtClean="0"/>
+              <a:t> </a:t>
+            </a:r>
+            <a:r>
+              <a:rPr lang="nl-NL" sz="2400" dirty="0" err="1" smtClean="0"/>
+              <a:t>for</a:t>
+            </a:r>
+            <a:r>
+              <a:rPr lang="nl-NL" sz="2400" dirty="0" smtClean="0"/>
+              <a:t> the </a:t>
+            </a:r>
+            <a:r>
+              <a:rPr lang="nl-NL" sz="2400" dirty="0" err="1" smtClean="0"/>
+              <a:t>example</a:t>
+            </a:r>
+            <a:r>
+              <a:rPr lang="nl-NL" sz="2400" dirty="0" smtClean="0"/>
+              <a:t>. </a:t>
+            </a:r>
+            <a:r>
+              <a:rPr lang="nl-NL" sz="2400" dirty="0" err="1" smtClean="0"/>
+              <a:t>Use</a:t>
+            </a:r>
+            <a:r>
+              <a:rPr lang="nl-NL" sz="2400" dirty="0" smtClean="0"/>
+              <a:t> a </a:t>
+            </a:r>
+            <a:r>
+              <a:rPr lang="nl-NL" sz="2400" dirty="0" err="1" smtClean="0"/>
+              <a:t>sparse</a:t>
+            </a:r>
+            <a:r>
+              <a:rPr lang="nl-NL" sz="2400" dirty="0" smtClean="0"/>
+              <a:t> matrix </a:t>
+            </a:r>
+            <a:r>
+              <a:rPr lang="nl-NL" sz="2400" dirty="0" err="1" smtClean="0"/>
+              <a:t>instead</a:t>
+            </a:r>
+            <a:endParaRPr lang="nl-NL" sz="2400" dirty="0" smtClean="0"/>
+          </a:p>
+          <a:p>
+            <a:endParaRPr lang="nl-NL" sz="2400" dirty="0" smtClean="0"/>
+          </a:p>
+          <a:p>
+            <a:r>
+              <a:rPr lang="nl-NL" sz="2400" dirty="0" smtClean="0"/>
+              <a:t>The ‘[:]’ is </a:t>
+            </a:r>
+            <a:r>
+              <a:rPr lang="nl-NL" sz="2400" dirty="0" err="1" smtClean="0"/>
+              <a:t>unnecessary</a:t>
+            </a:r>
+            <a:r>
+              <a:rPr lang="nl-NL" sz="2400" dirty="0" smtClean="0"/>
+              <a:t>. </a:t>
+            </a:r>
+            <a:r>
+              <a:rPr lang="nl-NL" sz="2400" dirty="0" err="1" smtClean="0"/>
+              <a:t>You</a:t>
+            </a:r>
+            <a:r>
+              <a:rPr lang="nl-NL" sz="2400" dirty="0" smtClean="0"/>
+              <a:t> </a:t>
+            </a:r>
+            <a:r>
+              <a:rPr lang="nl-NL" sz="2400" dirty="0" err="1" smtClean="0"/>
+              <a:t>could</a:t>
+            </a:r>
+            <a:r>
+              <a:rPr lang="nl-NL" sz="2400" dirty="0" smtClean="0"/>
+              <a:t> </a:t>
+            </a:r>
+            <a:r>
+              <a:rPr lang="nl-NL" sz="2400" dirty="0" err="1" smtClean="0"/>
+              <a:t>also</a:t>
+            </a:r>
+            <a:r>
+              <a:rPr lang="nl-NL" sz="2400" dirty="0" smtClean="0"/>
+              <a:t> put the variables </a:t>
+            </a:r>
+            <a:r>
+              <a:rPr lang="nl-NL" sz="2400" dirty="0" err="1" smtClean="0"/>
+              <a:t>directly</a:t>
+            </a:r>
+            <a:r>
+              <a:rPr lang="nl-NL" sz="2400" dirty="0" smtClean="0"/>
+              <a:t> in the X </a:t>
+            </a:r>
+            <a:r>
+              <a:rPr lang="nl-NL" sz="2400" dirty="0" err="1" smtClean="0"/>
+              <a:t>and</a:t>
+            </a:r>
+            <a:r>
+              <a:rPr lang="nl-NL" sz="2400" dirty="0" smtClean="0"/>
+              <a:t> y </a:t>
+            </a:r>
+            <a:r>
+              <a:rPr lang="nl-NL" sz="2400" dirty="0" err="1" smtClean="0"/>
+              <a:t>directly</a:t>
+            </a:r>
+            <a:r>
+              <a:rPr lang="nl-NL" sz="2400" dirty="0"/>
+              <a:t> </a:t>
+            </a:r>
+            <a:r>
+              <a:rPr lang="nl-NL" sz="2400" dirty="0" smtClean="0"/>
+              <a:t>in the </a:t>
+            </a:r>
+            <a:r>
+              <a:rPr lang="nl-NL" sz="2400" dirty="0" err="1" smtClean="0"/>
+              <a:t>function</a:t>
+            </a:r>
+            <a:r>
+              <a:rPr lang="nl-NL" sz="2400" dirty="0" smtClean="0"/>
+              <a:t>, </a:t>
+            </a:r>
+            <a:r>
+              <a:rPr lang="nl-NL" sz="2400" dirty="0" err="1" smtClean="0"/>
+              <a:t>though</a:t>
+            </a:r>
+            <a:r>
+              <a:rPr lang="nl-NL" sz="2400" dirty="0" smtClean="0"/>
+              <a:t> </a:t>
+            </a:r>
+            <a:r>
+              <a:rPr lang="nl-NL" sz="2400" dirty="0" err="1" smtClean="0"/>
+              <a:t>for</a:t>
+            </a:r>
+            <a:r>
+              <a:rPr lang="nl-NL" sz="2400" dirty="0" smtClean="0"/>
+              <a:t> </a:t>
+            </a:r>
+            <a:r>
+              <a:rPr lang="nl-NL" sz="2400" dirty="0" err="1" smtClean="0"/>
+              <a:t>clarity</a:t>
+            </a:r>
+            <a:r>
+              <a:rPr lang="nl-NL" sz="2400" dirty="0" smtClean="0"/>
+              <a:t> </a:t>
+            </a:r>
+            <a:r>
+              <a:rPr lang="nl-NL" sz="2400" dirty="0" err="1" smtClean="0"/>
+              <a:t>you</a:t>
+            </a:r>
+            <a:r>
+              <a:rPr lang="nl-NL" sz="2400" dirty="0" smtClean="0"/>
+              <a:t> </a:t>
+            </a:r>
+            <a:r>
+              <a:rPr lang="nl-NL" sz="2400" dirty="0" err="1" smtClean="0"/>
+              <a:t>can</a:t>
+            </a:r>
+            <a:r>
+              <a:rPr lang="nl-NL" sz="2400" dirty="0" smtClean="0"/>
+              <a:t> </a:t>
+            </a:r>
+            <a:r>
+              <a:rPr lang="nl-NL" sz="2400" dirty="0" err="1" smtClean="0"/>
+              <a:t>choose</a:t>
+            </a:r>
+            <a:r>
+              <a:rPr lang="nl-NL" sz="2400" dirty="0" smtClean="0"/>
+              <a:t> </a:t>
+            </a:r>
+            <a:r>
+              <a:rPr lang="nl-NL" sz="2400" dirty="0" err="1" smtClean="0"/>
+              <a:t>otherwise</a:t>
+            </a:r>
+            <a:endParaRPr lang="nl-NL" sz="2400" dirty="0" smtClean="0"/>
+          </a:p>
+          <a:p>
+            <a:endParaRPr lang="nl-NL" sz="2400" dirty="0"/>
+          </a:p>
+          <a:p>
+            <a:endParaRPr lang="nl-NL" sz="2400" dirty="0" smtClean="0"/>
+          </a:p>
+          <a:p>
+            <a:endParaRPr lang="nl-NL" sz="2400" dirty="0"/>
+          </a:p>
+          <a:p>
+            <a:endParaRPr lang="nl-NL" sz="2400" dirty="0" smtClean="0"/>
+          </a:p>
+          <a:p>
+            <a:endParaRPr lang="nl-NL" sz="2400" dirty="0"/>
+          </a:p>
+          <a:p>
+            <a:endParaRPr lang="nl-NL" sz="2400" dirty="0"/>
+          </a:p>
+        </p:txBody>
+      </p:sp>
+      <p:pic>
+        <p:nvPicPr>
+          <p:cNvPr id="5" name="Afbeelding 4"/>
+          <p:cNvPicPr>
+            <a:picLocks noChangeAspect="1"/>
+          </p:cNvPicPr>
+          <p:nvPr/>
+        </p:nvPicPr>
+        <p:blipFill>
+          <a:blip r:embed="rId2"/>
+          <a:stretch>
+            <a:fillRect/>
+          </a:stretch>
+        </p:blipFill>
+        <p:spPr>
+          <a:xfrm>
+            <a:off x="1146464" y="4869160"/>
+            <a:ext cx="5381625" cy="828675"/>
+          </a:xfrm>
+          <a:prstGeom prst="rect">
+            <a:avLst/>
+          </a:prstGeom>
+        </p:spPr>
+      </p:pic>
+      <p:pic>
+        <p:nvPicPr>
+          <p:cNvPr id="6" name="Afbeelding 5"/>
+          <p:cNvPicPr>
+            <a:picLocks noChangeAspect="1"/>
+          </p:cNvPicPr>
+          <p:nvPr/>
+        </p:nvPicPr>
+        <p:blipFill>
+          <a:blip r:embed="rId3"/>
+          <a:stretch>
+            <a:fillRect/>
+          </a:stretch>
+        </p:blipFill>
+        <p:spPr>
+          <a:xfrm>
+            <a:off x="1162488" y="6005376"/>
+            <a:ext cx="7406431" cy="265546"/>
+          </a:xfrm>
+          <a:prstGeom prst="rect">
+            <a:avLst/>
+          </a:prstGeom>
+        </p:spPr>
+      </p:pic>
     </p:spTree>
     <p:extLst>
       <p:ext uri="{BB962C8B-B14F-4D97-AF65-F5344CB8AC3E}">
-        <p14:creationId xmlns:p14="http://schemas.microsoft.com/office/powerpoint/2010/main" val="3850590273"/>
+        <p14:creationId xmlns:p14="http://schemas.microsoft.com/office/powerpoint/2010/main" val="3095502339"/>
       </p:ext>
     </p:extLst>
   </p:cSld>
@@ -5778,7 +6087,11 @@
           <a:p>
             <a:r>
               <a:rPr lang="nl-NL" dirty="0" smtClean="0"/>
-              <a:t>Feedback</a:t>
+              <a:t>Prior </a:t>
+            </a:r>
+            <a:r>
+              <a:rPr lang="nl-NL" dirty="0" err="1" smtClean="0"/>
+              <a:t>probability</a:t>
             </a:r>
             <a:endParaRPr lang="nl-NL" dirty="0"/>
           </a:p>
@@ -5794,19 +6107,333 @@
             <p:ph idx="1"/>
           </p:nvPr>
         </p:nvSpPr>
-        <p:spPr/>
+        <p:spPr>
+          <a:xfrm>
+            <a:off x="762000" y="1762125"/>
+            <a:ext cx="7881938" cy="5484578"/>
+          </a:xfrm>
+        </p:spPr>
         <p:txBody>
           <a:bodyPr/>
           <a:lstStyle/>
           <a:p>
-            <a:endParaRPr lang="nl-NL"/>
+            <a:r>
+              <a:rPr lang="nl-NL" sz="2400" dirty="0" err="1" smtClean="0"/>
+              <a:t>If</a:t>
+            </a:r>
+            <a:r>
+              <a:rPr lang="nl-NL" sz="2400" dirty="0"/>
+              <a:t> </a:t>
+            </a:r>
+            <a:r>
+              <a:rPr lang="nl-NL" sz="2400" dirty="0" smtClean="0"/>
+              <a:t>the </a:t>
+            </a:r>
+            <a:r>
+              <a:rPr lang="nl-NL" sz="2400" dirty="0" err="1" smtClean="0"/>
+              <a:t>distribution</a:t>
+            </a:r>
+            <a:r>
+              <a:rPr lang="nl-NL" sz="2400" dirty="0" smtClean="0"/>
+              <a:t> of </a:t>
+            </a:r>
+            <a:r>
+              <a:rPr lang="nl-NL" sz="2400" dirty="0" err="1" smtClean="0"/>
+              <a:t>your</a:t>
+            </a:r>
+            <a:r>
+              <a:rPr lang="nl-NL" sz="2400" dirty="0" smtClean="0"/>
+              <a:t> classes is </a:t>
+            </a:r>
+            <a:r>
+              <a:rPr lang="nl-NL" sz="2400" dirty="0" err="1" smtClean="0"/>
+              <a:t>uneven</a:t>
+            </a:r>
+            <a:r>
+              <a:rPr lang="nl-NL" sz="2400" dirty="0" smtClean="0"/>
+              <a:t>, the </a:t>
+            </a:r>
+            <a:r>
+              <a:rPr lang="nl-NL" sz="2400" i="1" dirty="0" smtClean="0"/>
+              <a:t>prior </a:t>
+            </a:r>
+            <a:r>
+              <a:rPr lang="nl-NL" sz="2400" dirty="0" err="1" smtClean="0"/>
+              <a:t>probability</a:t>
+            </a:r>
+            <a:r>
+              <a:rPr lang="nl-NL" sz="2400" dirty="0" smtClean="0"/>
+              <a:t> </a:t>
+            </a:r>
+            <a:r>
+              <a:rPr lang="nl-NL" sz="2400" dirty="0" err="1" smtClean="0"/>
+              <a:t>will</a:t>
+            </a:r>
+            <a:r>
+              <a:rPr lang="nl-NL" sz="2400" dirty="0" smtClean="0"/>
+              <a:t> </a:t>
+            </a:r>
+            <a:r>
+              <a:rPr lang="nl-NL" sz="2400" dirty="0" err="1" smtClean="0"/>
+              <a:t>reflect</a:t>
+            </a:r>
+            <a:r>
+              <a:rPr lang="nl-NL" sz="2400" dirty="0" smtClean="0"/>
+              <a:t> this</a:t>
+            </a:r>
+          </a:p>
+          <a:p>
+            <a:endParaRPr lang="nl-NL" sz="2400" dirty="0"/>
+          </a:p>
+          <a:p>
+            <a:r>
+              <a:rPr lang="nl-NL" sz="2400" dirty="0" smtClean="0"/>
+              <a:t>Simpsons </a:t>
+            </a:r>
+            <a:r>
+              <a:rPr lang="nl-NL" sz="2400" dirty="0" err="1" smtClean="0"/>
+              <a:t>example</a:t>
+            </a:r>
+            <a:r>
+              <a:rPr lang="nl-NL" sz="2400" dirty="0" smtClean="0"/>
+              <a:t>: </a:t>
+            </a:r>
+            <a:r>
+              <a:rPr lang="nl-NL" sz="2400" dirty="0" err="1" smtClean="0"/>
+              <a:t>given</a:t>
+            </a:r>
+            <a:r>
+              <a:rPr lang="nl-NL" sz="2400" dirty="0" smtClean="0"/>
+              <a:t> no </a:t>
+            </a:r>
+            <a:r>
+              <a:rPr lang="nl-NL" sz="2400" dirty="0" err="1" smtClean="0"/>
+              <a:t>other</a:t>
+            </a:r>
+            <a:r>
+              <a:rPr lang="nl-NL" sz="2400" dirty="0" smtClean="0"/>
+              <a:t> information, the </a:t>
+            </a:r>
+            <a:r>
+              <a:rPr lang="nl-NL" sz="2400" dirty="0" err="1" smtClean="0"/>
+              <a:t>algorithm</a:t>
+            </a:r>
+            <a:r>
+              <a:rPr lang="nl-NL" sz="2400" dirty="0" smtClean="0"/>
+              <a:t> </a:t>
+            </a:r>
+            <a:r>
+              <a:rPr lang="nl-NL" sz="2400" dirty="0" err="1" smtClean="0"/>
+              <a:t>will</a:t>
+            </a:r>
+            <a:r>
+              <a:rPr lang="nl-NL" sz="2400" dirty="0" smtClean="0"/>
+              <a:t> </a:t>
+            </a:r>
+            <a:r>
+              <a:rPr lang="nl-NL" sz="2400" dirty="0" err="1" smtClean="0"/>
+              <a:t>classify</a:t>
+            </a:r>
+            <a:r>
+              <a:rPr lang="nl-NL" sz="2400" dirty="0" smtClean="0"/>
+              <a:t> the </a:t>
+            </a:r>
+            <a:r>
+              <a:rPr lang="nl-NL" sz="2400" dirty="0" err="1" smtClean="0"/>
+              <a:t>utterance</a:t>
+            </a:r>
+            <a:r>
+              <a:rPr lang="nl-NL" sz="2400" dirty="0" smtClean="0"/>
+              <a:t> as </a:t>
+            </a:r>
+            <a:r>
+              <a:rPr lang="nl-NL" sz="2400" dirty="0" err="1" smtClean="0"/>
+              <a:t>Bart’s</a:t>
+            </a:r>
+            <a:endParaRPr lang="nl-NL" sz="2400" dirty="0" smtClean="0"/>
+          </a:p>
+          <a:p>
+            <a:endParaRPr lang="nl-NL" sz="2400" dirty="0"/>
+          </a:p>
+          <a:p>
+            <a:r>
+              <a:rPr lang="nl-NL" sz="2400" dirty="0" err="1" smtClean="0"/>
+              <a:t>Whether</a:t>
+            </a:r>
+            <a:r>
+              <a:rPr lang="nl-NL" sz="2400" dirty="0" smtClean="0"/>
+              <a:t> this is a </a:t>
+            </a:r>
+            <a:r>
+              <a:rPr lang="nl-NL" sz="2400" dirty="0" err="1" smtClean="0"/>
+              <a:t>problem</a:t>
+            </a:r>
+            <a:r>
+              <a:rPr lang="nl-NL" sz="2400" dirty="0" smtClean="0"/>
+              <a:t>, </a:t>
+            </a:r>
+            <a:r>
+              <a:rPr lang="nl-NL" sz="2400" dirty="0" err="1" smtClean="0"/>
+              <a:t>depends</a:t>
+            </a:r>
+            <a:r>
+              <a:rPr lang="nl-NL" sz="2400" dirty="0" smtClean="0"/>
+              <a:t> on </a:t>
+            </a:r>
+            <a:r>
+              <a:rPr lang="nl-NL" sz="2400" dirty="0" err="1" smtClean="0"/>
+              <a:t>your</a:t>
+            </a:r>
+            <a:r>
+              <a:rPr lang="nl-NL" sz="2400" dirty="0" smtClean="0"/>
+              <a:t> goal (</a:t>
+            </a:r>
+            <a:r>
+              <a:rPr lang="nl-NL" sz="2400" dirty="0" err="1" smtClean="0"/>
+              <a:t>preference</a:t>
+            </a:r>
+            <a:r>
+              <a:rPr lang="nl-NL" sz="2400" dirty="0" smtClean="0"/>
+              <a:t> </a:t>
+            </a:r>
+            <a:r>
+              <a:rPr lang="nl-NL" sz="2400" dirty="0" err="1" smtClean="0"/>
+              <a:t>for</a:t>
+            </a:r>
+            <a:r>
+              <a:rPr lang="nl-NL" sz="2400" dirty="0" smtClean="0"/>
+              <a:t> </a:t>
+            </a:r>
+            <a:r>
+              <a:rPr lang="nl-NL" sz="2400" dirty="0" err="1" smtClean="0"/>
+              <a:t>accuracy</a:t>
+            </a:r>
+            <a:r>
+              <a:rPr lang="nl-NL" sz="2400" dirty="0" smtClean="0"/>
+              <a:t>/</a:t>
+            </a:r>
+            <a:r>
+              <a:rPr lang="nl-NL" sz="2400" dirty="0" err="1" smtClean="0"/>
+              <a:t>precision</a:t>
+            </a:r>
+            <a:r>
+              <a:rPr lang="nl-NL" sz="2400" dirty="0"/>
+              <a:t>/</a:t>
+            </a:r>
+            <a:r>
+              <a:rPr lang="nl-NL" sz="2400" dirty="0" err="1" smtClean="0"/>
+              <a:t>recall</a:t>
+            </a:r>
+            <a:r>
+              <a:rPr lang="nl-NL" sz="2400" dirty="0" smtClean="0"/>
+              <a:t>)</a:t>
+            </a:r>
+          </a:p>
+          <a:p>
+            <a:endParaRPr lang="nl-NL" sz="2400" dirty="0"/>
+          </a:p>
+          <a:p>
+            <a:r>
+              <a:rPr lang="nl-NL" sz="2400" dirty="0" err="1" smtClean="0"/>
+              <a:t>If</a:t>
+            </a:r>
+            <a:r>
+              <a:rPr lang="nl-NL" sz="2400" dirty="0" smtClean="0"/>
+              <a:t> </a:t>
+            </a:r>
+            <a:r>
+              <a:rPr lang="nl-NL" sz="2400" dirty="0" err="1" smtClean="0"/>
+              <a:t>you</a:t>
+            </a:r>
+            <a:r>
+              <a:rPr lang="nl-NL" sz="2400" dirty="0" smtClean="0"/>
+              <a:t> want, </a:t>
+            </a:r>
+            <a:r>
+              <a:rPr lang="nl-NL" sz="2400" dirty="0" err="1" smtClean="0"/>
+              <a:t>you</a:t>
+            </a:r>
+            <a:r>
+              <a:rPr lang="nl-NL" sz="2400" dirty="0" smtClean="0"/>
+              <a:t> </a:t>
+            </a:r>
+            <a:r>
+              <a:rPr lang="nl-NL" sz="2400" dirty="0" err="1" smtClean="0"/>
+              <a:t>can</a:t>
+            </a:r>
+            <a:r>
+              <a:rPr lang="nl-NL" sz="2400" dirty="0" smtClean="0"/>
+              <a:t> sample </a:t>
+            </a:r>
+            <a:r>
+              <a:rPr lang="nl-NL" sz="2400" dirty="0" err="1" smtClean="0"/>
+              <a:t>both</a:t>
+            </a:r>
+            <a:r>
+              <a:rPr lang="nl-NL" sz="2400" dirty="0" smtClean="0"/>
+              <a:t> classes </a:t>
+            </a:r>
+            <a:r>
+              <a:rPr lang="nl-NL" sz="2400" dirty="0" err="1" smtClean="0"/>
+              <a:t>evenly</a:t>
+            </a:r>
+            <a:r>
+              <a:rPr lang="nl-NL" sz="2400" dirty="0" smtClean="0"/>
+              <a:t>, or </a:t>
+            </a:r>
+            <a:r>
+              <a:rPr lang="nl-NL" sz="2400" dirty="0" err="1" smtClean="0"/>
+              <a:t>explicitly</a:t>
+            </a:r>
+            <a:r>
+              <a:rPr lang="nl-NL" sz="2400" dirty="0" smtClean="0"/>
+              <a:t> model </a:t>
+            </a:r>
+            <a:r>
+              <a:rPr lang="nl-NL" sz="2400" dirty="0" err="1" smtClean="0"/>
+              <a:t>your</a:t>
+            </a:r>
+            <a:r>
+              <a:rPr lang="nl-NL" sz="2400" dirty="0" smtClean="0"/>
+              <a:t> prior (</a:t>
+            </a:r>
+            <a:r>
+              <a:rPr lang="nl-NL" sz="2400" dirty="0" err="1" smtClean="0"/>
+              <a:t>for</a:t>
+            </a:r>
+            <a:r>
+              <a:rPr lang="nl-NL" sz="2400" dirty="0" smtClean="0"/>
+              <a:t> </a:t>
+            </a:r>
+            <a:r>
+              <a:rPr lang="nl-NL" sz="2400" dirty="0" err="1" smtClean="0"/>
+              <a:t>some</a:t>
+            </a:r>
+            <a:r>
+              <a:rPr lang="nl-NL" sz="2400" dirty="0" smtClean="0"/>
+              <a:t> </a:t>
+            </a:r>
+            <a:r>
+              <a:rPr lang="nl-NL" sz="2400" dirty="0" err="1" smtClean="0"/>
+              <a:t>models</a:t>
+            </a:r>
+            <a:r>
+              <a:rPr lang="nl-NL" sz="2400" dirty="0" smtClean="0"/>
+              <a:t>)</a:t>
+            </a:r>
+          </a:p>
+          <a:p>
+            <a:endParaRPr lang="nl-NL" sz="2400" dirty="0"/>
+          </a:p>
+          <a:p>
+            <a:endParaRPr lang="nl-NL" sz="2400" dirty="0"/>
           </a:p>
         </p:txBody>
       </p:sp>
     </p:spTree>
     <p:extLst>
       <p:ext uri="{BB962C8B-B14F-4D97-AF65-F5344CB8AC3E}">
-        <p14:creationId xmlns:p14="http://schemas.microsoft.com/office/powerpoint/2010/main" val="3095502339"/>
+        <p14:creationId xmlns:p14="http://schemas.microsoft.com/office/powerpoint/2010/main" val="2142233227"/>
       </p:ext>
     </p:extLst>
   </p:cSld>
@@ -7092,7 +7719,7 @@
         <p:spPr bwMode="auto">
           <a:xfrm>
             <a:off x="838200" y="1484784"/>
-            <a:ext cx="7881938" cy="7029617"/>
+            <a:ext cx="7881938" cy="7503593"/>
           </a:xfrm>
           <a:prstGeom prst="rect">
             <a:avLst/>
@@ -7858,7 +8485,70 @@
                 <a:latin typeface="Courier New" panose="02070309020205020404" pitchFamily="49" charset="0"/>
                 <a:cs typeface="Courier New" panose="02070309020205020404" pitchFamily="49" charset="0"/>
               </a:rPr>
-              <a:t> text, </a:t>
+              <a:t> </a:t>
+            </a:r>
+            <a:r>
+              <a:rPr lang="nl-NL" sz="1400" dirty="0" smtClean="0">
+                <a:latin typeface="Courier New" panose="02070309020205020404" pitchFamily="49" charset="0"/>
+                <a:cs typeface="Courier New" panose="02070309020205020404" pitchFamily="49" charset="0"/>
+              </a:rPr>
+              <a:t>text </a:t>
+            </a:r>
+            <a:r>
+              <a:rPr lang="nl-NL" sz="1400" dirty="0" err="1" smtClean="0">
+                <a:latin typeface="Courier New" panose="02070309020205020404" pitchFamily="49" charset="0"/>
+                <a:cs typeface="Courier New" panose="02070309020205020404" pitchFamily="49" charset="0"/>
+              </a:rPr>
+              <a:t>belonging</a:t>
+            </a:r>
+            <a:r>
+              <a:rPr lang="nl-NL" sz="1400" dirty="0" smtClean="0">
+                <a:latin typeface="Courier New" panose="02070309020205020404" pitchFamily="49" charset="0"/>
+                <a:cs typeface="Courier New" panose="02070309020205020404" pitchFamily="49" charset="0"/>
+              </a:rPr>
+              <a:t> </a:t>
+            </a:r>
+            <a:r>
+              <a:rPr lang="nl-NL" sz="1400" dirty="0" err="1" smtClean="0">
+                <a:latin typeface="Courier New" panose="02070309020205020404" pitchFamily="49" charset="0"/>
+                <a:cs typeface="Courier New" panose="02070309020205020404" pitchFamily="49" charset="0"/>
+              </a:rPr>
+              <a:t>to</a:t>
+            </a:r>
+            <a:r>
+              <a:rPr lang="nl-NL" sz="1400" dirty="0" smtClean="0">
+                <a:latin typeface="Courier New" panose="02070309020205020404" pitchFamily="49" charset="0"/>
+                <a:cs typeface="Courier New" panose="02070309020205020404" pitchFamily="49" charset="0"/>
+              </a:rPr>
+              <a:t> a class (tip: </a:t>
+            </a:r>
+            <a:r>
+              <a:rPr lang="nl-NL" sz="1400" dirty="0" err="1" smtClean="0">
+                <a:latin typeface="Courier New" panose="02070309020205020404" pitchFamily="49" charset="0"/>
+                <a:cs typeface="Courier New" panose="02070309020205020404" pitchFamily="49" charset="0"/>
+              </a:rPr>
+              <a:t>it’s</a:t>
+            </a:r>
+            <a:r>
+              <a:rPr lang="nl-NL" sz="1400" dirty="0" smtClean="0">
+                <a:latin typeface="Courier New" panose="02070309020205020404" pitchFamily="49" charset="0"/>
+                <a:cs typeface="Courier New" panose="02070309020205020404" pitchFamily="49" charset="0"/>
+              </a:rPr>
+              <a:t> a </a:t>
+            </a:r>
+            <a:r>
+              <a:rPr lang="nl-NL" sz="1400" i="1" dirty="0" err="1" smtClean="0">
+                <a:latin typeface="Courier New" panose="02070309020205020404" pitchFamily="49" charset="0"/>
+                <a:cs typeface="Courier New" panose="02070309020205020404" pitchFamily="49" charset="0"/>
+              </a:rPr>
+              <a:t>method</a:t>
+            </a:r>
+            <a:r>
+              <a:rPr lang="nl-NL" sz="1400" dirty="0" smtClean="0">
+                <a:latin typeface="Courier New" panose="02070309020205020404" pitchFamily="49" charset="0"/>
+                <a:cs typeface="Courier New" panose="02070309020205020404" pitchFamily="49" charset="0"/>
+              </a:rPr>
+              <a:t>), </a:t>
             </a:r>
             <a:r>
               <a:rPr lang="nl-NL" sz="1400" dirty="0" err="1" smtClean="0">
@@ -7947,49 +8637,84 @@
               <a:buAutoNum type="arabicPeriod"/>
             </a:pPr>
             <a:r>
+              <a:rPr lang="nl-NL" sz="1400" dirty="0" err="1" smtClean="0">
+                <a:latin typeface="Courier New" panose="02070309020205020404" pitchFamily="49" charset="0"/>
+                <a:cs typeface="Courier New" panose="02070309020205020404" pitchFamily="49" charset="0"/>
+              </a:rPr>
+              <a:t>Create</a:t>
+            </a:r>
+            <a:r>
               <a:rPr lang="nl-NL" sz="1400" dirty="0" smtClean="0">
                 <a:latin typeface="Courier New" panose="02070309020205020404" pitchFamily="49" charset="0"/>
                 <a:cs typeface="Courier New" panose="02070309020205020404" pitchFamily="49" charset="0"/>
               </a:rPr>
-              <a:t>How </a:t>
+              <a:t> a loop </a:t>
             </a:r>
             <a:r>
               <a:rPr lang="nl-NL" sz="1400" dirty="0" err="1" smtClean="0">
                 <a:latin typeface="Courier New" panose="02070309020205020404" pitchFamily="49" charset="0"/>
                 <a:cs typeface="Courier New" panose="02070309020205020404" pitchFamily="49" charset="0"/>
               </a:rPr>
-              <a:t>can</a:t>
+              <a:t>that</a:t>
             </a:r>
             <a:r>
               <a:rPr lang="nl-NL" sz="1400" dirty="0" smtClean="0">
                 <a:latin typeface="Courier New" panose="02070309020205020404" pitchFamily="49" charset="0"/>
                 <a:cs typeface="Courier New" panose="02070309020205020404" pitchFamily="49" charset="0"/>
               </a:rPr>
-              <a:t> we </a:t>
+              <a:t> prints out a few </a:t>
             </a:r>
             <a:r>
               <a:rPr lang="nl-NL" sz="1400" dirty="0" err="1" smtClean="0">
                 <a:latin typeface="Courier New" panose="02070309020205020404" pitchFamily="49" charset="0"/>
                 <a:cs typeface="Courier New" panose="02070309020205020404" pitchFamily="49" charset="0"/>
               </a:rPr>
-              <a:t>interpret</a:t>
+              <a:t>lines</a:t>
             </a:r>
             <a:r>
               <a:rPr lang="nl-NL" sz="1400" dirty="0" smtClean="0">
                 <a:latin typeface="Courier New" panose="02070309020205020404" pitchFamily="49" charset="0"/>
                 <a:cs typeface="Courier New" panose="02070309020205020404" pitchFamily="49" charset="0"/>
               </a:rPr>
+              <a:t> of </a:t>
+            </a:r>
+            <a:r>
+              <a:rPr lang="nl-NL" sz="1400" dirty="0" err="1" smtClean="0">
+                <a:latin typeface="Courier New" panose="02070309020205020404" pitchFamily="49" charset="0"/>
+                <a:cs typeface="Courier New" panose="02070309020205020404" pitchFamily="49" charset="0"/>
+              </a:rPr>
+              <a:t>dialogue</a:t>
+            </a:r>
+            <a:r>
+              <a:rPr lang="nl-NL" sz="1400" dirty="0" smtClean="0">
+                <a:latin typeface="Courier New" panose="02070309020205020404" pitchFamily="49" charset="0"/>
+                <a:cs typeface="Courier New" panose="02070309020205020404" pitchFamily="49" charset="0"/>
+              </a:rPr>
+              <a:t> </a:t>
+            </a:r>
+            <a:r>
+              <a:rPr lang="nl-NL" sz="1400" dirty="0" err="1" smtClean="0">
+                <a:latin typeface="Courier New" panose="02070309020205020404" pitchFamily="49" charset="0"/>
+                <a:cs typeface="Courier New" panose="02070309020205020404" pitchFamily="49" charset="0"/>
+              </a:rPr>
+              <a:t>and</a:t>
+            </a:r>
+            <a:r>
+              <a:rPr lang="nl-NL" sz="1400" dirty="0" smtClean="0">
+                <a:latin typeface="Courier New" panose="02070309020205020404" pitchFamily="49" charset="0"/>
+                <a:cs typeface="Courier New" panose="02070309020205020404" pitchFamily="49" charset="0"/>
+              </a:rPr>
               <a:t> the </a:t>
             </a:r>
             <a:r>
-              <a:rPr lang="nl-NL" sz="1400" i="1" dirty="0" err="1" smtClean="0">
-                <a:latin typeface="Courier New" panose="02070309020205020404" pitchFamily="49" charset="0"/>
-                <a:cs typeface="Courier New" panose="02070309020205020404" pitchFamily="49" charset="0"/>
-              </a:rPr>
-              <a:t>MultinomialNB</a:t>
-            </a:r>
-            <a:r>
-              <a:rPr lang="nl-NL" sz="1400" i="1" dirty="0" smtClean="0">
+              <a:rPr lang="nl-NL" sz="1400" dirty="0" err="1" smtClean="0">
+                <a:latin typeface="Courier New" panose="02070309020205020404" pitchFamily="49" charset="0"/>
+                <a:cs typeface="Courier New" panose="02070309020205020404" pitchFamily="49" charset="0"/>
+              </a:rPr>
+              <a:t>associated</a:t>
+            </a:r>
+            <a:r>
+              <a:rPr lang="nl-NL" sz="1400" dirty="0" smtClean="0">
                 <a:latin typeface="Courier New" panose="02070309020205020404" pitchFamily="49" charset="0"/>
                 <a:cs typeface="Courier New" panose="02070309020205020404" pitchFamily="49" charset="0"/>
               </a:rPr>
@@ -8000,7 +8725,7 @@
                 <a:latin typeface="Courier New" panose="02070309020205020404" pitchFamily="49" charset="0"/>
                 <a:cs typeface="Courier New" panose="02070309020205020404" pitchFamily="49" charset="0"/>
               </a:rPr>
-              <a:t>attribute</a:t>
+              <a:t>probabilities</a:t>
             </a:r>
             <a:r>
               <a:rPr lang="nl-NL" sz="1400" dirty="0" smtClean="0">
@@ -8010,165 +8735,60 @@
               <a:t> </a:t>
             </a:r>
             <a:r>
-              <a:rPr lang="nl-NL" sz="1400" i="1" dirty="0" err="1" smtClean="0">
-                <a:latin typeface="Courier New" panose="02070309020205020404" pitchFamily="49" charset="0"/>
-                <a:cs typeface="Courier New" panose="02070309020205020404" pitchFamily="49" charset="0"/>
-              </a:rPr>
-              <a:t>feature_log_prob</a:t>
-            </a:r>
-            <a:r>
-              <a:rPr lang="nl-NL" sz="1400" i="1" dirty="0" smtClean="0">
-                <a:latin typeface="Courier New" panose="02070309020205020404" pitchFamily="49" charset="0"/>
-                <a:cs typeface="Courier New" panose="02070309020205020404" pitchFamily="49" charset="0"/>
-              </a:rPr>
-              <a:t>_</a:t>
+              <a:rPr lang="nl-NL" sz="1400" dirty="0" err="1" smtClean="0">
+                <a:latin typeface="Courier New" panose="02070309020205020404" pitchFamily="49" charset="0"/>
+                <a:cs typeface="Courier New" panose="02070309020205020404" pitchFamily="49" charset="0"/>
+              </a:rPr>
+              <a:t>for</a:t>
             </a:r>
             <a:r>
               <a:rPr lang="nl-NL" sz="1400" dirty="0" smtClean="0">
                 <a:latin typeface="Courier New" panose="02070309020205020404" pitchFamily="49" charset="0"/>
                 <a:cs typeface="Courier New" panose="02070309020205020404" pitchFamily="49" charset="0"/>
               </a:rPr>
-              <a:t>? Print </a:t>
+              <a:t> Bart </a:t>
             </a:r>
             <a:r>
               <a:rPr lang="nl-NL" sz="1400" dirty="0" err="1" smtClean="0">
                 <a:latin typeface="Courier New" panose="02070309020205020404" pitchFamily="49" charset="0"/>
                 <a:cs typeface="Courier New" panose="02070309020205020404" pitchFamily="49" charset="0"/>
               </a:rPr>
-              <a:t>it</a:t>
+              <a:t>and</a:t>
             </a:r>
             <a:r>
               <a:rPr lang="nl-NL" sz="1400" dirty="0" smtClean="0">
                 <a:latin typeface="Courier New" panose="02070309020205020404" pitchFamily="49" charset="0"/>
                 <a:cs typeface="Courier New" panose="02070309020205020404" pitchFamily="49" charset="0"/>
               </a:rPr>
-              <a:t> </a:t>
+              <a:t> Lisa. Tip: the array </a:t>
             </a:r>
             <a:r>
               <a:rPr lang="nl-NL" sz="1400" dirty="0" err="1" smtClean="0">
                 <a:latin typeface="Courier New" panose="02070309020205020404" pitchFamily="49" charset="0"/>
                 <a:cs typeface="Courier New" panose="02070309020205020404" pitchFamily="49" charset="0"/>
               </a:rPr>
-              <a:t>and</a:t>
+              <a:t>with</a:t>
             </a:r>
             <a:r>
               <a:rPr lang="nl-NL" sz="1400" dirty="0" smtClean="0">
                 <a:latin typeface="Courier New" panose="02070309020205020404" pitchFamily="49" charset="0"/>
                 <a:cs typeface="Courier New" panose="02070309020205020404" pitchFamily="49" charset="0"/>
               </a:rPr>
-              <a:t> </a:t>
+              <a:t> the </a:t>
             </a:r>
             <a:r>
               <a:rPr lang="nl-NL" sz="1400" dirty="0" err="1" smtClean="0">
                 <a:latin typeface="Courier New" panose="02070309020205020404" pitchFamily="49" charset="0"/>
                 <a:cs typeface="Courier New" panose="02070309020205020404" pitchFamily="49" charset="0"/>
               </a:rPr>
-              <a:t>see</a:t>
+              <a:t>probabilities</a:t>
             </a:r>
             <a:r>
               <a:rPr lang="nl-NL" sz="1400" dirty="0" smtClean="0">
                 <a:latin typeface="Courier New" panose="02070309020205020404" pitchFamily="49" charset="0"/>
                 <a:cs typeface="Courier New" panose="02070309020205020404" pitchFamily="49" charset="0"/>
               </a:rPr>
-              <a:t> </a:t>
-            </a:r>
-            <a:r>
-              <a:rPr lang="nl-NL" sz="1400" dirty="0" err="1" smtClean="0">
-                <a:latin typeface="Courier New" panose="02070309020205020404" pitchFamily="49" charset="0"/>
-                <a:cs typeface="Courier New" panose="02070309020205020404" pitchFamily="49" charset="0"/>
-              </a:rPr>
-              <a:t>if</a:t>
-            </a:r>
-            <a:r>
-              <a:rPr lang="nl-NL" sz="1400" dirty="0" smtClean="0">
-                <a:latin typeface="Courier New" panose="02070309020205020404" pitchFamily="49" charset="0"/>
-                <a:cs typeface="Courier New" panose="02070309020205020404" pitchFamily="49" charset="0"/>
-              </a:rPr>
-              <a:t> </a:t>
-            </a:r>
-            <a:r>
-              <a:rPr lang="nl-NL" sz="1400" dirty="0" err="1" smtClean="0">
-                <a:latin typeface="Courier New" panose="02070309020205020404" pitchFamily="49" charset="0"/>
-                <a:cs typeface="Courier New" panose="02070309020205020404" pitchFamily="49" charset="0"/>
-              </a:rPr>
-              <a:t>you</a:t>
-            </a:r>
-            <a:r>
-              <a:rPr lang="nl-NL" sz="1400" dirty="0" smtClean="0">
-                <a:latin typeface="Courier New" panose="02070309020205020404" pitchFamily="49" charset="0"/>
-                <a:cs typeface="Courier New" panose="02070309020205020404" pitchFamily="49" charset="0"/>
-              </a:rPr>
-              <a:t> </a:t>
-            </a:r>
-            <a:r>
-              <a:rPr lang="nl-NL" sz="1400" dirty="0" err="1" smtClean="0">
-                <a:latin typeface="Courier New" panose="02070309020205020404" pitchFamily="49" charset="0"/>
-                <a:cs typeface="Courier New" panose="02070309020205020404" pitchFamily="49" charset="0"/>
-              </a:rPr>
-              <a:t>can</a:t>
-            </a:r>
-            <a:r>
-              <a:rPr lang="nl-NL" sz="1400" dirty="0" smtClean="0">
-                <a:latin typeface="Courier New" panose="02070309020205020404" pitchFamily="49" charset="0"/>
-                <a:cs typeface="Courier New" panose="02070309020205020404" pitchFamily="49" charset="0"/>
-              </a:rPr>
-              <a:t> </a:t>
-            </a:r>
-            <a:r>
-              <a:rPr lang="nl-NL" sz="1400" dirty="0" err="1" smtClean="0">
-                <a:latin typeface="Courier New" panose="02070309020205020404" pitchFamily="49" charset="0"/>
-                <a:cs typeface="Courier New" panose="02070309020205020404" pitchFamily="49" charset="0"/>
-              </a:rPr>
-              <a:t>understand</a:t>
-            </a:r>
-            <a:r>
-              <a:rPr lang="nl-NL" sz="1400" dirty="0" smtClean="0">
-                <a:latin typeface="Courier New" panose="02070309020205020404" pitchFamily="49" charset="0"/>
-                <a:cs typeface="Courier New" panose="02070309020205020404" pitchFamily="49" charset="0"/>
-              </a:rPr>
-              <a:t> </a:t>
-            </a:r>
-            <a:r>
-              <a:rPr lang="nl-NL" sz="1400" dirty="0" err="1" smtClean="0">
-                <a:latin typeface="Courier New" panose="02070309020205020404" pitchFamily="49" charset="0"/>
-                <a:cs typeface="Courier New" panose="02070309020205020404" pitchFamily="49" charset="0"/>
-              </a:rPr>
-              <a:t>it</a:t>
-            </a:r>
-            <a:r>
-              <a:rPr lang="nl-NL" sz="1400" dirty="0" smtClean="0">
-                <a:latin typeface="Courier New" panose="02070309020205020404" pitchFamily="49" charset="0"/>
-                <a:cs typeface="Courier New" panose="02070309020205020404" pitchFamily="49" charset="0"/>
-              </a:rPr>
-              <a:t> (</a:t>
-            </a:r>
-            <a:r>
-              <a:rPr lang="nl-NL" sz="1400" dirty="0" err="1" smtClean="0">
-                <a:latin typeface="Courier New" panose="02070309020205020404" pitchFamily="49" charset="0"/>
-                <a:cs typeface="Courier New" panose="02070309020205020404" pitchFamily="49" charset="0"/>
-              </a:rPr>
-              <a:t>also</a:t>
-            </a:r>
-            <a:r>
-              <a:rPr lang="nl-NL" sz="1400" dirty="0" smtClean="0">
-                <a:latin typeface="Courier New" panose="02070309020205020404" pitchFamily="49" charset="0"/>
-                <a:cs typeface="Courier New" panose="02070309020205020404" pitchFamily="49" charset="0"/>
-              </a:rPr>
-              <a:t> </a:t>
-            </a:r>
-            <a:r>
-              <a:rPr lang="nl-NL" sz="1400" dirty="0" err="1" smtClean="0">
-                <a:latin typeface="Courier New" panose="02070309020205020404" pitchFamily="49" charset="0"/>
-                <a:cs typeface="Courier New" panose="02070309020205020404" pitchFamily="49" charset="0"/>
-              </a:rPr>
-              <a:t>see</a:t>
-            </a:r>
-            <a:r>
-              <a:rPr lang="nl-NL" sz="1400" dirty="0" smtClean="0">
-                <a:latin typeface="Courier New" panose="02070309020205020404" pitchFamily="49" charset="0"/>
-                <a:cs typeface="Courier New" panose="02070309020205020404" pitchFamily="49" charset="0"/>
-              </a:rPr>
-              <a:t> the documentation). </a:t>
+              <a:t> is 2-dimensional.</a:t>
             </a:r>
           </a:p>
           <a:p>
@@ -8187,25 +8807,32 @@
               <a:buAutoNum type="arabicPeriod"/>
             </a:pPr>
             <a:r>
+              <a:rPr lang="nl-NL" sz="1400" dirty="0" smtClean="0">
+                <a:latin typeface="Courier New" panose="02070309020205020404" pitchFamily="49" charset="0"/>
+                <a:cs typeface="Courier New" panose="02070309020205020404" pitchFamily="49" charset="0"/>
+              </a:rPr>
+              <a:t>Check out the output. Do </a:t>
+            </a:r>
+            <a:r>
               <a:rPr lang="nl-NL" sz="1400" dirty="0" err="1" smtClean="0">
                 <a:latin typeface="Courier New" panose="02070309020205020404" pitchFamily="49" charset="0"/>
                 <a:cs typeface="Courier New" panose="02070309020205020404" pitchFamily="49" charset="0"/>
               </a:rPr>
-              <a:t>Find</a:t>
+              <a:t>you</a:t>
             </a:r>
             <a:r>
               <a:rPr lang="nl-NL" sz="1400" dirty="0" smtClean="0">
                 <a:latin typeface="Courier New" panose="02070309020205020404" pitchFamily="49" charset="0"/>
                 <a:cs typeface="Courier New" panose="02070309020205020404" pitchFamily="49" charset="0"/>
               </a:rPr>
-              <a:t> out the most </a:t>
+              <a:t> </a:t>
             </a:r>
             <a:r>
               <a:rPr lang="nl-NL" sz="1400" dirty="0" err="1" smtClean="0">
                 <a:latin typeface="Courier New" panose="02070309020205020404" pitchFamily="49" charset="0"/>
                 <a:cs typeface="Courier New" panose="02070309020205020404" pitchFamily="49" charset="0"/>
               </a:rPr>
-              <a:t>predictive</a:t>
+              <a:t>see</a:t>
             </a:r>
             <a:r>
               <a:rPr lang="nl-NL" sz="1400" dirty="0" smtClean="0">
@@ -8219,13 +8846,41 @@
                 <a:latin typeface="Courier New" panose="02070309020205020404" pitchFamily="49" charset="0"/>
                 <a:cs typeface="Courier New" panose="02070309020205020404" pitchFamily="49" charset="0"/>
               </a:rPr>
-              <a:t>words</a:t>
+              <a:t>patterns</a:t>
             </a:r>
             <a:r>
               <a:rPr lang="nl-NL" sz="1400" dirty="0" smtClean="0">
                 <a:latin typeface="Courier New" panose="02070309020205020404" pitchFamily="49" charset="0"/>
                 <a:cs typeface="Courier New" panose="02070309020205020404" pitchFamily="49" charset="0"/>
               </a:rPr>
+              <a:t> (</a:t>
+            </a:r>
+            <a:r>
+              <a:rPr lang="nl-NL" sz="1400" dirty="0" err="1" smtClean="0">
+                <a:latin typeface="Courier New" panose="02070309020205020404" pitchFamily="49" charset="0"/>
+                <a:cs typeface="Courier New" panose="02070309020205020404" pitchFamily="49" charset="0"/>
+              </a:rPr>
+              <a:t>based</a:t>
+            </a:r>
+            <a:r>
+              <a:rPr lang="nl-NL" sz="1400" dirty="0" smtClean="0">
+                <a:latin typeface="Courier New" panose="02070309020205020404" pitchFamily="49" charset="0"/>
+                <a:cs typeface="Courier New" panose="02070309020205020404" pitchFamily="49" charset="0"/>
+              </a:rPr>
+              <a:t> on the data </a:t>
+            </a:r>
+            <a:r>
+              <a:rPr lang="nl-NL" sz="1400" dirty="0" err="1" smtClean="0">
+                <a:latin typeface="Courier New" panose="02070309020205020404" pitchFamily="49" charset="0"/>
+                <a:cs typeface="Courier New" panose="02070309020205020404" pitchFamily="49" charset="0"/>
+              </a:rPr>
+              <a:t>and</a:t>
+            </a:r>
+            <a:r>
+              <a:rPr lang="nl-NL" sz="1400" dirty="0" smtClean="0">
+                <a:latin typeface="Courier New" panose="02070309020205020404" pitchFamily="49" charset="0"/>
+                <a:cs typeface="Courier New" panose="02070309020205020404" pitchFamily="49" charset="0"/>
+              </a:rPr>
               <a:t> </a:t>
             </a:r>
             <a:r>
@@ -8233,43 +8888,33 @@
                 <a:latin typeface="Courier New" panose="02070309020205020404" pitchFamily="49" charset="0"/>
                 <a:cs typeface="Courier New" panose="02070309020205020404" pitchFamily="49" charset="0"/>
               </a:rPr>
-              <a:t>for</a:t>
+              <a:t>your</a:t>
             </a:r>
             <a:r>
               <a:rPr lang="nl-NL" sz="1400" dirty="0" smtClean="0">
                 <a:latin typeface="Courier New" panose="02070309020205020404" pitchFamily="49" charset="0"/>
                 <a:cs typeface="Courier New" panose="02070309020205020404" pitchFamily="49" charset="0"/>
               </a:rPr>
-              <a:t> Bart </a:t>
+              <a:t> </a:t>
             </a:r>
             <a:r>
               <a:rPr lang="nl-NL" sz="1400" dirty="0" err="1" smtClean="0">
                 <a:latin typeface="Courier New" panose="02070309020205020404" pitchFamily="49" charset="0"/>
                 <a:cs typeface="Courier New" panose="02070309020205020404" pitchFamily="49" charset="0"/>
               </a:rPr>
-              <a:t>using</a:t>
+              <a:t>knowledge</a:t>
             </a:r>
             <a:r>
               <a:rPr lang="nl-NL" sz="1400" dirty="0" smtClean="0">
                 <a:latin typeface="Courier New" panose="02070309020205020404" pitchFamily="49" charset="0"/>
                 <a:cs typeface="Courier New" panose="02070309020205020404" pitchFamily="49" charset="0"/>
               </a:rPr>
-              <a:t> </a:t>
-            </a:r>
-            <a:r>
-              <a:rPr lang="nl-NL" sz="1400" i="1" dirty="0" err="1" smtClean="0">
-                <a:latin typeface="Courier New" panose="02070309020205020404" pitchFamily="49" charset="0"/>
-                <a:cs typeface="Courier New" panose="02070309020205020404" pitchFamily="49" charset="0"/>
-              </a:rPr>
-              <a:t>feature_log_prob</a:t>
-            </a:r>
-            <a:r>
-              <a:rPr lang="nl-NL" sz="1400" dirty="0" smtClean="0">
-                <a:latin typeface="Courier New" panose="02070309020205020404" pitchFamily="49" charset="0"/>
-                <a:cs typeface="Courier New" panose="02070309020205020404" pitchFamily="49" charset="0"/>
-              </a:rPr>
-              <a:t>.</a:t>
-            </a:r>
+              <a:t> of the Simpsons)?</a:t>
+            </a:r>
+            <a:endParaRPr lang="nl-NL" sz="1400" dirty="0" smtClean="0">
+              <a:latin typeface="Courier New" panose="02070309020205020404" pitchFamily="49" charset="0"/>
+              <a:cs typeface="Courier New" panose="02070309020205020404" pitchFamily="49" charset="0"/>
+            </a:endParaRPr>
           </a:p>
           <a:p>
             <a:pPr>
@@ -8282,6 +8927,16 @@
             </a:endParaRPr>
           </a:p>
           <a:p>
+            <a:pPr>
+              <a:buFont typeface="+mj-lt"/>
+              <a:buAutoNum type="arabicPeriod"/>
+            </a:pPr>
+            <a:endParaRPr lang="nl-NL" sz="1400" dirty="0">
+              <a:latin typeface="Courier New" panose="02070309020205020404" pitchFamily="49" charset="0"/>
+              <a:cs typeface="Courier New" panose="02070309020205020404" pitchFamily="49" charset="0"/>
+            </a:endParaRPr>
+          </a:p>
+          <a:p>
             <a:pPr marL="0" indent="0">
               <a:buNone/>
             </a:pPr>
@@ -8299,10 +8954,6 @@
               </a:rPr>
               <a:t>  </a:t>
             </a:r>
-            <a:endParaRPr lang="nl-NL" sz="1400" i="1" dirty="0" smtClean="0">
-              <a:latin typeface="Courier New" panose="02070309020205020404" pitchFamily="49" charset="0"/>
-              <a:cs typeface="Courier New" panose="02070309020205020404" pitchFamily="49" charset="0"/>
-            </a:endParaRPr>
           </a:p>
           <a:p>
             <a:pPr>

--- a/slides/ddl-w8l2.pptx
+++ b/slides/ddl-w8l2.pptx
@@ -296,7 +296,7 @@
             <a:fld id="{373F1B60-BDF4-4D63-AD79-99D5A5B1DF99}" type="datetime1">
               <a:rPr lang="en-US"/>
               <a:pPr/>
-              <a:t>1/15/2019</a:t>
+              <a:t>1/16/2019</a:t>
             </a:fld>
             <a:endParaRPr lang="en-US"/>
           </a:p>
@@ -515,7 +515,7 @@
             <a:fld id="{4387A7AA-DFE9-4771-BEDE-3294FCEBFB02}" type="datetime1">
               <a:rPr lang="en-US"/>
               <a:pPr/>
-              <a:t>1/15/2019</a:t>
+              <a:t>1/16/2019</a:t>
             </a:fld>
             <a:endParaRPr lang="en-US"/>
           </a:p>
@@ -906,7 +906,7 @@
             <a:fld id="{8541E2CD-DBF4-40F9-B6F8-EEFD0DF8A138}" type="datetime1">
               <a:rPr lang="en-US"/>
               <a:pPr/>
-              <a:t>1/15/2019</a:t>
+              <a:t>1/16/2019</a:t>
             </a:fld>
             <a:endParaRPr lang="en-US"/>
           </a:p>
@@ -1126,7 +1126,7 @@
             <a:fld id="{93F21019-3A00-48AC-9663-40DF67A83229}" type="datetime1">
               <a:rPr lang="en-US"/>
               <a:pPr/>
-              <a:t>1/15/2019</a:t>
+              <a:t>1/16/2019</a:t>
             </a:fld>
             <a:endParaRPr lang="en-US">
               <a:solidFill>
@@ -1312,7 +1312,7 @@
             <a:fld id="{8B2EF9C8-0AC3-4A53-9A61-1834A571F420}" type="datetime1">
               <a:rPr lang="en-US"/>
               <a:pPr/>
-              <a:t>1/15/2019</a:t>
+              <a:t>1/16/2019</a:t>
             </a:fld>
             <a:endParaRPr lang="en-US" sz="1400">
               <a:solidFill>
@@ -1509,7 +1509,7 @@
             <a:fld id="{F02960F3-A385-4905-A491-FDC17E063DD1}" type="datetime1">
               <a:rPr lang="en-US"/>
               <a:pPr/>
-              <a:t>1/15/2019</a:t>
+              <a:t>1/16/2019</a:t>
             </a:fld>
             <a:endParaRPr lang="en-US" sz="1400">
               <a:solidFill>
@@ -1768,7 +1768,7 @@
             <a:fld id="{CD3AD70A-8E2A-47B5-AC18-ABBB5A8E737D}" type="datetime1">
               <a:rPr lang="en-US"/>
               <a:pPr/>
-              <a:t>1/15/2019</a:t>
+              <a:t>1/16/2019</a:t>
             </a:fld>
             <a:endParaRPr lang="en-US" sz="1400">
               <a:solidFill>
@@ -2004,7 +2004,7 @@
             <a:fld id="{07008C2E-9BD6-496B-BFC3-B4A975EBC85E}" type="datetime1">
               <a:rPr lang="en-US"/>
               <a:pPr/>
-              <a:t>1/15/2019</a:t>
+              <a:t>1/16/2019</a:t>
             </a:fld>
             <a:endParaRPr lang="en-US" sz="1400">
               <a:solidFill>
@@ -2183,7 +2183,7 @@
             <a:fld id="{1AA2C3CF-866C-4FDE-B76D-4E9536901630}" type="datetime1">
               <a:rPr lang="en-US"/>
               <a:pPr/>
-              <a:t>1/15/2019</a:t>
+              <a:t>1/16/2019</a:t>
             </a:fld>
             <a:endParaRPr lang="en-US" sz="1400">
               <a:solidFill>
@@ -2362,7 +2362,7 @@
             <a:fld id="{555EE259-FE08-4558-B721-B189FFE77284}" type="datetime1">
               <a:rPr lang="en-US"/>
               <a:pPr/>
-              <a:t>1/15/2019</a:t>
+              <a:t>1/16/2019</a:t>
             </a:fld>
             <a:endParaRPr lang="en-US" sz="1400">
               <a:solidFill>
@@ -2631,7 +2631,7 @@
             <a:fld id="{0AF4064E-5624-49AB-B7C6-E301A8F6B1FF}" type="datetime1">
               <a:rPr lang="en-US"/>
               <a:pPr/>
-              <a:t>1/15/2019</a:t>
+              <a:t>1/16/2019</a:t>
             </a:fld>
             <a:endParaRPr lang="en-US" sz="1400">
               <a:solidFill>
@@ -2828,7 +2828,7 @@
             <a:fld id="{CBC97FCD-6C54-4833-B032-BFBCDFA8379D}" type="datetime1">
               <a:rPr lang="en-US"/>
               <a:pPr/>
-              <a:t>1/15/2019</a:t>
+              <a:t>1/16/2019</a:t>
             </a:fld>
             <a:endParaRPr lang="en-US" sz="1400">
               <a:solidFill>
@@ -3037,7 +3037,7 @@
             <a:fld id="{F04AA577-515A-431F-98B6-3B03494ABB11}" type="datetime1">
               <a:rPr lang="en-US"/>
               <a:pPr/>
-              <a:t>1/15/2019</a:t>
+              <a:t>1/16/2019</a:t>
             </a:fld>
             <a:endParaRPr lang="en-US" sz="1400">
               <a:solidFill>
@@ -3342,7 +3342,7 @@
             <a:fld id="{6475F1A4-C474-4345-A800-2F40B0E4E70C}" type="datetime1">
               <a:rPr lang="en-US"/>
               <a:pPr/>
-              <a:t>1/15/2019</a:t>
+              <a:t>1/16/2019</a:t>
             </a:fld>
             <a:endParaRPr lang="en-US" sz="1400">
               <a:solidFill>
@@ -3786,7 +3786,7 @@
             <a:fld id="{7BA535AB-820E-4207-9DA8-5F37106C7AF4}" type="datetime1">
               <a:rPr lang="en-US"/>
               <a:pPr/>
-              <a:t>1/15/2019</a:t>
+              <a:t>1/16/2019</a:t>
             </a:fld>
             <a:endParaRPr lang="en-US" sz="1400">
               <a:solidFill>
@@ -3921,7 +3921,7 @@
             <a:fld id="{0A7E69FA-D7EE-42C0-9117-1971B541885F}" type="datetime1">
               <a:rPr lang="en-US"/>
               <a:pPr/>
-              <a:t>1/15/2019</a:t>
+              <a:t>1/16/2019</a:t>
             </a:fld>
             <a:endParaRPr lang="en-US" sz="1400">
               <a:solidFill>
@@ -4033,7 +4033,7 @@
             <a:fld id="{10D7644E-1B5D-4325-BA79-338DF2B89B56}" type="datetime1">
               <a:rPr lang="en-US"/>
               <a:pPr/>
-              <a:t>1/15/2019</a:t>
+              <a:t>1/16/2019</a:t>
             </a:fld>
             <a:endParaRPr lang="en-US" sz="1400">
               <a:solidFill>
@@ -4327,7 +4327,7 @@
             <a:fld id="{B790C882-0B74-4932-8998-E9ABB8AF1740}" type="datetime1">
               <a:rPr lang="en-US"/>
               <a:pPr/>
-              <a:t>1/15/2019</a:t>
+              <a:t>1/16/2019</a:t>
             </a:fld>
             <a:endParaRPr lang="en-US" sz="1400">
               <a:solidFill>
@@ -4597,7 +4597,7 @@
             <a:fld id="{9DC585DC-AE7D-44C1-90AB-C3A391DEA065}" type="datetime1">
               <a:rPr lang="en-US"/>
               <a:pPr/>
-              <a:t>1/15/2019</a:t>
+              <a:t>1/16/2019</a:t>
             </a:fld>
             <a:endParaRPr lang="en-US" sz="1400">
               <a:solidFill>
@@ -4861,7 +4861,7 @@
             <a:fld id="{256CE565-1940-4E5F-9190-C0815CEAAA9D}" type="datetime1">
               <a:rPr lang="en-US"/>
               <a:pPr/>
-              <a:t>1/15/2019</a:t>
+              <a:t>1/16/2019</a:t>
             </a:fld>
             <a:endParaRPr lang="en-US"/>
           </a:p>
@@ -6050,6 +6050,13 @@
   <p:clrMapOvr>
     <a:masterClrMapping/>
   </p:clrMapOvr>
+  <p:timing>
+    <p:tnLst>
+      <p:par>
+        <p:cTn id="1" dur="indefinite" restart="never" nodeType="tmRoot"/>
+      </p:par>
+    </p:tnLst>
+  </p:timing>
 </p:sld>
 </file>
 
@@ -6440,6 +6447,13 @@
   <p:clrMapOvr>
     <a:masterClrMapping/>
   </p:clrMapOvr>
+  <p:timing>
+    <p:tnLst>
+      <p:par>
+        <p:cTn id="1" dur="indefinite" restart="never" nodeType="tmRoot"/>
+      </p:par>
+    </p:tnLst>
+  </p:timing>
 </p:sld>
 </file>
 
@@ -6688,6 +6702,13 @@
   <p:clrMapOvr>
     <a:masterClrMapping/>
   </p:clrMapOvr>
+  <p:timing>
+    <p:tnLst>
+      <p:par>
+        <p:cTn id="1" dur="indefinite" restart="never" nodeType="tmRoot"/>
+      </p:par>
+    </p:tnLst>
+  </p:timing>
 </p:sld>
 </file>
 
@@ -7655,6 +7676,13 @@
   <p:clrMapOvr>
     <a:masterClrMapping/>
   </p:clrMapOvr>
+  <p:timing>
+    <p:tnLst>
+      <p:par>
+        <p:cTn id="1" dur="indefinite" restart="never" nodeType="tmRoot"/>
+      </p:par>
+    </p:tnLst>
+  </p:timing>
 </p:sld>
 </file>
 
@@ -8485,14 +8513,7 @@
                 <a:latin typeface="Courier New" panose="02070309020205020404" pitchFamily="49" charset="0"/>
                 <a:cs typeface="Courier New" panose="02070309020205020404" pitchFamily="49" charset="0"/>
               </a:rPr>
-              <a:t> </a:t>
-            </a:r>
-            <a:r>
-              <a:rPr lang="nl-NL" sz="1400" dirty="0" smtClean="0">
-                <a:latin typeface="Courier New" panose="02070309020205020404" pitchFamily="49" charset="0"/>
-                <a:cs typeface="Courier New" panose="02070309020205020404" pitchFamily="49" charset="0"/>
-              </a:rPr>
-              <a:t>text </a:t>
+              <a:t> text </a:t>
             </a:r>
             <a:r>
               <a:rPr lang="nl-NL" sz="1400" dirty="0" err="1" smtClean="0">
@@ -8911,10 +8932,6 @@
               </a:rPr>
               <a:t> of the Simpsons)?</a:t>
             </a:r>
-            <a:endParaRPr lang="nl-NL" sz="1400" dirty="0" smtClean="0">
-              <a:latin typeface="Courier New" panose="02070309020205020404" pitchFamily="49" charset="0"/>
-              <a:cs typeface="Courier New" panose="02070309020205020404" pitchFamily="49" charset="0"/>
-            </a:endParaRPr>
           </a:p>
           <a:p>
             <a:pPr>
@@ -9057,6 +9074,13 @@
   <p:clrMapOvr>
     <a:masterClrMapping/>
   </p:clrMapOvr>
+  <p:timing>
+    <p:tnLst>
+      <p:par>
+        <p:cTn id="1" dur="indefinite" restart="never" nodeType="tmRoot"/>
+      </p:par>
+    </p:tnLst>
+  </p:timing>
 </p:sld>
 </file>
 
